--- a/Spring_Beginners_1_SpringBootAndCore.pptx
+++ b/Spring_Beginners_1_SpringBootAndCore.pptx
@@ -896,7 +896,7 @@
             <a:fld id="{B61BEF0D-F0BB-DE4B-95CE-6DB70DBA9567}" type="datetimeFigureOut">
               <a:rPr lang="en-US" dirty="0"/>
               <a:pPr/>
-              <a:t>5/10/23</a:t>
+              <a:t>5/20/23</a:t>
             </a:fld>
             <a:endParaRPr lang="en-US" dirty="0"/>
           </a:p>
@@ -1144,7 +1144,7 @@
             <a:fld id="{B61BEF0D-F0BB-DE4B-95CE-6DB70DBA9567}" type="datetimeFigureOut">
               <a:rPr lang="en-US" dirty="0"/>
               <a:pPr/>
-              <a:t>5/10/23</a:t>
+              <a:t>5/20/23</a:t>
             </a:fld>
             <a:endParaRPr lang="en-US" dirty="0"/>
           </a:p>
@@ -1455,7 +1455,7 @@
             <a:fld id="{B61BEF0D-F0BB-DE4B-95CE-6DB70DBA9567}" type="datetimeFigureOut">
               <a:rPr lang="en-US" dirty="0"/>
               <a:pPr/>
-              <a:t>5/10/23</a:t>
+              <a:t>5/20/23</a:t>
             </a:fld>
             <a:endParaRPr lang="en-US" dirty="0"/>
           </a:p>
@@ -1793,7 +1793,7 @@
             <a:fld id="{B61BEF0D-F0BB-DE4B-95CE-6DB70DBA9567}" type="datetimeFigureOut">
               <a:rPr lang="en-US" dirty="0"/>
               <a:pPr/>
-              <a:t>5/10/23</a:t>
+              <a:t>5/20/23</a:t>
             </a:fld>
             <a:endParaRPr lang="en-US" dirty="0"/>
           </a:p>
@@ -2104,7 +2104,7 @@
             <a:fld id="{B61BEF0D-F0BB-DE4B-95CE-6DB70DBA9567}" type="datetimeFigureOut">
               <a:rPr lang="en-US" dirty="0"/>
               <a:pPr/>
-              <a:t>5/10/23</a:t>
+              <a:t>5/20/23</a:t>
             </a:fld>
             <a:endParaRPr lang="en-US" dirty="0"/>
           </a:p>
@@ -2494,7 +2494,7 @@
             <a:fld id="{B61BEF0D-F0BB-DE4B-95CE-6DB70DBA9567}" type="datetimeFigureOut">
               <a:rPr lang="en-US" dirty="0"/>
               <a:pPr/>
-              <a:t>5/10/23</a:t>
+              <a:t>5/20/23</a:t>
             </a:fld>
             <a:endParaRPr lang="en-US" dirty="0"/>
           </a:p>
@@ -2660,7 +2660,7 @@
           <a:p>
             <a:fld id="{55C6B4A9-1611-4792-9094-5F34BCA07E0B}" type="datetimeFigureOut">
               <a:rPr lang="en-US" dirty="0"/>
-              <a:t>5/10/23</a:t>
+              <a:t>5/20/23</a:t>
             </a:fld>
             <a:endParaRPr lang="en-US" dirty="0"/>
           </a:p>
@@ -2836,7 +2836,7 @@
             <a:fld id="{B61BEF0D-F0BB-DE4B-95CE-6DB70DBA9567}" type="datetimeFigureOut">
               <a:rPr lang="en-US" dirty="0"/>
               <a:pPr/>
-              <a:t>5/10/23</a:t>
+              <a:t>5/20/23</a:t>
             </a:fld>
             <a:endParaRPr lang="en-US" dirty="0"/>
           </a:p>
@@ -3009,7 +3009,7 @@
             <a:fld id="{B61BEF0D-F0BB-DE4B-95CE-6DB70DBA9567}" type="datetimeFigureOut">
               <a:rPr lang="en-US" dirty="0"/>
               <a:pPr/>
-              <a:t>5/10/23</a:t>
+              <a:t>5/20/23</a:t>
             </a:fld>
             <a:endParaRPr lang="en-US" dirty="0"/>
           </a:p>
@@ -3253,7 +3253,7 @@
             <a:fld id="{B61BEF0D-F0BB-DE4B-95CE-6DB70DBA9567}" type="datetimeFigureOut">
               <a:rPr lang="en-US" dirty="0"/>
               <a:pPr/>
-              <a:t>5/10/23</a:t>
+              <a:t>5/20/23</a:t>
             </a:fld>
             <a:endParaRPr lang="en-US" dirty="0"/>
           </a:p>
@@ -3481,7 +3481,7 @@
           <a:p>
             <a:fld id="{EB712588-04B1-427B-82EE-E8DB90309F08}" type="datetimeFigureOut">
               <a:rPr lang="en-US" dirty="0"/>
-              <a:t>5/10/23</a:t>
+              <a:t>5/20/23</a:t>
             </a:fld>
             <a:endParaRPr lang="en-US" dirty="0"/>
           </a:p>
@@ -3851,7 +3851,7 @@
             <a:fld id="{B61BEF0D-F0BB-DE4B-95CE-6DB70DBA9567}" type="datetimeFigureOut">
               <a:rPr lang="en-US" dirty="0"/>
               <a:pPr/>
-              <a:t>5/10/23</a:t>
+              <a:t>5/20/23</a:t>
             </a:fld>
             <a:endParaRPr lang="en-US" dirty="0"/>
           </a:p>
@@ -3971,7 +3971,7 @@
             <a:fld id="{B61BEF0D-F0BB-DE4B-95CE-6DB70DBA9567}" type="datetimeFigureOut">
               <a:rPr lang="en-US" dirty="0"/>
               <a:pPr/>
-              <a:t>5/10/23</a:t>
+              <a:t>5/20/23</a:t>
             </a:fld>
             <a:endParaRPr lang="en-US" dirty="0"/>
           </a:p>
@@ -4063,7 +4063,7 @@
             <a:fld id="{B61BEF0D-F0BB-DE4B-95CE-6DB70DBA9567}" type="datetimeFigureOut">
               <a:rPr lang="en-US" dirty="0"/>
               <a:pPr/>
-              <a:t>5/10/23</a:t>
+              <a:t>5/20/23</a:t>
             </a:fld>
             <a:endParaRPr lang="en-US" dirty="0"/>
           </a:p>
@@ -4314,7 +4314,7 @@
           <a:p>
             <a:fld id="{42A54C80-263E-416B-A8E0-580EDEADCBDC}" type="datetimeFigureOut">
               <a:rPr lang="en-US" dirty="0"/>
-              <a:t>5/10/23</a:t>
+              <a:t>5/20/23</a:t>
             </a:fld>
             <a:endParaRPr lang="en-US" dirty="0"/>
           </a:p>
@@ -4573,7 +4573,7 @@
             <a:fld id="{B61BEF0D-F0BB-DE4B-95CE-6DB70DBA9567}" type="datetimeFigureOut">
               <a:rPr lang="en-US" dirty="0"/>
               <a:pPr/>
-              <a:t>5/10/23</a:t>
+              <a:t>5/20/23</a:t>
             </a:fld>
             <a:endParaRPr lang="en-US" dirty="0"/>
           </a:p>
@@ -5313,7 +5313,7 @@
             <a:fld id="{B61BEF0D-F0BB-DE4B-95CE-6DB70DBA9567}" type="datetimeFigureOut">
               <a:rPr lang="en-US" dirty="0"/>
               <a:pPr/>
-              <a:t>5/10/23</a:t>
+              <a:t>5/20/23</a:t>
             </a:fld>
             <a:endParaRPr lang="en-US" dirty="0"/>
           </a:p>
@@ -8647,7 +8647,7 @@
                 <a:latin typeface="Courier New" panose="02070309020205020404" pitchFamily="49" charset="0"/>
                 <a:cs typeface="Courier New" panose="02070309020205020404" pitchFamily="49" charset="0"/>
               </a:rPr>
-              <a:t>private</a:t>
+              <a:t>private final</a:t>
             </a:r>
             <a:r>
               <a:rPr lang="en-IL" dirty="0">
@@ -8691,7 +8691,7 @@
                 <a:latin typeface="Courier New" panose="02070309020205020404" pitchFamily="49" charset="0"/>
                 <a:cs typeface="Courier New" panose="02070309020205020404" pitchFamily="49" charset="0"/>
               </a:rPr>
-              <a:t>    	</a:t>
+              <a:t>    </a:t>
             </a:r>
             <a:r>
               <a:rPr lang="en-IL" dirty="0">
@@ -8701,7 +8701,7 @@
                 <a:latin typeface="Courier New" panose="02070309020205020404" pitchFamily="49" charset="0"/>
                 <a:cs typeface="Courier New" panose="02070309020205020404" pitchFamily="49" charset="0"/>
               </a:rPr>
-              <a:t>private</a:t>
+              <a:t>private final</a:t>
             </a:r>
             <a:r>
               <a:rPr lang="en-IL" dirty="0">
@@ -8717,7 +8717,7 @@
                 <a:latin typeface="Courier New" panose="02070309020205020404" pitchFamily="49" charset="0"/>
                 <a:cs typeface="Courier New" panose="02070309020205020404" pitchFamily="49" charset="0"/>
               </a:rPr>
-              <a:t>    	</a:t>
+              <a:t>    </a:t>
             </a:r>
             <a:r>
               <a:rPr lang="en-IL" dirty="0">
@@ -8727,7 +8727,7 @@
                 <a:latin typeface="Courier New" panose="02070309020205020404" pitchFamily="49" charset="0"/>
                 <a:cs typeface="Courier New" panose="02070309020205020404" pitchFamily="49" charset="0"/>
               </a:rPr>
-              <a:t>private</a:t>
+              <a:t>private final</a:t>
             </a:r>
             <a:r>
               <a:rPr lang="en-IL" dirty="0">
@@ -8743,7 +8743,7 @@
                 <a:latin typeface="Courier New" panose="02070309020205020404" pitchFamily="49" charset="0"/>
                 <a:cs typeface="Courier New" panose="02070309020205020404" pitchFamily="49" charset="0"/>
               </a:rPr>
-              <a:t>    	</a:t>
+              <a:t>    </a:t>
             </a:r>
             <a:r>
               <a:rPr lang="en-IL" dirty="0">
@@ -8753,7 +8753,7 @@
                 <a:latin typeface="Courier New" panose="02070309020205020404" pitchFamily="49" charset="0"/>
                 <a:cs typeface="Courier New" panose="02070309020205020404" pitchFamily="49" charset="0"/>
               </a:rPr>
-              <a:t>private</a:t>
+              <a:t>private final</a:t>
             </a:r>
             <a:r>
               <a:rPr lang="en-IL" dirty="0">
@@ -9113,31 +9113,35 @@
           <a:p>
             <a:r>
               <a:rPr lang="en-IL" sz="3200" dirty="0"/>
-              <a:t>Spring Terminology</a:t>
-            </a:r>
-          </a:p>
-          <a:p>
-            <a:r>
-              <a:rPr lang="en-IL" sz="3200" dirty="0"/>
+              <a:t>Spring Terminology:</a:t>
+            </a:r>
+          </a:p>
+          <a:p>
+            <a:pPr lvl="1"/>
+            <a:r>
+              <a:rPr lang="en-IL" sz="3000" dirty="0"/>
               <a:t>Application Context</a:t>
             </a:r>
           </a:p>
           <a:p>
-            <a:r>
-              <a:rPr lang="en-IL" sz="3200" dirty="0"/>
+            <a:pPr lvl="1"/>
+            <a:r>
+              <a:rPr lang="en-IL" sz="3000" dirty="0"/>
               <a:t>Spring Beans Configuration</a:t>
             </a:r>
+          </a:p>
+          <a:p>
+            <a:pPr lvl="1"/>
+            <a:r>
+              <a:rPr lang="en-IL" sz="2800" dirty="0"/>
+              <a:t>@Autowire</a:t>
+            </a:r>
+            <a:endParaRPr lang="en-IL" sz="3000" dirty="0"/>
           </a:p>
           <a:p>
             <a:r>
               <a:rPr lang="en-IL" sz="3200" dirty="0"/>
               <a:t>Constructor vs. Field vs. Setter injection</a:t>
-            </a:r>
-          </a:p>
-          <a:p>
-            <a:r>
-              <a:rPr lang="en-IL" sz="3200" dirty="0"/>
-              <a:t>@Autowire</a:t>
             </a:r>
           </a:p>
           <a:p>
@@ -9816,7 +9820,19 @@
           <a:p>
             <a:r>
               <a:rPr lang="en-IL" sz="2000" dirty="0"/>
-              <a:t>ApplicationContext is the Spring interface representing the IoC container. ApplicationContext holds all beans and manages them.</a:t>
+              <a:t>ApplicationContext is the </a:t>
+            </a:r>
+            <a:r>
+              <a:rPr lang="en-IL" sz="2000" dirty="0">
+                <a:solidFill>
+                  <a:srgbClr val="92D050"/>
+                </a:solidFill>
+              </a:rPr>
+              <a:t>Spring</a:t>
+            </a:r>
+            <a:r>
+              <a:rPr lang="en-IL" sz="2000" dirty="0"/>
+              <a:t> interface representing the IoC container. ApplicationContext holds all beans and manages them.</a:t>
             </a:r>
           </a:p>
           <a:p>
@@ -12246,7 +12262,7 @@
             </a:r>
             <a:r>
               <a:rPr lang="en-US" dirty="0" err="1"/>
-              <a:t>MockMvc</a:t>
+              <a:t>MockMvcTest</a:t>
             </a:r>
             <a:r>
               <a:rPr lang="en-US" dirty="0"/>
@@ -14219,8 +14235,8 @@
         </p:nvSpPr>
         <p:spPr>
           <a:xfrm>
-            <a:off x="585894" y="1419498"/>
-            <a:ext cx="8596668" cy="3433160"/>
+            <a:off x="585894" y="1401391"/>
+            <a:ext cx="8596668" cy="4990355"/>
           </a:xfrm>
           <a:prstGeom prst="rect">
             <a:avLst/>
@@ -14500,7 +14516,7 @@
               <a:t>public class </a:t>
             </a:r>
             <a:r>
-              <a:rPr lang="en-US" dirty="0" err="1">
+              <a:rPr lang="en-US" dirty="0">
                 <a:solidFill>
                   <a:srgbClr val="000000"/>
                 </a:solidFill>
@@ -14508,18 +14524,7 @@
                 <a:latin typeface="Courier New" panose="02070309020205020404" pitchFamily="49" charset="0"/>
                 <a:cs typeface="Courier New" panose="02070309020205020404" pitchFamily="49" charset="0"/>
               </a:rPr>
-              <a:t>MyComponent</a:t>
-            </a:r>
-            <a:r>
-              <a:rPr lang="en-US" dirty="0">
-                <a:solidFill>
-                  <a:srgbClr val="000000"/>
-                </a:solidFill>
-                <a:effectLst/>
-                <a:latin typeface="Courier New" panose="02070309020205020404" pitchFamily="49" charset="0"/>
-                <a:cs typeface="Courier New" panose="02070309020205020404" pitchFamily="49" charset="0"/>
-              </a:rPr>
-              <a:t> {</a:t>
+              <a:t>Component1 {</a:t>
             </a:r>
           </a:p>
           <a:p>
@@ -14529,12 +14534,106 @@
             <a:r>
               <a:rPr lang="en-US" dirty="0">
                 <a:solidFill>
+                  <a:srgbClr val="000000"/>
+                </a:solidFill>
+                <a:latin typeface="Courier New" panose="02070309020205020404" pitchFamily="49" charset="0"/>
+                <a:cs typeface="Courier New" panose="02070309020205020404" pitchFamily="49" charset="0"/>
+              </a:rPr>
+              <a:t>	</a:t>
+            </a:r>
+            <a:r>
+              <a:rPr lang="en-US" dirty="0">
+                <a:solidFill>
+                  <a:schemeClr val="accent2"/>
+                </a:solidFill>
+                <a:latin typeface="Courier New" panose="02070309020205020404" pitchFamily="49" charset="0"/>
+                <a:cs typeface="Courier New" panose="02070309020205020404" pitchFamily="49" charset="0"/>
+              </a:rPr>
+              <a:t>// the </a:t>
+            </a:r>
+            <a:r>
+              <a:rPr lang="en-US" dirty="0">
+                <a:solidFill>
+                  <a:schemeClr val="accent2"/>
+                </a:solidFill>
+                <a:effectLst/>
+                <a:latin typeface="Courier New" panose="02070309020205020404" pitchFamily="49" charset="0"/>
+                <a:cs typeface="Courier New" panose="02070309020205020404" pitchFamily="49" charset="0"/>
+              </a:rPr>
+              <a:t>Component1 code</a:t>
+            </a:r>
+          </a:p>
+          <a:p>
+            <a:pPr marL="0" indent="0">
+              <a:buNone/>
+            </a:pPr>
+            <a:r>
+              <a:rPr lang="en-US" dirty="0">
+                <a:solidFill>
+                  <a:srgbClr val="000000"/>
+                </a:solidFill>
+                <a:latin typeface="Courier New" panose="02070309020205020404" pitchFamily="49" charset="0"/>
+                <a:cs typeface="Courier New" panose="02070309020205020404" pitchFamily="49" charset="0"/>
+              </a:rPr>
+              <a:t>}</a:t>
+            </a:r>
+          </a:p>
+          <a:p>
+            <a:pPr marL="0" indent="0">
+              <a:buNone/>
+            </a:pPr>
+            <a:r>
+              <a:rPr lang="en-US" dirty="0">
+                <a:solidFill>
+                  <a:srgbClr val="9E880D"/>
+                </a:solidFill>
+                <a:effectLst/>
+                <a:latin typeface="Courier New" panose="02070309020205020404" pitchFamily="49" charset="0"/>
+                <a:cs typeface="Courier New" panose="02070309020205020404" pitchFamily="49" charset="0"/>
+              </a:rPr>
+              <a:t>@Component</a:t>
+            </a:r>
+          </a:p>
+          <a:p>
+            <a:pPr marL="0" indent="0">
+              <a:buNone/>
+            </a:pPr>
+            <a:r>
+              <a:rPr lang="en-US" dirty="0">
+                <a:solidFill>
                   <a:srgbClr val="0033B3"/>
                 </a:solidFill>
                 <a:effectLst/>
                 <a:latin typeface="Courier New" panose="02070309020205020404" pitchFamily="49" charset="0"/>
                 <a:cs typeface="Courier New" panose="02070309020205020404" pitchFamily="49" charset="0"/>
               </a:rPr>
+              <a:t>public class </a:t>
+            </a:r>
+            <a:r>
+              <a:rPr lang="en-US" dirty="0">
+                <a:solidFill>
+                  <a:srgbClr val="000000"/>
+                </a:solidFill>
+                <a:effectLst/>
+                <a:latin typeface="Courier New" panose="02070309020205020404" pitchFamily="49" charset="0"/>
+                <a:cs typeface="Courier New" panose="02070309020205020404" pitchFamily="49" charset="0"/>
+              </a:rPr>
+              <a:t>Component2 {</a:t>
+            </a:r>
+          </a:p>
+          <a:p>
+            <a:pPr marL="0" indent="0">
+              <a:buNone/>
+            </a:pPr>
+            <a:r>
+              <a:rPr lang="en-US" dirty="0">
+                <a:solidFill>
+                  <a:srgbClr val="0033B3"/>
+                </a:solidFill>
+                <a:effectLst/>
+                <a:latin typeface="Courier New" panose="02070309020205020404" pitchFamily="49" charset="0"/>
+                <a:cs typeface="Courier New" panose="02070309020205020404" pitchFamily="49" charset="0"/>
+              </a:rPr>
               <a:t>	private </a:t>
             </a:r>
             <a:r>
@@ -14558,59 +14657,6 @@
                 <a:cs typeface="Courier New" panose="02070309020205020404" pitchFamily="49" charset="0"/>
               </a:rPr>
               <a:t>comp1</a:t>
-            </a:r>
-            <a:r>
-              <a:rPr lang="en-US" dirty="0">
-                <a:latin typeface="Courier New" panose="02070309020205020404" pitchFamily="49" charset="0"/>
-                <a:cs typeface="Courier New" panose="02070309020205020404" pitchFamily="49" charset="0"/>
-              </a:rPr>
-              <a:t>;</a:t>
-            </a:r>
-            <a:br>
-              <a:rPr lang="en-US" dirty="0">
-                <a:latin typeface="Courier New" panose="02070309020205020404" pitchFamily="49" charset="0"/>
-                <a:cs typeface="Courier New" panose="02070309020205020404" pitchFamily="49" charset="0"/>
-              </a:rPr>
-            </a:br>
-            <a:r>
-              <a:rPr lang="en-US" dirty="0">
-                <a:latin typeface="Courier New" panose="02070309020205020404" pitchFamily="49" charset="0"/>
-                <a:cs typeface="Courier New" panose="02070309020205020404" pitchFamily="49" charset="0"/>
-              </a:rPr>
-              <a:t>	</a:t>
-            </a:r>
-            <a:r>
-              <a:rPr lang="en-US" dirty="0">
-                <a:solidFill>
-                  <a:srgbClr val="0033B3"/>
-                </a:solidFill>
-                <a:effectLst/>
-                <a:latin typeface="Courier New" panose="02070309020205020404" pitchFamily="49" charset="0"/>
-                <a:cs typeface="Courier New" panose="02070309020205020404" pitchFamily="49" charset="0"/>
-              </a:rPr>
-              <a:t>private </a:t>
-            </a:r>
-            <a:r>
-              <a:rPr lang="en-US" dirty="0">
-                <a:solidFill>
-                  <a:srgbClr val="000000"/>
-                </a:solidFill>
-                <a:effectLst/>
-                <a:latin typeface="Courier New" panose="02070309020205020404" pitchFamily="49" charset="0"/>
-                <a:cs typeface="Courier New" panose="02070309020205020404" pitchFamily="49" charset="0"/>
-              </a:rPr>
-              <a:t>Component2 </a:t>
-            </a:r>
-            <a:r>
-              <a:rPr lang="en-US" dirty="0">
-                <a:solidFill>
-                  <a:srgbClr val="871094"/>
-                </a:solidFill>
-                <a:effectLst/>
-                <a:latin typeface="Courier New" panose="02070309020205020404" pitchFamily="49" charset="0"/>
-                <a:cs typeface="Courier New" panose="02070309020205020404" pitchFamily="49" charset="0"/>
-              </a:rPr>
-              <a:t>comp2</a:t>
             </a:r>
             <a:r>
               <a:rPr lang="en-US" dirty="0">
@@ -14650,7 +14696,7 @@
               <a:t>public </a:t>
             </a:r>
             <a:r>
-              <a:rPr lang="en-US" b="1" dirty="0" err="1">
+              <a:rPr lang="en-US" b="1" dirty="0">
                 <a:solidFill>
                   <a:srgbClr val="000000"/>
                 </a:solidFill>
@@ -14658,7 +14704,7 @@
                 <a:latin typeface="Courier New" panose="02070309020205020404" pitchFamily="49" charset="0"/>
                 <a:cs typeface="Courier New" panose="02070309020205020404" pitchFamily="49" charset="0"/>
               </a:rPr>
-              <a:t>MyComponent</a:t>
+              <a:t>Component2</a:t>
             </a:r>
             <a:r>
               <a:rPr lang="en-US" b="1" dirty="0">
@@ -14683,25 +14729,7 @@
                 <a:latin typeface="Courier New" panose="02070309020205020404" pitchFamily="49" charset="0"/>
                 <a:cs typeface="Courier New" panose="02070309020205020404" pitchFamily="49" charset="0"/>
               </a:rPr>
-              <a:t>, </a:t>
-            </a:r>
-            <a:r>
-              <a:rPr lang="en-US" b="1" dirty="0">
-                <a:solidFill>
-                  <a:srgbClr val="000000"/>
-                </a:solidFill>
-                <a:effectLst/>
-                <a:latin typeface="Courier New" panose="02070309020205020404" pitchFamily="49" charset="0"/>
-                <a:cs typeface="Courier New" panose="02070309020205020404" pitchFamily="49" charset="0"/>
-              </a:rPr>
-              <a:t>Component2 </a:t>
-            </a:r>
-            <a:r>
-              <a:rPr lang="en-US" b="1" dirty="0">
-                <a:latin typeface="Courier New" panose="02070309020205020404" pitchFamily="49" charset="0"/>
-                <a:cs typeface="Courier New" panose="02070309020205020404" pitchFamily="49" charset="0"/>
-              </a:rPr>
-              <a:t>comp2) </a:t>
+              <a:t>) </a:t>
             </a:r>
             <a:r>
               <a:rPr lang="en-US" dirty="0">
@@ -14758,55 +14786,6 @@
                 <a:cs typeface="Courier New" panose="02070309020205020404" pitchFamily="49" charset="0"/>
               </a:rPr>
               <a:t>= comp1;</a:t>
-            </a:r>
-            <a:br>
-              <a:rPr lang="en-US" dirty="0">
-                <a:latin typeface="Courier New" panose="02070309020205020404" pitchFamily="49" charset="0"/>
-                <a:cs typeface="Courier New" panose="02070309020205020404" pitchFamily="49" charset="0"/>
-              </a:rPr>
-            </a:br>
-            <a:r>
-              <a:rPr lang="en-US" dirty="0">
-                <a:latin typeface="Courier New" panose="02070309020205020404" pitchFamily="49" charset="0"/>
-                <a:cs typeface="Courier New" panose="02070309020205020404" pitchFamily="49" charset="0"/>
-              </a:rPr>
-              <a:t>    	</a:t>
-            </a:r>
-            <a:r>
-              <a:rPr lang="en-US" dirty="0">
-                <a:solidFill>
-                  <a:srgbClr val="0033B3"/>
-                </a:solidFill>
-                <a:effectLst/>
-                <a:latin typeface="Courier New" panose="02070309020205020404" pitchFamily="49" charset="0"/>
-                <a:cs typeface="Courier New" panose="02070309020205020404" pitchFamily="49" charset="0"/>
-              </a:rPr>
-              <a:t>this</a:t>
-            </a:r>
-            <a:r>
-              <a:rPr lang="en-US" dirty="0">
-                <a:latin typeface="Courier New" panose="02070309020205020404" pitchFamily="49" charset="0"/>
-                <a:cs typeface="Courier New" panose="02070309020205020404" pitchFamily="49" charset="0"/>
-              </a:rPr>
-              <a:t>.</a:t>
-            </a:r>
-            <a:r>
-              <a:rPr lang="en-US" dirty="0">
-                <a:solidFill>
-                  <a:srgbClr val="871094"/>
-                </a:solidFill>
-                <a:effectLst/>
-                <a:latin typeface="Courier New" panose="02070309020205020404" pitchFamily="49" charset="0"/>
-                <a:cs typeface="Courier New" panose="02070309020205020404" pitchFamily="49" charset="0"/>
-              </a:rPr>
-              <a:t>comp2 </a:t>
-            </a:r>
-            <a:r>
-              <a:rPr lang="en-US" dirty="0">
-                <a:latin typeface="Courier New" panose="02070309020205020404" pitchFamily="49" charset="0"/>
-                <a:cs typeface="Courier New" panose="02070309020205020404" pitchFamily="49" charset="0"/>
-              </a:rPr>
-              <a:t>= comp2;</a:t>
             </a:r>
             <a:br>
               <a:rPr lang="en-US" dirty="0">
@@ -16175,7 +16154,27 @@
                 <a:latin typeface="Courier New" panose="02070309020205020404" pitchFamily="49" charset="0"/>
                 <a:cs typeface="Courier New" panose="02070309020205020404" pitchFamily="49" charset="0"/>
               </a:rPr>
-              <a:t>		this.</a:t>
+              <a:t>		</a:t>
+            </a:r>
+            <a:r>
+              <a:rPr lang="en-US" dirty="0">
+                <a:solidFill>
+                  <a:srgbClr val="0033B3"/>
+                </a:solidFill>
+                <a:latin typeface="Courier New" panose="02070309020205020404" pitchFamily="49" charset="0"/>
+                <a:cs typeface="Courier New" panose="02070309020205020404" pitchFamily="49" charset="0"/>
+              </a:rPr>
+              <a:t>this</a:t>
+            </a:r>
+            <a:r>
+              <a:rPr lang="en-US" dirty="0">
+                <a:solidFill>
+                  <a:srgbClr val="000000"/>
+                </a:solidFill>
+                <a:latin typeface="Courier New" panose="02070309020205020404" pitchFamily="49" charset="0"/>
+                <a:cs typeface="Courier New" panose="02070309020205020404" pitchFamily="49" charset="0"/>
+              </a:rPr>
+              <a:t>.</a:t>
             </a:r>
             <a:r>
               <a:rPr lang="en-US" dirty="0">
@@ -19183,7 +19182,7 @@
           <a:p>
             <a:r>
               <a:rPr lang="en-IL" dirty="0"/>
-              <a:t>@Autowire behaviour</a:t>
+              <a:t>Autowire behaviour</a:t>
             </a:r>
             <a:r>
               <a:rPr lang="en-US" dirty="0"/>
@@ -19212,7 +19211,7 @@
         <p:spPr>
           <a:xfrm>
             <a:off x="677334" y="1463041"/>
-            <a:ext cx="5651038" cy="4578322"/>
+            <a:ext cx="5134991" cy="2674393"/>
           </a:xfrm>
           <a:solidFill>
             <a:schemeClr val="tx2">
@@ -19317,7 +19316,7 @@
               <a:t>    </a:t>
             </a:r>
             <a:r>
-              <a:rPr lang="en-US" sz="1600" dirty="0">
+              <a:rPr lang="en-US" sz="1600" b="1" dirty="0">
                 <a:solidFill>
                   <a:srgbClr val="9E880D"/>
                 </a:solidFill>
@@ -19356,11 +19355,11 @@
               <a:t> </a:t>
             </a:r>
             <a:r>
-              <a:rPr lang="en-US" sz="1600" b="1" dirty="0" err="1">
-                <a:latin typeface="Courier New" panose="02070309020205020404" pitchFamily="49" charset="0"/>
-                <a:cs typeface="Courier New" panose="02070309020205020404" pitchFamily="49" charset="0"/>
-              </a:rPr>
-              <a:t>MyComponent</a:t>
+              <a:rPr lang="en-US" sz="1600" b="1" dirty="0">
+                <a:latin typeface="Courier New" panose="02070309020205020404" pitchFamily="49" charset="0"/>
+                <a:cs typeface="Courier New" panose="02070309020205020404" pitchFamily="49" charset="0"/>
+              </a:rPr>
+              <a:t>Component</a:t>
             </a:r>
             <a:r>
               <a:rPr lang="en-US" sz="1600" dirty="0">
@@ -19374,7 +19373,7 @@
                 <a:latin typeface="Courier New" panose="02070309020205020404" pitchFamily="49" charset="0"/>
                 <a:cs typeface="Courier New" panose="02070309020205020404" pitchFamily="49" charset="0"/>
               </a:rPr>
-              <a:t>getMyComponent</a:t>
+              <a:t>getComponent</a:t>
             </a:r>
             <a:r>
               <a:rPr lang="en-US" sz="1600" dirty="0">
@@ -19396,21 +19395,24 @@
               <a:t>       </a:t>
             </a:r>
             <a:r>
-              <a:rPr lang="en-US" sz="1600" dirty="0" err="1">
-                <a:latin typeface="Courier New" panose="02070309020205020404" pitchFamily="49" charset="0"/>
-                <a:cs typeface="Courier New" panose="02070309020205020404" pitchFamily="49" charset="0"/>
-              </a:rPr>
-              <a:t>MyComponent</a:t>
-            </a:r>
-            <a:r>
               <a:rPr lang="en-US" sz="1600" dirty="0">
-                <a:latin typeface="Courier New" panose="02070309020205020404" pitchFamily="49" charset="0"/>
-                <a:cs typeface="Courier New" panose="02070309020205020404" pitchFamily="49" charset="0"/>
-              </a:rPr>
-              <a:t> comp = </a:t>
+                <a:solidFill>
+                  <a:srgbClr val="0070C0"/>
+                </a:solidFill>
+                <a:latin typeface="Courier New" panose="02070309020205020404" pitchFamily="49" charset="0"/>
+                <a:cs typeface="Courier New" panose="02070309020205020404" pitchFamily="49" charset="0"/>
+              </a:rPr>
+              <a:t>return</a:t>
             </a:r>
             <a:r>
               <a:rPr lang="en-US" sz="1600" dirty="0">
+                <a:latin typeface="Courier New" panose="02070309020205020404" pitchFamily="49" charset="0"/>
+                <a:cs typeface="Courier New" panose="02070309020205020404" pitchFamily="49" charset="0"/>
+              </a:rPr>
+              <a:t> </a:t>
+            </a:r>
+            <a:r>
+              <a:rPr lang="en-US" sz="1600" dirty="0">
                 <a:solidFill>
                   <a:srgbClr val="0070C0"/>
                 </a:solidFill>
@@ -19424,21 +19426,7 @@
                 <a:latin typeface="Courier New" panose="02070309020205020404" pitchFamily="49" charset="0"/>
                 <a:cs typeface="Courier New" panose="02070309020205020404" pitchFamily="49" charset="0"/>
               </a:rPr>
-              <a:t> </a:t>
-            </a:r>
-            <a:r>
-              <a:rPr lang="en-US" sz="1600" dirty="0" err="1">
-                <a:latin typeface="Courier New" panose="02070309020205020404" pitchFamily="49" charset="0"/>
-                <a:cs typeface="Courier New" panose="02070309020205020404" pitchFamily="49" charset="0"/>
-              </a:rPr>
-              <a:t>MyComponent</a:t>
-            </a:r>
-            <a:r>
-              <a:rPr lang="en-US" sz="1600" dirty="0">
-                <a:latin typeface="Courier New" panose="02070309020205020404" pitchFamily="49" charset="0"/>
-                <a:cs typeface="Courier New" panose="02070309020205020404" pitchFamily="49" charset="0"/>
-              </a:rPr>
-              <a:t>();</a:t>
+              <a:t> Component();</a:t>
             </a:r>
           </a:p>
           <a:p>
@@ -19450,181 +19438,7 @@
                 <a:latin typeface="Courier New" panose="02070309020205020404" pitchFamily="49" charset="0"/>
                 <a:cs typeface="Courier New" panose="02070309020205020404" pitchFamily="49" charset="0"/>
               </a:rPr>
-              <a:t>       </a:t>
-            </a:r>
-            <a:r>
-              <a:rPr lang="en-US" sz="1600" dirty="0">
-                <a:solidFill>
-                  <a:srgbClr val="0070C0"/>
-                </a:solidFill>
-                <a:latin typeface="Courier New" panose="02070309020205020404" pitchFamily="49" charset="0"/>
-                <a:cs typeface="Courier New" panose="02070309020205020404" pitchFamily="49" charset="0"/>
-              </a:rPr>
-              <a:t>return</a:t>
-            </a:r>
-            <a:r>
-              <a:rPr lang="en-US" sz="1600" dirty="0">
-                <a:latin typeface="Courier New" panose="02070309020205020404" pitchFamily="49" charset="0"/>
-                <a:cs typeface="Courier New" panose="02070309020205020404" pitchFamily="49" charset="0"/>
-              </a:rPr>
-              <a:t> comp;</a:t>
-            </a:r>
-          </a:p>
-          <a:p>
-            <a:pPr marL="0" indent="0">
-              <a:buNone/>
-            </a:pPr>
-            <a:r>
-              <a:rPr lang="en-US" sz="1600" dirty="0">
-                <a:latin typeface="Courier New" panose="02070309020205020404" pitchFamily="49" charset="0"/>
-                <a:cs typeface="Courier New" panose="02070309020205020404" pitchFamily="49" charset="0"/>
-              </a:rPr>
-              <a:t>    }</a:t>
-            </a:r>
-          </a:p>
-          <a:p>
-            <a:pPr marL="0" indent="0">
-              <a:buNone/>
-            </a:pPr>
-            <a:r>
-              <a:rPr lang="en-US" sz="1600" dirty="0">
-                <a:latin typeface="Courier New" panose="02070309020205020404" pitchFamily="49" charset="0"/>
-                <a:cs typeface="Courier New" panose="02070309020205020404" pitchFamily="49" charset="0"/>
-              </a:rPr>
-              <a:t>}</a:t>
-            </a:r>
-          </a:p>
-          <a:p>
-            <a:pPr marL="0" indent="0">
-              <a:buNone/>
-            </a:pPr>
-            <a:endParaRPr lang="en-US" sz="1600" dirty="0">
-              <a:latin typeface="Courier New" panose="02070309020205020404" pitchFamily="49" charset="0"/>
-              <a:cs typeface="Courier New" panose="02070309020205020404" pitchFamily="49" charset="0"/>
-            </a:endParaRPr>
-          </a:p>
-          <a:p>
-            <a:pPr marL="0" indent="0">
-              <a:buNone/>
-            </a:pPr>
-            <a:r>
-              <a:rPr lang="en-US" sz="1600" dirty="0">
-                <a:solidFill>
-                  <a:srgbClr val="0070C0"/>
-                </a:solidFill>
-                <a:latin typeface="Courier New" panose="02070309020205020404" pitchFamily="49" charset="0"/>
-                <a:cs typeface="Courier New" panose="02070309020205020404" pitchFamily="49" charset="0"/>
-              </a:rPr>
-              <a:t>public</a:t>
-            </a:r>
-            <a:r>
-              <a:rPr lang="en-US" sz="1600" dirty="0">
-                <a:latin typeface="Courier New" panose="02070309020205020404" pitchFamily="49" charset="0"/>
-                <a:cs typeface="Courier New" panose="02070309020205020404" pitchFamily="49" charset="0"/>
-              </a:rPr>
-              <a:t> </a:t>
-            </a:r>
-            <a:r>
-              <a:rPr lang="en-US" sz="1600" dirty="0">
-                <a:solidFill>
-                  <a:srgbClr val="0070C0"/>
-                </a:solidFill>
-                <a:latin typeface="Courier New" panose="02070309020205020404" pitchFamily="49" charset="0"/>
-                <a:cs typeface="Courier New" panose="02070309020205020404" pitchFamily="49" charset="0"/>
-              </a:rPr>
-              <a:t>class</a:t>
-            </a:r>
-            <a:r>
-              <a:rPr lang="en-US" sz="1600" dirty="0">
-                <a:latin typeface="Courier New" panose="02070309020205020404" pitchFamily="49" charset="0"/>
-                <a:cs typeface="Courier New" panose="02070309020205020404" pitchFamily="49" charset="0"/>
-              </a:rPr>
-              <a:t> Component {</a:t>
-            </a:r>
-          </a:p>
-          <a:p>
-            <a:pPr marL="0" indent="0">
-              <a:lnSpc>
-                <a:spcPct val="80000"/>
-              </a:lnSpc>
-              <a:buNone/>
-            </a:pPr>
-            <a:r>
-              <a:rPr lang="en-US" sz="1600" dirty="0">
-                <a:latin typeface="Courier New" panose="02070309020205020404" pitchFamily="49" charset="0"/>
-                <a:cs typeface="Courier New" panose="02070309020205020404" pitchFamily="49" charset="0"/>
-              </a:rPr>
-              <a:t>    </a:t>
-            </a:r>
-            <a:r>
-              <a:rPr lang="en-US" sz="1600" b="1" dirty="0">
-                <a:solidFill>
-                  <a:srgbClr val="9E880D"/>
-                </a:solidFill>
-                <a:latin typeface="Courier New" panose="02070309020205020404" pitchFamily="49" charset="0"/>
-                <a:cs typeface="Courier New" panose="02070309020205020404" pitchFamily="49" charset="0"/>
-              </a:rPr>
-              <a:t>@</a:t>
-            </a:r>
-            <a:r>
-              <a:rPr lang="en-US" sz="1600" b="1" dirty="0" err="1">
-                <a:solidFill>
-                  <a:srgbClr val="9E880D"/>
-                </a:solidFill>
-                <a:latin typeface="Courier New" panose="02070309020205020404" pitchFamily="49" charset="0"/>
-                <a:cs typeface="Courier New" panose="02070309020205020404" pitchFamily="49" charset="0"/>
-              </a:rPr>
-              <a:t>Autowired</a:t>
-            </a:r>
-            <a:endParaRPr lang="en-US" sz="1600" b="1" dirty="0">
-              <a:solidFill>
-                <a:srgbClr val="9E880D"/>
-              </a:solidFill>
-              <a:latin typeface="Courier New" panose="02070309020205020404" pitchFamily="49" charset="0"/>
-              <a:cs typeface="Courier New" panose="02070309020205020404" pitchFamily="49" charset="0"/>
-            </a:endParaRPr>
-          </a:p>
-          <a:p>
-            <a:pPr marL="0" indent="0">
-              <a:buNone/>
-            </a:pPr>
-            <a:r>
-              <a:rPr lang="en-US" sz="1600" dirty="0">
-                <a:latin typeface="Courier New" panose="02070309020205020404" pitchFamily="49" charset="0"/>
-                <a:cs typeface="Courier New" panose="02070309020205020404" pitchFamily="49" charset="0"/>
-              </a:rPr>
-              <a:t>    </a:t>
-            </a:r>
-            <a:r>
-              <a:rPr lang="en-US" sz="1600" dirty="0">
-                <a:solidFill>
-                  <a:srgbClr val="0070C0"/>
-                </a:solidFill>
-                <a:latin typeface="Courier New" panose="02070309020205020404" pitchFamily="49" charset="0"/>
-                <a:cs typeface="Courier New" panose="02070309020205020404" pitchFamily="49" charset="0"/>
-              </a:rPr>
-              <a:t>private</a:t>
-            </a:r>
-            <a:r>
-              <a:rPr lang="en-US" sz="1600" dirty="0">
-                <a:latin typeface="Courier New" panose="02070309020205020404" pitchFamily="49" charset="0"/>
-                <a:cs typeface="Courier New" panose="02070309020205020404" pitchFamily="49" charset="0"/>
-              </a:rPr>
-              <a:t> </a:t>
-            </a:r>
-            <a:r>
-              <a:rPr lang="en-US" sz="1600" b="1" dirty="0" err="1">
-                <a:latin typeface="Courier New" panose="02070309020205020404" pitchFamily="49" charset="0"/>
-                <a:cs typeface="Courier New" panose="02070309020205020404" pitchFamily="49" charset="0"/>
-              </a:rPr>
-              <a:t>MyComponent</a:t>
-            </a:r>
-            <a:r>
-              <a:rPr lang="en-US" sz="1600" dirty="0">
-                <a:latin typeface="Courier New" panose="02070309020205020404" pitchFamily="49" charset="0"/>
-                <a:cs typeface="Courier New" panose="02070309020205020404" pitchFamily="49" charset="0"/>
-              </a:rPr>
-              <a:t> component;</a:t>
+              <a:t>	}</a:t>
             </a:r>
           </a:p>
           <a:p>
@@ -19657,8 +19471,8 @@
         </p:nvSpPr>
         <p:spPr>
           <a:xfrm>
-            <a:off x="5691445" y="3429000"/>
-            <a:ext cx="5651038" cy="3226489"/>
+            <a:off x="2986806" y="3851605"/>
+            <a:ext cx="5651038" cy="2480676"/>
           </a:xfrm>
           <a:prstGeom prst="rect">
             <a:avLst/>
@@ -19908,6 +19722,493 @@
           </a:lstStyle>
           <a:p>
             <a:pPr marL="0" indent="0">
+              <a:buNone/>
+            </a:pPr>
+            <a:r>
+              <a:rPr lang="en-US" sz="1600" b="1" dirty="0">
+                <a:solidFill>
+                  <a:srgbClr val="9E880D"/>
+                </a:solidFill>
+                <a:latin typeface="Courier New" panose="02070309020205020404" pitchFamily="49" charset="0"/>
+                <a:cs typeface="Courier New" panose="02070309020205020404" pitchFamily="49" charset="0"/>
+              </a:rPr>
+              <a:t>@Component</a:t>
+            </a:r>
+            <a:endParaRPr lang="en-US" sz="1600" dirty="0">
+              <a:latin typeface="Courier New" panose="02070309020205020404" pitchFamily="49" charset="0"/>
+              <a:cs typeface="Courier New" panose="02070309020205020404" pitchFamily="49" charset="0"/>
+            </a:endParaRPr>
+          </a:p>
+          <a:p>
+            <a:pPr marL="0" indent="0">
+              <a:buNone/>
+            </a:pPr>
+            <a:r>
+              <a:rPr lang="en-US" sz="1600" dirty="0">
+                <a:solidFill>
+                  <a:srgbClr val="0070C0"/>
+                </a:solidFill>
+                <a:latin typeface="Courier New" panose="02070309020205020404" pitchFamily="49" charset="0"/>
+                <a:cs typeface="Courier New" panose="02070309020205020404" pitchFamily="49" charset="0"/>
+              </a:rPr>
+              <a:t>public</a:t>
+            </a:r>
+            <a:r>
+              <a:rPr lang="en-US" sz="1600" dirty="0">
+                <a:latin typeface="Courier New" panose="02070309020205020404" pitchFamily="49" charset="0"/>
+                <a:cs typeface="Courier New" panose="02070309020205020404" pitchFamily="49" charset="0"/>
+              </a:rPr>
+              <a:t> </a:t>
+            </a:r>
+            <a:r>
+              <a:rPr lang="en-US" sz="1600" dirty="0">
+                <a:solidFill>
+                  <a:srgbClr val="0070C0"/>
+                </a:solidFill>
+                <a:latin typeface="Courier New" panose="02070309020205020404" pitchFamily="49" charset="0"/>
+                <a:cs typeface="Courier New" panose="02070309020205020404" pitchFamily="49" charset="0"/>
+              </a:rPr>
+              <a:t>class</a:t>
+            </a:r>
+            <a:r>
+              <a:rPr lang="en-US" sz="1600" dirty="0">
+                <a:latin typeface="Courier New" panose="02070309020205020404" pitchFamily="49" charset="0"/>
+                <a:cs typeface="Courier New" panose="02070309020205020404" pitchFamily="49" charset="0"/>
+              </a:rPr>
+              <a:t> </a:t>
+            </a:r>
+            <a:r>
+              <a:rPr lang="en-US" sz="1600" dirty="0" err="1">
+                <a:latin typeface="Courier New" panose="02070309020205020404" pitchFamily="49" charset="0"/>
+                <a:cs typeface="Courier New" panose="02070309020205020404" pitchFamily="49" charset="0"/>
+              </a:rPr>
+              <a:t>AnotherComponent</a:t>
+            </a:r>
+            <a:r>
+              <a:rPr lang="en-US" sz="1600" dirty="0">
+                <a:latin typeface="Courier New" panose="02070309020205020404" pitchFamily="49" charset="0"/>
+                <a:cs typeface="Courier New" panose="02070309020205020404" pitchFamily="49" charset="0"/>
+              </a:rPr>
+              <a:t> {</a:t>
+            </a:r>
+          </a:p>
+          <a:p>
+            <a:pPr marL="0" indent="0">
+              <a:lnSpc>
+                <a:spcPct val="80000"/>
+              </a:lnSpc>
+              <a:buNone/>
+            </a:pPr>
+            <a:r>
+              <a:rPr lang="en-US" sz="1600" dirty="0">
+                <a:solidFill>
+                  <a:srgbClr val="0070C0"/>
+                </a:solidFill>
+                <a:latin typeface="Courier New" panose="02070309020205020404" pitchFamily="49" charset="0"/>
+                <a:cs typeface="Courier New" panose="02070309020205020404" pitchFamily="49" charset="0"/>
+              </a:rPr>
+              <a:t>	private</a:t>
+            </a:r>
+            <a:r>
+              <a:rPr lang="en-US" sz="1600" dirty="0">
+                <a:latin typeface="Courier New" panose="02070309020205020404" pitchFamily="49" charset="0"/>
+                <a:cs typeface="Courier New" panose="02070309020205020404" pitchFamily="49" charset="0"/>
+              </a:rPr>
+              <a:t> </a:t>
+            </a:r>
+            <a:r>
+              <a:rPr lang="en-US" sz="1600" b="1" dirty="0">
+                <a:latin typeface="Courier New" panose="02070309020205020404" pitchFamily="49" charset="0"/>
+                <a:cs typeface="Courier New" panose="02070309020205020404" pitchFamily="49" charset="0"/>
+              </a:rPr>
+              <a:t>Component</a:t>
+            </a:r>
+            <a:r>
+              <a:rPr lang="en-US" sz="1600" dirty="0">
+                <a:latin typeface="Courier New" panose="02070309020205020404" pitchFamily="49" charset="0"/>
+                <a:cs typeface="Courier New" panose="02070309020205020404" pitchFamily="49" charset="0"/>
+              </a:rPr>
+              <a:t> comp;</a:t>
+            </a:r>
+          </a:p>
+          <a:p>
+            <a:pPr marL="0" indent="0">
+              <a:lnSpc>
+                <a:spcPct val="80000"/>
+              </a:lnSpc>
+              <a:buNone/>
+            </a:pPr>
+            <a:r>
+              <a:rPr lang="en-US" sz="1600" dirty="0">
+                <a:latin typeface="Courier New" panose="02070309020205020404" pitchFamily="49" charset="0"/>
+                <a:cs typeface="Courier New" panose="02070309020205020404" pitchFamily="49" charset="0"/>
+              </a:rPr>
+              <a:t>	 </a:t>
+            </a:r>
+            <a:r>
+              <a:rPr lang="en-US" sz="1600" dirty="0" err="1">
+                <a:latin typeface="Courier New" panose="02070309020205020404" pitchFamily="49" charset="0"/>
+                <a:cs typeface="Courier New" panose="02070309020205020404" pitchFamily="49" charset="0"/>
+              </a:rPr>
+              <a:t>AnotherComponent</a:t>
+            </a:r>
+            <a:r>
+              <a:rPr lang="en-US" sz="1600" dirty="0">
+                <a:latin typeface="Courier New" panose="02070309020205020404" pitchFamily="49" charset="0"/>
+                <a:cs typeface="Courier New" panose="02070309020205020404" pitchFamily="49" charset="0"/>
+              </a:rPr>
+              <a:t>(</a:t>
+            </a:r>
+            <a:r>
+              <a:rPr lang="en-US" sz="1600" b="1" dirty="0">
+                <a:latin typeface="Courier New" panose="02070309020205020404" pitchFamily="49" charset="0"/>
+                <a:cs typeface="Courier New" panose="02070309020205020404" pitchFamily="49" charset="0"/>
+              </a:rPr>
+              <a:t>Component</a:t>
+            </a:r>
+            <a:r>
+              <a:rPr lang="en-US" sz="1600" dirty="0">
+                <a:latin typeface="Courier New" panose="02070309020205020404" pitchFamily="49" charset="0"/>
+                <a:cs typeface="Courier New" panose="02070309020205020404" pitchFamily="49" charset="0"/>
+              </a:rPr>
+              <a:t> comp) {</a:t>
+            </a:r>
+          </a:p>
+          <a:p>
+            <a:pPr marL="0" indent="0">
+              <a:lnSpc>
+                <a:spcPct val="80000"/>
+              </a:lnSpc>
+              <a:buNone/>
+            </a:pPr>
+            <a:r>
+              <a:rPr lang="en-US" sz="1600" dirty="0">
+                <a:latin typeface="Courier New" panose="02070309020205020404" pitchFamily="49" charset="0"/>
+                <a:cs typeface="Courier New" panose="02070309020205020404" pitchFamily="49" charset="0"/>
+              </a:rPr>
+              <a:t>		</a:t>
+            </a:r>
+            <a:r>
+              <a:rPr lang="en-US" sz="1600" dirty="0" err="1">
+                <a:solidFill>
+                  <a:srgbClr val="0070C0"/>
+                </a:solidFill>
+                <a:latin typeface="Courier New" panose="02070309020205020404" pitchFamily="49" charset="0"/>
+                <a:cs typeface="Courier New" panose="02070309020205020404" pitchFamily="49" charset="0"/>
+              </a:rPr>
+              <a:t>this</a:t>
+            </a:r>
+            <a:r>
+              <a:rPr lang="en-US" sz="1600" dirty="0" err="1">
+                <a:latin typeface="Courier New" panose="02070309020205020404" pitchFamily="49" charset="0"/>
+                <a:cs typeface="Courier New" panose="02070309020205020404" pitchFamily="49" charset="0"/>
+              </a:rPr>
+              <a:t>.comp</a:t>
+            </a:r>
+            <a:r>
+              <a:rPr lang="en-US" sz="1600" dirty="0">
+                <a:latin typeface="Courier New" panose="02070309020205020404" pitchFamily="49" charset="0"/>
+                <a:cs typeface="Courier New" panose="02070309020205020404" pitchFamily="49" charset="0"/>
+              </a:rPr>
+              <a:t> = comp;</a:t>
+            </a:r>
+          </a:p>
+          <a:p>
+            <a:pPr marL="0" indent="0">
+              <a:lnSpc>
+                <a:spcPct val="80000"/>
+              </a:lnSpc>
+              <a:buNone/>
+            </a:pPr>
+            <a:r>
+              <a:rPr lang="en-US" sz="1600" dirty="0">
+                <a:latin typeface="Courier New" panose="02070309020205020404" pitchFamily="49" charset="0"/>
+                <a:cs typeface="Courier New" panose="02070309020205020404" pitchFamily="49" charset="0"/>
+              </a:rPr>
+              <a:t>	}</a:t>
+            </a:r>
+          </a:p>
+          <a:p>
+            <a:pPr marL="0" indent="0">
+              <a:buNone/>
+            </a:pPr>
+            <a:r>
+              <a:rPr lang="en-US" sz="1600" dirty="0">
+                <a:latin typeface="Courier New" panose="02070309020205020404" pitchFamily="49" charset="0"/>
+                <a:cs typeface="Courier New" panose="02070309020205020404" pitchFamily="49" charset="0"/>
+              </a:rPr>
+              <a:t>}</a:t>
+            </a:r>
+          </a:p>
+        </p:txBody>
+      </p:sp>
+      <p:sp>
+        <p:nvSpPr>
+          <p:cNvPr id="5" name="Content Placeholder 2">
+            <a:extLst>
+              <a:ext uri="{FF2B5EF4-FFF2-40B4-BE49-F238E27FC236}">
+                <a16:creationId xmlns:a16="http://schemas.microsoft.com/office/drawing/2014/main" id="{B957C000-9EC1-F40C-78D8-CD05EC6D153D}"/>
+              </a:ext>
+            </a:extLst>
+          </p:cNvPr>
+          <p:cNvSpPr txBox="1">
+            <a:spLocks/>
+          </p:cNvSpPr>
+          <p:nvPr/>
+        </p:nvSpPr>
+        <p:spPr>
+          <a:xfrm>
+            <a:off x="6096000" y="1477528"/>
+            <a:ext cx="4033486" cy="1397854"/>
+          </a:xfrm>
+          <a:prstGeom prst="rect">
+            <a:avLst/>
+          </a:prstGeom>
+          <a:solidFill>
+            <a:schemeClr val="tx2">
+              <a:lumMod val="20000"/>
+              <a:lumOff val="80000"/>
+            </a:schemeClr>
+          </a:solidFill>
+          <a:ln>
+            <a:solidFill>
+              <a:schemeClr val="accent1"/>
+            </a:solidFill>
+          </a:ln>
+        </p:spPr>
+        <p:txBody>
+          <a:bodyPr vert="horz" lIns="91440" tIns="45720" rIns="91440" bIns="45720" rtlCol="0">
+            <a:noAutofit/>
+          </a:bodyPr>
+          <a:lstStyle>
+            <a:lvl1pPr marL="342900" indent="-342900" algn="l" defTabSz="457200" rtl="0" eaLnBrk="1" latinLnBrk="0" hangingPunct="1">
+              <a:spcBef>
+                <a:spcPts val="1000"/>
+              </a:spcBef>
+              <a:spcAft>
+                <a:spcPts val="0"/>
+              </a:spcAft>
+              <a:buClr>
+                <a:schemeClr val="accent1"/>
+              </a:buClr>
+              <a:buSzPct val="80000"/>
+              <a:buFont typeface="Wingdings 3" charset="2"/>
+              <a:buChar char=""/>
+              <a:defRPr sz="1800" kern="1200">
+                <a:solidFill>
+                  <a:schemeClr val="tx1">
+                    <a:lumMod val="75000"/>
+                    <a:lumOff val="25000"/>
+                  </a:schemeClr>
+                </a:solidFill>
+                <a:latin typeface="+mn-lt"/>
+                <a:ea typeface="+mn-ea"/>
+                <a:cs typeface="+mn-cs"/>
+              </a:defRPr>
+            </a:lvl1pPr>
+            <a:lvl2pPr marL="742950" indent="-285750" algn="l" defTabSz="457200" rtl="0" eaLnBrk="1" latinLnBrk="0" hangingPunct="1">
+              <a:spcBef>
+                <a:spcPts val="1000"/>
+              </a:spcBef>
+              <a:spcAft>
+                <a:spcPts val="0"/>
+              </a:spcAft>
+              <a:buClr>
+                <a:schemeClr val="accent1"/>
+              </a:buClr>
+              <a:buSzPct val="80000"/>
+              <a:buFont typeface="Wingdings 3" charset="2"/>
+              <a:buChar char=""/>
+              <a:defRPr sz="1600" kern="1200">
+                <a:solidFill>
+                  <a:schemeClr val="tx1">
+                    <a:lumMod val="75000"/>
+                    <a:lumOff val="25000"/>
+                  </a:schemeClr>
+                </a:solidFill>
+                <a:latin typeface="+mn-lt"/>
+                <a:ea typeface="+mn-ea"/>
+                <a:cs typeface="+mn-cs"/>
+              </a:defRPr>
+            </a:lvl2pPr>
+            <a:lvl3pPr marL="1143000" indent="-228600" algn="l" defTabSz="457200" rtl="0" eaLnBrk="1" latinLnBrk="0" hangingPunct="1">
+              <a:spcBef>
+                <a:spcPts val="1000"/>
+              </a:spcBef>
+              <a:spcAft>
+                <a:spcPts val="0"/>
+              </a:spcAft>
+              <a:buClr>
+                <a:schemeClr val="accent1"/>
+              </a:buClr>
+              <a:buSzPct val="80000"/>
+              <a:buFont typeface="Wingdings 3" charset="2"/>
+              <a:buChar char=""/>
+              <a:defRPr sz="1400" kern="1200">
+                <a:solidFill>
+                  <a:schemeClr val="tx1">
+                    <a:lumMod val="75000"/>
+                    <a:lumOff val="25000"/>
+                  </a:schemeClr>
+                </a:solidFill>
+                <a:latin typeface="+mn-lt"/>
+                <a:ea typeface="+mn-ea"/>
+                <a:cs typeface="+mn-cs"/>
+              </a:defRPr>
+            </a:lvl3pPr>
+            <a:lvl4pPr marL="1600200" indent="-228600" algn="l" defTabSz="457200" rtl="0" eaLnBrk="1" latinLnBrk="0" hangingPunct="1">
+              <a:spcBef>
+                <a:spcPts val="1000"/>
+              </a:spcBef>
+              <a:spcAft>
+                <a:spcPts val="0"/>
+              </a:spcAft>
+              <a:buClr>
+                <a:schemeClr val="accent1"/>
+              </a:buClr>
+              <a:buSzPct val="80000"/>
+              <a:buFont typeface="Wingdings 3" charset="2"/>
+              <a:buChar char=""/>
+              <a:defRPr sz="1200" kern="1200">
+                <a:solidFill>
+                  <a:schemeClr val="tx1">
+                    <a:lumMod val="75000"/>
+                    <a:lumOff val="25000"/>
+                  </a:schemeClr>
+                </a:solidFill>
+                <a:latin typeface="+mn-lt"/>
+                <a:ea typeface="+mn-ea"/>
+                <a:cs typeface="+mn-cs"/>
+              </a:defRPr>
+            </a:lvl4pPr>
+            <a:lvl5pPr marL="2057400" indent="-228600" algn="l" defTabSz="457200" rtl="0" eaLnBrk="1" latinLnBrk="0" hangingPunct="1">
+              <a:spcBef>
+                <a:spcPts val="1000"/>
+              </a:spcBef>
+              <a:spcAft>
+                <a:spcPts val="0"/>
+              </a:spcAft>
+              <a:buClr>
+                <a:schemeClr val="accent1"/>
+              </a:buClr>
+              <a:buSzPct val="80000"/>
+              <a:buFont typeface="Wingdings 3" charset="2"/>
+              <a:buChar char=""/>
+              <a:defRPr sz="1200" kern="1200">
+                <a:solidFill>
+                  <a:schemeClr val="tx1">
+                    <a:lumMod val="75000"/>
+                    <a:lumOff val="25000"/>
+                  </a:schemeClr>
+                </a:solidFill>
+                <a:latin typeface="+mn-lt"/>
+                <a:ea typeface="+mn-ea"/>
+                <a:cs typeface="+mn-cs"/>
+              </a:defRPr>
+            </a:lvl5pPr>
+            <a:lvl6pPr marL="2514600" indent="-228600" algn="l" defTabSz="457200" rtl="0" eaLnBrk="1" latinLnBrk="0" hangingPunct="1">
+              <a:spcBef>
+                <a:spcPts val="1000"/>
+              </a:spcBef>
+              <a:spcAft>
+                <a:spcPts val="0"/>
+              </a:spcAft>
+              <a:buClr>
+                <a:schemeClr val="accent1"/>
+              </a:buClr>
+              <a:buSzPct val="80000"/>
+              <a:buFont typeface="Wingdings 3" charset="2"/>
+              <a:buChar char=""/>
+              <a:defRPr sz="1200" kern="1200">
+                <a:solidFill>
+                  <a:schemeClr val="tx1">
+                    <a:lumMod val="75000"/>
+                    <a:lumOff val="25000"/>
+                  </a:schemeClr>
+                </a:solidFill>
+                <a:latin typeface="+mn-lt"/>
+                <a:ea typeface="+mn-ea"/>
+                <a:cs typeface="+mn-cs"/>
+              </a:defRPr>
+            </a:lvl6pPr>
+            <a:lvl7pPr marL="2971800" indent="-228600" algn="l" defTabSz="457200" rtl="0" eaLnBrk="1" latinLnBrk="0" hangingPunct="1">
+              <a:spcBef>
+                <a:spcPts val="1000"/>
+              </a:spcBef>
+              <a:spcAft>
+                <a:spcPts val="0"/>
+              </a:spcAft>
+              <a:buClr>
+                <a:schemeClr val="accent1"/>
+              </a:buClr>
+              <a:buSzPct val="80000"/>
+              <a:buFont typeface="Wingdings 3" charset="2"/>
+              <a:buChar char=""/>
+              <a:defRPr sz="1200" kern="1200">
+                <a:solidFill>
+                  <a:schemeClr val="tx1">
+                    <a:lumMod val="75000"/>
+                    <a:lumOff val="25000"/>
+                  </a:schemeClr>
+                </a:solidFill>
+                <a:latin typeface="+mn-lt"/>
+                <a:ea typeface="+mn-ea"/>
+                <a:cs typeface="+mn-cs"/>
+              </a:defRPr>
+            </a:lvl7pPr>
+            <a:lvl8pPr marL="3429000" indent="-228600" algn="l" defTabSz="457200" rtl="0" eaLnBrk="1" latinLnBrk="0" hangingPunct="1">
+              <a:spcBef>
+                <a:spcPts val="1000"/>
+              </a:spcBef>
+              <a:spcAft>
+                <a:spcPts val="0"/>
+              </a:spcAft>
+              <a:buClr>
+                <a:schemeClr val="accent1"/>
+              </a:buClr>
+              <a:buSzPct val="80000"/>
+              <a:buFont typeface="Wingdings 3" charset="2"/>
+              <a:buChar char=""/>
+              <a:defRPr sz="1200" kern="1200">
+                <a:solidFill>
+                  <a:schemeClr val="tx1">
+                    <a:lumMod val="75000"/>
+                    <a:lumOff val="25000"/>
+                  </a:schemeClr>
+                </a:solidFill>
+                <a:latin typeface="+mn-lt"/>
+                <a:ea typeface="+mn-ea"/>
+                <a:cs typeface="+mn-cs"/>
+              </a:defRPr>
+            </a:lvl8pPr>
+            <a:lvl9pPr marL="3886200" indent="-228600" algn="l" defTabSz="457200" rtl="0" eaLnBrk="1" latinLnBrk="0" hangingPunct="1">
+              <a:spcBef>
+                <a:spcPts val="1000"/>
+              </a:spcBef>
+              <a:spcAft>
+                <a:spcPts val="0"/>
+              </a:spcAft>
+              <a:buClr>
+                <a:schemeClr val="accent1"/>
+              </a:buClr>
+              <a:buSzPct val="80000"/>
+              <a:buFont typeface="Wingdings 3" charset="2"/>
+              <a:buChar char=""/>
+              <a:defRPr sz="1200" kern="1200">
+                <a:solidFill>
+                  <a:schemeClr val="tx1">
+                    <a:lumMod val="75000"/>
+                    <a:lumOff val="25000"/>
+                  </a:schemeClr>
+                </a:solidFill>
+                <a:latin typeface="+mn-lt"/>
+                <a:ea typeface="+mn-ea"/>
+                <a:cs typeface="+mn-cs"/>
+              </a:defRPr>
+            </a:lvl9pPr>
+          </a:lstStyle>
+          <a:p>
+            <a:pPr marL="0" indent="0">
               <a:lnSpc>
                 <a:spcPct val="80000"/>
               </a:lnSpc>
@@ -19965,18 +20266,18 @@
               <a:t> </a:t>
             </a:r>
             <a:r>
-              <a:rPr lang="en-US" sz="1600" dirty="0" err="1">
-                <a:latin typeface="Courier New" panose="02070309020205020404" pitchFamily="49" charset="0"/>
-                <a:cs typeface="Courier New" panose="02070309020205020404" pitchFamily="49" charset="0"/>
-              </a:rPr>
-              <a:t>MyComponent</a:t>
+              <a:rPr lang="en-US" sz="1600" b="1" dirty="0">
+                <a:latin typeface="Courier New" panose="02070309020205020404" pitchFamily="49" charset="0"/>
+                <a:cs typeface="Courier New" panose="02070309020205020404" pitchFamily="49" charset="0"/>
+              </a:rPr>
+              <a:t>Component</a:t>
             </a:r>
             <a:r>
               <a:rPr lang="en-US" sz="1600" dirty="0">
                 <a:latin typeface="Courier New" panose="02070309020205020404" pitchFamily="49" charset="0"/>
                 <a:cs typeface="Courier New" panose="02070309020205020404" pitchFamily="49" charset="0"/>
               </a:rPr>
-              <a:t> {</a:t>
+              <a:t> { </a:t>
             </a:r>
           </a:p>
           <a:p>
@@ -19986,10 +20287,13 @@
             </a:pPr>
             <a:r>
               <a:rPr lang="en-US" sz="1600" dirty="0">
-                <a:latin typeface="Courier New" panose="02070309020205020404" pitchFamily="49" charset="0"/>
-                <a:cs typeface="Courier New" panose="02070309020205020404" pitchFamily="49" charset="0"/>
-              </a:rPr>
-              <a:t>// some code</a:t>
+                <a:solidFill>
+                  <a:schemeClr val="accent1"/>
+                </a:solidFill>
+                <a:latin typeface="Courier New" panose="02070309020205020404" pitchFamily="49" charset="0"/>
+                <a:cs typeface="Courier New" panose="02070309020205020404" pitchFamily="49" charset="0"/>
+              </a:rPr>
+              <a:t>// …</a:t>
             </a:r>
           </a:p>
           <a:p>
@@ -20014,146 +20318,6 @@
               <a:latin typeface="Courier New" panose="02070309020205020404" pitchFamily="49" charset="0"/>
               <a:cs typeface="Courier New" panose="02070309020205020404" pitchFamily="49" charset="0"/>
             </a:endParaRPr>
-          </a:p>
-          <a:p>
-            <a:pPr marL="0" indent="0">
-              <a:buFont typeface="Wingdings 3" charset="2"/>
-              <a:buNone/>
-            </a:pPr>
-            <a:r>
-              <a:rPr lang="en-US" sz="1600" dirty="0">
-                <a:solidFill>
-                  <a:srgbClr val="0070C0"/>
-                </a:solidFill>
-                <a:latin typeface="Courier New" panose="02070309020205020404" pitchFamily="49" charset="0"/>
-                <a:cs typeface="Courier New" panose="02070309020205020404" pitchFamily="49" charset="0"/>
-              </a:rPr>
-              <a:t>public</a:t>
-            </a:r>
-            <a:r>
-              <a:rPr lang="en-US" sz="1600" dirty="0">
-                <a:latin typeface="Courier New" panose="02070309020205020404" pitchFamily="49" charset="0"/>
-                <a:cs typeface="Courier New" panose="02070309020205020404" pitchFamily="49" charset="0"/>
-              </a:rPr>
-              <a:t> </a:t>
-            </a:r>
-            <a:r>
-              <a:rPr lang="en-US" sz="1600" dirty="0">
-                <a:solidFill>
-                  <a:srgbClr val="0070C0"/>
-                </a:solidFill>
-                <a:latin typeface="Courier New" panose="02070309020205020404" pitchFamily="49" charset="0"/>
-                <a:cs typeface="Courier New" panose="02070309020205020404" pitchFamily="49" charset="0"/>
-              </a:rPr>
-              <a:t>class</a:t>
-            </a:r>
-            <a:r>
-              <a:rPr lang="en-US" sz="1600" dirty="0">
-                <a:latin typeface="Courier New" panose="02070309020205020404" pitchFamily="49" charset="0"/>
-                <a:cs typeface="Courier New" panose="02070309020205020404" pitchFamily="49" charset="0"/>
-              </a:rPr>
-              <a:t> Component {</a:t>
-            </a:r>
-          </a:p>
-          <a:p>
-            <a:pPr marL="0" indent="0">
-              <a:lnSpc>
-                <a:spcPct val="80000"/>
-              </a:lnSpc>
-              <a:buFont typeface="Wingdings 3" charset="2"/>
-              <a:buNone/>
-            </a:pPr>
-            <a:r>
-              <a:rPr lang="en-US" sz="1600" dirty="0">
-                <a:latin typeface="Courier New" panose="02070309020205020404" pitchFamily="49" charset="0"/>
-                <a:cs typeface="Courier New" panose="02070309020205020404" pitchFamily="49" charset="0"/>
-              </a:rPr>
-              <a:t>    </a:t>
-            </a:r>
-            <a:r>
-              <a:rPr lang="en-US" sz="1600" b="1" dirty="0">
-                <a:solidFill>
-                  <a:srgbClr val="9E880D"/>
-                </a:solidFill>
-                <a:latin typeface="Courier New" panose="02070309020205020404" pitchFamily="49" charset="0"/>
-                <a:cs typeface="Courier New" panose="02070309020205020404" pitchFamily="49" charset="0"/>
-              </a:rPr>
-              <a:t>@</a:t>
-            </a:r>
-            <a:r>
-              <a:rPr lang="en-US" sz="1600" b="1" dirty="0" err="1">
-                <a:solidFill>
-                  <a:srgbClr val="9E880D"/>
-                </a:solidFill>
-                <a:latin typeface="Courier New" panose="02070309020205020404" pitchFamily="49" charset="0"/>
-                <a:cs typeface="Courier New" panose="02070309020205020404" pitchFamily="49" charset="0"/>
-              </a:rPr>
-              <a:t>Autowired</a:t>
-            </a:r>
-            <a:endParaRPr lang="en-US" sz="1600" b="1" dirty="0">
-              <a:solidFill>
-                <a:srgbClr val="9E880D"/>
-              </a:solidFill>
-              <a:latin typeface="Courier New" panose="02070309020205020404" pitchFamily="49" charset="0"/>
-              <a:cs typeface="Courier New" panose="02070309020205020404" pitchFamily="49" charset="0"/>
-            </a:endParaRPr>
-          </a:p>
-          <a:p>
-            <a:pPr marL="0" indent="0">
-              <a:buFont typeface="Wingdings 3" charset="2"/>
-              <a:buNone/>
-            </a:pPr>
-            <a:r>
-              <a:rPr lang="en-US" sz="1600" dirty="0">
-                <a:latin typeface="Courier New" panose="02070309020205020404" pitchFamily="49" charset="0"/>
-                <a:cs typeface="Courier New" panose="02070309020205020404" pitchFamily="49" charset="0"/>
-              </a:rPr>
-              <a:t>    </a:t>
-            </a:r>
-            <a:r>
-              <a:rPr lang="en-US" sz="1600" dirty="0">
-                <a:solidFill>
-                  <a:srgbClr val="0070C0"/>
-                </a:solidFill>
-                <a:latin typeface="Courier New" panose="02070309020205020404" pitchFamily="49" charset="0"/>
-                <a:cs typeface="Courier New" panose="02070309020205020404" pitchFamily="49" charset="0"/>
-              </a:rPr>
-              <a:t>private</a:t>
-            </a:r>
-            <a:r>
-              <a:rPr lang="en-US" sz="1600" dirty="0">
-                <a:latin typeface="Courier New" panose="02070309020205020404" pitchFamily="49" charset="0"/>
-                <a:cs typeface="Courier New" panose="02070309020205020404" pitchFamily="49" charset="0"/>
-              </a:rPr>
-              <a:t> </a:t>
-            </a:r>
-            <a:r>
-              <a:rPr lang="en-US" sz="1600" b="1" dirty="0" err="1">
-                <a:latin typeface="Courier New" panose="02070309020205020404" pitchFamily="49" charset="0"/>
-                <a:cs typeface="Courier New" panose="02070309020205020404" pitchFamily="49" charset="0"/>
-              </a:rPr>
-              <a:t>MyComponent</a:t>
-            </a:r>
-            <a:r>
-              <a:rPr lang="en-US" sz="1600" dirty="0">
-                <a:latin typeface="Courier New" panose="02070309020205020404" pitchFamily="49" charset="0"/>
-                <a:cs typeface="Courier New" panose="02070309020205020404" pitchFamily="49" charset="0"/>
-              </a:rPr>
-              <a:t> component;</a:t>
-            </a:r>
-          </a:p>
-          <a:p>
-            <a:pPr marL="0" indent="0">
-              <a:buFont typeface="Wingdings 3" charset="2"/>
-              <a:buNone/>
-            </a:pPr>
-            <a:r>
-              <a:rPr lang="en-US" sz="1600" dirty="0">
-                <a:latin typeface="Courier New" panose="02070309020205020404" pitchFamily="49" charset="0"/>
-                <a:cs typeface="Courier New" panose="02070309020205020404" pitchFamily="49" charset="0"/>
-              </a:rPr>
-              <a:t>}</a:t>
-            </a:r>
           </a:p>
         </p:txBody>
       </p:sp>
@@ -20211,13 +20375,13 @@
         </p:spPr>
         <p:txBody>
           <a:bodyPr>
-            <a:normAutofit fontScale="90000"/>
+            <a:normAutofit/>
           </a:bodyPr>
           <a:lstStyle/>
           <a:p>
             <a:r>
               <a:rPr lang="en-IL" dirty="0"/>
-              <a:t>@Autowire behaviour</a:t>
+              <a:t>Autowire behaviour</a:t>
             </a:r>
             <a:r>
               <a:rPr lang="en-US" dirty="0"/>
@@ -20246,7 +20410,7 @@
         <p:spPr>
           <a:xfrm>
             <a:off x="677335" y="1358537"/>
-            <a:ext cx="5189312" cy="4616750"/>
+            <a:ext cx="5189312" cy="3738564"/>
           </a:xfrm>
           <a:solidFill>
             <a:schemeClr val="tx2">
@@ -20387,21 +20551,7 @@
                 <a:latin typeface="Courier New" panose="02070309020205020404" pitchFamily="49" charset="0"/>
                 <a:cs typeface="Courier New" panose="02070309020205020404" pitchFamily="49" charset="0"/>
               </a:rPr>
-              <a:t> </a:t>
-            </a:r>
-            <a:r>
-              <a:rPr lang="en-US" sz="1400" dirty="0" err="1">
-                <a:latin typeface="Courier New" panose="02070309020205020404" pitchFamily="49" charset="0"/>
-                <a:cs typeface="Courier New" panose="02070309020205020404" pitchFamily="49" charset="0"/>
-              </a:rPr>
-              <a:t>MyComponent</a:t>
-            </a:r>
-            <a:r>
-              <a:rPr lang="en-US" sz="1400" dirty="0">
-                <a:latin typeface="Courier New" panose="02070309020205020404" pitchFamily="49" charset="0"/>
-                <a:cs typeface="Courier New" panose="02070309020205020404" pitchFamily="49" charset="0"/>
-              </a:rPr>
-              <a:t> </a:t>
+              <a:t> Component </a:t>
             </a:r>
             <a:r>
               <a:rPr lang="en-US" sz="1400" b="1" dirty="0">
@@ -20430,21 +20580,24 @@
               <a:t>       </a:t>
             </a:r>
             <a:r>
-              <a:rPr lang="en-US" sz="1400" dirty="0" err="1">
-                <a:latin typeface="Courier New" panose="02070309020205020404" pitchFamily="49" charset="0"/>
-                <a:cs typeface="Courier New" panose="02070309020205020404" pitchFamily="49" charset="0"/>
-              </a:rPr>
-              <a:t>MyComponent</a:t>
-            </a:r>
-            <a:r>
               <a:rPr lang="en-US" sz="1400" dirty="0">
-                <a:latin typeface="Courier New" panose="02070309020205020404" pitchFamily="49" charset="0"/>
-                <a:cs typeface="Courier New" panose="02070309020205020404" pitchFamily="49" charset="0"/>
-              </a:rPr>
-              <a:t> comp1 = </a:t>
+                <a:solidFill>
+                  <a:srgbClr val="0070C0"/>
+                </a:solidFill>
+                <a:latin typeface="Courier New" panose="02070309020205020404" pitchFamily="49" charset="0"/>
+                <a:cs typeface="Courier New" panose="02070309020205020404" pitchFamily="49" charset="0"/>
+              </a:rPr>
+              <a:t>return</a:t>
             </a:r>
             <a:r>
               <a:rPr lang="en-US" sz="1400" dirty="0">
+                <a:latin typeface="Courier New" panose="02070309020205020404" pitchFamily="49" charset="0"/>
+                <a:cs typeface="Courier New" panose="02070309020205020404" pitchFamily="49" charset="0"/>
+              </a:rPr>
+              <a:t> </a:t>
+            </a:r>
+            <a:r>
+              <a:rPr lang="en-US" sz="1400" dirty="0">
                 <a:solidFill>
                   <a:srgbClr val="0070C0"/>
                 </a:solidFill>
@@ -20458,21 +20611,7 @@
                 <a:latin typeface="Courier New" panose="02070309020205020404" pitchFamily="49" charset="0"/>
                 <a:cs typeface="Courier New" panose="02070309020205020404" pitchFamily="49" charset="0"/>
               </a:rPr>
-              <a:t> </a:t>
-            </a:r>
-            <a:r>
-              <a:rPr lang="en-US" sz="1400" dirty="0" err="1">
-                <a:latin typeface="Courier New" panose="02070309020205020404" pitchFamily="49" charset="0"/>
-                <a:cs typeface="Courier New" panose="02070309020205020404" pitchFamily="49" charset="0"/>
-              </a:rPr>
-              <a:t>MyComponent</a:t>
-            </a:r>
-            <a:r>
-              <a:rPr lang="en-US" sz="1400" dirty="0">
-                <a:latin typeface="Courier New" panose="02070309020205020404" pitchFamily="49" charset="0"/>
-                <a:cs typeface="Courier New" panose="02070309020205020404" pitchFamily="49" charset="0"/>
-              </a:rPr>
-              <a:t>();</a:t>
+              <a:t> Component();</a:t>
             </a:r>
           </a:p>
           <a:p>
@@ -20484,36 +20623,7 @@
                 <a:latin typeface="Courier New" panose="02070309020205020404" pitchFamily="49" charset="0"/>
                 <a:cs typeface="Courier New" panose="02070309020205020404" pitchFamily="49" charset="0"/>
               </a:rPr>
-              <a:t>       </a:t>
-            </a:r>
-            <a:r>
-              <a:rPr lang="en-US" sz="1400" dirty="0">
-                <a:solidFill>
-                  <a:srgbClr val="0070C0"/>
-                </a:solidFill>
-                <a:latin typeface="Courier New" panose="02070309020205020404" pitchFamily="49" charset="0"/>
-                <a:cs typeface="Courier New" panose="02070309020205020404" pitchFamily="49" charset="0"/>
-              </a:rPr>
-              <a:t>return</a:t>
-            </a:r>
-            <a:r>
-              <a:rPr lang="en-US" sz="1400" dirty="0">
-                <a:latin typeface="Courier New" panose="02070309020205020404" pitchFamily="49" charset="0"/>
-                <a:cs typeface="Courier New" panose="02070309020205020404" pitchFamily="49" charset="0"/>
-              </a:rPr>
-              <a:t> comp1;</a:t>
-            </a:r>
-          </a:p>
-          <a:p>
-            <a:pPr marL="0" indent="0">
-              <a:buNone/>
-            </a:pPr>
-            <a:r>
-              <a:rPr lang="en-US" sz="1400" dirty="0">
-                <a:latin typeface="Courier New" panose="02070309020205020404" pitchFamily="49" charset="0"/>
-                <a:cs typeface="Courier New" panose="02070309020205020404" pitchFamily="49" charset="0"/>
-              </a:rPr>
-              <a:t>    }</a:t>
+              <a:t>	}</a:t>
             </a:r>
           </a:p>
           <a:p>
@@ -20567,21 +20677,7 @@
                 <a:latin typeface="Courier New" panose="02070309020205020404" pitchFamily="49" charset="0"/>
                 <a:cs typeface="Courier New" panose="02070309020205020404" pitchFamily="49" charset="0"/>
               </a:rPr>
-              <a:t> </a:t>
-            </a:r>
-            <a:r>
-              <a:rPr lang="en-US" sz="1400" dirty="0" err="1">
-                <a:latin typeface="Courier New" panose="02070309020205020404" pitchFamily="49" charset="0"/>
-                <a:cs typeface="Courier New" panose="02070309020205020404" pitchFamily="49" charset="0"/>
-              </a:rPr>
-              <a:t>MyComponent</a:t>
-            </a:r>
-            <a:r>
-              <a:rPr lang="en-US" sz="1400" dirty="0">
-                <a:latin typeface="Courier New" panose="02070309020205020404" pitchFamily="49" charset="0"/>
-                <a:cs typeface="Courier New" panose="02070309020205020404" pitchFamily="49" charset="0"/>
-              </a:rPr>
-              <a:t> </a:t>
+              <a:t> Component </a:t>
             </a:r>
             <a:r>
               <a:rPr lang="en-US" sz="1400" b="1" dirty="0">
@@ -20607,24 +20703,27 @@
                 <a:latin typeface="Courier New" panose="02070309020205020404" pitchFamily="49" charset="0"/>
                 <a:cs typeface="Courier New" panose="02070309020205020404" pitchFamily="49" charset="0"/>
               </a:rPr>
-              <a:t> 	 </a:t>
-            </a:r>
-            <a:r>
-              <a:rPr lang="en-US" sz="1400" dirty="0" err="1">
-                <a:latin typeface="Courier New" panose="02070309020205020404" pitchFamily="49" charset="0"/>
-                <a:cs typeface="Courier New" panose="02070309020205020404" pitchFamily="49" charset="0"/>
-              </a:rPr>
-              <a:t>MyComponent</a:t>
+              <a:t> 	   </a:t>
             </a:r>
             <a:r>
               <a:rPr lang="en-US" sz="1400" dirty="0">
-                <a:latin typeface="Courier New" panose="02070309020205020404" pitchFamily="49" charset="0"/>
-                <a:cs typeface="Courier New" panose="02070309020205020404" pitchFamily="49" charset="0"/>
-              </a:rPr>
-              <a:t> comp2 = </a:t>
+                <a:solidFill>
+                  <a:srgbClr val="0070C0"/>
+                </a:solidFill>
+                <a:latin typeface="Courier New" panose="02070309020205020404" pitchFamily="49" charset="0"/>
+                <a:cs typeface="Courier New" panose="02070309020205020404" pitchFamily="49" charset="0"/>
+              </a:rPr>
+              <a:t>return</a:t>
             </a:r>
             <a:r>
               <a:rPr lang="en-US" sz="1400" dirty="0">
+                <a:latin typeface="Courier New" panose="02070309020205020404" pitchFamily="49" charset="0"/>
+                <a:cs typeface="Courier New" panose="02070309020205020404" pitchFamily="49" charset="0"/>
+              </a:rPr>
+              <a:t> </a:t>
+            </a:r>
+            <a:r>
+              <a:rPr lang="en-US" sz="1400" dirty="0">
                 <a:solidFill>
                   <a:srgbClr val="0070C0"/>
                 </a:solidFill>
@@ -20638,21 +20737,7 @@
                 <a:latin typeface="Courier New" panose="02070309020205020404" pitchFamily="49" charset="0"/>
                 <a:cs typeface="Courier New" panose="02070309020205020404" pitchFamily="49" charset="0"/>
               </a:rPr>
-              <a:t> </a:t>
-            </a:r>
-            <a:r>
-              <a:rPr lang="en-US" sz="1400" dirty="0" err="1">
-                <a:latin typeface="Courier New" panose="02070309020205020404" pitchFamily="49" charset="0"/>
-                <a:cs typeface="Courier New" panose="02070309020205020404" pitchFamily="49" charset="0"/>
-              </a:rPr>
-              <a:t>MyComponent</a:t>
-            </a:r>
-            <a:r>
-              <a:rPr lang="en-US" sz="1400" dirty="0">
-                <a:latin typeface="Courier New" panose="02070309020205020404" pitchFamily="49" charset="0"/>
-                <a:cs typeface="Courier New" panose="02070309020205020404" pitchFamily="49" charset="0"/>
-              </a:rPr>
-              <a:t>();</a:t>
+              <a:t> Component();</a:t>
             </a:r>
           </a:p>
           <a:p>
@@ -20664,36 +20749,7 @@
                 <a:latin typeface="Courier New" panose="02070309020205020404" pitchFamily="49" charset="0"/>
                 <a:cs typeface="Courier New" panose="02070309020205020404" pitchFamily="49" charset="0"/>
               </a:rPr>
-              <a:t>      </a:t>
-            </a:r>
-            <a:r>
-              <a:rPr lang="en-US" sz="1400" dirty="0">
-                <a:solidFill>
-                  <a:srgbClr val="0070C0"/>
-                </a:solidFill>
-                <a:latin typeface="Courier New" panose="02070309020205020404" pitchFamily="49" charset="0"/>
-                <a:cs typeface="Courier New" panose="02070309020205020404" pitchFamily="49" charset="0"/>
-              </a:rPr>
-              <a:t>return</a:t>
-            </a:r>
-            <a:r>
-              <a:rPr lang="en-US" sz="1400" dirty="0">
-                <a:latin typeface="Courier New" panose="02070309020205020404" pitchFamily="49" charset="0"/>
-                <a:cs typeface="Courier New" panose="02070309020205020404" pitchFamily="49" charset="0"/>
-              </a:rPr>
-              <a:t> comp2;</a:t>
-            </a:r>
-          </a:p>
-          <a:p>
-            <a:pPr marL="0" indent="0">
-              <a:buNone/>
-            </a:pPr>
-            <a:r>
-              <a:rPr lang="en-US" sz="1400" dirty="0">
-                <a:latin typeface="Courier New" panose="02070309020205020404" pitchFamily="49" charset="0"/>
-                <a:cs typeface="Courier New" panose="02070309020205020404" pitchFamily="49" charset="0"/>
-              </a:rPr>
-              <a:t>    }</a:t>
+              <a:t>	}</a:t>
             </a:r>
           </a:p>
           <a:p>
@@ -20733,8 +20789,8 @@
         </p:nvSpPr>
         <p:spPr>
           <a:xfrm>
-            <a:off x="5694630" y="3331676"/>
-            <a:ext cx="5189312" cy="2948964"/>
+            <a:off x="4680642" y="2716004"/>
+            <a:ext cx="5189312" cy="4008220"/>
           </a:xfrm>
           <a:prstGeom prst="rect">
             <a:avLst/>
@@ -20984,6 +21040,28 @@
           </a:lstStyle>
           <a:p>
             <a:pPr marL="0" indent="0">
+              <a:buNone/>
+            </a:pPr>
+            <a:r>
+              <a:rPr lang="en-US" sz="1400" b="1" dirty="0">
+                <a:solidFill>
+                  <a:srgbClr val="9E880D"/>
+                </a:solidFill>
+                <a:latin typeface="Courier New" panose="02070309020205020404" pitchFamily="49" charset="0"/>
+                <a:cs typeface="Courier New" panose="02070309020205020404" pitchFamily="49" charset="0"/>
+              </a:rPr>
+              <a:t>@Component</a:t>
+            </a:r>
+            <a:endParaRPr lang="en-US" sz="1400" dirty="0">
+              <a:solidFill>
+                <a:srgbClr val="0070C0"/>
+              </a:solidFill>
+              <a:latin typeface="Courier New" panose="02070309020205020404" pitchFamily="49" charset="0"/>
+              <a:cs typeface="Courier New" panose="02070309020205020404" pitchFamily="49" charset="0"/>
+            </a:endParaRPr>
+          </a:p>
+          <a:p>
+            <a:pPr marL="0" indent="0">
               <a:buFont typeface="Wingdings 3" charset="2"/>
               <a:buNone/>
             </a:pPr>
@@ -21019,7 +21097,21 @@
                 <a:latin typeface="Courier New" panose="02070309020205020404" pitchFamily="49" charset="0"/>
                 <a:cs typeface="Courier New" panose="02070309020205020404" pitchFamily="49" charset="0"/>
               </a:rPr>
-              <a:t> Component {</a:t>
+              <a:t> </a:t>
+            </a:r>
+            <a:r>
+              <a:rPr lang="en-US" sz="1400" dirty="0" err="1">
+                <a:latin typeface="Courier New" panose="02070309020205020404" pitchFamily="49" charset="0"/>
+                <a:cs typeface="Courier New" panose="02070309020205020404" pitchFamily="49" charset="0"/>
+              </a:rPr>
+              <a:t>AnotherComponent</a:t>
+            </a:r>
+            <a:r>
+              <a:rPr lang="en-US" sz="1400" dirty="0">
+                <a:latin typeface="Courier New" panose="02070309020205020404" pitchFamily="49" charset="0"/>
+                <a:cs typeface="Courier New" panose="02070309020205020404" pitchFamily="49" charset="0"/>
+              </a:rPr>
+              <a:t> {</a:t>
             </a:r>
           </a:p>
           <a:p>
@@ -21032,38 +21124,21 @@
             </a:pPr>
             <a:r>
               <a:rPr lang="en-US" sz="1400" dirty="0">
-                <a:latin typeface="Courier New" panose="02070309020205020404" pitchFamily="49" charset="0"/>
-                <a:cs typeface="Courier New" panose="02070309020205020404" pitchFamily="49" charset="0"/>
-              </a:rPr>
-              <a:t>    </a:t>
-            </a:r>
-            <a:r>
-              <a:rPr lang="en-US" sz="1400" b="1" dirty="0">
-                <a:solidFill>
-                  <a:srgbClr val="9E880D"/>
-                </a:solidFill>
-                <a:latin typeface="Courier New" panose="02070309020205020404" pitchFamily="49" charset="0"/>
-                <a:cs typeface="Courier New" panose="02070309020205020404" pitchFamily="49" charset="0"/>
-              </a:rPr>
-              <a:t>@</a:t>
-            </a:r>
-            <a:r>
-              <a:rPr lang="en-US" sz="1400" b="1" dirty="0" err="1">
-                <a:solidFill>
-                  <a:srgbClr val="9E880D"/>
-                </a:solidFill>
-                <a:latin typeface="Courier New" panose="02070309020205020404" pitchFamily="49" charset="0"/>
-                <a:cs typeface="Courier New" panose="02070309020205020404" pitchFamily="49" charset="0"/>
-              </a:rPr>
-              <a:t>Autowired</a:t>
-            </a:r>
-            <a:endParaRPr lang="en-US" sz="1400" b="1" dirty="0">
-              <a:solidFill>
-                <a:srgbClr val="9E880D"/>
-              </a:solidFill>
-              <a:latin typeface="Courier New" panose="02070309020205020404" pitchFamily="49" charset="0"/>
-              <a:cs typeface="Courier New" panose="02070309020205020404" pitchFamily="49" charset="0"/>
-            </a:endParaRPr>
+                <a:solidFill>
+                  <a:srgbClr val="0070C0"/>
+                </a:solidFill>
+                <a:latin typeface="Courier New" panose="02070309020205020404" pitchFamily="49" charset="0"/>
+                <a:cs typeface="Courier New" panose="02070309020205020404" pitchFamily="49" charset="0"/>
+              </a:rPr>
+              <a:t>	private</a:t>
+            </a:r>
+            <a:r>
+              <a:rPr lang="en-US" sz="1400" dirty="0">
+                <a:latin typeface="Courier New" panose="02070309020205020404" pitchFamily="49" charset="0"/>
+                <a:cs typeface="Courier New" panose="02070309020205020404" pitchFamily="49" charset="0"/>
+              </a:rPr>
+              <a:t> Component comp1;</a:t>
+            </a:r>
           </a:p>
           <a:p>
             <a:pPr marL="0" indent="0">
@@ -21075,67 +21150,27 @@
             </a:pPr>
             <a:r>
               <a:rPr lang="en-US" sz="1400" dirty="0">
-                <a:solidFill>
-                  <a:srgbClr val="9E880D"/>
-                </a:solidFill>
-                <a:latin typeface="Courier New" panose="02070309020205020404" pitchFamily="49" charset="0"/>
-                <a:cs typeface="Courier New" panose="02070309020205020404" pitchFamily="49" charset="0"/>
-              </a:rPr>
-              <a:t>    </a:t>
-            </a:r>
-            <a:r>
-              <a:rPr lang="en-US" sz="1400" b="1" dirty="0">
-                <a:solidFill>
-                  <a:srgbClr val="9E880D"/>
-                </a:solidFill>
-                <a:latin typeface="Courier New" panose="02070309020205020404" pitchFamily="49" charset="0"/>
-                <a:cs typeface="Courier New" panose="02070309020205020404" pitchFamily="49" charset="0"/>
-              </a:rPr>
-              <a:t>@Qualifier(”component1")</a:t>
-            </a:r>
-          </a:p>
-          <a:p>
-            <a:pPr marL="0" indent="0">
-              <a:buFont typeface="Wingdings 3" charset="2"/>
-              <a:buNone/>
-            </a:pPr>
+                <a:latin typeface="Courier New" panose="02070309020205020404" pitchFamily="49" charset="0"/>
+                <a:cs typeface="Courier New" panose="02070309020205020404" pitchFamily="49" charset="0"/>
+              </a:rPr>
+              <a:t>	</a:t>
+            </a:r>
             <a:r>
               <a:rPr lang="en-US" sz="1400" dirty="0">
-                <a:latin typeface="Courier New" panose="02070309020205020404" pitchFamily="49" charset="0"/>
-                <a:cs typeface="Courier New" panose="02070309020205020404" pitchFamily="49" charset="0"/>
-              </a:rPr>
-              <a:t>    </a:t>
+                <a:solidFill>
+                  <a:srgbClr val="0070C0"/>
+                </a:solidFill>
+                <a:latin typeface="Courier New" panose="02070309020205020404" pitchFamily="49" charset="0"/>
+                <a:cs typeface="Courier New" panose="02070309020205020404" pitchFamily="49" charset="0"/>
+              </a:rPr>
+              <a:t>private</a:t>
             </a:r>
             <a:r>
               <a:rPr lang="en-US" sz="1400" dirty="0">
-                <a:solidFill>
-                  <a:srgbClr val="0070C0"/>
-                </a:solidFill>
-                <a:latin typeface="Courier New" panose="02070309020205020404" pitchFamily="49" charset="0"/>
-                <a:cs typeface="Courier New" panose="02070309020205020404" pitchFamily="49" charset="0"/>
-              </a:rPr>
-              <a:t>private</a:t>
-            </a:r>
-            <a:r>
-              <a:rPr lang="en-US" sz="1400" dirty="0">
-                <a:latin typeface="Courier New" panose="02070309020205020404" pitchFamily="49" charset="0"/>
-                <a:cs typeface="Courier New" panose="02070309020205020404" pitchFamily="49" charset="0"/>
-              </a:rPr>
-              <a:t> </a:t>
-            </a:r>
-            <a:r>
-              <a:rPr lang="en-US" sz="1400" dirty="0" err="1">
-                <a:latin typeface="Courier New" panose="02070309020205020404" pitchFamily="49" charset="0"/>
-                <a:cs typeface="Courier New" panose="02070309020205020404" pitchFamily="49" charset="0"/>
-              </a:rPr>
-              <a:t>MyComponent</a:t>
-            </a:r>
-            <a:r>
-              <a:rPr lang="en-US" sz="1400" dirty="0">
-                <a:latin typeface="Courier New" panose="02070309020205020404" pitchFamily="49" charset="0"/>
-                <a:cs typeface="Courier New" panose="02070309020205020404" pitchFamily="49" charset="0"/>
-              </a:rPr>
-              <a:t> comp1;</a:t>
+                <a:latin typeface="Courier New" panose="02070309020205020404" pitchFamily="49" charset="0"/>
+                <a:cs typeface="Courier New" panose="02070309020205020404" pitchFamily="49" charset="0"/>
+              </a:rPr>
+              <a:t> Component comp2;</a:t>
             </a:r>
           </a:p>
           <a:p>
@@ -21150,18 +21185,71 @@
           </a:p>
           <a:p>
             <a:pPr marL="0" indent="0">
-              <a:lnSpc>
-                <a:spcPct val="80000"/>
-              </a:lnSpc>
               <a:buFont typeface="Wingdings 3" charset="2"/>
               <a:buNone/>
             </a:pPr>
             <a:r>
+              <a:rPr lang="en-US" sz="1400" dirty="0">
+                <a:latin typeface="Courier New" panose="02070309020205020404" pitchFamily="49" charset="0"/>
+                <a:cs typeface="Courier New" panose="02070309020205020404" pitchFamily="49" charset="0"/>
+              </a:rPr>
+              <a:t>	</a:t>
+            </a:r>
+            <a:r>
+              <a:rPr lang="en-US" sz="1400" dirty="0" err="1">
+                <a:latin typeface="Courier New" panose="02070309020205020404" pitchFamily="49" charset="0"/>
+                <a:cs typeface="Courier New" panose="02070309020205020404" pitchFamily="49" charset="0"/>
+              </a:rPr>
+              <a:t>AnotherComponent</a:t>
+            </a:r>
+            <a:r>
+              <a:rPr lang="en-US" sz="1400" dirty="0">
+                <a:latin typeface="Courier New" panose="02070309020205020404" pitchFamily="49" charset="0"/>
+                <a:cs typeface="Courier New" panose="02070309020205020404" pitchFamily="49" charset="0"/>
+              </a:rPr>
+              <a:t>(</a:t>
+            </a:r>
+          </a:p>
+          <a:p>
+            <a:pPr marL="0" indent="0">
+              <a:buFont typeface="Wingdings 3" charset="2"/>
+              <a:buNone/>
+            </a:pPr>
+            <a:r>
+              <a:rPr lang="en-US" sz="1400" dirty="0">
+                <a:latin typeface="Courier New" panose="02070309020205020404" pitchFamily="49" charset="0"/>
+                <a:cs typeface="Courier New" panose="02070309020205020404" pitchFamily="49" charset="0"/>
+              </a:rPr>
+              <a:t>		</a:t>
+            </a:r>
+            <a:r>
               <a:rPr lang="en-US" sz="1400" b="1" dirty="0">
-                <a:latin typeface="Courier New" panose="02070309020205020404" pitchFamily="49" charset="0"/>
-                <a:cs typeface="Courier New" panose="02070309020205020404" pitchFamily="49" charset="0"/>
-              </a:rPr>
-              <a:t>    </a:t>
+                <a:solidFill>
+                  <a:srgbClr val="9E880D"/>
+                </a:solidFill>
+                <a:latin typeface="Courier New" panose="02070309020205020404" pitchFamily="49" charset="0"/>
+                <a:cs typeface="Courier New" panose="02070309020205020404" pitchFamily="49" charset="0"/>
+              </a:rPr>
+              <a:t>@Qualifier(“component1”) </a:t>
+            </a:r>
+            <a:r>
+              <a:rPr lang="en-US" sz="1400" dirty="0">
+                <a:latin typeface="Courier New" panose="02070309020205020404" pitchFamily="49" charset="0"/>
+                <a:cs typeface="Courier New" panose="02070309020205020404" pitchFamily="49" charset="0"/>
+              </a:rPr>
+              <a:t>comp1,</a:t>
+            </a:r>
+          </a:p>
+          <a:p>
+            <a:pPr marL="0" indent="0">
+              <a:buNone/>
+            </a:pPr>
+            <a:r>
+              <a:rPr lang="en-US" sz="1400" dirty="0">
+                <a:latin typeface="Courier New" panose="02070309020205020404" pitchFamily="49" charset="0"/>
+                <a:cs typeface="Courier New" panose="02070309020205020404" pitchFamily="49" charset="0"/>
+              </a:rPr>
+              <a:t>		</a:t>
             </a:r>
             <a:r>
               <a:rPr lang="en-US" sz="1400" b="1" dirty="0">
@@ -21171,21 +21259,155 @@
                 <a:latin typeface="Courier New" panose="02070309020205020404" pitchFamily="49" charset="0"/>
                 <a:cs typeface="Courier New" panose="02070309020205020404" pitchFamily="49" charset="0"/>
               </a:rPr>
-              <a:t>@</a:t>
-            </a:r>
-            <a:r>
-              <a:rPr lang="en-US" sz="1400" b="1" dirty="0" err="1">
+              <a:t>@Qualifier(“component2”) </a:t>
+            </a:r>
+            <a:r>
+              <a:rPr lang="en-US" sz="1400" dirty="0">
+                <a:latin typeface="Courier New" panose="02070309020205020404" pitchFamily="49" charset="0"/>
+                <a:cs typeface="Courier New" panose="02070309020205020404" pitchFamily="49" charset="0"/>
+              </a:rPr>
+              <a:t>comp2) {</a:t>
+            </a:r>
+          </a:p>
+          <a:p>
+            <a:pPr marL="0" indent="0">
+              <a:buNone/>
+            </a:pPr>
+            <a:r>
+              <a:rPr lang="en-US" sz="1400" dirty="0">
+                <a:latin typeface="Courier New" panose="02070309020205020404" pitchFamily="49" charset="0"/>
+                <a:cs typeface="Courier New" panose="02070309020205020404" pitchFamily="49" charset="0"/>
+              </a:rPr>
+              <a:t>	  </a:t>
+            </a:r>
+            <a:r>
+              <a:rPr lang="en-US" sz="1400" dirty="0">
+                <a:solidFill>
+                  <a:srgbClr val="0070C0"/>
+                </a:solidFill>
+                <a:latin typeface="Courier New" panose="02070309020205020404" pitchFamily="49" charset="0"/>
+                <a:cs typeface="Courier New" panose="02070309020205020404" pitchFamily="49" charset="0"/>
+              </a:rPr>
+              <a:t>this</a:t>
+            </a:r>
+            <a:r>
+              <a:rPr lang="en-US" sz="1400" dirty="0">
+                <a:latin typeface="Courier New" panose="02070309020205020404" pitchFamily="49" charset="0"/>
+                <a:cs typeface="Courier New" panose="02070309020205020404" pitchFamily="49" charset="0"/>
+              </a:rPr>
+              <a:t>.comp1 = comp1;</a:t>
+            </a:r>
+          </a:p>
+          <a:p>
+            <a:pPr marL="0" indent="0">
+              <a:buNone/>
+            </a:pPr>
+            <a:r>
+              <a:rPr lang="en-US" sz="1400" dirty="0">
+                <a:latin typeface="Courier New" panose="02070309020205020404" pitchFamily="49" charset="0"/>
+                <a:cs typeface="Courier New" panose="02070309020205020404" pitchFamily="49" charset="0"/>
+              </a:rPr>
+              <a:t>	  </a:t>
+            </a:r>
+            <a:r>
+              <a:rPr lang="en-US" sz="1400" dirty="0">
+                <a:solidFill>
+                  <a:srgbClr val="0070C0"/>
+                </a:solidFill>
+                <a:latin typeface="Courier New" panose="02070309020205020404" pitchFamily="49" charset="0"/>
+                <a:cs typeface="Courier New" panose="02070309020205020404" pitchFamily="49" charset="0"/>
+              </a:rPr>
+              <a:t>this</a:t>
+            </a:r>
+            <a:r>
+              <a:rPr lang="en-US" sz="1400" dirty="0">
+                <a:latin typeface="Courier New" panose="02070309020205020404" pitchFamily="49" charset="0"/>
+                <a:cs typeface="Courier New" panose="02070309020205020404" pitchFamily="49" charset="0"/>
+              </a:rPr>
+              <a:t>.comp2 = comp2;</a:t>
+            </a:r>
+          </a:p>
+          <a:p>
+            <a:pPr marL="0" indent="0">
+              <a:buNone/>
+            </a:pPr>
+            <a:r>
+              <a:rPr lang="en-US" sz="1400" dirty="0">
+                <a:latin typeface="Courier New" panose="02070309020205020404" pitchFamily="49" charset="0"/>
+                <a:cs typeface="Courier New" panose="02070309020205020404" pitchFamily="49" charset="0"/>
+              </a:rPr>
+              <a:t>	}</a:t>
+            </a:r>
+          </a:p>
+          <a:p>
+            <a:pPr marL="0" indent="0">
+              <a:buFont typeface="Wingdings 3" charset="2"/>
+              <a:buNone/>
+            </a:pPr>
+            <a:r>
+              <a:rPr lang="en-US" sz="1400" dirty="0">
+                <a:latin typeface="Courier New" panose="02070309020205020404" pitchFamily="49" charset="0"/>
+                <a:cs typeface="Courier New" panose="02070309020205020404" pitchFamily="49" charset="0"/>
+              </a:rPr>
+              <a:t>}</a:t>
+            </a:r>
+          </a:p>
+        </p:txBody>
+      </p:sp>
+      <p:sp>
+        <p:nvSpPr>
+          <p:cNvPr id="6" name="TextBox 5">
+            <a:extLst>
+              <a:ext uri="{FF2B5EF4-FFF2-40B4-BE49-F238E27FC236}">
+                <a16:creationId xmlns:a16="http://schemas.microsoft.com/office/drawing/2014/main" id="{1C5F19F3-C05A-0B59-AE66-29CE787CD653}"/>
+              </a:ext>
+            </a:extLst>
+          </p:cNvPr>
+          <p:cNvSpPr txBox="1"/>
+          <p:nvPr/>
+        </p:nvSpPr>
+        <p:spPr>
+          <a:xfrm>
+            <a:off x="6455121" y="1402080"/>
+            <a:ext cx="4762123" cy="1384995"/>
+          </a:xfrm>
+          <a:prstGeom prst="rect">
+            <a:avLst/>
+          </a:prstGeom>
+          <a:solidFill>
+            <a:schemeClr val="tx2">
+              <a:lumMod val="20000"/>
+              <a:lumOff val="80000"/>
+            </a:schemeClr>
+          </a:solidFill>
+          <a:ln>
+            <a:solidFill>
+              <a:schemeClr val="accent1"/>
+            </a:solidFill>
+          </a:ln>
+        </p:spPr>
+        <p:txBody>
+          <a:bodyPr wrap="square" rtlCol="0">
+            <a:spAutoFit/>
+          </a:bodyPr>
+          <a:lstStyle/>
+          <a:p>
+            <a:pPr marL="0" indent="0">
+              <a:buNone/>
+            </a:pPr>
+            <a:r>
+              <a:rPr lang="en-US" sz="1400" b="1" dirty="0">
                 <a:solidFill>
                   <a:srgbClr val="9E880D"/>
                 </a:solidFill>
                 <a:latin typeface="Courier New" panose="02070309020205020404" pitchFamily="49" charset="0"/>
                 <a:cs typeface="Courier New" panose="02070309020205020404" pitchFamily="49" charset="0"/>
               </a:rPr>
-              <a:t>Autowired</a:t>
-            </a:r>
-            <a:endParaRPr lang="en-US" sz="1400" b="1" dirty="0">
+              <a:t>@Component(“component1”)</a:t>
+            </a:r>
+            <a:endParaRPr lang="en-US" sz="1400" dirty="0">
               <a:solidFill>
-                <a:srgbClr val="9E880D"/>
+                <a:srgbClr val="0070C0"/>
               </a:solidFill>
               <a:latin typeface="Courier New" panose="02070309020205020404" pitchFamily="49" charset="0"/>
               <a:cs typeface="Courier New" panose="02070309020205020404" pitchFamily="49" charset="0"/>
@@ -21193,21 +21415,42 @@
           </a:p>
           <a:p>
             <a:pPr marL="0" indent="0">
-              <a:lnSpc>
-                <a:spcPct val="80000"/>
-              </a:lnSpc>
               <a:buFont typeface="Wingdings 3" charset="2"/>
               <a:buNone/>
             </a:pPr>
             <a:r>
-              <a:rPr lang="en-US" sz="1400" b="1" dirty="0">
-                <a:solidFill>
-                  <a:srgbClr val="9E880D"/>
-                </a:solidFill>
-                <a:latin typeface="Courier New" panose="02070309020205020404" pitchFamily="49" charset="0"/>
-                <a:cs typeface="Courier New" panose="02070309020205020404" pitchFamily="49" charset="0"/>
-              </a:rPr>
-              <a:t>    @Qualifier(”component2")</a:t>
+              <a:rPr lang="en-US" sz="1400" dirty="0">
+                <a:solidFill>
+                  <a:srgbClr val="0070C0"/>
+                </a:solidFill>
+                <a:latin typeface="Courier New" panose="02070309020205020404" pitchFamily="49" charset="0"/>
+                <a:cs typeface="Courier New" panose="02070309020205020404" pitchFamily="49" charset="0"/>
+              </a:rPr>
+              <a:t>public</a:t>
+            </a:r>
+            <a:r>
+              <a:rPr lang="en-US" sz="1400" dirty="0">
+                <a:latin typeface="Courier New" panose="02070309020205020404" pitchFamily="49" charset="0"/>
+                <a:cs typeface="Courier New" panose="02070309020205020404" pitchFamily="49" charset="0"/>
+              </a:rPr>
+              <a:t> </a:t>
+            </a:r>
+            <a:r>
+              <a:rPr lang="en-US" sz="1400" dirty="0">
+                <a:solidFill>
+                  <a:srgbClr val="0070C0"/>
+                </a:solidFill>
+                <a:latin typeface="Courier New" panose="02070309020205020404" pitchFamily="49" charset="0"/>
+                <a:cs typeface="Courier New" panose="02070309020205020404" pitchFamily="49" charset="0"/>
+              </a:rPr>
+              <a:t>class</a:t>
+            </a:r>
+            <a:r>
+              <a:rPr lang="en-US" sz="1400" dirty="0">
+                <a:latin typeface="Courier New" panose="02070309020205020404" pitchFamily="49" charset="0"/>
+                <a:cs typeface="Courier New" panose="02070309020205020404" pitchFamily="49" charset="0"/>
+              </a:rPr>
+              <a:t> Component {</a:t>
             </a:r>
           </a:p>
           <a:p>
@@ -21220,39 +21463,30 @@
                 <a:latin typeface="Courier New" panose="02070309020205020404" pitchFamily="49" charset="0"/>
                 <a:cs typeface="Courier New" panose="02070309020205020404" pitchFamily="49" charset="0"/>
               </a:rPr>
-              <a:t>    </a:t>
-            </a:r>
-            <a:r>
-              <a:rPr lang="en-US" sz="1400" dirty="0">
-                <a:solidFill>
-                  <a:srgbClr val="0070C0"/>
-                </a:solidFill>
-                <a:latin typeface="Courier New" panose="02070309020205020404" pitchFamily="49" charset="0"/>
-                <a:cs typeface="Courier New" panose="02070309020205020404" pitchFamily="49" charset="0"/>
-              </a:rPr>
-              <a:t>private</a:t>
-            </a:r>
-            <a:r>
-              <a:rPr lang="en-US" sz="1400" dirty="0">
-                <a:latin typeface="Courier New" panose="02070309020205020404" pitchFamily="49" charset="0"/>
-                <a:cs typeface="Courier New" panose="02070309020205020404" pitchFamily="49" charset="0"/>
-              </a:rPr>
-              <a:t> </a:t>
-            </a:r>
-            <a:r>
-              <a:rPr lang="en-US" sz="1400" dirty="0" err="1">
-                <a:latin typeface="Courier New" panose="02070309020205020404" pitchFamily="49" charset="0"/>
-                <a:cs typeface="Courier New" panose="02070309020205020404" pitchFamily="49" charset="0"/>
-              </a:rPr>
-              <a:t>MyComponent</a:t>
-            </a:r>
-            <a:r>
-              <a:rPr lang="en-US" sz="1400" dirty="0">
-                <a:latin typeface="Courier New" panose="02070309020205020404" pitchFamily="49" charset="0"/>
-                <a:cs typeface="Courier New" panose="02070309020205020404" pitchFamily="49" charset="0"/>
-              </a:rPr>
-              <a:t> comp2;</a:t>
-            </a:r>
+              <a:t>}</a:t>
+            </a:r>
+          </a:p>
+          <a:p>
+            <a:pPr marL="0" indent="0">
+              <a:buNone/>
+            </a:pPr>
+            <a:r>
+              <a:rPr lang="en-US" sz="1400" b="1" dirty="0">
+                <a:solidFill>
+                  <a:srgbClr val="9E880D"/>
+                </a:solidFill>
+                <a:latin typeface="Courier New" panose="02070309020205020404" pitchFamily="49" charset="0"/>
+                <a:cs typeface="Courier New" panose="02070309020205020404" pitchFamily="49" charset="0"/>
+              </a:rPr>
+              <a:t>@Component(“component2”)</a:t>
+            </a:r>
+            <a:endParaRPr lang="en-US" sz="1400" dirty="0">
+              <a:solidFill>
+                <a:srgbClr val="0070C0"/>
+              </a:solidFill>
+              <a:latin typeface="Courier New" panose="02070309020205020404" pitchFamily="49" charset="0"/>
+              <a:cs typeface="Courier New" panose="02070309020205020404" pitchFamily="49" charset="0"/>
+            </a:endParaRPr>
           </a:p>
           <a:p>
             <a:pPr marL="0" indent="0">
@@ -21261,11 +21495,52 @@
             </a:pPr>
             <a:r>
               <a:rPr lang="en-US" sz="1400" dirty="0">
+                <a:solidFill>
+                  <a:srgbClr val="0070C0"/>
+                </a:solidFill>
+                <a:latin typeface="Courier New" panose="02070309020205020404" pitchFamily="49" charset="0"/>
+                <a:cs typeface="Courier New" panose="02070309020205020404" pitchFamily="49" charset="0"/>
+              </a:rPr>
+              <a:t>public</a:t>
+            </a:r>
+            <a:r>
+              <a:rPr lang="en-US" sz="1400" dirty="0">
+                <a:latin typeface="Courier New" panose="02070309020205020404" pitchFamily="49" charset="0"/>
+                <a:cs typeface="Courier New" panose="02070309020205020404" pitchFamily="49" charset="0"/>
+              </a:rPr>
+              <a:t> </a:t>
+            </a:r>
+            <a:r>
+              <a:rPr lang="en-US" sz="1400" dirty="0">
+                <a:solidFill>
+                  <a:srgbClr val="0070C0"/>
+                </a:solidFill>
+                <a:latin typeface="Courier New" panose="02070309020205020404" pitchFamily="49" charset="0"/>
+                <a:cs typeface="Courier New" panose="02070309020205020404" pitchFamily="49" charset="0"/>
+              </a:rPr>
+              <a:t>class</a:t>
+            </a:r>
+            <a:r>
+              <a:rPr lang="en-US" sz="1400" dirty="0">
+                <a:latin typeface="Courier New" panose="02070309020205020404" pitchFamily="49" charset="0"/>
+                <a:cs typeface="Courier New" panose="02070309020205020404" pitchFamily="49" charset="0"/>
+              </a:rPr>
+              <a:t> Component {</a:t>
+            </a:r>
+          </a:p>
+          <a:p>
+            <a:pPr marL="0" indent="0">
+              <a:buFont typeface="Wingdings 3" charset="2"/>
+              <a:buNone/>
+            </a:pPr>
+            <a:r>
+              <a:rPr lang="en-US" sz="1400" dirty="0">
                 <a:latin typeface="Courier New" panose="02070309020205020404" pitchFamily="49" charset="0"/>
                 <a:cs typeface="Courier New" panose="02070309020205020404" pitchFamily="49" charset="0"/>
               </a:rPr>
               <a:t>}</a:t>
             </a:r>
+            <a:endParaRPr lang="en-IL" sz="1400" dirty="0"/>
           </a:p>
         </p:txBody>
       </p:sp>
@@ -21329,7 +21604,7 @@
           <a:p>
             <a:r>
               <a:rPr lang="en-IL" dirty="0"/>
-              <a:t>@Autowire behaviour</a:t>
+              <a:t>Autowire behaviour</a:t>
             </a:r>
             <a:r>
               <a:rPr lang="en-US" dirty="0"/>
@@ -21358,7 +21633,7 @@
         <p:spPr>
           <a:xfrm>
             <a:off x="677335" y="1358537"/>
-            <a:ext cx="5189312" cy="4616750"/>
+            <a:ext cx="5189312" cy="3720457"/>
           </a:xfrm>
           <a:solidFill>
             <a:schemeClr val="tx2">
@@ -21499,21 +21774,7 @@
                 <a:latin typeface="Courier New" panose="02070309020205020404" pitchFamily="49" charset="0"/>
                 <a:cs typeface="Courier New" panose="02070309020205020404" pitchFamily="49" charset="0"/>
               </a:rPr>
-              <a:t> </a:t>
-            </a:r>
-            <a:r>
-              <a:rPr lang="en-US" sz="1400" dirty="0" err="1">
-                <a:latin typeface="Courier New" panose="02070309020205020404" pitchFamily="49" charset="0"/>
-                <a:cs typeface="Courier New" panose="02070309020205020404" pitchFamily="49" charset="0"/>
-              </a:rPr>
-              <a:t>MyComponent</a:t>
-            </a:r>
-            <a:r>
-              <a:rPr lang="en-US" sz="1400" dirty="0">
-                <a:latin typeface="Courier New" panose="02070309020205020404" pitchFamily="49" charset="0"/>
-                <a:cs typeface="Courier New" panose="02070309020205020404" pitchFamily="49" charset="0"/>
-              </a:rPr>
-              <a:t> </a:t>
+              <a:t> Component </a:t>
             </a:r>
             <a:r>
               <a:rPr lang="en-US" sz="1400" b="1" dirty="0">
@@ -21542,21 +21803,24 @@
               <a:t>       </a:t>
             </a:r>
             <a:r>
-              <a:rPr lang="en-US" sz="1400" dirty="0" err="1">
-                <a:latin typeface="Courier New" panose="02070309020205020404" pitchFamily="49" charset="0"/>
-                <a:cs typeface="Courier New" panose="02070309020205020404" pitchFamily="49" charset="0"/>
-              </a:rPr>
-              <a:t>MyComponent</a:t>
-            </a:r>
-            <a:r>
               <a:rPr lang="en-US" sz="1400" dirty="0">
-                <a:latin typeface="Courier New" panose="02070309020205020404" pitchFamily="49" charset="0"/>
-                <a:cs typeface="Courier New" panose="02070309020205020404" pitchFamily="49" charset="0"/>
-              </a:rPr>
-              <a:t> comp1 = </a:t>
+                <a:solidFill>
+                  <a:srgbClr val="0070C0"/>
+                </a:solidFill>
+                <a:latin typeface="Courier New" panose="02070309020205020404" pitchFamily="49" charset="0"/>
+                <a:cs typeface="Courier New" panose="02070309020205020404" pitchFamily="49" charset="0"/>
+              </a:rPr>
+              <a:t>return</a:t>
             </a:r>
             <a:r>
               <a:rPr lang="en-US" sz="1400" dirty="0">
+                <a:latin typeface="Courier New" panose="02070309020205020404" pitchFamily="49" charset="0"/>
+                <a:cs typeface="Courier New" panose="02070309020205020404" pitchFamily="49" charset="0"/>
+              </a:rPr>
+              <a:t> </a:t>
+            </a:r>
+            <a:r>
+              <a:rPr lang="en-US" sz="1400" dirty="0">
                 <a:solidFill>
                   <a:srgbClr val="0070C0"/>
                 </a:solidFill>
@@ -21570,21 +21834,7 @@
                 <a:latin typeface="Courier New" panose="02070309020205020404" pitchFamily="49" charset="0"/>
                 <a:cs typeface="Courier New" panose="02070309020205020404" pitchFamily="49" charset="0"/>
               </a:rPr>
-              <a:t> </a:t>
-            </a:r>
-            <a:r>
-              <a:rPr lang="en-US" sz="1400" dirty="0" err="1">
-                <a:latin typeface="Courier New" panose="02070309020205020404" pitchFamily="49" charset="0"/>
-                <a:cs typeface="Courier New" panose="02070309020205020404" pitchFamily="49" charset="0"/>
-              </a:rPr>
-              <a:t>MyComponent</a:t>
-            </a:r>
-            <a:r>
-              <a:rPr lang="en-US" sz="1400" dirty="0">
-                <a:latin typeface="Courier New" panose="02070309020205020404" pitchFamily="49" charset="0"/>
-                <a:cs typeface="Courier New" panose="02070309020205020404" pitchFamily="49" charset="0"/>
-              </a:rPr>
-              <a:t>();</a:t>
+              <a:t> Component();</a:t>
             </a:r>
           </a:p>
           <a:p>
@@ -21596,36 +21846,7 @@
                 <a:latin typeface="Courier New" panose="02070309020205020404" pitchFamily="49" charset="0"/>
                 <a:cs typeface="Courier New" panose="02070309020205020404" pitchFamily="49" charset="0"/>
               </a:rPr>
-              <a:t>       </a:t>
-            </a:r>
-            <a:r>
-              <a:rPr lang="en-US" sz="1400" dirty="0">
-                <a:solidFill>
-                  <a:srgbClr val="0070C0"/>
-                </a:solidFill>
-                <a:latin typeface="Courier New" panose="02070309020205020404" pitchFamily="49" charset="0"/>
-                <a:cs typeface="Courier New" panose="02070309020205020404" pitchFamily="49" charset="0"/>
-              </a:rPr>
-              <a:t>return</a:t>
-            </a:r>
-            <a:r>
-              <a:rPr lang="en-US" sz="1400" dirty="0">
-                <a:latin typeface="Courier New" panose="02070309020205020404" pitchFamily="49" charset="0"/>
-                <a:cs typeface="Courier New" panose="02070309020205020404" pitchFamily="49" charset="0"/>
-              </a:rPr>
-              <a:t> comp1;</a:t>
-            </a:r>
-          </a:p>
-          <a:p>
-            <a:pPr marL="0" indent="0">
-              <a:buNone/>
-            </a:pPr>
-            <a:r>
-              <a:rPr lang="en-US" sz="1400" dirty="0">
-                <a:latin typeface="Courier New" panose="02070309020205020404" pitchFamily="49" charset="0"/>
-                <a:cs typeface="Courier New" panose="02070309020205020404" pitchFamily="49" charset="0"/>
-              </a:rPr>
-              <a:t>    }</a:t>
+              <a:t>	}</a:t>
             </a:r>
           </a:p>
           <a:p>
@@ -21679,21 +21900,7 @@
                 <a:latin typeface="Courier New" panose="02070309020205020404" pitchFamily="49" charset="0"/>
                 <a:cs typeface="Courier New" panose="02070309020205020404" pitchFamily="49" charset="0"/>
               </a:rPr>
-              <a:t> </a:t>
-            </a:r>
-            <a:r>
-              <a:rPr lang="en-US" sz="1400" dirty="0" err="1">
-                <a:latin typeface="Courier New" panose="02070309020205020404" pitchFamily="49" charset="0"/>
-                <a:cs typeface="Courier New" panose="02070309020205020404" pitchFamily="49" charset="0"/>
-              </a:rPr>
-              <a:t>MyComponent</a:t>
-            </a:r>
-            <a:r>
-              <a:rPr lang="en-US" sz="1400" dirty="0">
-                <a:latin typeface="Courier New" panose="02070309020205020404" pitchFamily="49" charset="0"/>
-                <a:cs typeface="Courier New" panose="02070309020205020404" pitchFamily="49" charset="0"/>
-              </a:rPr>
-              <a:t> </a:t>
+              <a:t> Component </a:t>
             </a:r>
             <a:r>
               <a:rPr lang="en-US" sz="1400" b="1" dirty="0">
@@ -21719,52 +21926,24 @@
                 <a:latin typeface="Courier New" panose="02070309020205020404" pitchFamily="49" charset="0"/>
                 <a:cs typeface="Courier New" panose="02070309020205020404" pitchFamily="49" charset="0"/>
               </a:rPr>
-              <a:t> 	 </a:t>
-            </a:r>
-            <a:r>
-              <a:rPr lang="en-US" sz="1400" dirty="0" err="1">
-                <a:latin typeface="Courier New" panose="02070309020205020404" pitchFamily="49" charset="0"/>
-                <a:cs typeface="Courier New" panose="02070309020205020404" pitchFamily="49" charset="0"/>
-              </a:rPr>
-              <a:t>MyComponent</a:t>
+              <a:t> 	   </a:t>
             </a:r>
             <a:r>
               <a:rPr lang="en-US" sz="1400" dirty="0">
-                <a:latin typeface="Courier New" panose="02070309020205020404" pitchFamily="49" charset="0"/>
-                <a:cs typeface="Courier New" panose="02070309020205020404" pitchFamily="49" charset="0"/>
-              </a:rPr>
-              <a:t> comp2 = </a:t>
+                <a:solidFill>
+                  <a:srgbClr val="0070C0"/>
+                </a:solidFill>
+                <a:latin typeface="Courier New" panose="02070309020205020404" pitchFamily="49" charset="0"/>
+                <a:cs typeface="Courier New" panose="02070309020205020404" pitchFamily="49" charset="0"/>
+              </a:rPr>
+              <a:t>return new</a:t>
             </a:r>
             <a:r>
               <a:rPr lang="en-US" sz="1400" dirty="0">
-                <a:solidFill>
-                  <a:srgbClr val="0070C0"/>
-                </a:solidFill>
-                <a:latin typeface="Courier New" panose="02070309020205020404" pitchFamily="49" charset="0"/>
-                <a:cs typeface="Courier New" panose="02070309020205020404" pitchFamily="49" charset="0"/>
-              </a:rPr>
-              <a:t>new</a:t>
-            </a:r>
-            <a:r>
-              <a:rPr lang="en-US" sz="1400" dirty="0">
-                <a:latin typeface="Courier New" panose="02070309020205020404" pitchFamily="49" charset="0"/>
-                <a:cs typeface="Courier New" panose="02070309020205020404" pitchFamily="49" charset="0"/>
-              </a:rPr>
-              <a:t> </a:t>
-            </a:r>
-            <a:r>
-              <a:rPr lang="en-US" sz="1400" dirty="0" err="1">
-                <a:latin typeface="Courier New" panose="02070309020205020404" pitchFamily="49" charset="0"/>
-                <a:cs typeface="Courier New" panose="02070309020205020404" pitchFamily="49" charset="0"/>
-              </a:rPr>
-              <a:t>MyComponent</a:t>
-            </a:r>
-            <a:r>
-              <a:rPr lang="en-US" sz="1400" dirty="0">
-                <a:latin typeface="Courier New" panose="02070309020205020404" pitchFamily="49" charset="0"/>
-                <a:cs typeface="Courier New" panose="02070309020205020404" pitchFamily="49" charset="0"/>
-              </a:rPr>
-              <a:t>();</a:t>
+                <a:latin typeface="Courier New" panose="02070309020205020404" pitchFamily="49" charset="0"/>
+                <a:cs typeface="Courier New" panose="02070309020205020404" pitchFamily="49" charset="0"/>
+              </a:rPr>
+              <a:t> Component();</a:t>
             </a:r>
           </a:p>
           <a:p>
@@ -21776,36 +21955,7 @@
                 <a:latin typeface="Courier New" panose="02070309020205020404" pitchFamily="49" charset="0"/>
                 <a:cs typeface="Courier New" panose="02070309020205020404" pitchFamily="49" charset="0"/>
               </a:rPr>
-              <a:t>      </a:t>
-            </a:r>
-            <a:r>
-              <a:rPr lang="en-US" sz="1400" dirty="0">
-                <a:solidFill>
-                  <a:srgbClr val="0070C0"/>
-                </a:solidFill>
-                <a:latin typeface="Courier New" panose="02070309020205020404" pitchFamily="49" charset="0"/>
-                <a:cs typeface="Courier New" panose="02070309020205020404" pitchFamily="49" charset="0"/>
-              </a:rPr>
-              <a:t>return</a:t>
-            </a:r>
-            <a:r>
-              <a:rPr lang="en-US" sz="1400" dirty="0">
-                <a:latin typeface="Courier New" panose="02070309020205020404" pitchFamily="49" charset="0"/>
-                <a:cs typeface="Courier New" panose="02070309020205020404" pitchFamily="49" charset="0"/>
-              </a:rPr>
-              <a:t> comp2;</a:t>
-            </a:r>
-          </a:p>
-          <a:p>
-            <a:pPr marL="0" indent="0">
-              <a:buNone/>
-            </a:pPr>
-            <a:r>
-              <a:rPr lang="en-US" sz="1400" dirty="0">
-                <a:latin typeface="Courier New" panose="02070309020205020404" pitchFamily="49" charset="0"/>
-                <a:cs typeface="Courier New" panose="02070309020205020404" pitchFamily="49" charset="0"/>
-              </a:rPr>
-              <a:t>    }</a:t>
+              <a:t>	}</a:t>
             </a:r>
           </a:p>
           <a:p>
@@ -21826,6 +21976,196 @@
               <a:latin typeface="Courier New" panose="02070309020205020404" pitchFamily="49" charset="0"/>
               <a:cs typeface="Courier New" panose="02070309020205020404" pitchFamily="49" charset="0"/>
             </a:endParaRPr>
+          </a:p>
+        </p:txBody>
+      </p:sp>
+      <p:sp>
+        <p:nvSpPr>
+          <p:cNvPr id="5" name="TextBox 4">
+            <a:extLst>
+              <a:ext uri="{FF2B5EF4-FFF2-40B4-BE49-F238E27FC236}">
+                <a16:creationId xmlns:a16="http://schemas.microsoft.com/office/drawing/2014/main" id="{A391D462-C031-3B80-EF8B-8D8ABA4F567E}"/>
+              </a:ext>
+            </a:extLst>
+          </p:cNvPr>
+          <p:cNvSpPr txBox="1"/>
+          <p:nvPr/>
+        </p:nvSpPr>
+        <p:spPr>
+          <a:xfrm>
+            <a:off x="6455121" y="1402080"/>
+            <a:ext cx="4762123" cy="1384995"/>
+          </a:xfrm>
+          <a:prstGeom prst="rect">
+            <a:avLst/>
+          </a:prstGeom>
+          <a:solidFill>
+            <a:schemeClr val="tx2">
+              <a:lumMod val="20000"/>
+              <a:lumOff val="80000"/>
+            </a:schemeClr>
+          </a:solidFill>
+          <a:ln>
+            <a:solidFill>
+              <a:schemeClr val="accent1"/>
+            </a:solidFill>
+          </a:ln>
+        </p:spPr>
+        <p:txBody>
+          <a:bodyPr wrap="square" rtlCol="0">
+            <a:spAutoFit/>
+          </a:bodyPr>
+          <a:lstStyle/>
+          <a:p>
+            <a:pPr marL="0" indent="0">
+              <a:buNone/>
+            </a:pPr>
+            <a:r>
+              <a:rPr lang="en-US" sz="1400" b="1" dirty="0">
+                <a:solidFill>
+                  <a:srgbClr val="9E880D"/>
+                </a:solidFill>
+                <a:latin typeface="Courier New" panose="02070309020205020404" pitchFamily="49" charset="0"/>
+                <a:cs typeface="Courier New" panose="02070309020205020404" pitchFamily="49" charset="0"/>
+              </a:rPr>
+              <a:t>@Component(“component1”)</a:t>
+            </a:r>
+            <a:endParaRPr lang="en-US" sz="1400" dirty="0">
+              <a:solidFill>
+                <a:srgbClr val="0070C0"/>
+              </a:solidFill>
+              <a:latin typeface="Courier New" panose="02070309020205020404" pitchFamily="49" charset="0"/>
+              <a:cs typeface="Courier New" panose="02070309020205020404" pitchFamily="49" charset="0"/>
+            </a:endParaRPr>
+          </a:p>
+          <a:p>
+            <a:pPr marL="0" indent="0">
+              <a:buFont typeface="Wingdings 3" charset="2"/>
+              <a:buNone/>
+            </a:pPr>
+            <a:r>
+              <a:rPr lang="en-US" sz="1400" dirty="0">
+                <a:solidFill>
+                  <a:srgbClr val="0070C0"/>
+                </a:solidFill>
+                <a:latin typeface="Courier New" panose="02070309020205020404" pitchFamily="49" charset="0"/>
+                <a:cs typeface="Courier New" panose="02070309020205020404" pitchFamily="49" charset="0"/>
+              </a:rPr>
+              <a:t>public</a:t>
+            </a:r>
+            <a:r>
+              <a:rPr lang="en-US" sz="1400" dirty="0">
+                <a:latin typeface="Courier New" panose="02070309020205020404" pitchFamily="49" charset="0"/>
+                <a:cs typeface="Courier New" panose="02070309020205020404" pitchFamily="49" charset="0"/>
+              </a:rPr>
+              <a:t> </a:t>
+            </a:r>
+            <a:r>
+              <a:rPr lang="en-US" sz="1400" dirty="0">
+                <a:solidFill>
+                  <a:srgbClr val="0070C0"/>
+                </a:solidFill>
+                <a:latin typeface="Courier New" panose="02070309020205020404" pitchFamily="49" charset="0"/>
+                <a:cs typeface="Courier New" panose="02070309020205020404" pitchFamily="49" charset="0"/>
+              </a:rPr>
+              <a:t>class</a:t>
+            </a:r>
+            <a:r>
+              <a:rPr lang="en-US" sz="1400" dirty="0">
+                <a:latin typeface="Courier New" panose="02070309020205020404" pitchFamily="49" charset="0"/>
+                <a:cs typeface="Courier New" panose="02070309020205020404" pitchFamily="49" charset="0"/>
+              </a:rPr>
+              <a:t> Component {</a:t>
+            </a:r>
+          </a:p>
+          <a:p>
+            <a:pPr marL="0" indent="0">
+              <a:buFont typeface="Wingdings 3" charset="2"/>
+              <a:buNone/>
+            </a:pPr>
+            <a:r>
+              <a:rPr lang="en-US" sz="1400" dirty="0">
+                <a:latin typeface="Courier New" panose="02070309020205020404" pitchFamily="49" charset="0"/>
+                <a:cs typeface="Courier New" panose="02070309020205020404" pitchFamily="49" charset="0"/>
+              </a:rPr>
+              <a:t>}</a:t>
+            </a:r>
+          </a:p>
+          <a:p>
+            <a:pPr marL="0" indent="0">
+              <a:buNone/>
+            </a:pPr>
+            <a:r>
+              <a:rPr lang="en-US" sz="1400" b="1" dirty="0">
+                <a:solidFill>
+                  <a:srgbClr val="9E880D"/>
+                </a:solidFill>
+                <a:latin typeface="Courier New" panose="02070309020205020404" pitchFamily="49" charset="0"/>
+                <a:cs typeface="Courier New" panose="02070309020205020404" pitchFamily="49" charset="0"/>
+              </a:rPr>
+              <a:t>@Component(“component2”)</a:t>
+            </a:r>
+            <a:endParaRPr lang="en-US" sz="1400" dirty="0">
+              <a:solidFill>
+                <a:srgbClr val="0070C0"/>
+              </a:solidFill>
+              <a:latin typeface="Courier New" panose="02070309020205020404" pitchFamily="49" charset="0"/>
+              <a:cs typeface="Courier New" panose="02070309020205020404" pitchFamily="49" charset="0"/>
+            </a:endParaRPr>
+          </a:p>
+          <a:p>
+            <a:pPr marL="0" indent="0">
+              <a:buFont typeface="Wingdings 3" charset="2"/>
+              <a:buNone/>
+            </a:pPr>
+            <a:r>
+              <a:rPr lang="en-US" sz="1400" dirty="0">
+                <a:solidFill>
+                  <a:srgbClr val="0070C0"/>
+                </a:solidFill>
+                <a:latin typeface="Courier New" panose="02070309020205020404" pitchFamily="49" charset="0"/>
+                <a:cs typeface="Courier New" panose="02070309020205020404" pitchFamily="49" charset="0"/>
+              </a:rPr>
+              <a:t>public</a:t>
+            </a:r>
+            <a:r>
+              <a:rPr lang="en-US" sz="1400" dirty="0">
+                <a:latin typeface="Courier New" panose="02070309020205020404" pitchFamily="49" charset="0"/>
+                <a:cs typeface="Courier New" panose="02070309020205020404" pitchFamily="49" charset="0"/>
+              </a:rPr>
+              <a:t> </a:t>
+            </a:r>
+            <a:r>
+              <a:rPr lang="en-US" sz="1400" dirty="0">
+                <a:solidFill>
+                  <a:srgbClr val="0070C0"/>
+                </a:solidFill>
+                <a:latin typeface="Courier New" panose="02070309020205020404" pitchFamily="49" charset="0"/>
+                <a:cs typeface="Courier New" panose="02070309020205020404" pitchFamily="49" charset="0"/>
+              </a:rPr>
+              <a:t>class</a:t>
+            </a:r>
+            <a:r>
+              <a:rPr lang="en-US" sz="1400" dirty="0">
+                <a:latin typeface="Courier New" panose="02070309020205020404" pitchFamily="49" charset="0"/>
+                <a:cs typeface="Courier New" panose="02070309020205020404" pitchFamily="49" charset="0"/>
+              </a:rPr>
+              <a:t> Component {</a:t>
+            </a:r>
+          </a:p>
+          <a:p>
+            <a:pPr marL="0" indent="0">
+              <a:buFont typeface="Wingdings 3" charset="2"/>
+              <a:buNone/>
+            </a:pPr>
+            <a:r>
+              <a:rPr lang="en-US" sz="1400" dirty="0">
+                <a:latin typeface="Courier New" panose="02070309020205020404" pitchFamily="49" charset="0"/>
+                <a:cs typeface="Courier New" panose="02070309020205020404" pitchFamily="49" charset="0"/>
+              </a:rPr>
+              <a:t>}</a:t>
+            </a:r>
+            <a:endParaRPr lang="en-IL" sz="1400" dirty="0"/>
           </a:p>
         </p:txBody>
       </p:sp>
@@ -21845,8 +22185,8 @@
         </p:nvSpPr>
         <p:spPr>
           <a:xfrm>
-            <a:off x="5694630" y="3331676"/>
-            <a:ext cx="5189312" cy="2948964"/>
+            <a:off x="4301067" y="2860895"/>
+            <a:ext cx="5189312" cy="3997105"/>
           </a:xfrm>
           <a:prstGeom prst="rect">
             <a:avLst/>
@@ -22096,6 +22436,28 @@
           </a:lstStyle>
           <a:p>
             <a:pPr marL="0" indent="0">
+              <a:buNone/>
+            </a:pPr>
+            <a:r>
+              <a:rPr lang="en-US" sz="1400" b="1" dirty="0">
+                <a:solidFill>
+                  <a:srgbClr val="9E880D"/>
+                </a:solidFill>
+                <a:latin typeface="Courier New" panose="02070309020205020404" pitchFamily="49" charset="0"/>
+                <a:cs typeface="Courier New" panose="02070309020205020404" pitchFamily="49" charset="0"/>
+              </a:rPr>
+              <a:t>@Component</a:t>
+            </a:r>
+            <a:endParaRPr lang="en-US" sz="1400" dirty="0">
+              <a:solidFill>
+                <a:srgbClr val="0070C0"/>
+              </a:solidFill>
+              <a:latin typeface="Courier New" panose="02070309020205020404" pitchFamily="49" charset="0"/>
+              <a:cs typeface="Courier New" panose="02070309020205020404" pitchFamily="49" charset="0"/>
+            </a:endParaRPr>
+          </a:p>
+          <a:p>
+            <a:pPr marL="0" indent="0">
               <a:buFont typeface="Wingdings 3" charset="2"/>
               <a:buNone/>
             </a:pPr>
@@ -22131,7 +22493,21 @@
                 <a:latin typeface="Courier New" panose="02070309020205020404" pitchFamily="49" charset="0"/>
                 <a:cs typeface="Courier New" panose="02070309020205020404" pitchFamily="49" charset="0"/>
               </a:rPr>
-              <a:t> Component {</a:t>
+              <a:t> </a:t>
+            </a:r>
+            <a:r>
+              <a:rPr lang="en-US" sz="1400" dirty="0" err="1">
+                <a:latin typeface="Courier New" panose="02070309020205020404" pitchFamily="49" charset="0"/>
+                <a:cs typeface="Courier New" panose="02070309020205020404" pitchFamily="49" charset="0"/>
+              </a:rPr>
+              <a:t>AnotherComponent</a:t>
+            </a:r>
+            <a:r>
+              <a:rPr lang="en-US" sz="1400" dirty="0">
+                <a:latin typeface="Courier New" panose="02070309020205020404" pitchFamily="49" charset="0"/>
+                <a:cs typeface="Courier New" panose="02070309020205020404" pitchFamily="49" charset="0"/>
+              </a:rPr>
+              <a:t> {</a:t>
             </a:r>
           </a:p>
           <a:p>
@@ -22144,38 +22520,21 @@
             </a:pPr>
             <a:r>
               <a:rPr lang="en-US" sz="1400" dirty="0">
-                <a:latin typeface="Courier New" panose="02070309020205020404" pitchFamily="49" charset="0"/>
-                <a:cs typeface="Courier New" panose="02070309020205020404" pitchFamily="49" charset="0"/>
-              </a:rPr>
-              <a:t>    </a:t>
-            </a:r>
-            <a:r>
-              <a:rPr lang="en-US" sz="1400" b="1" dirty="0">
-                <a:solidFill>
-                  <a:srgbClr val="9E880D"/>
-                </a:solidFill>
-                <a:latin typeface="Courier New" panose="02070309020205020404" pitchFamily="49" charset="0"/>
-                <a:cs typeface="Courier New" panose="02070309020205020404" pitchFamily="49" charset="0"/>
-              </a:rPr>
-              <a:t>@</a:t>
-            </a:r>
-            <a:r>
-              <a:rPr lang="en-US" sz="1400" b="1" dirty="0" err="1">
-                <a:solidFill>
-                  <a:srgbClr val="9E880D"/>
-                </a:solidFill>
-                <a:latin typeface="Courier New" panose="02070309020205020404" pitchFamily="49" charset="0"/>
-                <a:cs typeface="Courier New" panose="02070309020205020404" pitchFamily="49" charset="0"/>
-              </a:rPr>
-              <a:t>Autowired</a:t>
-            </a:r>
-            <a:endParaRPr lang="en-US" sz="1400" b="1" dirty="0">
-              <a:solidFill>
-                <a:srgbClr val="9E880D"/>
-              </a:solidFill>
-              <a:latin typeface="Courier New" panose="02070309020205020404" pitchFamily="49" charset="0"/>
-              <a:cs typeface="Courier New" panose="02070309020205020404" pitchFamily="49" charset="0"/>
-            </a:endParaRPr>
+                <a:solidFill>
+                  <a:srgbClr val="0070C0"/>
+                </a:solidFill>
+                <a:latin typeface="Courier New" panose="02070309020205020404" pitchFamily="49" charset="0"/>
+                <a:cs typeface="Courier New" panose="02070309020205020404" pitchFamily="49" charset="0"/>
+              </a:rPr>
+              <a:t>	private</a:t>
+            </a:r>
+            <a:r>
+              <a:rPr lang="en-US" sz="1400" dirty="0">
+                <a:latin typeface="Courier New" panose="02070309020205020404" pitchFamily="49" charset="0"/>
+                <a:cs typeface="Courier New" panose="02070309020205020404" pitchFamily="49" charset="0"/>
+              </a:rPr>
+              <a:t> Component comp1;</a:t>
+            </a:r>
           </a:p>
           <a:p>
             <a:pPr marL="0" indent="0">
@@ -22187,48 +22546,27 @@
             </a:pPr>
             <a:r>
               <a:rPr lang="en-US" sz="1400" dirty="0">
+                <a:latin typeface="Courier New" panose="02070309020205020404" pitchFamily="49" charset="0"/>
+                <a:cs typeface="Courier New" panose="02070309020205020404" pitchFamily="49" charset="0"/>
+              </a:rPr>
+              <a:t>	</a:t>
+            </a:r>
+            <a:r>
+              <a:rPr lang="en-US" sz="1400" dirty="0">
                 <a:solidFill>
                   <a:srgbClr val="0070C0"/>
                 </a:solidFill>
                 <a:latin typeface="Courier New" panose="02070309020205020404" pitchFamily="49" charset="0"/>
                 <a:cs typeface="Courier New" panose="02070309020205020404" pitchFamily="49" charset="0"/>
               </a:rPr>
-              <a:t>	private</a:t>
+              <a:t>private</a:t>
             </a:r>
             <a:r>
               <a:rPr lang="en-US" sz="1400" dirty="0">
                 <a:latin typeface="Courier New" panose="02070309020205020404" pitchFamily="49" charset="0"/>
                 <a:cs typeface="Courier New" panose="02070309020205020404" pitchFamily="49" charset="0"/>
               </a:rPr>
-              <a:t> </a:t>
-            </a:r>
-            <a:r>
-              <a:rPr lang="en-US" sz="1400" dirty="0" err="1">
-                <a:latin typeface="Courier New" panose="02070309020205020404" pitchFamily="49" charset="0"/>
-                <a:cs typeface="Courier New" panose="02070309020205020404" pitchFamily="49" charset="0"/>
-              </a:rPr>
-              <a:t>MyComponent</a:t>
-            </a:r>
-            <a:r>
-              <a:rPr lang="en-US" sz="1400" dirty="0">
-                <a:latin typeface="Courier New" panose="02070309020205020404" pitchFamily="49" charset="0"/>
-                <a:cs typeface="Courier New" panose="02070309020205020404" pitchFamily="49" charset="0"/>
-              </a:rPr>
-              <a:t> </a:t>
-            </a:r>
-            <a:r>
-              <a:rPr lang="en-US" sz="1400" b="1" dirty="0">
-                <a:latin typeface="Courier New" panose="02070309020205020404" pitchFamily="49" charset="0"/>
-                <a:cs typeface="Courier New" panose="02070309020205020404" pitchFamily="49" charset="0"/>
-              </a:rPr>
-              <a:t>component1</a:t>
-            </a:r>
-            <a:r>
-              <a:rPr lang="en-US" sz="1400" dirty="0">
-                <a:latin typeface="Courier New" panose="02070309020205020404" pitchFamily="49" charset="0"/>
-                <a:cs typeface="Courier New" panose="02070309020205020404" pitchFamily="49" charset="0"/>
-              </a:rPr>
-              <a:t>;</a:t>
+              <a:t> Component comp2;</a:t>
             </a:r>
           </a:p>
           <a:p>
@@ -22243,85 +22581,174 @@
           </a:p>
           <a:p>
             <a:pPr marL="0" indent="0">
-              <a:lnSpc>
-                <a:spcPct val="80000"/>
-              </a:lnSpc>
               <a:buFont typeface="Wingdings 3" charset="2"/>
               <a:buNone/>
             </a:pPr>
             <a:r>
-              <a:rPr lang="en-US" sz="1400" b="1" dirty="0">
-                <a:latin typeface="Courier New" panose="02070309020205020404" pitchFamily="49" charset="0"/>
-                <a:cs typeface="Courier New" panose="02070309020205020404" pitchFamily="49" charset="0"/>
-              </a:rPr>
-              <a:t>    </a:t>
-            </a:r>
-            <a:r>
-              <a:rPr lang="en-US" sz="1400" b="1" dirty="0">
-                <a:solidFill>
-                  <a:srgbClr val="9E880D"/>
-                </a:solidFill>
-                <a:latin typeface="Courier New" panose="02070309020205020404" pitchFamily="49" charset="0"/>
-                <a:cs typeface="Courier New" panose="02070309020205020404" pitchFamily="49" charset="0"/>
-              </a:rPr>
-              <a:t>@</a:t>
-            </a:r>
-            <a:r>
-              <a:rPr lang="en-US" sz="1400" b="1" dirty="0" err="1">
-                <a:solidFill>
-                  <a:srgbClr val="9E880D"/>
-                </a:solidFill>
-                <a:latin typeface="Courier New" panose="02070309020205020404" pitchFamily="49" charset="0"/>
-                <a:cs typeface="Courier New" panose="02070309020205020404" pitchFamily="49" charset="0"/>
-              </a:rPr>
-              <a:t>Autowired</a:t>
-            </a:r>
-            <a:endParaRPr lang="en-US" sz="1400" b="1" dirty="0">
-              <a:solidFill>
-                <a:srgbClr val="9E880D"/>
-              </a:solidFill>
-              <a:latin typeface="Courier New" panose="02070309020205020404" pitchFamily="49" charset="0"/>
-              <a:cs typeface="Courier New" panose="02070309020205020404" pitchFamily="49" charset="0"/>
-            </a:endParaRPr>
+              <a:rPr lang="en-US" sz="1400" dirty="0">
+                <a:latin typeface="Courier New" panose="02070309020205020404" pitchFamily="49" charset="0"/>
+                <a:cs typeface="Courier New" panose="02070309020205020404" pitchFamily="49" charset="0"/>
+              </a:rPr>
+              <a:t>	</a:t>
+            </a:r>
+            <a:r>
+              <a:rPr lang="en-US" sz="1400" dirty="0" err="1">
+                <a:latin typeface="Courier New" panose="02070309020205020404" pitchFamily="49" charset="0"/>
+                <a:cs typeface="Courier New" panose="02070309020205020404" pitchFamily="49" charset="0"/>
+              </a:rPr>
+              <a:t>AnotherComponent</a:t>
+            </a:r>
+            <a:r>
+              <a:rPr lang="en-US" sz="1400" dirty="0">
+                <a:latin typeface="Courier New" panose="02070309020205020404" pitchFamily="49" charset="0"/>
+                <a:cs typeface="Courier New" panose="02070309020205020404" pitchFamily="49" charset="0"/>
+              </a:rPr>
+              <a:t>(</a:t>
+            </a:r>
           </a:p>
           <a:p>
             <a:pPr marL="0" indent="0">
-              <a:lnSpc>
-                <a:spcPct val="80000"/>
-              </a:lnSpc>
               <a:buFont typeface="Wingdings 3" charset="2"/>
               <a:buNone/>
             </a:pPr>
             <a:r>
               <a:rPr lang="en-US" sz="1400" dirty="0">
+                <a:latin typeface="Courier New" panose="02070309020205020404" pitchFamily="49" charset="0"/>
+                <a:cs typeface="Courier New" panose="02070309020205020404" pitchFamily="49" charset="0"/>
+              </a:rPr>
+              <a:t>		Component</a:t>
+            </a:r>
+            <a:r>
+              <a:rPr lang="en-US" sz="1400" b="1" dirty="0">
+                <a:solidFill>
+                  <a:srgbClr val="9E880D"/>
+                </a:solidFill>
+                <a:latin typeface="Courier New" panose="02070309020205020404" pitchFamily="49" charset="0"/>
+                <a:cs typeface="Courier New" panose="02070309020205020404" pitchFamily="49" charset="0"/>
+              </a:rPr>
+              <a:t> </a:t>
+            </a:r>
+            <a:r>
+              <a:rPr lang="en-US" sz="1400" b="1" dirty="0">
+                <a:latin typeface="Courier New" panose="02070309020205020404" pitchFamily="49" charset="0"/>
+                <a:cs typeface="Courier New" panose="02070309020205020404" pitchFamily="49" charset="0"/>
+              </a:rPr>
+              <a:t>component1</a:t>
+            </a:r>
+            <a:r>
+              <a:rPr lang="en-US" sz="1400" dirty="0">
+                <a:latin typeface="Courier New" panose="02070309020205020404" pitchFamily="49" charset="0"/>
+                <a:cs typeface="Courier New" panose="02070309020205020404" pitchFamily="49" charset="0"/>
+              </a:rPr>
+              <a:t>,</a:t>
+            </a:r>
+          </a:p>
+          <a:p>
+            <a:pPr marL="0" indent="0">
+              <a:buNone/>
+            </a:pPr>
+            <a:r>
+              <a:rPr lang="en-US" sz="1400" dirty="0">
+                <a:latin typeface="Courier New" panose="02070309020205020404" pitchFamily="49" charset="0"/>
+                <a:cs typeface="Courier New" panose="02070309020205020404" pitchFamily="49" charset="0"/>
+              </a:rPr>
+              <a:t>		Component</a:t>
+            </a:r>
+            <a:r>
+              <a:rPr lang="en-US" sz="1400" b="1" dirty="0">
+                <a:solidFill>
+                  <a:srgbClr val="9E880D"/>
+                </a:solidFill>
+                <a:latin typeface="Courier New" panose="02070309020205020404" pitchFamily="49" charset="0"/>
+                <a:cs typeface="Courier New" panose="02070309020205020404" pitchFamily="49" charset="0"/>
+              </a:rPr>
+              <a:t> </a:t>
+            </a:r>
+            <a:r>
+              <a:rPr lang="en-US" sz="1400" b="1" dirty="0">
+                <a:latin typeface="Courier New" panose="02070309020205020404" pitchFamily="49" charset="0"/>
+                <a:cs typeface="Courier New" panose="02070309020205020404" pitchFamily="49" charset="0"/>
+              </a:rPr>
+              <a:t>component2</a:t>
+            </a:r>
+            <a:r>
+              <a:rPr lang="en-US" sz="1400" dirty="0">
+                <a:latin typeface="Courier New" panose="02070309020205020404" pitchFamily="49" charset="0"/>
+                <a:cs typeface="Courier New" panose="02070309020205020404" pitchFamily="49" charset="0"/>
+              </a:rPr>
+              <a:t>) {</a:t>
+            </a:r>
+          </a:p>
+          <a:p>
+            <a:pPr marL="0" indent="0">
+              <a:buNone/>
+            </a:pPr>
+            <a:r>
+              <a:rPr lang="en-US" sz="1400" dirty="0">
+                <a:latin typeface="Courier New" panose="02070309020205020404" pitchFamily="49" charset="0"/>
+                <a:cs typeface="Courier New" panose="02070309020205020404" pitchFamily="49" charset="0"/>
+              </a:rPr>
+              <a:t>	  </a:t>
+            </a:r>
+            <a:r>
+              <a:rPr lang="en-US" sz="1400" dirty="0">
                 <a:solidFill>
                   <a:srgbClr val="0070C0"/>
                 </a:solidFill>
                 <a:latin typeface="Courier New" panose="02070309020205020404" pitchFamily="49" charset="0"/>
                 <a:cs typeface="Courier New" panose="02070309020205020404" pitchFamily="49" charset="0"/>
               </a:rPr>
-              <a:t>	private</a:t>
+              <a:t>this</a:t>
             </a:r>
             <a:r>
               <a:rPr lang="en-US" sz="1400" dirty="0">
                 <a:latin typeface="Courier New" panose="02070309020205020404" pitchFamily="49" charset="0"/>
                 <a:cs typeface="Courier New" panose="02070309020205020404" pitchFamily="49" charset="0"/>
               </a:rPr>
-              <a:t> </a:t>
-            </a:r>
-            <a:r>
-              <a:rPr lang="en-US" sz="1400" dirty="0" err="1">
-                <a:latin typeface="Courier New" panose="02070309020205020404" pitchFamily="49" charset="0"/>
-                <a:cs typeface="Courier New" panose="02070309020205020404" pitchFamily="49" charset="0"/>
-              </a:rPr>
-              <a:t>MyComponent</a:t>
+              <a:t>.comp1 = </a:t>
+            </a:r>
+            <a:r>
+              <a:rPr lang="en-US" sz="1400" b="1" dirty="0">
+                <a:latin typeface="Courier New" panose="02070309020205020404" pitchFamily="49" charset="0"/>
+                <a:cs typeface="Courier New" panose="02070309020205020404" pitchFamily="49" charset="0"/>
+              </a:rPr>
+              <a:t>component1</a:t>
             </a:r>
             <a:r>
               <a:rPr lang="en-US" sz="1400" dirty="0">
                 <a:latin typeface="Courier New" panose="02070309020205020404" pitchFamily="49" charset="0"/>
                 <a:cs typeface="Courier New" panose="02070309020205020404" pitchFamily="49" charset="0"/>
               </a:rPr>
-              <a:t> </a:t>
+              <a:t>;</a:t>
+            </a:r>
+          </a:p>
+          <a:p>
+            <a:pPr marL="0" indent="0">
+              <a:buNone/>
+            </a:pPr>
+            <a:r>
+              <a:rPr lang="en-US" sz="1400" dirty="0">
+                <a:latin typeface="Courier New" panose="02070309020205020404" pitchFamily="49" charset="0"/>
+                <a:cs typeface="Courier New" panose="02070309020205020404" pitchFamily="49" charset="0"/>
+              </a:rPr>
+              <a:t>	  </a:t>
+            </a:r>
+            <a:r>
+              <a:rPr lang="en-US" sz="1400" dirty="0">
+                <a:solidFill>
+                  <a:srgbClr val="0070C0"/>
+                </a:solidFill>
+                <a:latin typeface="Courier New" panose="02070309020205020404" pitchFamily="49" charset="0"/>
+                <a:cs typeface="Courier New" panose="02070309020205020404" pitchFamily="49" charset="0"/>
+              </a:rPr>
+              <a:t>this</a:t>
+            </a:r>
+            <a:r>
+              <a:rPr lang="en-US" sz="1400" dirty="0">
+                <a:latin typeface="Courier New" panose="02070309020205020404" pitchFamily="49" charset="0"/>
+                <a:cs typeface="Courier New" panose="02070309020205020404" pitchFamily="49" charset="0"/>
+              </a:rPr>
+              <a:t>.comp2 = </a:t>
             </a:r>
             <a:r>
               <a:rPr lang="en-US" sz="1400" b="1" dirty="0">
@@ -22336,6 +22763,18 @@
                 <a:cs typeface="Courier New" panose="02070309020205020404" pitchFamily="49" charset="0"/>
               </a:rPr>
               <a:t>;</a:t>
+            </a:r>
+          </a:p>
+          <a:p>
+            <a:pPr marL="0" indent="0">
+              <a:buNone/>
+            </a:pPr>
+            <a:r>
+              <a:rPr lang="en-US" sz="1400" dirty="0">
+                <a:latin typeface="Courier New" panose="02070309020205020404" pitchFamily="49" charset="0"/>
+                <a:cs typeface="Courier New" panose="02070309020205020404" pitchFamily="49" charset="0"/>
+              </a:rPr>
+              <a:t>	}</a:t>
             </a:r>
           </a:p>
           <a:p>
@@ -22402,7 +22841,7 @@
         <p:spPr>
           <a:xfrm>
             <a:off x="677334" y="609600"/>
-            <a:ext cx="8596668" cy="1045073"/>
+            <a:ext cx="10467482" cy="793687"/>
           </a:xfrm>
         </p:spPr>
         <p:txBody>
@@ -22413,7 +22852,7 @@
           <a:p>
             <a:r>
               <a:rPr lang="en-IL" dirty="0"/>
-              <a:t>@Autowire behaviour</a:t>
+              <a:t>Autowire behaviour</a:t>
             </a:r>
             <a:r>
               <a:rPr lang="en-US" dirty="0"/>
@@ -22442,7 +22881,7 @@
         <p:spPr>
           <a:xfrm>
             <a:off x="677334" y="1654673"/>
-            <a:ext cx="8596668" cy="4593727"/>
+            <a:ext cx="5279846" cy="3188931"/>
           </a:xfrm>
           <a:solidFill>
             <a:schemeClr val="tx2">
@@ -22748,45 +23187,17 @@
                 <a:latin typeface="Courier New" panose="02070309020205020404" pitchFamily="49" charset="0"/>
                 <a:cs typeface="Courier New" panose="02070309020205020404" pitchFamily="49" charset="0"/>
               </a:rPr>
-              <a:t>       </a:t>
-            </a:r>
-            <a:r>
-              <a:rPr lang="en-US" sz="1400" dirty="0" err="1">
-                <a:latin typeface="Courier New" panose="02070309020205020404" pitchFamily="49" charset="0"/>
-                <a:cs typeface="Courier New" panose="02070309020205020404" pitchFamily="49" charset="0"/>
-              </a:rPr>
-              <a:t>MyComponent</a:t>
+              <a:t> 		</a:t>
             </a:r>
             <a:r>
               <a:rPr lang="en-US" sz="1400" dirty="0">
-                <a:latin typeface="Courier New" panose="02070309020205020404" pitchFamily="49" charset="0"/>
-                <a:cs typeface="Courier New" panose="02070309020205020404" pitchFamily="49" charset="0"/>
-              </a:rPr>
-              <a:t> </a:t>
-            </a:r>
-            <a:r>
-              <a:rPr lang="en-US" sz="1400" dirty="0" err="1">
-                <a:latin typeface="Courier New" panose="02070309020205020404" pitchFamily="49" charset="0"/>
-                <a:cs typeface="Courier New" panose="02070309020205020404" pitchFamily="49" charset="0"/>
-              </a:rPr>
-              <a:t>myComp</a:t>
-            </a:r>
-            <a:r>
-              <a:rPr lang="en-US" sz="1400" dirty="0">
-                <a:latin typeface="Courier New" panose="02070309020205020404" pitchFamily="49" charset="0"/>
-                <a:cs typeface="Courier New" panose="02070309020205020404" pitchFamily="49" charset="0"/>
-              </a:rPr>
-              <a:t> = </a:t>
-            </a:r>
-            <a:r>
-              <a:rPr lang="en-US" sz="1400" dirty="0">
                 <a:solidFill>
                   <a:srgbClr val="0070C0"/>
                 </a:solidFill>
                 <a:latin typeface="Courier New" panose="02070309020205020404" pitchFamily="49" charset="0"/>
                 <a:cs typeface="Courier New" panose="02070309020205020404" pitchFamily="49" charset="0"/>
               </a:rPr>
-              <a:t>new</a:t>
+              <a:t>return new</a:t>
             </a:r>
             <a:r>
               <a:rPr lang="en-US" sz="1400" dirty="0">
@@ -22819,196 +23230,7 @@
                 <a:latin typeface="Courier New" panose="02070309020205020404" pitchFamily="49" charset="0"/>
                 <a:cs typeface="Courier New" panose="02070309020205020404" pitchFamily="49" charset="0"/>
               </a:rPr>
-              <a:t>       </a:t>
-            </a:r>
-            <a:r>
-              <a:rPr lang="en-US" sz="1400" dirty="0">
-                <a:solidFill>
-                  <a:srgbClr val="0070C0"/>
-                </a:solidFill>
-                <a:latin typeface="Courier New" panose="02070309020205020404" pitchFamily="49" charset="0"/>
-                <a:cs typeface="Courier New" panose="02070309020205020404" pitchFamily="49" charset="0"/>
-              </a:rPr>
-              <a:t>return</a:t>
-            </a:r>
-            <a:r>
-              <a:rPr lang="en-US" sz="1400" dirty="0">
-                <a:latin typeface="Courier New" panose="02070309020205020404" pitchFamily="49" charset="0"/>
-                <a:cs typeface="Courier New" panose="02070309020205020404" pitchFamily="49" charset="0"/>
-              </a:rPr>
-              <a:t> </a:t>
-            </a:r>
-            <a:r>
-              <a:rPr lang="en-US" sz="1400" dirty="0" err="1">
-                <a:latin typeface="Courier New" panose="02070309020205020404" pitchFamily="49" charset="0"/>
-                <a:cs typeface="Courier New" panose="02070309020205020404" pitchFamily="49" charset="0"/>
-              </a:rPr>
-              <a:t>myComp</a:t>
-            </a:r>
-            <a:r>
-              <a:rPr lang="en-US" sz="1400" dirty="0">
-                <a:latin typeface="Courier New" panose="02070309020205020404" pitchFamily="49" charset="0"/>
-                <a:cs typeface="Courier New" panose="02070309020205020404" pitchFamily="49" charset="0"/>
-              </a:rPr>
-              <a:t>;</a:t>
-            </a:r>
-          </a:p>
-          <a:p>
-            <a:pPr marL="0" indent="0">
-              <a:buNone/>
-            </a:pPr>
-            <a:r>
-              <a:rPr lang="en-US" sz="1400" dirty="0">
-                <a:latin typeface="Courier New" panose="02070309020205020404" pitchFamily="49" charset="0"/>
-                <a:cs typeface="Courier New" panose="02070309020205020404" pitchFamily="49" charset="0"/>
-              </a:rPr>
-              <a:t>    }</a:t>
-            </a:r>
-          </a:p>
-          <a:p>
-            <a:pPr marL="0" indent="0">
-              <a:buNone/>
-            </a:pPr>
-            <a:r>
-              <a:rPr lang="en-US" sz="1400" dirty="0">
-                <a:latin typeface="Courier New" panose="02070309020205020404" pitchFamily="49" charset="0"/>
-                <a:cs typeface="Courier New" panose="02070309020205020404" pitchFamily="49" charset="0"/>
-              </a:rPr>
-              <a:t>}</a:t>
-            </a:r>
-          </a:p>
-          <a:p>
-            <a:pPr marL="0" indent="0">
-              <a:buNone/>
-            </a:pPr>
-            <a:r>
-              <a:rPr lang="en-US" sz="1400" dirty="0">
-                <a:solidFill>
-                  <a:srgbClr val="0070C0"/>
-                </a:solidFill>
-                <a:latin typeface="Courier New" panose="02070309020205020404" pitchFamily="49" charset="0"/>
-                <a:cs typeface="Courier New" panose="02070309020205020404" pitchFamily="49" charset="0"/>
-              </a:rPr>
-              <a:t>public</a:t>
-            </a:r>
-            <a:r>
-              <a:rPr lang="en-US" sz="1400" dirty="0">
-                <a:latin typeface="Courier New" panose="02070309020205020404" pitchFamily="49" charset="0"/>
-                <a:cs typeface="Courier New" panose="02070309020205020404" pitchFamily="49" charset="0"/>
-              </a:rPr>
-              <a:t> </a:t>
-            </a:r>
-            <a:r>
-              <a:rPr lang="en-US" sz="1400" dirty="0">
-                <a:solidFill>
-                  <a:srgbClr val="0070C0"/>
-                </a:solidFill>
-                <a:latin typeface="Courier New" panose="02070309020205020404" pitchFamily="49" charset="0"/>
-                <a:cs typeface="Courier New" panose="02070309020205020404" pitchFamily="49" charset="0"/>
-              </a:rPr>
-              <a:t>class</a:t>
-            </a:r>
-            <a:r>
-              <a:rPr lang="en-US" sz="1400" dirty="0">
-                <a:latin typeface="Courier New" panose="02070309020205020404" pitchFamily="49" charset="0"/>
-                <a:cs typeface="Courier New" panose="02070309020205020404" pitchFamily="49" charset="0"/>
-              </a:rPr>
-              <a:t> Component {</a:t>
-            </a:r>
-          </a:p>
-          <a:p>
-            <a:pPr marL="0" indent="0">
-              <a:lnSpc>
-                <a:spcPct val="80000"/>
-              </a:lnSpc>
-              <a:buNone/>
-            </a:pPr>
-            <a:r>
-              <a:rPr lang="en-US" sz="1400" dirty="0">
-                <a:latin typeface="Courier New" panose="02070309020205020404" pitchFamily="49" charset="0"/>
-                <a:cs typeface="Courier New" panose="02070309020205020404" pitchFamily="49" charset="0"/>
-              </a:rPr>
-              <a:t>    </a:t>
-            </a:r>
-            <a:r>
-              <a:rPr lang="en-US" sz="1400" b="1" dirty="0">
-                <a:solidFill>
-                  <a:srgbClr val="9E880D"/>
-                </a:solidFill>
-                <a:latin typeface="Courier New" panose="02070309020205020404" pitchFamily="49" charset="0"/>
-                <a:cs typeface="Courier New" panose="02070309020205020404" pitchFamily="49" charset="0"/>
-              </a:rPr>
-              <a:t>@</a:t>
-            </a:r>
-            <a:r>
-              <a:rPr lang="en-US" sz="1400" b="1" dirty="0" err="1">
-                <a:solidFill>
-                  <a:srgbClr val="9E880D"/>
-                </a:solidFill>
-                <a:latin typeface="Courier New" panose="02070309020205020404" pitchFamily="49" charset="0"/>
-                <a:cs typeface="Courier New" panose="02070309020205020404" pitchFamily="49" charset="0"/>
-              </a:rPr>
-              <a:t>Autowired</a:t>
-            </a:r>
-            <a:endParaRPr lang="en-US" sz="1400" b="1" dirty="0">
-              <a:solidFill>
-                <a:srgbClr val="9E880D"/>
-              </a:solidFill>
-              <a:latin typeface="Courier New" panose="02070309020205020404" pitchFamily="49" charset="0"/>
-              <a:cs typeface="Courier New" panose="02070309020205020404" pitchFamily="49" charset="0"/>
-            </a:endParaRPr>
-          </a:p>
-          <a:p>
-            <a:pPr marL="0" indent="0">
-              <a:lnSpc>
-                <a:spcPct val="80000"/>
-              </a:lnSpc>
-              <a:buNone/>
-            </a:pPr>
-            <a:r>
-              <a:rPr lang="en-US" sz="1400" dirty="0">
-                <a:solidFill>
-                  <a:srgbClr val="0070C0"/>
-                </a:solidFill>
-                <a:latin typeface="Courier New" panose="02070309020205020404" pitchFamily="49" charset="0"/>
-                <a:cs typeface="Courier New" panose="02070309020205020404" pitchFamily="49" charset="0"/>
-              </a:rPr>
-              <a:t>    private</a:t>
-            </a:r>
-            <a:r>
-              <a:rPr lang="en-US" sz="1400" dirty="0">
-                <a:latin typeface="Courier New" panose="02070309020205020404" pitchFamily="49" charset="0"/>
-                <a:cs typeface="Courier New" panose="02070309020205020404" pitchFamily="49" charset="0"/>
-              </a:rPr>
-              <a:t> </a:t>
-            </a:r>
-            <a:r>
-              <a:rPr lang="en-US" sz="1400" dirty="0" err="1">
-                <a:latin typeface="Courier New" panose="02070309020205020404" pitchFamily="49" charset="0"/>
-                <a:cs typeface="Courier New" panose="02070309020205020404" pitchFamily="49" charset="0"/>
-              </a:rPr>
-              <a:t>MyComponent</a:t>
-            </a:r>
-            <a:r>
-              <a:rPr lang="en-US" sz="1400" dirty="0">
-                <a:latin typeface="Courier New" panose="02070309020205020404" pitchFamily="49" charset="0"/>
-                <a:cs typeface="Courier New" panose="02070309020205020404" pitchFamily="49" charset="0"/>
-              </a:rPr>
-              <a:t> </a:t>
-            </a:r>
-            <a:r>
-              <a:rPr lang="en-US" sz="1400" b="1" dirty="0" err="1">
-                <a:latin typeface="Courier New" panose="02070309020205020404" pitchFamily="49" charset="0"/>
-                <a:cs typeface="Courier New" panose="02070309020205020404" pitchFamily="49" charset="0"/>
-              </a:rPr>
-              <a:t>myComponent</a:t>
-            </a:r>
-            <a:r>
-              <a:rPr lang="en-US" sz="1400" dirty="0">
-                <a:latin typeface="Courier New" panose="02070309020205020404" pitchFamily="49" charset="0"/>
-                <a:cs typeface="Courier New" panose="02070309020205020404" pitchFamily="49" charset="0"/>
-              </a:rPr>
-              <a:t>;</a:t>
+              <a:t>	}</a:t>
             </a:r>
           </a:p>
           <a:p>
@@ -23041,8 +23263,8 @@
         </p:nvSpPr>
         <p:spPr>
           <a:xfrm>
-            <a:off x="6096000" y="3429000"/>
-            <a:ext cx="5418666" cy="2991072"/>
+            <a:off x="4837569" y="3935629"/>
+            <a:ext cx="5418666" cy="2535395"/>
           </a:xfrm>
           <a:prstGeom prst="rect">
             <a:avLst/>
@@ -23292,9 +23514,6 @@
           </a:lstStyle>
           <a:p>
             <a:pPr marL="0" indent="0">
-              <a:lnSpc>
-                <a:spcPct val="80000"/>
-              </a:lnSpc>
               <a:buFont typeface="Wingdings 3" charset="2"/>
               <a:buNone/>
             </a:pPr>
@@ -23306,27 +23525,7 @@
                 <a:latin typeface="Courier New" panose="02070309020205020404" pitchFamily="49" charset="0"/>
                 <a:cs typeface="Courier New" panose="02070309020205020404" pitchFamily="49" charset="0"/>
               </a:rPr>
-              <a:t>@Component(“</a:t>
-            </a:r>
-            <a:r>
-              <a:rPr lang="en-US" sz="1400" b="1" dirty="0" err="1">
-                <a:solidFill>
-                  <a:srgbClr val="9E880D"/>
-                </a:solidFill>
-                <a:latin typeface="Courier New" panose="02070309020205020404" pitchFamily="49" charset="0"/>
-                <a:cs typeface="Courier New" panose="02070309020205020404" pitchFamily="49" charset="0"/>
-              </a:rPr>
-              <a:t>myComponent</a:t>
-            </a:r>
-            <a:r>
-              <a:rPr lang="en-US" sz="1400" b="1" dirty="0">
-                <a:solidFill>
-                  <a:srgbClr val="9E880D"/>
-                </a:solidFill>
-                <a:latin typeface="Courier New" panose="02070309020205020404" pitchFamily="49" charset="0"/>
-                <a:cs typeface="Courier New" panose="02070309020205020404" pitchFamily="49" charset="0"/>
-              </a:rPr>
-              <a:t>”)</a:t>
+              <a:t>@Component</a:t>
             </a:r>
           </a:p>
           <a:p>
@@ -23373,38 +23572,7 @@
                 <a:latin typeface="Courier New" panose="02070309020205020404" pitchFamily="49" charset="0"/>
                 <a:cs typeface="Courier New" panose="02070309020205020404" pitchFamily="49" charset="0"/>
               </a:rPr>
-              <a:t>MyComponent</a:t>
-            </a:r>
-            <a:r>
-              <a:rPr lang="en-US" sz="1400" dirty="0">
-                <a:latin typeface="Courier New" panose="02070309020205020404" pitchFamily="49" charset="0"/>
-                <a:cs typeface="Courier New" panose="02070309020205020404" pitchFamily="49" charset="0"/>
-              </a:rPr>
-              <a:t> </a:t>
-            </a:r>
-            <a:r>
-              <a:rPr lang="en-US" sz="1400" dirty="0">
-                <a:solidFill>
-                  <a:srgbClr val="0070C0"/>
-                </a:solidFill>
-                <a:latin typeface="Courier New" panose="02070309020205020404" pitchFamily="49" charset="0"/>
-                <a:cs typeface="Courier New" panose="02070309020205020404" pitchFamily="49" charset="0"/>
-              </a:rPr>
-              <a:t>extends</a:t>
-            </a:r>
-            <a:r>
-              <a:rPr lang="en-US" sz="1400" dirty="0">
-                <a:latin typeface="Courier New" panose="02070309020205020404" pitchFamily="49" charset="0"/>
-                <a:cs typeface="Courier New" panose="02070309020205020404" pitchFamily="49" charset="0"/>
-              </a:rPr>
-              <a:t> </a:t>
-            </a:r>
-            <a:r>
-              <a:rPr lang="en-US" sz="1400" dirty="0" err="1">
-                <a:latin typeface="Courier New" panose="02070309020205020404" pitchFamily="49" charset="0"/>
-                <a:cs typeface="Courier New" panose="02070309020205020404" pitchFamily="49" charset="0"/>
-              </a:rPr>
-              <a:t>BaseComponent</a:t>
+              <a:t>AnotherComponent</a:t>
             </a:r>
             <a:r>
               <a:rPr lang="en-US" sz="1400" dirty="0">
@@ -23424,41 +23592,55 @@
             </a:pPr>
             <a:r>
               <a:rPr lang="en-US" sz="1400" dirty="0">
-                <a:latin typeface="Courier New" panose="02070309020205020404" pitchFamily="49" charset="0"/>
-                <a:cs typeface="Courier New" panose="02070309020205020404" pitchFamily="49" charset="0"/>
-              </a:rPr>
-              <a:t>    </a:t>
+                <a:solidFill>
+                  <a:srgbClr val="0070C0"/>
+                </a:solidFill>
+                <a:latin typeface="Courier New" panose="02070309020205020404" pitchFamily="49" charset="0"/>
+                <a:cs typeface="Courier New" panose="02070309020205020404" pitchFamily="49" charset="0"/>
+              </a:rPr>
+              <a:t>	private</a:t>
             </a:r>
             <a:r>
               <a:rPr lang="en-US" sz="1400" dirty="0">
-                <a:solidFill>
-                  <a:srgbClr val="9E880D"/>
-                </a:solidFill>
-                <a:latin typeface="Courier New" panose="02070309020205020404" pitchFamily="49" charset="0"/>
-                <a:cs typeface="Courier New" panose="02070309020205020404" pitchFamily="49" charset="0"/>
-              </a:rPr>
-              <a:t>// some code</a:t>
-            </a:r>
-            <a:endParaRPr lang="en-US" sz="1400" dirty="0">
-              <a:latin typeface="Courier New" panose="02070309020205020404" pitchFamily="49" charset="0"/>
-              <a:cs typeface="Courier New" panose="02070309020205020404" pitchFamily="49" charset="0"/>
-            </a:endParaRPr>
+                <a:latin typeface="Courier New" panose="02070309020205020404" pitchFamily="49" charset="0"/>
+                <a:cs typeface="Courier New" panose="02070309020205020404" pitchFamily="49" charset="0"/>
+              </a:rPr>
+              <a:t> </a:t>
+            </a:r>
+            <a:r>
+              <a:rPr lang="en-US" sz="1400" dirty="0" err="1">
+                <a:latin typeface="Courier New" panose="02070309020205020404" pitchFamily="49" charset="0"/>
+                <a:cs typeface="Courier New" panose="02070309020205020404" pitchFamily="49" charset="0"/>
+              </a:rPr>
+              <a:t>BaseComponent</a:t>
+            </a:r>
+            <a:r>
+              <a:rPr lang="en-US" sz="1400" dirty="0">
+                <a:latin typeface="Courier New" panose="02070309020205020404" pitchFamily="49" charset="0"/>
+                <a:cs typeface="Courier New" panose="02070309020205020404" pitchFamily="49" charset="0"/>
+              </a:rPr>
+              <a:t> </a:t>
+            </a:r>
+            <a:r>
+              <a:rPr lang="en-US" sz="1400" dirty="0" err="1">
+                <a:latin typeface="Courier New" panose="02070309020205020404" pitchFamily="49" charset="0"/>
+                <a:cs typeface="Courier New" panose="02070309020205020404" pitchFamily="49" charset="0"/>
+              </a:rPr>
+              <a:t>baseComponent</a:t>
+            </a:r>
+            <a:r>
+              <a:rPr lang="en-US" sz="1400" dirty="0">
+                <a:latin typeface="Courier New" panose="02070309020205020404" pitchFamily="49" charset="0"/>
+                <a:cs typeface="Courier New" panose="02070309020205020404" pitchFamily="49" charset="0"/>
+              </a:rPr>
+              <a:t>;</a:t>
+            </a:r>
           </a:p>
           <a:p>
             <a:pPr marL="0" indent="0">
-              <a:buFont typeface="Wingdings 3" charset="2"/>
-              <a:buNone/>
-            </a:pPr>
-            <a:r>
-              <a:rPr lang="en-US" sz="1400" dirty="0">
-                <a:latin typeface="Courier New" panose="02070309020205020404" pitchFamily="49" charset="0"/>
-                <a:cs typeface="Courier New" panose="02070309020205020404" pitchFamily="49" charset="0"/>
-              </a:rPr>
-              <a:t>}</a:t>
-            </a:r>
-          </a:p>
-          <a:p>
-            <a:pPr marL="0" indent="0">
+              <a:lnSpc>
+                <a:spcPct val="80000"/>
+              </a:lnSpc>
               <a:buFont typeface="Wingdings 3" charset="2"/>
               <a:buNone/>
             </a:pPr>
@@ -23469,44 +23651,178 @@
           </a:p>
           <a:p>
             <a:pPr marL="0" indent="0">
+              <a:lnSpc>
+                <a:spcPct val="80000"/>
+              </a:lnSpc>
               <a:buFont typeface="Wingdings 3" charset="2"/>
               <a:buNone/>
             </a:pPr>
             <a:r>
               <a:rPr lang="en-US" sz="1400" dirty="0">
+                <a:latin typeface="Courier New" panose="02070309020205020404" pitchFamily="49" charset="0"/>
+                <a:cs typeface="Courier New" panose="02070309020205020404" pitchFamily="49" charset="0"/>
+              </a:rPr>
+              <a:t>    </a:t>
+            </a:r>
+            <a:r>
+              <a:rPr lang="en-US" sz="1400" dirty="0" err="1">
+                <a:latin typeface="Courier New" panose="02070309020205020404" pitchFamily="49" charset="0"/>
+                <a:cs typeface="Courier New" panose="02070309020205020404" pitchFamily="49" charset="0"/>
+              </a:rPr>
+              <a:t>AnotherComponent</a:t>
+            </a:r>
+            <a:r>
+              <a:rPr lang="en-US" sz="1400" dirty="0">
+                <a:latin typeface="Courier New" panose="02070309020205020404" pitchFamily="49" charset="0"/>
+                <a:cs typeface="Courier New" panose="02070309020205020404" pitchFamily="49" charset="0"/>
+              </a:rPr>
+              <a:t>(</a:t>
+            </a:r>
+            <a:r>
+              <a:rPr lang="en-US" sz="1400" dirty="0" err="1">
+                <a:latin typeface="Courier New" panose="02070309020205020404" pitchFamily="49" charset="0"/>
+                <a:cs typeface="Courier New" panose="02070309020205020404" pitchFamily="49" charset="0"/>
+              </a:rPr>
+              <a:t>BaseComponent</a:t>
+            </a:r>
+            <a:r>
+              <a:rPr lang="en-US" sz="1400" dirty="0">
+                <a:latin typeface="Courier New" panose="02070309020205020404" pitchFamily="49" charset="0"/>
+                <a:cs typeface="Courier New" panose="02070309020205020404" pitchFamily="49" charset="0"/>
+              </a:rPr>
+              <a:t> </a:t>
+            </a:r>
+            <a:r>
+              <a:rPr lang="en-US" sz="1400" b="1" dirty="0" err="1">
+                <a:latin typeface="Courier New" panose="02070309020205020404" pitchFamily="49" charset="0"/>
+                <a:cs typeface="Courier New" panose="02070309020205020404" pitchFamily="49" charset="0"/>
+              </a:rPr>
+              <a:t>myComponent</a:t>
+            </a:r>
+            <a:r>
+              <a:rPr lang="en-US" sz="1400" dirty="0">
+                <a:latin typeface="Courier New" panose="02070309020205020404" pitchFamily="49" charset="0"/>
+                <a:cs typeface="Courier New" panose="02070309020205020404" pitchFamily="49" charset="0"/>
+              </a:rPr>
+              <a:t>) {</a:t>
+            </a:r>
+          </a:p>
+          <a:p>
+            <a:pPr marL="0" indent="0">
+              <a:buFont typeface="Wingdings 3" charset="2"/>
+              <a:buNone/>
+            </a:pPr>
+            <a:r>
+              <a:rPr lang="en-US" sz="1400" dirty="0">
+                <a:latin typeface="Courier New" panose="02070309020205020404" pitchFamily="49" charset="0"/>
+                <a:cs typeface="Courier New" panose="02070309020205020404" pitchFamily="49" charset="0"/>
+              </a:rPr>
+              <a:t>		</a:t>
+            </a:r>
+            <a:r>
+              <a:rPr lang="en-US" sz="1400" dirty="0" err="1">
                 <a:solidFill>
                   <a:srgbClr val="0070C0"/>
                 </a:solidFill>
                 <a:latin typeface="Courier New" panose="02070309020205020404" pitchFamily="49" charset="0"/>
                 <a:cs typeface="Courier New" panose="02070309020205020404" pitchFamily="49" charset="0"/>
               </a:rPr>
-              <a:t>public</a:t>
+              <a:t>this</a:t>
+            </a:r>
+            <a:r>
+              <a:rPr lang="en-US" sz="1400" dirty="0" err="1">
+                <a:latin typeface="Courier New" panose="02070309020205020404" pitchFamily="49" charset="0"/>
+                <a:cs typeface="Courier New" panose="02070309020205020404" pitchFamily="49" charset="0"/>
+              </a:rPr>
+              <a:t>.baseComponent</a:t>
             </a:r>
             <a:r>
               <a:rPr lang="en-US" sz="1400" dirty="0">
                 <a:latin typeface="Courier New" panose="02070309020205020404" pitchFamily="49" charset="0"/>
                 <a:cs typeface="Courier New" panose="02070309020205020404" pitchFamily="49" charset="0"/>
               </a:rPr>
-              <a:t> </a:t>
+              <a:t> = </a:t>
+            </a:r>
+            <a:r>
+              <a:rPr lang="en-US" sz="1400" dirty="0" err="1">
+                <a:latin typeface="Courier New" panose="02070309020205020404" pitchFamily="49" charset="0"/>
+                <a:cs typeface="Courier New" panose="02070309020205020404" pitchFamily="49" charset="0"/>
+              </a:rPr>
+              <a:t>myComponent</a:t>
             </a:r>
             <a:r>
               <a:rPr lang="en-US" sz="1400" dirty="0">
-                <a:solidFill>
-                  <a:srgbClr val="0070C0"/>
-                </a:solidFill>
-                <a:latin typeface="Courier New" panose="02070309020205020404" pitchFamily="49" charset="0"/>
-                <a:cs typeface="Courier New" panose="02070309020205020404" pitchFamily="49" charset="0"/>
-              </a:rPr>
-              <a:t>class</a:t>
-            </a:r>
+                <a:latin typeface="Courier New" panose="02070309020205020404" pitchFamily="49" charset="0"/>
+                <a:cs typeface="Courier New" panose="02070309020205020404" pitchFamily="49" charset="0"/>
+              </a:rPr>
+              <a:t>;</a:t>
+            </a:r>
+          </a:p>
+          <a:p>
+            <a:pPr marL="0" indent="0">
+              <a:buFont typeface="Wingdings 3" charset="2"/>
+              <a:buNone/>
+            </a:pPr>
             <a:r>
               <a:rPr lang="en-US" sz="1400" dirty="0">
                 <a:latin typeface="Courier New" panose="02070309020205020404" pitchFamily="49" charset="0"/>
                 <a:cs typeface="Courier New" panose="02070309020205020404" pitchFamily="49" charset="0"/>
               </a:rPr>
-              <a:t> Component {</a:t>
-            </a:r>
-          </a:p>
+              <a:t>	}</a:t>
+            </a:r>
+          </a:p>
+          <a:p>
+            <a:pPr marL="0" indent="0">
+              <a:buFont typeface="Wingdings 3" charset="2"/>
+              <a:buNone/>
+            </a:pPr>
+            <a:r>
+              <a:rPr lang="en-US" sz="1400" dirty="0">
+                <a:latin typeface="Courier New" panose="02070309020205020404" pitchFamily="49" charset="0"/>
+                <a:cs typeface="Courier New" panose="02070309020205020404" pitchFamily="49" charset="0"/>
+              </a:rPr>
+              <a:t>}</a:t>
+            </a:r>
+          </a:p>
+        </p:txBody>
+      </p:sp>
+      <p:sp>
+        <p:nvSpPr>
+          <p:cNvPr id="5" name="TextBox 4">
+            <a:extLst>
+              <a:ext uri="{FF2B5EF4-FFF2-40B4-BE49-F238E27FC236}">
+                <a16:creationId xmlns:a16="http://schemas.microsoft.com/office/drawing/2014/main" id="{CC87A045-F176-5453-11E6-6787E37ED1D4}"/>
+              </a:ext>
+            </a:extLst>
+          </p:cNvPr>
+          <p:cNvSpPr txBox="1"/>
+          <p:nvPr/>
+        </p:nvSpPr>
+        <p:spPr>
+          <a:xfrm>
+            <a:off x="6165410" y="1654673"/>
+            <a:ext cx="5151421" cy="1083374"/>
+          </a:xfrm>
+          <a:prstGeom prst="rect">
+            <a:avLst/>
+          </a:prstGeom>
+          <a:solidFill>
+            <a:schemeClr val="tx2">
+              <a:lumMod val="20000"/>
+              <a:lumOff val="80000"/>
+            </a:schemeClr>
+          </a:solidFill>
+          <a:ln>
+            <a:solidFill>
+              <a:schemeClr val="accent1"/>
+            </a:solidFill>
+          </a:ln>
+        </p:spPr>
+        <p:txBody>
+          <a:bodyPr wrap="square" rtlCol="0">
+            <a:spAutoFit/>
+          </a:bodyPr>
+          <a:lstStyle/>
           <a:p>
             <a:pPr marL="0" indent="0">
               <a:lnSpc>
@@ -23516,39 +23832,35 @@
               <a:buNone/>
             </a:pPr>
             <a:r>
-              <a:rPr lang="en-US" sz="1400" dirty="0">
-                <a:latin typeface="Courier New" panose="02070309020205020404" pitchFamily="49" charset="0"/>
-                <a:cs typeface="Courier New" panose="02070309020205020404" pitchFamily="49" charset="0"/>
-              </a:rPr>
-              <a:t>    </a:t>
-            </a:r>
-            <a:r>
-              <a:rPr lang="en-US" sz="1400" dirty="0">
+              <a:rPr lang="en-US" sz="1400" b="1" dirty="0">
                 <a:solidFill>
                   <a:srgbClr val="9E880D"/>
                 </a:solidFill>
                 <a:latin typeface="Courier New" panose="02070309020205020404" pitchFamily="49" charset="0"/>
                 <a:cs typeface="Courier New" panose="02070309020205020404" pitchFamily="49" charset="0"/>
               </a:rPr>
-              <a:t>@</a:t>
-            </a:r>
-            <a:r>
-              <a:rPr lang="en-US" sz="1400" dirty="0" err="1">
+              <a:t>@Component(“</a:t>
+            </a:r>
+            <a:r>
+              <a:rPr lang="en-US" sz="1400" b="1" dirty="0" err="1">
                 <a:solidFill>
                   <a:srgbClr val="9E880D"/>
                 </a:solidFill>
                 <a:latin typeface="Courier New" panose="02070309020205020404" pitchFamily="49" charset="0"/>
                 <a:cs typeface="Courier New" panose="02070309020205020404" pitchFamily="49" charset="0"/>
               </a:rPr>
-              <a:t>Autowired</a:t>
-            </a:r>
-            <a:endParaRPr lang="en-US" sz="1400" dirty="0">
-              <a:solidFill>
-                <a:srgbClr val="9E880D"/>
-              </a:solidFill>
-              <a:latin typeface="Courier New" panose="02070309020205020404" pitchFamily="49" charset="0"/>
-              <a:cs typeface="Courier New" panose="02070309020205020404" pitchFamily="49" charset="0"/>
-            </a:endParaRPr>
+              <a:t>myComponent</a:t>
+            </a:r>
+            <a:r>
+              <a:rPr lang="en-US" sz="1400" b="1" dirty="0">
+                <a:solidFill>
+                  <a:srgbClr val="9E880D"/>
+                </a:solidFill>
+                <a:latin typeface="Courier New" panose="02070309020205020404" pitchFamily="49" charset="0"/>
+                <a:cs typeface="Courier New" panose="02070309020205020404" pitchFamily="49" charset="0"/>
+              </a:rPr>
+              <a:t>”)</a:t>
+            </a:r>
           </a:p>
           <a:p>
             <a:pPr marL="0" indent="0">
@@ -23557,6 +23869,94 @@
             </a:pPr>
             <a:r>
               <a:rPr lang="en-US" sz="1400" dirty="0">
+                <a:solidFill>
+                  <a:srgbClr val="0070C0"/>
+                </a:solidFill>
+                <a:latin typeface="Courier New" panose="02070309020205020404" pitchFamily="49" charset="0"/>
+                <a:cs typeface="Courier New" panose="02070309020205020404" pitchFamily="49" charset="0"/>
+              </a:rPr>
+              <a:t>public</a:t>
+            </a:r>
+            <a:r>
+              <a:rPr lang="en-US" sz="1400" dirty="0">
+                <a:latin typeface="Courier New" panose="02070309020205020404" pitchFamily="49" charset="0"/>
+                <a:cs typeface="Courier New" panose="02070309020205020404" pitchFamily="49" charset="0"/>
+              </a:rPr>
+              <a:t> </a:t>
+            </a:r>
+            <a:r>
+              <a:rPr lang="en-US" sz="1400" dirty="0">
+                <a:solidFill>
+                  <a:srgbClr val="0070C0"/>
+                </a:solidFill>
+                <a:latin typeface="Courier New" panose="02070309020205020404" pitchFamily="49" charset="0"/>
+                <a:cs typeface="Courier New" panose="02070309020205020404" pitchFamily="49" charset="0"/>
+              </a:rPr>
+              <a:t>class</a:t>
+            </a:r>
+            <a:r>
+              <a:rPr lang="en-US" sz="1400" dirty="0">
+                <a:latin typeface="Courier New" panose="02070309020205020404" pitchFamily="49" charset="0"/>
+                <a:cs typeface="Courier New" panose="02070309020205020404" pitchFamily="49" charset="0"/>
+              </a:rPr>
+              <a:t> </a:t>
+            </a:r>
+            <a:r>
+              <a:rPr lang="en-US" sz="1400" dirty="0" err="1">
+                <a:latin typeface="Courier New" panose="02070309020205020404" pitchFamily="49" charset="0"/>
+                <a:cs typeface="Courier New" panose="02070309020205020404" pitchFamily="49" charset="0"/>
+              </a:rPr>
+              <a:t>MyComponent</a:t>
+            </a:r>
+            <a:r>
+              <a:rPr lang="en-US" sz="1400" dirty="0">
+                <a:latin typeface="Courier New" panose="02070309020205020404" pitchFamily="49" charset="0"/>
+                <a:cs typeface="Courier New" panose="02070309020205020404" pitchFamily="49" charset="0"/>
+              </a:rPr>
+              <a:t> </a:t>
+            </a:r>
+            <a:r>
+              <a:rPr lang="en-US" sz="1400" dirty="0">
+                <a:solidFill>
+                  <a:srgbClr val="0070C0"/>
+                </a:solidFill>
+                <a:latin typeface="Courier New" panose="02070309020205020404" pitchFamily="49" charset="0"/>
+                <a:cs typeface="Courier New" panose="02070309020205020404" pitchFamily="49" charset="0"/>
+              </a:rPr>
+              <a:t>extends</a:t>
+            </a:r>
+            <a:r>
+              <a:rPr lang="en-US" sz="1400" dirty="0">
+                <a:latin typeface="Courier New" panose="02070309020205020404" pitchFamily="49" charset="0"/>
+                <a:cs typeface="Courier New" panose="02070309020205020404" pitchFamily="49" charset="0"/>
+              </a:rPr>
+              <a:t> </a:t>
+            </a:r>
+            <a:r>
+              <a:rPr lang="en-US" sz="1400" dirty="0" err="1">
+                <a:latin typeface="Courier New" panose="02070309020205020404" pitchFamily="49" charset="0"/>
+                <a:cs typeface="Courier New" panose="02070309020205020404" pitchFamily="49" charset="0"/>
+              </a:rPr>
+              <a:t>BaseComponent</a:t>
+            </a:r>
+            <a:r>
+              <a:rPr lang="en-US" sz="1400" dirty="0">
+                <a:latin typeface="Courier New" panose="02070309020205020404" pitchFamily="49" charset="0"/>
+                <a:cs typeface="Courier New" panose="02070309020205020404" pitchFamily="49" charset="0"/>
+              </a:rPr>
+              <a:t> {</a:t>
+            </a:r>
+          </a:p>
+          <a:p>
+            <a:pPr marL="0" indent="0">
+              <a:lnSpc>
+                <a:spcPct val="80000"/>
+              </a:lnSpc>
+              <a:buFont typeface="Wingdings 3" charset="2"/>
+              <a:buNone/>
+            </a:pPr>
+            <a:r>
+              <a:rPr lang="en-US" sz="1400" dirty="0">
                 <a:latin typeface="Courier New" panose="02070309020205020404" pitchFamily="49" charset="0"/>
                 <a:cs typeface="Courier New" panose="02070309020205020404" pitchFamily="49" charset="0"/>
               </a:rPr>
@@ -23565,47 +23965,12 @@
             <a:r>
               <a:rPr lang="en-US" sz="1400" dirty="0">
                 <a:solidFill>
-                  <a:srgbClr val="0070C0"/>
-                </a:solidFill>
-                <a:latin typeface="Courier New" panose="02070309020205020404" pitchFamily="49" charset="0"/>
-                <a:cs typeface="Courier New" panose="02070309020205020404" pitchFamily="49" charset="0"/>
-              </a:rPr>
-              <a:t>private</a:t>
-            </a:r>
-            <a:r>
-              <a:rPr lang="en-US" sz="1400" dirty="0">
-                <a:latin typeface="Courier New" panose="02070309020205020404" pitchFamily="49" charset="0"/>
-                <a:cs typeface="Courier New" panose="02070309020205020404" pitchFamily="49" charset="0"/>
-              </a:rPr>
-              <a:t> </a:t>
-            </a:r>
-            <a:r>
-              <a:rPr lang="en-US" sz="1400" dirty="0" err="1">
-                <a:latin typeface="Courier New" panose="02070309020205020404" pitchFamily="49" charset="0"/>
-                <a:cs typeface="Courier New" panose="02070309020205020404" pitchFamily="49" charset="0"/>
-              </a:rPr>
-              <a:t>BaseComponent</a:t>
-            </a:r>
-            <a:r>
-              <a:rPr lang="en-US" sz="1400" dirty="0">
-                <a:latin typeface="Courier New" panose="02070309020205020404" pitchFamily="49" charset="0"/>
-                <a:cs typeface="Courier New" panose="02070309020205020404" pitchFamily="49" charset="0"/>
-              </a:rPr>
-              <a:t> </a:t>
-            </a:r>
-            <a:r>
-              <a:rPr lang="en-US" sz="1400" b="1" dirty="0" err="1">
-                <a:latin typeface="Courier New" panose="02070309020205020404" pitchFamily="49" charset="0"/>
-                <a:cs typeface="Courier New" panose="02070309020205020404" pitchFamily="49" charset="0"/>
-              </a:rPr>
-              <a:t>myComponent</a:t>
-            </a:r>
-            <a:r>
-              <a:rPr lang="en-US" sz="1400" dirty="0">
-                <a:latin typeface="Courier New" panose="02070309020205020404" pitchFamily="49" charset="0"/>
-                <a:cs typeface="Courier New" panose="02070309020205020404" pitchFamily="49" charset="0"/>
-              </a:rPr>
-              <a:t>;</a:t>
+                  <a:schemeClr val="accent1"/>
+                </a:solidFill>
+                <a:latin typeface="Courier New" panose="02070309020205020404" pitchFamily="49" charset="0"/>
+                <a:cs typeface="Courier New" panose="02070309020205020404" pitchFamily="49" charset="0"/>
+              </a:rPr>
+              <a:t>// some code</a:t>
             </a:r>
           </a:p>
           <a:p>
@@ -24466,11 +24831,11 @@
           <a:p>
             <a:r>
               <a:rPr lang="en-US" dirty="0"/>
-              <a:t>Problems with </a:t>
+              <a:t>What problems </a:t>
             </a:r>
             <a:r>
               <a:rPr lang="en-IL" dirty="0"/>
-              <a:t>Spring:</a:t>
+              <a:t>Spring Boot solves:</a:t>
             </a:r>
           </a:p>
         </p:txBody>
@@ -24643,17 +25008,13 @@
         </p:spPr>
         <p:txBody>
           <a:bodyPr>
-            <a:normAutofit fontScale="90000"/>
+            <a:normAutofit/>
           </a:bodyPr>
           <a:lstStyle/>
           <a:p>
             <a:r>
-              <a:rPr lang="en-US" sz="3600" dirty="0"/>
-              <a:t>Spring proposes the</a:t>
-            </a:r>
-            <a:r>
               <a:rPr lang="en-IL" dirty="0"/>
-              <a:t> solution: Spring Boot</a:t>
+              <a:t>How Spring Boot solves them:</a:t>
             </a:r>
           </a:p>
         </p:txBody>
@@ -31959,6 +32320,9 @@
           <a:bodyPr/>
           <a:lstStyle/>
           <a:p>
+            <a:pPr marL="0" indent="0">
+              <a:buNone/>
+            </a:pPr>
             <a:endParaRPr lang="en-IL" dirty="0"/>
           </a:p>
         </p:txBody>
@@ -32445,6 +32809,23 @@
               <a:t> </a:t>
             </a:r>
             <a:r>
+              <a:rPr lang="en-IL" dirty="0">
+                <a:solidFill>
+                  <a:srgbClr val="0070C0"/>
+                </a:solidFill>
+                <a:latin typeface="Courier New" panose="02070309020205020404" pitchFamily="49" charset="0"/>
+                <a:cs typeface="Courier New" panose="02070309020205020404" pitchFamily="49" charset="0"/>
+              </a:rPr>
+              <a:t>final</a:t>
+            </a:r>
+            <a:r>
+              <a:rPr lang="en-IL" dirty="0">
+                <a:latin typeface="Courier New" panose="02070309020205020404" pitchFamily="49" charset="0"/>
+                <a:cs typeface="Courier New" panose="02070309020205020404" pitchFamily="49" charset="0"/>
+              </a:rPr>
+              <a:t> </a:t>
+            </a:r>
+            <a:r>
               <a:rPr lang="en-US" dirty="0">
                 <a:latin typeface="Courier New" panose="02070309020205020404" pitchFamily="49" charset="0"/>
                 <a:cs typeface="Courier New" panose="02070309020205020404" pitchFamily="49" charset="0"/>
@@ -32496,12 +32877,29 @@
                 <a:latin typeface="Courier New" panose="02070309020205020404" pitchFamily="49" charset="0"/>
                 <a:cs typeface="Courier New" panose="02070309020205020404" pitchFamily="49" charset="0"/>
               </a:rPr>
-              <a:t> RandomAccessMemory randomAccessMemory;</a:t>
-            </a:r>
-          </a:p>
-          <a:p>
+              <a:t> </a:t>
+            </a:r>
             <a:r>
               <a:rPr lang="en-IL" dirty="0">
+                <a:solidFill>
+                  <a:srgbClr val="0070C0"/>
+                </a:solidFill>
+                <a:latin typeface="Courier New" panose="02070309020205020404" pitchFamily="49" charset="0"/>
+                <a:cs typeface="Courier New" panose="02070309020205020404" pitchFamily="49" charset="0"/>
+              </a:rPr>
+              <a:t>final </a:t>
+            </a:r>
+            <a:r>
+              <a:rPr lang="en-IL" dirty="0">
+                <a:latin typeface="Courier New" panose="02070309020205020404" pitchFamily="49" charset="0"/>
+                <a:cs typeface="Courier New" panose="02070309020205020404" pitchFamily="49" charset="0"/>
+              </a:rPr>
+              <a:t>RandomAccessMemory randomAccessMemory;</a:t>
+            </a:r>
+          </a:p>
+          <a:p>
+            <a:r>
+              <a:rPr lang="en-IL" dirty="0">
                 <a:latin typeface="Courier New" panose="02070309020205020404" pitchFamily="49" charset="0"/>
                 <a:cs typeface="Courier New" panose="02070309020205020404" pitchFamily="49" charset="0"/>
               </a:rPr>
@@ -32522,12 +32920,29 @@
                 <a:latin typeface="Courier New" panose="02070309020205020404" pitchFamily="49" charset="0"/>
                 <a:cs typeface="Courier New" panose="02070309020205020404" pitchFamily="49" charset="0"/>
               </a:rPr>
-              <a:t> GraphicsCard graphicsCard;</a:t>
-            </a:r>
-          </a:p>
-          <a:p>
+              <a:t> </a:t>
+            </a:r>
             <a:r>
               <a:rPr lang="en-IL" dirty="0">
+                <a:solidFill>
+                  <a:srgbClr val="0070C0"/>
+                </a:solidFill>
+                <a:latin typeface="Courier New" panose="02070309020205020404" pitchFamily="49" charset="0"/>
+                <a:cs typeface="Courier New" panose="02070309020205020404" pitchFamily="49" charset="0"/>
+              </a:rPr>
+              <a:t>final </a:t>
+            </a:r>
+            <a:r>
+              <a:rPr lang="en-IL" dirty="0">
+                <a:latin typeface="Courier New" panose="02070309020205020404" pitchFamily="49" charset="0"/>
+                <a:cs typeface="Courier New" panose="02070309020205020404" pitchFamily="49" charset="0"/>
+              </a:rPr>
+              <a:t>GraphicsCard graphicsCard;</a:t>
+            </a:r>
+          </a:p>
+          <a:p>
+            <a:r>
+              <a:rPr lang="en-IL" dirty="0">
                 <a:latin typeface="Courier New" panose="02070309020205020404" pitchFamily="49" charset="0"/>
                 <a:cs typeface="Courier New" panose="02070309020205020404" pitchFamily="49" charset="0"/>
               </a:rPr>
@@ -32548,7 +32963,24 @@
                 <a:latin typeface="Courier New" panose="02070309020205020404" pitchFamily="49" charset="0"/>
                 <a:cs typeface="Courier New" panose="02070309020205020404" pitchFamily="49" charset="0"/>
               </a:rPr>
-              <a:t> Coolers coolers;</a:t>
+              <a:t> </a:t>
+            </a:r>
+            <a:r>
+              <a:rPr lang="en-IL" dirty="0">
+                <a:solidFill>
+                  <a:srgbClr val="0070C0"/>
+                </a:solidFill>
+                <a:latin typeface="Courier New" panose="02070309020205020404" pitchFamily="49" charset="0"/>
+                <a:cs typeface="Courier New" panose="02070309020205020404" pitchFamily="49" charset="0"/>
+              </a:rPr>
+              <a:t>final </a:t>
+            </a:r>
+            <a:r>
+              <a:rPr lang="en-IL" dirty="0">
+                <a:latin typeface="Courier New" panose="02070309020205020404" pitchFamily="49" charset="0"/>
+                <a:cs typeface="Courier New" panose="02070309020205020404" pitchFamily="49" charset="0"/>
+              </a:rPr>
+              <a:t>Coolers coolers;</a:t>
             </a:r>
           </a:p>
           <a:p>

--- a/Spring_Beginners_1_SpringBootAndCore.pptx
+++ b/Spring_Beginners_1_SpringBootAndCore.pptx
@@ -5,7 +5,7 @@
     <p:sldMasterId id="2147483648" r:id="rId1"/>
   </p:sldMasterIdLst>
   <p:notesMasterIdLst>
-    <p:notesMasterId r:id="rId52"/>
+    <p:notesMasterId r:id="rId53"/>
   </p:notesMasterIdLst>
   <p:sldIdLst>
     <p:sldId id="256" r:id="rId2"/>
@@ -15,49 +15,50 @@
     <p:sldId id="259" r:id="rId6"/>
     <p:sldId id="332" r:id="rId7"/>
     <p:sldId id="323" r:id="rId8"/>
-    <p:sldId id="316" r:id="rId9"/>
-    <p:sldId id="262" r:id="rId10"/>
-    <p:sldId id="264" r:id="rId11"/>
-    <p:sldId id="317" r:id="rId12"/>
-    <p:sldId id="318" r:id="rId13"/>
-    <p:sldId id="319" r:id="rId14"/>
-    <p:sldId id="265" r:id="rId15"/>
-    <p:sldId id="263" r:id="rId16"/>
-    <p:sldId id="324" r:id="rId17"/>
-    <p:sldId id="272" r:id="rId18"/>
-    <p:sldId id="321" r:id="rId19"/>
-    <p:sldId id="271" r:id="rId20"/>
-    <p:sldId id="273" r:id="rId21"/>
-    <p:sldId id="270" r:id="rId22"/>
-    <p:sldId id="274" r:id="rId23"/>
-    <p:sldId id="277" r:id="rId24"/>
-    <p:sldId id="278" r:id="rId25"/>
-    <p:sldId id="314" r:id="rId26"/>
-    <p:sldId id="275" r:id="rId27"/>
-    <p:sldId id="280" r:id="rId28"/>
-    <p:sldId id="281" r:id="rId29"/>
-    <p:sldId id="282" r:id="rId30"/>
-    <p:sldId id="279" r:id="rId31"/>
-    <p:sldId id="287" r:id="rId32"/>
-    <p:sldId id="327" r:id="rId33"/>
-    <p:sldId id="288" r:id="rId34"/>
-    <p:sldId id="289" r:id="rId35"/>
-    <p:sldId id="290" r:id="rId36"/>
-    <p:sldId id="267" r:id="rId37"/>
-    <p:sldId id="325" r:id="rId38"/>
-    <p:sldId id="301" r:id="rId39"/>
-    <p:sldId id="298" r:id="rId40"/>
-    <p:sldId id="299" r:id="rId41"/>
-    <p:sldId id="315" r:id="rId42"/>
-    <p:sldId id="303" r:id="rId43"/>
-    <p:sldId id="261" r:id="rId44"/>
-    <p:sldId id="304" r:id="rId45"/>
-    <p:sldId id="307" r:id="rId46"/>
-    <p:sldId id="308" r:id="rId47"/>
-    <p:sldId id="311" r:id="rId48"/>
-    <p:sldId id="309" r:id="rId49"/>
-    <p:sldId id="305" r:id="rId50"/>
-    <p:sldId id="300" r:id="rId51"/>
+    <p:sldId id="333" r:id="rId9"/>
+    <p:sldId id="317" r:id="rId10"/>
+    <p:sldId id="334" r:id="rId11"/>
+    <p:sldId id="262" r:id="rId12"/>
+    <p:sldId id="264" r:id="rId13"/>
+    <p:sldId id="318" r:id="rId14"/>
+    <p:sldId id="319" r:id="rId15"/>
+    <p:sldId id="265" r:id="rId16"/>
+    <p:sldId id="263" r:id="rId17"/>
+    <p:sldId id="324" r:id="rId18"/>
+    <p:sldId id="272" r:id="rId19"/>
+    <p:sldId id="321" r:id="rId20"/>
+    <p:sldId id="271" r:id="rId21"/>
+    <p:sldId id="273" r:id="rId22"/>
+    <p:sldId id="270" r:id="rId23"/>
+    <p:sldId id="274" r:id="rId24"/>
+    <p:sldId id="277" r:id="rId25"/>
+    <p:sldId id="278" r:id="rId26"/>
+    <p:sldId id="314" r:id="rId27"/>
+    <p:sldId id="275" r:id="rId28"/>
+    <p:sldId id="280" r:id="rId29"/>
+    <p:sldId id="281" r:id="rId30"/>
+    <p:sldId id="282" r:id="rId31"/>
+    <p:sldId id="279" r:id="rId32"/>
+    <p:sldId id="287" r:id="rId33"/>
+    <p:sldId id="327" r:id="rId34"/>
+    <p:sldId id="288" r:id="rId35"/>
+    <p:sldId id="289" r:id="rId36"/>
+    <p:sldId id="290" r:id="rId37"/>
+    <p:sldId id="267" r:id="rId38"/>
+    <p:sldId id="325" r:id="rId39"/>
+    <p:sldId id="301" r:id="rId40"/>
+    <p:sldId id="298" r:id="rId41"/>
+    <p:sldId id="299" r:id="rId42"/>
+    <p:sldId id="315" r:id="rId43"/>
+    <p:sldId id="303" r:id="rId44"/>
+    <p:sldId id="261" r:id="rId45"/>
+    <p:sldId id="304" r:id="rId46"/>
+    <p:sldId id="307" r:id="rId47"/>
+    <p:sldId id="308" r:id="rId48"/>
+    <p:sldId id="311" r:id="rId49"/>
+    <p:sldId id="309" r:id="rId50"/>
+    <p:sldId id="305" r:id="rId51"/>
+    <p:sldId id="300" r:id="rId52"/>
   </p:sldIdLst>
   <p:sldSz cx="12192000" cy="6858000"/>
   <p:notesSz cx="6858000" cy="9144000"/>
@@ -246,7 +247,7 @@
           <a:p>
             <a:fld id="{AD4DB1D7-A2E6-5540-AAB6-9A95390687AC}" type="datetimeFigureOut">
               <a:rPr lang="en-IL" smtClean="0"/>
-              <a:t>24/05/2023</a:t>
+              <a:t>30/05/2023</a:t>
             </a:fld>
             <a:endParaRPr lang="en-IL"/>
           </a:p>
@@ -785,7 +786,7 @@
           <a:p>
             <a:fld id="{B5FEB3D3-3C4F-5E4D-9290-0C0B5A2442F8}" type="slidenum">
               <a:rPr lang="en-IL" smtClean="0"/>
-              <a:t>8</a:t>
+              <a:t>9</a:t>
             </a:fld>
             <a:endParaRPr lang="en-IL"/>
           </a:p>
@@ -794,7 +795,7 @@
     </p:spTree>
     <p:extLst>
       <p:ext uri="{BB962C8B-B14F-4D97-AF65-F5344CB8AC3E}">
-        <p14:creationId xmlns:p14="http://schemas.microsoft.com/office/powerpoint/2010/main" val="3171972493"/>
+        <p14:creationId xmlns:p14="http://schemas.microsoft.com/office/powerpoint/2010/main" val="3228861762"/>
       </p:ext>
     </p:extLst>
   </p:cSld>
@@ -848,29 +849,6 @@
           <a:bodyPr/>
           <a:lstStyle/>
           <a:p>
-            <a:pPr marL="0" marR="0" lvl="0" indent="0" algn="l" defTabSz="914400" rtl="0" eaLnBrk="1" fontAlgn="auto" latinLnBrk="0" hangingPunct="1">
-              <a:lnSpc>
-                <a:spcPct val="100000"/>
-              </a:lnSpc>
-              <a:spcBef>
-                <a:spcPts val="0"/>
-              </a:spcBef>
-              <a:spcAft>
-                <a:spcPts val="0"/>
-              </a:spcAft>
-              <a:buClrTx/>
-              <a:buSzTx/>
-              <a:buFontTx/>
-              <a:buNone/>
-              <a:tabLst/>
-              <a:defRPr/>
-            </a:pPr>
-            <a:r>
-              <a:rPr lang="en-US" sz="1200" dirty="0"/>
-              <a:t>Note: Dependency injection is one of the SOLID object-oriented principles.</a:t>
-            </a:r>
-          </a:p>
-          <a:p>
             <a:endParaRPr lang="en-IL" dirty="0"/>
           </a:p>
         </p:txBody>
@@ -892,7 +870,7 @@
           <a:p>
             <a:fld id="{B5FEB3D3-3C4F-5E4D-9290-0C0B5A2442F8}" type="slidenum">
               <a:rPr lang="en-IL" smtClean="0"/>
-              <a:t>13</a:t>
+              <a:t>10</a:t>
             </a:fld>
             <a:endParaRPr lang="en-IL"/>
           </a:p>
@@ -901,7 +879,7 @@
     </p:spTree>
     <p:extLst>
       <p:ext uri="{BB962C8B-B14F-4D97-AF65-F5344CB8AC3E}">
-        <p14:creationId xmlns:p14="http://schemas.microsoft.com/office/powerpoint/2010/main" val="2393425651"/>
+        <p14:creationId xmlns:p14="http://schemas.microsoft.com/office/powerpoint/2010/main" val="1926990871"/>
       </p:ext>
     </p:extLst>
   </p:cSld>
@@ -955,6 +933,29 @@
           <a:bodyPr/>
           <a:lstStyle/>
           <a:p>
+            <a:pPr marL="0" marR="0" lvl="0" indent="0" algn="l" defTabSz="914400" rtl="0" eaLnBrk="1" fontAlgn="auto" latinLnBrk="0" hangingPunct="1">
+              <a:lnSpc>
+                <a:spcPct val="100000"/>
+              </a:lnSpc>
+              <a:spcBef>
+                <a:spcPts val="0"/>
+              </a:spcBef>
+              <a:spcAft>
+                <a:spcPts val="0"/>
+              </a:spcAft>
+              <a:buClrTx/>
+              <a:buSzTx/>
+              <a:buFontTx/>
+              <a:buNone/>
+              <a:tabLst/>
+              <a:defRPr/>
+            </a:pPr>
+            <a:r>
+              <a:rPr lang="en-US" sz="1200" dirty="0"/>
+              <a:t>Note: Dependency injection is one of the SOLID object-oriented principles.</a:t>
+            </a:r>
+          </a:p>
+          <a:p>
             <a:endParaRPr lang="en-IL" dirty="0"/>
           </a:p>
         </p:txBody>
@@ -976,7 +977,7 @@
           <a:p>
             <a:fld id="{B5FEB3D3-3C4F-5E4D-9290-0C0B5A2442F8}" type="slidenum">
               <a:rPr lang="en-IL" smtClean="0"/>
-              <a:t>30</a:t>
+              <a:t>14</a:t>
             </a:fld>
             <a:endParaRPr lang="en-IL"/>
           </a:p>
@@ -985,7 +986,7 @@
     </p:spTree>
     <p:extLst>
       <p:ext uri="{BB962C8B-B14F-4D97-AF65-F5344CB8AC3E}">
-        <p14:creationId xmlns:p14="http://schemas.microsoft.com/office/powerpoint/2010/main" val="2895209837"/>
+        <p14:creationId xmlns:p14="http://schemas.microsoft.com/office/powerpoint/2010/main" val="2393425651"/>
       </p:ext>
     </p:extLst>
   </p:cSld>
@@ -1039,16 +1040,6 @@
           <a:bodyPr/>
           <a:lstStyle/>
           <a:p>
-            <a:r>
-              <a:rPr lang="en-US" b="0" i="0" u="none" strike="noStrike" dirty="0">
-                <a:solidFill>
-                  <a:srgbClr val="202122"/>
-                </a:solidFill>
-                <a:effectLst/>
-                <a:latin typeface="Arial" panose="020B0604020202020204" pitchFamily="34" charset="0"/>
-              </a:rPr>
-              <a:t>Spring Boot 1.0 was released in April 2014</a:t>
-            </a:r>
             <a:endParaRPr lang="en-IL" dirty="0"/>
           </a:p>
         </p:txBody>
@@ -1070,7 +1061,185 @@
           <a:p>
             <a:fld id="{B5FEB3D3-3C4F-5E4D-9290-0C0B5A2442F8}" type="slidenum">
               <a:rPr lang="en-IL" smtClean="0"/>
+              <a:t>31</a:t>
+            </a:fld>
+            <a:endParaRPr lang="en-IL"/>
+          </a:p>
+        </p:txBody>
+      </p:sp>
+    </p:spTree>
+    <p:extLst>
+      <p:ext uri="{BB962C8B-B14F-4D97-AF65-F5344CB8AC3E}">
+        <p14:creationId xmlns:p14="http://schemas.microsoft.com/office/powerpoint/2010/main" val="2895209837"/>
+      </p:ext>
+    </p:extLst>
+  </p:cSld>
+  <p:clrMapOvr>
+    <a:masterClrMapping/>
+  </p:clrMapOvr>
+</p:notes>
+</file>
+
+<file path=ppt/notesSlides/notesSlide7.xml><?xml version="1.0" encoding="utf-8"?>
+<p:notes xmlns:a="http://schemas.openxmlformats.org/drawingml/2006/main" xmlns:r="http://schemas.openxmlformats.org/officeDocument/2006/relationships" xmlns:p="http://schemas.openxmlformats.org/presentationml/2006/main">
+  <p:cSld>
+    <p:spTree>
+      <p:nvGrpSpPr>
+        <p:cNvPr id="1" name=""/>
+        <p:cNvGrpSpPr/>
+        <p:nvPr/>
+      </p:nvGrpSpPr>
+      <p:grpSpPr>
+        <a:xfrm>
+          <a:off x="0" y="0"/>
+          <a:ext cx="0" cy="0"/>
+          <a:chOff x="0" y="0"/>
+          <a:chExt cx="0" cy="0"/>
+        </a:xfrm>
+      </p:grpSpPr>
+      <p:sp>
+        <p:nvSpPr>
+          <p:cNvPr id="2" name="Slide Image Placeholder 1"/>
+          <p:cNvSpPr>
+            <a:spLocks noGrp="1" noRot="1" noChangeAspect="1"/>
+          </p:cNvSpPr>
+          <p:nvPr>
+            <p:ph type="sldImg"/>
+          </p:nvPr>
+        </p:nvSpPr>
+        <p:spPr/>
+      </p:sp>
+      <p:sp>
+        <p:nvSpPr>
+          <p:cNvPr id="3" name="Notes Placeholder 2"/>
+          <p:cNvSpPr>
+            <a:spLocks noGrp="1"/>
+          </p:cNvSpPr>
+          <p:nvPr>
+            <p:ph type="body" idx="1"/>
+          </p:nvPr>
+        </p:nvSpPr>
+        <p:spPr/>
+        <p:txBody>
+          <a:bodyPr/>
+          <a:lstStyle/>
+          <a:p>
+            <a:endParaRPr lang="en-IL" dirty="0"/>
+          </a:p>
+        </p:txBody>
+      </p:sp>
+      <p:sp>
+        <p:nvSpPr>
+          <p:cNvPr id="4" name="Slide Number Placeholder 3"/>
+          <p:cNvSpPr>
+            <a:spLocks noGrp="1"/>
+          </p:cNvSpPr>
+          <p:nvPr>
+            <p:ph type="sldNum" sz="quarter" idx="5"/>
+          </p:nvPr>
+        </p:nvSpPr>
+        <p:spPr/>
+        <p:txBody>
+          <a:bodyPr/>
+          <a:lstStyle/>
+          <a:p>
+            <a:fld id="{B5FEB3D3-3C4F-5E4D-9290-0C0B5A2442F8}" type="slidenum">
+              <a:rPr lang="en-IL" smtClean="0"/>
               <a:t>43</a:t>
+            </a:fld>
+            <a:endParaRPr lang="en-IL"/>
+          </a:p>
+        </p:txBody>
+      </p:sp>
+    </p:spTree>
+    <p:extLst>
+      <p:ext uri="{BB962C8B-B14F-4D97-AF65-F5344CB8AC3E}">
+        <p14:creationId xmlns:p14="http://schemas.microsoft.com/office/powerpoint/2010/main" val="2751530874"/>
+      </p:ext>
+    </p:extLst>
+  </p:cSld>
+  <p:clrMapOvr>
+    <a:masterClrMapping/>
+  </p:clrMapOvr>
+</p:notes>
+</file>
+
+<file path=ppt/notesSlides/notesSlide8.xml><?xml version="1.0" encoding="utf-8"?>
+<p:notes xmlns:a="http://schemas.openxmlformats.org/drawingml/2006/main" xmlns:r="http://schemas.openxmlformats.org/officeDocument/2006/relationships" xmlns:p="http://schemas.openxmlformats.org/presentationml/2006/main">
+  <p:cSld>
+    <p:spTree>
+      <p:nvGrpSpPr>
+        <p:cNvPr id="1" name=""/>
+        <p:cNvGrpSpPr/>
+        <p:nvPr/>
+      </p:nvGrpSpPr>
+      <p:grpSpPr>
+        <a:xfrm>
+          <a:off x="0" y="0"/>
+          <a:ext cx="0" cy="0"/>
+          <a:chOff x="0" y="0"/>
+          <a:chExt cx="0" cy="0"/>
+        </a:xfrm>
+      </p:grpSpPr>
+      <p:sp>
+        <p:nvSpPr>
+          <p:cNvPr id="2" name="Slide Image Placeholder 1"/>
+          <p:cNvSpPr>
+            <a:spLocks noGrp="1" noRot="1" noChangeAspect="1"/>
+          </p:cNvSpPr>
+          <p:nvPr>
+            <p:ph type="sldImg"/>
+          </p:nvPr>
+        </p:nvSpPr>
+        <p:spPr/>
+      </p:sp>
+      <p:sp>
+        <p:nvSpPr>
+          <p:cNvPr id="3" name="Notes Placeholder 2"/>
+          <p:cNvSpPr>
+            <a:spLocks noGrp="1"/>
+          </p:cNvSpPr>
+          <p:nvPr>
+            <p:ph type="body" idx="1"/>
+          </p:nvPr>
+        </p:nvSpPr>
+        <p:spPr/>
+        <p:txBody>
+          <a:bodyPr/>
+          <a:lstStyle/>
+          <a:p>
+            <a:r>
+              <a:rPr lang="en-US" b="0" i="0" u="none" strike="noStrike" dirty="0">
+                <a:solidFill>
+                  <a:srgbClr val="202122"/>
+                </a:solidFill>
+                <a:effectLst/>
+                <a:latin typeface="Arial" panose="020B0604020202020204" pitchFamily="34" charset="0"/>
+              </a:rPr>
+              <a:t>Spring Boot 1.0 was released in April 2014</a:t>
+            </a:r>
+            <a:endParaRPr lang="en-IL" dirty="0"/>
+          </a:p>
+        </p:txBody>
+      </p:sp>
+      <p:sp>
+        <p:nvSpPr>
+          <p:cNvPr id="4" name="Slide Number Placeholder 3"/>
+          <p:cNvSpPr>
+            <a:spLocks noGrp="1"/>
+          </p:cNvSpPr>
+          <p:nvPr>
+            <p:ph type="sldNum" sz="quarter" idx="5"/>
+          </p:nvPr>
+        </p:nvSpPr>
+        <p:spPr/>
+        <p:txBody>
+          <a:bodyPr/>
+          <a:lstStyle/>
+          <a:p>
+            <a:fld id="{B5FEB3D3-3C4F-5E4D-9290-0C0B5A2442F8}" type="slidenum">
+              <a:rPr lang="en-IL" smtClean="0"/>
+              <a:t>44</a:t>
             </a:fld>
             <a:endParaRPr lang="en-IL"/>
           </a:p>
@@ -1812,7 +1981,7 @@
             <a:fld id="{B61BEF0D-F0BB-DE4B-95CE-6DB70DBA9567}" type="datetimeFigureOut">
               <a:rPr lang="en-US" dirty="0"/>
               <a:pPr/>
-              <a:t>5/24/23</a:t>
+              <a:t>5/30/23</a:t>
             </a:fld>
             <a:endParaRPr lang="en-US" dirty="0"/>
           </a:p>
@@ -2060,7 +2229,7 @@
             <a:fld id="{B61BEF0D-F0BB-DE4B-95CE-6DB70DBA9567}" type="datetimeFigureOut">
               <a:rPr lang="en-US" dirty="0"/>
               <a:pPr/>
-              <a:t>5/24/23</a:t>
+              <a:t>5/30/23</a:t>
             </a:fld>
             <a:endParaRPr lang="en-US" dirty="0"/>
           </a:p>
@@ -2371,7 +2540,7 @@
             <a:fld id="{B61BEF0D-F0BB-DE4B-95CE-6DB70DBA9567}" type="datetimeFigureOut">
               <a:rPr lang="en-US" dirty="0"/>
               <a:pPr/>
-              <a:t>5/24/23</a:t>
+              <a:t>5/30/23</a:t>
             </a:fld>
             <a:endParaRPr lang="en-US" dirty="0"/>
           </a:p>
@@ -2709,7 +2878,7 @@
             <a:fld id="{B61BEF0D-F0BB-DE4B-95CE-6DB70DBA9567}" type="datetimeFigureOut">
               <a:rPr lang="en-US" dirty="0"/>
               <a:pPr/>
-              <a:t>5/24/23</a:t>
+              <a:t>5/30/23</a:t>
             </a:fld>
             <a:endParaRPr lang="en-US" dirty="0"/>
           </a:p>
@@ -3020,7 +3189,7 @@
             <a:fld id="{B61BEF0D-F0BB-DE4B-95CE-6DB70DBA9567}" type="datetimeFigureOut">
               <a:rPr lang="en-US" dirty="0"/>
               <a:pPr/>
-              <a:t>5/24/23</a:t>
+              <a:t>5/30/23</a:t>
             </a:fld>
             <a:endParaRPr lang="en-US" dirty="0"/>
           </a:p>
@@ -3410,7 +3579,7 @@
             <a:fld id="{B61BEF0D-F0BB-DE4B-95CE-6DB70DBA9567}" type="datetimeFigureOut">
               <a:rPr lang="en-US" dirty="0"/>
               <a:pPr/>
-              <a:t>5/24/23</a:t>
+              <a:t>5/30/23</a:t>
             </a:fld>
             <a:endParaRPr lang="en-US" dirty="0"/>
           </a:p>
@@ -3576,7 +3745,7 @@
           <a:p>
             <a:fld id="{55C6B4A9-1611-4792-9094-5F34BCA07E0B}" type="datetimeFigureOut">
               <a:rPr lang="en-US" dirty="0"/>
-              <a:t>5/24/23</a:t>
+              <a:t>5/30/23</a:t>
             </a:fld>
             <a:endParaRPr lang="en-US" dirty="0"/>
           </a:p>
@@ -3752,7 +3921,7 @@
             <a:fld id="{B61BEF0D-F0BB-DE4B-95CE-6DB70DBA9567}" type="datetimeFigureOut">
               <a:rPr lang="en-US" dirty="0"/>
               <a:pPr/>
-              <a:t>5/24/23</a:t>
+              <a:t>5/30/23</a:t>
             </a:fld>
             <a:endParaRPr lang="en-US" dirty="0"/>
           </a:p>
@@ -3925,7 +4094,7 @@
             <a:fld id="{B61BEF0D-F0BB-DE4B-95CE-6DB70DBA9567}" type="datetimeFigureOut">
               <a:rPr lang="en-US" dirty="0"/>
               <a:pPr/>
-              <a:t>5/24/23</a:t>
+              <a:t>5/30/23</a:t>
             </a:fld>
             <a:endParaRPr lang="en-US" dirty="0"/>
           </a:p>
@@ -4169,7 +4338,7 @@
             <a:fld id="{B61BEF0D-F0BB-DE4B-95CE-6DB70DBA9567}" type="datetimeFigureOut">
               <a:rPr lang="en-US" dirty="0"/>
               <a:pPr/>
-              <a:t>5/24/23</a:t>
+              <a:t>5/30/23</a:t>
             </a:fld>
             <a:endParaRPr lang="en-US" dirty="0"/>
           </a:p>
@@ -4397,7 +4566,7 @@
           <a:p>
             <a:fld id="{EB712588-04B1-427B-82EE-E8DB90309F08}" type="datetimeFigureOut">
               <a:rPr lang="en-US" dirty="0"/>
-              <a:t>5/24/23</a:t>
+              <a:t>5/30/23</a:t>
             </a:fld>
             <a:endParaRPr lang="en-US" dirty="0"/>
           </a:p>
@@ -4767,7 +4936,7 @@
             <a:fld id="{B61BEF0D-F0BB-DE4B-95CE-6DB70DBA9567}" type="datetimeFigureOut">
               <a:rPr lang="en-US" dirty="0"/>
               <a:pPr/>
-              <a:t>5/24/23</a:t>
+              <a:t>5/30/23</a:t>
             </a:fld>
             <a:endParaRPr lang="en-US" dirty="0"/>
           </a:p>
@@ -4887,7 +5056,7 @@
             <a:fld id="{B61BEF0D-F0BB-DE4B-95CE-6DB70DBA9567}" type="datetimeFigureOut">
               <a:rPr lang="en-US" dirty="0"/>
               <a:pPr/>
-              <a:t>5/24/23</a:t>
+              <a:t>5/30/23</a:t>
             </a:fld>
             <a:endParaRPr lang="en-US" dirty="0"/>
           </a:p>
@@ -4979,7 +5148,7 @@
             <a:fld id="{B61BEF0D-F0BB-DE4B-95CE-6DB70DBA9567}" type="datetimeFigureOut">
               <a:rPr lang="en-US" dirty="0"/>
               <a:pPr/>
-              <a:t>5/24/23</a:t>
+              <a:t>5/30/23</a:t>
             </a:fld>
             <a:endParaRPr lang="en-US" dirty="0"/>
           </a:p>
@@ -5230,7 +5399,7 @@
           <a:p>
             <a:fld id="{42A54C80-263E-416B-A8E0-580EDEADCBDC}" type="datetimeFigureOut">
               <a:rPr lang="en-US" dirty="0"/>
-              <a:t>5/24/23</a:t>
+              <a:t>5/30/23</a:t>
             </a:fld>
             <a:endParaRPr lang="en-US" dirty="0"/>
           </a:p>
@@ -5489,7 +5658,7 @@
             <a:fld id="{B61BEF0D-F0BB-DE4B-95CE-6DB70DBA9567}" type="datetimeFigureOut">
               <a:rPr lang="en-US" dirty="0"/>
               <a:pPr/>
-              <a:t>5/24/23</a:t>
+              <a:t>5/30/23</a:t>
             </a:fld>
             <a:endParaRPr lang="en-US" dirty="0"/>
           </a:p>
@@ -6229,7 +6398,7 @@
             <a:fld id="{B61BEF0D-F0BB-DE4B-95CE-6DB70DBA9567}" type="datetimeFigureOut">
               <a:rPr lang="en-US" dirty="0"/>
               <a:pPr/>
-              <a:t>5/24/23</a:t>
+              <a:t>5/30/23</a:t>
             </a:fld>
             <a:endParaRPr lang="en-US" dirty="0"/>
           </a:p>
@@ -6884,6 +7053,1231 @@
 </file>
 
 <file path=ppt/slides/slide10.xml><?xml version="1.0" encoding="utf-8"?>
+<p:sld xmlns:a="http://schemas.openxmlformats.org/drawingml/2006/main" xmlns:r="http://schemas.openxmlformats.org/officeDocument/2006/relationships" xmlns:p="http://schemas.openxmlformats.org/presentationml/2006/main">
+  <p:cSld>
+    <p:spTree>
+      <p:nvGrpSpPr>
+        <p:cNvPr id="1" name=""/>
+        <p:cNvGrpSpPr/>
+        <p:nvPr/>
+      </p:nvGrpSpPr>
+      <p:grpSpPr>
+        <a:xfrm>
+          <a:off x="0" y="0"/>
+          <a:ext cx="0" cy="0"/>
+          <a:chOff x="0" y="0"/>
+          <a:chExt cx="0" cy="0"/>
+        </a:xfrm>
+      </p:grpSpPr>
+      <p:sp>
+        <p:nvSpPr>
+          <p:cNvPr id="2" name="Title 1">
+            <a:extLst>
+              <a:ext uri="{FF2B5EF4-FFF2-40B4-BE49-F238E27FC236}">
+                <a16:creationId xmlns:a16="http://schemas.microsoft.com/office/drawing/2014/main" id="{CC0DA605-5F54-5A7E-AFE2-FF24D8BBCE10}"/>
+              </a:ext>
+            </a:extLst>
+          </p:cNvPr>
+          <p:cNvSpPr>
+            <a:spLocks noGrp="1"/>
+          </p:cNvSpPr>
+          <p:nvPr>
+            <p:ph type="title"/>
+          </p:nvPr>
+        </p:nvSpPr>
+        <p:spPr/>
+        <p:txBody>
+          <a:bodyPr/>
+          <a:lstStyle/>
+          <a:p>
+            <a:r>
+              <a:rPr lang="en-IL" dirty="0"/>
+              <a:t>Purposes of IoC:</a:t>
+            </a:r>
+          </a:p>
+        </p:txBody>
+      </p:sp>
+      <p:sp>
+        <p:nvSpPr>
+          <p:cNvPr id="3" name="Content Placeholder 2">
+            <a:extLst>
+              <a:ext uri="{FF2B5EF4-FFF2-40B4-BE49-F238E27FC236}">
+                <a16:creationId xmlns:a16="http://schemas.microsoft.com/office/drawing/2014/main" id="{BC5F8EC1-FE59-2C1C-561E-3C475AD57C09}"/>
+              </a:ext>
+            </a:extLst>
+          </p:cNvPr>
+          <p:cNvSpPr>
+            <a:spLocks noGrp="1"/>
+          </p:cNvSpPr>
+          <p:nvPr>
+            <p:ph idx="1"/>
+          </p:nvPr>
+        </p:nvSpPr>
+        <p:spPr/>
+        <p:txBody>
+          <a:bodyPr>
+            <a:normAutofit lnSpcReduction="10000"/>
+          </a:bodyPr>
+          <a:lstStyle/>
+          <a:p>
+            <a:r>
+              <a:rPr lang="en-US" sz="2800" dirty="0">
+                <a:solidFill>
+                  <a:srgbClr val="202122"/>
+                </a:solidFill>
+                <a:latin typeface="Arial" panose="020B0604020202020204" pitchFamily="34" charset="0"/>
+              </a:rPr>
+              <a:t>To focus a module on the task it is designed for</a:t>
+            </a:r>
+            <a:endParaRPr lang="en-US" sz="2800" dirty="0"/>
+          </a:p>
+          <a:p>
+            <a:r>
+              <a:rPr lang="en-US" sz="2800" dirty="0"/>
+              <a:t>To free modules from assumptions about how other systems do what they do, rely on contracts.</a:t>
+            </a:r>
+          </a:p>
+          <a:p>
+            <a:r>
+              <a:rPr lang="en-US" sz="2800" dirty="0"/>
+              <a:t>To decouple the execution of a task from its implementation</a:t>
+            </a:r>
+          </a:p>
+          <a:p>
+            <a:r>
+              <a:rPr lang="en-US" sz="2800" dirty="0"/>
+              <a:t>Greater modularity of a program</a:t>
+            </a:r>
+          </a:p>
+          <a:p>
+            <a:r>
+              <a:rPr lang="en-US" sz="2800" dirty="0"/>
+              <a:t>Greater ease in testing a program by isolating a component or mocking its dependencies</a:t>
+            </a:r>
+          </a:p>
+          <a:p>
+            <a:endParaRPr lang="en-IL" dirty="0"/>
+          </a:p>
+        </p:txBody>
+      </p:sp>
+    </p:spTree>
+    <p:extLst>
+      <p:ext uri="{BB962C8B-B14F-4D97-AF65-F5344CB8AC3E}">
+        <p14:creationId xmlns:p14="http://schemas.microsoft.com/office/powerpoint/2010/main" val="1967367102"/>
+      </p:ext>
+    </p:extLst>
+  </p:cSld>
+  <p:clrMapOvr>
+    <a:masterClrMapping/>
+  </p:clrMapOvr>
+  <p:timing>
+    <p:tnLst>
+      <p:par>
+        <p:cTn id="1" dur="indefinite" restart="never" nodeType="tmRoot">
+          <p:childTnLst>
+            <p:seq concurrent="1" nextAc="seek">
+              <p:cTn id="2" dur="indefinite" nodeType="mainSeq">
+                <p:childTnLst>
+                  <p:par>
+                    <p:cTn id="3" fill="hold">
+                      <p:stCondLst>
+                        <p:cond delay="indefinite"/>
+                      </p:stCondLst>
+                      <p:childTnLst>
+                        <p:par>
+                          <p:cTn id="4" fill="hold">
+                            <p:stCondLst>
+                              <p:cond delay="0"/>
+                            </p:stCondLst>
+                            <p:childTnLst>
+                              <p:par>
+                                <p:cTn id="5" presetID="1" presetClass="entr" presetSubtype="0" fill="hold" grpId="0" nodeType="clickEffect">
+                                  <p:stCondLst>
+                                    <p:cond delay="0"/>
+                                  </p:stCondLst>
+                                  <p:childTnLst>
+                                    <p:set>
+                                      <p:cBhvr>
+                                        <p:cTn id="6" dur="1" fill="hold">
+                                          <p:stCondLst>
+                                            <p:cond delay="0"/>
+                                          </p:stCondLst>
+                                        </p:cTn>
+                                        <p:tgtEl>
+                                          <p:spTgt spid="3">
+                                            <p:txEl>
+                                              <p:pRg st="0" end="0"/>
+                                            </p:txEl>
+                                          </p:spTgt>
+                                        </p:tgtEl>
+                                        <p:attrNameLst>
+                                          <p:attrName>style.visibility</p:attrName>
+                                        </p:attrNameLst>
+                                      </p:cBhvr>
+                                      <p:to>
+                                        <p:strVal val="visible"/>
+                                      </p:to>
+                                    </p:set>
+                                  </p:childTnLst>
+                                </p:cTn>
+                              </p:par>
+                            </p:childTnLst>
+                          </p:cTn>
+                        </p:par>
+                      </p:childTnLst>
+                    </p:cTn>
+                  </p:par>
+                  <p:par>
+                    <p:cTn id="7" fill="hold">
+                      <p:stCondLst>
+                        <p:cond delay="indefinite"/>
+                      </p:stCondLst>
+                      <p:childTnLst>
+                        <p:par>
+                          <p:cTn id="8" fill="hold">
+                            <p:stCondLst>
+                              <p:cond delay="0"/>
+                            </p:stCondLst>
+                            <p:childTnLst>
+                              <p:par>
+                                <p:cTn id="9" presetID="1" presetClass="entr" presetSubtype="0" fill="hold" grpId="0" nodeType="clickEffect">
+                                  <p:stCondLst>
+                                    <p:cond delay="0"/>
+                                  </p:stCondLst>
+                                  <p:childTnLst>
+                                    <p:set>
+                                      <p:cBhvr>
+                                        <p:cTn id="10" dur="1" fill="hold">
+                                          <p:stCondLst>
+                                            <p:cond delay="0"/>
+                                          </p:stCondLst>
+                                        </p:cTn>
+                                        <p:tgtEl>
+                                          <p:spTgt spid="3">
+                                            <p:txEl>
+                                              <p:pRg st="1" end="1"/>
+                                            </p:txEl>
+                                          </p:spTgt>
+                                        </p:tgtEl>
+                                        <p:attrNameLst>
+                                          <p:attrName>style.visibility</p:attrName>
+                                        </p:attrNameLst>
+                                      </p:cBhvr>
+                                      <p:to>
+                                        <p:strVal val="visible"/>
+                                      </p:to>
+                                    </p:set>
+                                  </p:childTnLst>
+                                </p:cTn>
+                              </p:par>
+                            </p:childTnLst>
+                          </p:cTn>
+                        </p:par>
+                      </p:childTnLst>
+                    </p:cTn>
+                  </p:par>
+                  <p:par>
+                    <p:cTn id="11" fill="hold">
+                      <p:stCondLst>
+                        <p:cond delay="indefinite"/>
+                      </p:stCondLst>
+                      <p:childTnLst>
+                        <p:par>
+                          <p:cTn id="12" fill="hold">
+                            <p:stCondLst>
+                              <p:cond delay="0"/>
+                            </p:stCondLst>
+                            <p:childTnLst>
+                              <p:par>
+                                <p:cTn id="13" presetID="1" presetClass="entr" presetSubtype="0" fill="hold" grpId="0" nodeType="clickEffect">
+                                  <p:stCondLst>
+                                    <p:cond delay="0"/>
+                                  </p:stCondLst>
+                                  <p:childTnLst>
+                                    <p:set>
+                                      <p:cBhvr>
+                                        <p:cTn id="14" dur="1" fill="hold">
+                                          <p:stCondLst>
+                                            <p:cond delay="0"/>
+                                          </p:stCondLst>
+                                        </p:cTn>
+                                        <p:tgtEl>
+                                          <p:spTgt spid="3">
+                                            <p:txEl>
+                                              <p:pRg st="2" end="2"/>
+                                            </p:txEl>
+                                          </p:spTgt>
+                                        </p:tgtEl>
+                                        <p:attrNameLst>
+                                          <p:attrName>style.visibility</p:attrName>
+                                        </p:attrNameLst>
+                                      </p:cBhvr>
+                                      <p:to>
+                                        <p:strVal val="visible"/>
+                                      </p:to>
+                                    </p:set>
+                                  </p:childTnLst>
+                                </p:cTn>
+                              </p:par>
+                            </p:childTnLst>
+                          </p:cTn>
+                        </p:par>
+                      </p:childTnLst>
+                    </p:cTn>
+                  </p:par>
+                  <p:par>
+                    <p:cTn id="15" fill="hold">
+                      <p:stCondLst>
+                        <p:cond delay="indefinite"/>
+                      </p:stCondLst>
+                      <p:childTnLst>
+                        <p:par>
+                          <p:cTn id="16" fill="hold">
+                            <p:stCondLst>
+                              <p:cond delay="0"/>
+                            </p:stCondLst>
+                            <p:childTnLst>
+                              <p:par>
+                                <p:cTn id="17" presetID="1" presetClass="entr" presetSubtype="0" fill="hold" grpId="0" nodeType="clickEffect">
+                                  <p:stCondLst>
+                                    <p:cond delay="0"/>
+                                  </p:stCondLst>
+                                  <p:childTnLst>
+                                    <p:set>
+                                      <p:cBhvr>
+                                        <p:cTn id="18" dur="1" fill="hold">
+                                          <p:stCondLst>
+                                            <p:cond delay="0"/>
+                                          </p:stCondLst>
+                                        </p:cTn>
+                                        <p:tgtEl>
+                                          <p:spTgt spid="3">
+                                            <p:txEl>
+                                              <p:pRg st="3" end="3"/>
+                                            </p:txEl>
+                                          </p:spTgt>
+                                        </p:tgtEl>
+                                        <p:attrNameLst>
+                                          <p:attrName>style.visibility</p:attrName>
+                                        </p:attrNameLst>
+                                      </p:cBhvr>
+                                      <p:to>
+                                        <p:strVal val="visible"/>
+                                      </p:to>
+                                    </p:set>
+                                  </p:childTnLst>
+                                </p:cTn>
+                              </p:par>
+                            </p:childTnLst>
+                          </p:cTn>
+                        </p:par>
+                      </p:childTnLst>
+                    </p:cTn>
+                  </p:par>
+                  <p:par>
+                    <p:cTn id="19" fill="hold">
+                      <p:stCondLst>
+                        <p:cond delay="indefinite"/>
+                      </p:stCondLst>
+                      <p:childTnLst>
+                        <p:par>
+                          <p:cTn id="20" fill="hold">
+                            <p:stCondLst>
+                              <p:cond delay="0"/>
+                            </p:stCondLst>
+                            <p:childTnLst>
+                              <p:par>
+                                <p:cTn id="21" presetID="1" presetClass="entr" presetSubtype="0" fill="hold" grpId="0" nodeType="clickEffect">
+                                  <p:stCondLst>
+                                    <p:cond delay="0"/>
+                                  </p:stCondLst>
+                                  <p:childTnLst>
+                                    <p:set>
+                                      <p:cBhvr>
+                                        <p:cTn id="22" dur="1" fill="hold">
+                                          <p:stCondLst>
+                                            <p:cond delay="0"/>
+                                          </p:stCondLst>
+                                        </p:cTn>
+                                        <p:tgtEl>
+                                          <p:spTgt spid="3">
+                                            <p:txEl>
+                                              <p:pRg st="4" end="4"/>
+                                            </p:txEl>
+                                          </p:spTgt>
+                                        </p:tgtEl>
+                                        <p:attrNameLst>
+                                          <p:attrName>style.visibility</p:attrName>
+                                        </p:attrNameLst>
+                                      </p:cBhvr>
+                                      <p:to>
+                                        <p:strVal val="visible"/>
+                                      </p:to>
+                                    </p:set>
+                                  </p:childTnLst>
+                                </p:cTn>
+                              </p:par>
+                            </p:childTnLst>
+                          </p:cTn>
+                        </p:par>
+                      </p:childTnLst>
+                    </p:cTn>
+                  </p:par>
+                </p:childTnLst>
+              </p:cTn>
+              <p:prevCondLst>
+                <p:cond evt="onPrev" delay="0">
+                  <p:tgtEl>
+                    <p:sldTgt/>
+                  </p:tgtEl>
+                </p:cond>
+              </p:prevCondLst>
+              <p:nextCondLst>
+                <p:cond evt="onNext" delay="0">
+                  <p:tgtEl>
+                    <p:sldTgt/>
+                  </p:tgtEl>
+                </p:cond>
+              </p:nextCondLst>
+            </p:seq>
+          </p:childTnLst>
+        </p:cTn>
+      </p:par>
+    </p:tnLst>
+    <p:bldLst>
+      <p:bldP spid="3" grpId="0" build="p"/>
+    </p:bldLst>
+  </p:timing>
+</p:sld>
+</file>
+
+<file path=ppt/slides/slide11.xml><?xml version="1.0" encoding="utf-8"?>
+<p:sld xmlns:a="http://schemas.openxmlformats.org/drawingml/2006/main" xmlns:r="http://schemas.openxmlformats.org/officeDocument/2006/relationships" xmlns:p="http://schemas.openxmlformats.org/presentationml/2006/main">
+  <p:cSld>
+    <p:spTree>
+      <p:nvGrpSpPr>
+        <p:cNvPr id="1" name=""/>
+        <p:cNvGrpSpPr/>
+        <p:nvPr/>
+      </p:nvGrpSpPr>
+      <p:grpSpPr>
+        <a:xfrm>
+          <a:off x="0" y="0"/>
+          <a:ext cx="0" cy="0"/>
+          <a:chOff x="0" y="0"/>
+          <a:chExt cx="0" cy="0"/>
+        </a:xfrm>
+      </p:grpSpPr>
+      <p:sp>
+        <p:nvSpPr>
+          <p:cNvPr id="2" name="Title 1">
+            <a:extLst>
+              <a:ext uri="{FF2B5EF4-FFF2-40B4-BE49-F238E27FC236}">
+                <a16:creationId xmlns:a16="http://schemas.microsoft.com/office/drawing/2014/main" id="{33613CEB-B33C-5604-02BC-3036BDA84F19}"/>
+              </a:ext>
+            </a:extLst>
+          </p:cNvPr>
+          <p:cNvSpPr>
+            <a:spLocks noGrp="1"/>
+          </p:cNvSpPr>
+          <p:nvPr>
+            <p:ph type="title"/>
+          </p:nvPr>
+        </p:nvSpPr>
+        <p:spPr>
+          <a:xfrm>
+            <a:off x="677334" y="609600"/>
+            <a:ext cx="8596668" cy="682487"/>
+          </a:xfrm>
+        </p:spPr>
+        <p:txBody>
+          <a:bodyPr>
+            <a:normAutofit fontScale="90000"/>
+          </a:bodyPr>
+          <a:lstStyle/>
+          <a:p>
+            <a:r>
+              <a:rPr lang="en-IL" dirty="0"/>
+              <a:t>Lets create a class using traditional OOP programming approach</a:t>
+            </a:r>
+          </a:p>
+        </p:txBody>
+      </p:sp>
+      <p:sp>
+        <p:nvSpPr>
+          <p:cNvPr id="3" name="Content Placeholder 2">
+            <a:extLst>
+              <a:ext uri="{FF2B5EF4-FFF2-40B4-BE49-F238E27FC236}">
+                <a16:creationId xmlns:a16="http://schemas.microsoft.com/office/drawing/2014/main" id="{03CDAC2F-998A-9E7F-DD71-83F787124D43}"/>
+              </a:ext>
+            </a:extLst>
+          </p:cNvPr>
+          <p:cNvSpPr>
+            <a:spLocks noGrp="1"/>
+          </p:cNvSpPr>
+          <p:nvPr>
+            <p:ph sz="half" idx="1"/>
+          </p:nvPr>
+        </p:nvSpPr>
+        <p:spPr>
+          <a:xfrm>
+            <a:off x="677332" y="1756371"/>
+            <a:ext cx="8506423" cy="778107"/>
+          </a:xfrm>
+        </p:spPr>
+        <p:txBody>
+          <a:bodyPr>
+            <a:normAutofit/>
+          </a:bodyPr>
+          <a:lstStyle/>
+          <a:p>
+            <a:pPr marL="0" indent="0">
+              <a:buNone/>
+            </a:pPr>
+            <a:r>
+              <a:rPr lang="en-US" dirty="0"/>
+              <a:t>In traditional OOP programming, upon creation of the object (e.g., Computer), it will also create (</a:t>
+            </a:r>
+            <a:r>
+              <a:rPr lang="en-US" i="1" dirty="0"/>
+              <a:t>new</a:t>
+            </a:r>
+            <a:r>
+              <a:rPr lang="en-US" dirty="0"/>
+              <a:t>) its dependent classes (e.g., Processor, RAM instances):</a:t>
+            </a:r>
+            <a:endParaRPr lang="en-IL" dirty="0"/>
+          </a:p>
+          <a:p>
+            <a:pPr marL="0" indent="0">
+              <a:buNone/>
+            </a:pPr>
+            <a:endParaRPr lang="en-US" dirty="0"/>
+          </a:p>
+          <a:p>
+            <a:endParaRPr lang="en-IL" dirty="0"/>
+          </a:p>
+        </p:txBody>
+      </p:sp>
+      <p:sp>
+        <p:nvSpPr>
+          <p:cNvPr id="7" name="Content Placeholder 2">
+            <a:extLst>
+              <a:ext uri="{FF2B5EF4-FFF2-40B4-BE49-F238E27FC236}">
+                <a16:creationId xmlns:a16="http://schemas.microsoft.com/office/drawing/2014/main" id="{510CD3CA-7661-11B9-AF07-F39AF318C632}"/>
+              </a:ext>
+            </a:extLst>
+          </p:cNvPr>
+          <p:cNvSpPr txBox="1">
+            <a:spLocks/>
+          </p:cNvSpPr>
+          <p:nvPr/>
+        </p:nvSpPr>
+        <p:spPr>
+          <a:xfrm>
+            <a:off x="677333" y="2821899"/>
+            <a:ext cx="4184035" cy="974035"/>
+          </a:xfrm>
+          <a:prstGeom prst="rect">
+            <a:avLst/>
+          </a:prstGeom>
+        </p:spPr>
+        <p:txBody>
+          <a:bodyPr vert="horz" lIns="91440" tIns="45720" rIns="91440" bIns="45720" rtlCol="0">
+            <a:normAutofit/>
+          </a:bodyPr>
+          <a:lstStyle>
+            <a:lvl1pPr marL="342900" indent="-342900" algn="l" defTabSz="457200" rtl="0" eaLnBrk="1" latinLnBrk="0" hangingPunct="1">
+              <a:spcBef>
+                <a:spcPts val="1000"/>
+              </a:spcBef>
+              <a:spcAft>
+                <a:spcPts val="0"/>
+              </a:spcAft>
+              <a:buClr>
+                <a:schemeClr val="accent1"/>
+              </a:buClr>
+              <a:buSzPct val="80000"/>
+              <a:buFont typeface="Wingdings 3" charset="2"/>
+              <a:buChar char=""/>
+              <a:defRPr sz="1800" kern="1200">
+                <a:solidFill>
+                  <a:schemeClr val="tx1">
+                    <a:lumMod val="75000"/>
+                    <a:lumOff val="25000"/>
+                  </a:schemeClr>
+                </a:solidFill>
+                <a:latin typeface="+mn-lt"/>
+                <a:ea typeface="+mn-ea"/>
+                <a:cs typeface="+mn-cs"/>
+              </a:defRPr>
+            </a:lvl1pPr>
+            <a:lvl2pPr marL="742950" indent="-285750" algn="l" defTabSz="457200" rtl="0" eaLnBrk="1" latinLnBrk="0" hangingPunct="1">
+              <a:spcBef>
+                <a:spcPts val="1000"/>
+              </a:spcBef>
+              <a:spcAft>
+                <a:spcPts val="0"/>
+              </a:spcAft>
+              <a:buClr>
+                <a:schemeClr val="accent1"/>
+              </a:buClr>
+              <a:buSzPct val="80000"/>
+              <a:buFont typeface="Wingdings 3" charset="2"/>
+              <a:buChar char=""/>
+              <a:defRPr sz="1600" kern="1200">
+                <a:solidFill>
+                  <a:schemeClr val="tx1">
+                    <a:lumMod val="75000"/>
+                    <a:lumOff val="25000"/>
+                  </a:schemeClr>
+                </a:solidFill>
+                <a:latin typeface="+mn-lt"/>
+                <a:ea typeface="+mn-ea"/>
+                <a:cs typeface="+mn-cs"/>
+              </a:defRPr>
+            </a:lvl2pPr>
+            <a:lvl3pPr marL="1143000" indent="-228600" algn="l" defTabSz="457200" rtl="0" eaLnBrk="1" latinLnBrk="0" hangingPunct="1">
+              <a:spcBef>
+                <a:spcPts val="1000"/>
+              </a:spcBef>
+              <a:spcAft>
+                <a:spcPts val="0"/>
+              </a:spcAft>
+              <a:buClr>
+                <a:schemeClr val="accent1"/>
+              </a:buClr>
+              <a:buSzPct val="80000"/>
+              <a:buFont typeface="Wingdings 3" charset="2"/>
+              <a:buChar char=""/>
+              <a:defRPr sz="1400" kern="1200">
+                <a:solidFill>
+                  <a:schemeClr val="tx1">
+                    <a:lumMod val="75000"/>
+                    <a:lumOff val="25000"/>
+                  </a:schemeClr>
+                </a:solidFill>
+                <a:latin typeface="+mn-lt"/>
+                <a:ea typeface="+mn-ea"/>
+                <a:cs typeface="+mn-cs"/>
+              </a:defRPr>
+            </a:lvl3pPr>
+            <a:lvl4pPr marL="1600200" indent="-228600" algn="l" defTabSz="457200" rtl="0" eaLnBrk="1" latinLnBrk="0" hangingPunct="1">
+              <a:spcBef>
+                <a:spcPts val="1000"/>
+              </a:spcBef>
+              <a:spcAft>
+                <a:spcPts val="0"/>
+              </a:spcAft>
+              <a:buClr>
+                <a:schemeClr val="accent1"/>
+              </a:buClr>
+              <a:buSzPct val="80000"/>
+              <a:buFont typeface="Wingdings 3" charset="2"/>
+              <a:buChar char=""/>
+              <a:defRPr sz="1200" kern="1200">
+                <a:solidFill>
+                  <a:schemeClr val="tx1">
+                    <a:lumMod val="75000"/>
+                    <a:lumOff val="25000"/>
+                  </a:schemeClr>
+                </a:solidFill>
+                <a:latin typeface="+mn-lt"/>
+                <a:ea typeface="+mn-ea"/>
+                <a:cs typeface="+mn-cs"/>
+              </a:defRPr>
+            </a:lvl4pPr>
+            <a:lvl5pPr marL="2057400" indent="-228600" algn="l" defTabSz="457200" rtl="0" eaLnBrk="1" latinLnBrk="0" hangingPunct="1">
+              <a:spcBef>
+                <a:spcPts val="1000"/>
+              </a:spcBef>
+              <a:spcAft>
+                <a:spcPts val="0"/>
+              </a:spcAft>
+              <a:buClr>
+                <a:schemeClr val="accent1"/>
+              </a:buClr>
+              <a:buSzPct val="80000"/>
+              <a:buFont typeface="Wingdings 3" charset="2"/>
+              <a:buChar char=""/>
+              <a:defRPr sz="1200" kern="1200">
+                <a:solidFill>
+                  <a:schemeClr val="tx1">
+                    <a:lumMod val="75000"/>
+                    <a:lumOff val="25000"/>
+                  </a:schemeClr>
+                </a:solidFill>
+                <a:latin typeface="+mn-lt"/>
+                <a:ea typeface="+mn-ea"/>
+                <a:cs typeface="+mn-cs"/>
+              </a:defRPr>
+            </a:lvl5pPr>
+            <a:lvl6pPr marL="2514600" indent="-228600" algn="l" defTabSz="457200" rtl="0" eaLnBrk="1" latinLnBrk="0" hangingPunct="1">
+              <a:spcBef>
+                <a:spcPts val="1000"/>
+              </a:spcBef>
+              <a:spcAft>
+                <a:spcPts val="0"/>
+              </a:spcAft>
+              <a:buClr>
+                <a:schemeClr val="accent1"/>
+              </a:buClr>
+              <a:buSzPct val="80000"/>
+              <a:buFont typeface="Wingdings 3" charset="2"/>
+              <a:buChar char=""/>
+              <a:defRPr sz="1200" kern="1200">
+                <a:solidFill>
+                  <a:schemeClr val="tx1">
+                    <a:lumMod val="75000"/>
+                    <a:lumOff val="25000"/>
+                  </a:schemeClr>
+                </a:solidFill>
+                <a:latin typeface="+mn-lt"/>
+                <a:ea typeface="+mn-ea"/>
+                <a:cs typeface="+mn-cs"/>
+              </a:defRPr>
+            </a:lvl6pPr>
+            <a:lvl7pPr marL="2971800" indent="-228600" algn="l" defTabSz="457200" rtl="0" eaLnBrk="1" latinLnBrk="0" hangingPunct="1">
+              <a:spcBef>
+                <a:spcPts val="1000"/>
+              </a:spcBef>
+              <a:spcAft>
+                <a:spcPts val="0"/>
+              </a:spcAft>
+              <a:buClr>
+                <a:schemeClr val="accent1"/>
+              </a:buClr>
+              <a:buSzPct val="80000"/>
+              <a:buFont typeface="Wingdings 3" charset="2"/>
+              <a:buChar char=""/>
+              <a:defRPr sz="1200" kern="1200">
+                <a:solidFill>
+                  <a:schemeClr val="tx1">
+                    <a:lumMod val="75000"/>
+                    <a:lumOff val="25000"/>
+                  </a:schemeClr>
+                </a:solidFill>
+                <a:latin typeface="+mn-lt"/>
+                <a:ea typeface="+mn-ea"/>
+                <a:cs typeface="+mn-cs"/>
+              </a:defRPr>
+            </a:lvl7pPr>
+            <a:lvl8pPr marL="3429000" indent="-228600" algn="l" defTabSz="457200" rtl="0" eaLnBrk="1" latinLnBrk="0" hangingPunct="1">
+              <a:spcBef>
+                <a:spcPts val="1000"/>
+              </a:spcBef>
+              <a:spcAft>
+                <a:spcPts val="0"/>
+              </a:spcAft>
+              <a:buClr>
+                <a:schemeClr val="accent1"/>
+              </a:buClr>
+              <a:buSzPct val="80000"/>
+              <a:buFont typeface="Wingdings 3" charset="2"/>
+              <a:buChar char=""/>
+              <a:defRPr sz="1200" kern="1200">
+                <a:solidFill>
+                  <a:schemeClr val="tx1">
+                    <a:lumMod val="75000"/>
+                    <a:lumOff val="25000"/>
+                  </a:schemeClr>
+                </a:solidFill>
+                <a:latin typeface="+mn-lt"/>
+                <a:ea typeface="+mn-ea"/>
+                <a:cs typeface="+mn-cs"/>
+              </a:defRPr>
+            </a:lvl8pPr>
+            <a:lvl9pPr marL="3886200" indent="-228600" algn="l" defTabSz="457200" rtl="0" eaLnBrk="1" latinLnBrk="0" hangingPunct="1">
+              <a:spcBef>
+                <a:spcPts val="1000"/>
+              </a:spcBef>
+              <a:spcAft>
+                <a:spcPts val="0"/>
+              </a:spcAft>
+              <a:buClr>
+                <a:schemeClr val="accent1"/>
+              </a:buClr>
+              <a:buSzPct val="80000"/>
+              <a:buFont typeface="Wingdings 3" charset="2"/>
+              <a:buChar char=""/>
+              <a:defRPr sz="1200" kern="1200">
+                <a:solidFill>
+                  <a:schemeClr val="tx1">
+                    <a:lumMod val="75000"/>
+                    <a:lumOff val="25000"/>
+                  </a:schemeClr>
+                </a:solidFill>
+                <a:latin typeface="+mn-lt"/>
+                <a:ea typeface="+mn-ea"/>
+                <a:cs typeface="+mn-cs"/>
+              </a:defRPr>
+            </a:lvl9pPr>
+          </a:lstStyle>
+          <a:p>
+            <a:endParaRPr lang="en-IL" dirty="0"/>
+          </a:p>
+        </p:txBody>
+      </p:sp>
+      <p:sp>
+        <p:nvSpPr>
+          <p:cNvPr id="9" name="TextBox 8">
+            <a:extLst>
+              <a:ext uri="{FF2B5EF4-FFF2-40B4-BE49-F238E27FC236}">
+                <a16:creationId xmlns:a16="http://schemas.microsoft.com/office/drawing/2014/main" id="{033FB78D-07B7-A7FD-D857-1CF10A05237F}"/>
+              </a:ext>
+            </a:extLst>
+          </p:cNvPr>
+          <p:cNvSpPr txBox="1"/>
+          <p:nvPr/>
+        </p:nvSpPr>
+        <p:spPr>
+          <a:xfrm>
+            <a:off x="677332" y="2671025"/>
+            <a:ext cx="8596668" cy="3970318"/>
+          </a:xfrm>
+          <a:prstGeom prst="rect">
+            <a:avLst/>
+          </a:prstGeom>
+          <a:solidFill>
+            <a:schemeClr val="tx2">
+              <a:lumMod val="20000"/>
+              <a:lumOff val="80000"/>
+            </a:schemeClr>
+          </a:solidFill>
+          <a:ln w="12700">
+            <a:solidFill>
+              <a:schemeClr val="accent1"/>
+            </a:solidFill>
+          </a:ln>
+        </p:spPr>
+        <p:txBody>
+          <a:bodyPr wrap="square">
+            <a:spAutoFit/>
+          </a:bodyPr>
+          <a:lstStyle/>
+          <a:p>
+            <a:r>
+              <a:rPr lang="en-IL" dirty="0">
+                <a:solidFill>
+                  <a:srgbClr val="0070C0"/>
+                </a:solidFill>
+                <a:latin typeface="Courier New" panose="02070309020205020404" pitchFamily="49" charset="0"/>
+                <a:cs typeface="Courier New" panose="02070309020205020404" pitchFamily="49" charset="0"/>
+              </a:rPr>
+              <a:t>public</a:t>
+            </a:r>
+            <a:r>
+              <a:rPr lang="en-IL" dirty="0">
+                <a:latin typeface="Courier New" panose="02070309020205020404" pitchFamily="49" charset="0"/>
+                <a:cs typeface="Courier New" panose="02070309020205020404" pitchFamily="49" charset="0"/>
+              </a:rPr>
+              <a:t> </a:t>
+            </a:r>
+            <a:r>
+              <a:rPr lang="en-IL" dirty="0">
+                <a:solidFill>
+                  <a:srgbClr val="0070C0"/>
+                </a:solidFill>
+                <a:latin typeface="Courier New" panose="02070309020205020404" pitchFamily="49" charset="0"/>
+                <a:cs typeface="Courier New" panose="02070309020205020404" pitchFamily="49" charset="0"/>
+              </a:rPr>
+              <a:t>class</a:t>
+            </a:r>
+            <a:r>
+              <a:rPr lang="en-IL" dirty="0">
+                <a:latin typeface="Courier New" panose="02070309020205020404" pitchFamily="49" charset="0"/>
+                <a:cs typeface="Courier New" panose="02070309020205020404" pitchFamily="49" charset="0"/>
+              </a:rPr>
+              <a:t> Computer {</a:t>
+            </a:r>
+          </a:p>
+          <a:p>
+            <a:r>
+              <a:rPr lang="en-IL" dirty="0">
+                <a:latin typeface="Courier New" panose="02070309020205020404" pitchFamily="49" charset="0"/>
+                <a:cs typeface="Courier New" panose="02070309020205020404" pitchFamily="49" charset="0"/>
+              </a:rPr>
+              <a:t>    </a:t>
+            </a:r>
+            <a:r>
+              <a:rPr lang="en-IL" dirty="0">
+                <a:solidFill>
+                  <a:srgbClr val="0070C0"/>
+                </a:solidFill>
+                <a:latin typeface="Courier New" panose="02070309020205020404" pitchFamily="49" charset="0"/>
+                <a:cs typeface="Courier New" panose="02070309020205020404" pitchFamily="49" charset="0"/>
+              </a:rPr>
+              <a:t>private</a:t>
+            </a:r>
+            <a:r>
+              <a:rPr lang="en-IL" dirty="0">
+                <a:latin typeface="Courier New" panose="02070309020205020404" pitchFamily="49" charset="0"/>
+                <a:cs typeface="Courier New" panose="02070309020205020404" pitchFamily="49" charset="0"/>
+              </a:rPr>
+              <a:t> </a:t>
+            </a:r>
+            <a:r>
+              <a:rPr lang="en-IL" dirty="0">
+                <a:solidFill>
+                  <a:srgbClr val="0070C0"/>
+                </a:solidFill>
+                <a:latin typeface="Courier New" panose="02070309020205020404" pitchFamily="49" charset="0"/>
+                <a:cs typeface="Courier New" panose="02070309020205020404" pitchFamily="49" charset="0"/>
+              </a:rPr>
+              <a:t>final</a:t>
+            </a:r>
+            <a:r>
+              <a:rPr lang="en-IL" dirty="0">
+                <a:latin typeface="Courier New" panose="02070309020205020404" pitchFamily="49" charset="0"/>
+                <a:cs typeface="Courier New" panose="02070309020205020404" pitchFamily="49" charset="0"/>
+              </a:rPr>
+              <a:t> </a:t>
+            </a:r>
+            <a:r>
+              <a:rPr lang="en-US" dirty="0">
+                <a:latin typeface="Courier New" panose="02070309020205020404" pitchFamily="49" charset="0"/>
+                <a:cs typeface="Courier New" panose="02070309020205020404" pitchFamily="49" charset="0"/>
+              </a:rPr>
+              <a:t>Processor</a:t>
+            </a:r>
+            <a:r>
+              <a:rPr lang="en-IL" dirty="0">
+                <a:latin typeface="Courier New" panose="02070309020205020404" pitchFamily="49" charset="0"/>
+                <a:cs typeface="Courier New" panose="02070309020205020404" pitchFamily="49" charset="0"/>
+              </a:rPr>
+              <a:t> </a:t>
+            </a:r>
+            <a:r>
+              <a:rPr lang="en-US" dirty="0">
+                <a:latin typeface="Courier New" panose="02070309020205020404" pitchFamily="49" charset="0"/>
+                <a:cs typeface="Courier New" panose="02070309020205020404" pitchFamily="49" charset="0"/>
+              </a:rPr>
+              <a:t>processor</a:t>
+            </a:r>
+            <a:r>
+              <a:rPr lang="en-IL" dirty="0">
+                <a:latin typeface="Courier New" panose="02070309020205020404" pitchFamily="49" charset="0"/>
+                <a:cs typeface="Courier New" panose="02070309020205020404" pitchFamily="49" charset="0"/>
+              </a:rPr>
+              <a:t>;</a:t>
+            </a:r>
+          </a:p>
+          <a:p>
+            <a:r>
+              <a:rPr lang="en-IL" dirty="0">
+                <a:latin typeface="Courier New" panose="02070309020205020404" pitchFamily="49" charset="0"/>
+                <a:cs typeface="Courier New" panose="02070309020205020404" pitchFamily="49" charset="0"/>
+              </a:rPr>
+              <a:t>    </a:t>
+            </a:r>
+            <a:r>
+              <a:rPr lang="en-IL" dirty="0">
+                <a:solidFill>
+                  <a:srgbClr val="0070C0"/>
+                </a:solidFill>
+                <a:latin typeface="Courier New" panose="02070309020205020404" pitchFamily="49" charset="0"/>
+                <a:cs typeface="Courier New" panose="02070309020205020404" pitchFamily="49" charset="0"/>
+              </a:rPr>
+              <a:t>private</a:t>
+            </a:r>
+            <a:r>
+              <a:rPr lang="en-IL" dirty="0">
+                <a:latin typeface="Courier New" panose="02070309020205020404" pitchFamily="49" charset="0"/>
+                <a:cs typeface="Courier New" panose="02070309020205020404" pitchFamily="49" charset="0"/>
+              </a:rPr>
+              <a:t> </a:t>
+            </a:r>
+            <a:r>
+              <a:rPr lang="en-IL" dirty="0">
+                <a:solidFill>
+                  <a:srgbClr val="0070C0"/>
+                </a:solidFill>
+                <a:latin typeface="Courier New" panose="02070309020205020404" pitchFamily="49" charset="0"/>
+                <a:cs typeface="Courier New" panose="02070309020205020404" pitchFamily="49" charset="0"/>
+              </a:rPr>
+              <a:t>final </a:t>
+            </a:r>
+            <a:r>
+              <a:rPr lang="en-IL" dirty="0">
+                <a:latin typeface="Courier New" panose="02070309020205020404" pitchFamily="49" charset="0"/>
+                <a:cs typeface="Courier New" panose="02070309020205020404" pitchFamily="49" charset="0"/>
+              </a:rPr>
+              <a:t>RandomAccessMemory randomAccessMemory;</a:t>
+            </a:r>
+          </a:p>
+          <a:p>
+            <a:r>
+              <a:rPr lang="en-IL" dirty="0">
+                <a:latin typeface="Courier New" panose="02070309020205020404" pitchFamily="49" charset="0"/>
+                <a:cs typeface="Courier New" panose="02070309020205020404" pitchFamily="49" charset="0"/>
+              </a:rPr>
+              <a:t>    </a:t>
+            </a:r>
+            <a:r>
+              <a:rPr lang="en-IL" dirty="0">
+                <a:solidFill>
+                  <a:srgbClr val="0070C0"/>
+                </a:solidFill>
+                <a:latin typeface="Courier New" panose="02070309020205020404" pitchFamily="49" charset="0"/>
+                <a:cs typeface="Courier New" panose="02070309020205020404" pitchFamily="49" charset="0"/>
+              </a:rPr>
+              <a:t>private</a:t>
+            </a:r>
+            <a:r>
+              <a:rPr lang="en-IL" dirty="0">
+                <a:latin typeface="Courier New" panose="02070309020205020404" pitchFamily="49" charset="0"/>
+                <a:cs typeface="Courier New" panose="02070309020205020404" pitchFamily="49" charset="0"/>
+              </a:rPr>
+              <a:t> </a:t>
+            </a:r>
+            <a:r>
+              <a:rPr lang="en-IL" dirty="0">
+                <a:solidFill>
+                  <a:srgbClr val="0070C0"/>
+                </a:solidFill>
+                <a:latin typeface="Courier New" panose="02070309020205020404" pitchFamily="49" charset="0"/>
+                <a:cs typeface="Courier New" panose="02070309020205020404" pitchFamily="49" charset="0"/>
+              </a:rPr>
+              <a:t>final </a:t>
+            </a:r>
+            <a:r>
+              <a:rPr lang="en-IL" dirty="0">
+                <a:latin typeface="Courier New" panose="02070309020205020404" pitchFamily="49" charset="0"/>
+                <a:cs typeface="Courier New" panose="02070309020205020404" pitchFamily="49" charset="0"/>
+              </a:rPr>
+              <a:t>GraphicsCard graphicsCard;</a:t>
+            </a:r>
+          </a:p>
+          <a:p>
+            <a:r>
+              <a:rPr lang="en-IL" dirty="0">
+                <a:latin typeface="Courier New" panose="02070309020205020404" pitchFamily="49" charset="0"/>
+                <a:cs typeface="Courier New" panose="02070309020205020404" pitchFamily="49" charset="0"/>
+              </a:rPr>
+              <a:t>    </a:t>
+            </a:r>
+            <a:r>
+              <a:rPr lang="en-IL" dirty="0">
+                <a:solidFill>
+                  <a:srgbClr val="0070C0"/>
+                </a:solidFill>
+                <a:latin typeface="Courier New" panose="02070309020205020404" pitchFamily="49" charset="0"/>
+                <a:cs typeface="Courier New" panose="02070309020205020404" pitchFamily="49" charset="0"/>
+              </a:rPr>
+              <a:t>private</a:t>
+            </a:r>
+            <a:r>
+              <a:rPr lang="en-IL" dirty="0">
+                <a:latin typeface="Courier New" panose="02070309020205020404" pitchFamily="49" charset="0"/>
+                <a:cs typeface="Courier New" panose="02070309020205020404" pitchFamily="49" charset="0"/>
+              </a:rPr>
+              <a:t> </a:t>
+            </a:r>
+            <a:r>
+              <a:rPr lang="en-IL" dirty="0">
+                <a:solidFill>
+                  <a:srgbClr val="0070C0"/>
+                </a:solidFill>
+                <a:latin typeface="Courier New" panose="02070309020205020404" pitchFamily="49" charset="0"/>
+                <a:cs typeface="Courier New" panose="02070309020205020404" pitchFamily="49" charset="0"/>
+              </a:rPr>
+              <a:t>final </a:t>
+            </a:r>
+            <a:r>
+              <a:rPr lang="en-IL" dirty="0">
+                <a:latin typeface="Courier New" panose="02070309020205020404" pitchFamily="49" charset="0"/>
+                <a:cs typeface="Courier New" panose="02070309020205020404" pitchFamily="49" charset="0"/>
+              </a:rPr>
+              <a:t>Coolers coolers;</a:t>
+            </a:r>
+          </a:p>
+          <a:p>
+            <a:r>
+              <a:rPr lang="en-IL" dirty="0">
+                <a:latin typeface="Courier New" panose="02070309020205020404" pitchFamily="49" charset="0"/>
+                <a:cs typeface="Courier New" panose="02070309020205020404" pitchFamily="49" charset="0"/>
+              </a:rPr>
+              <a:t> </a:t>
+            </a:r>
+          </a:p>
+          <a:p>
+            <a:r>
+              <a:rPr lang="en-IL" dirty="0">
+                <a:latin typeface="Courier New" panose="02070309020205020404" pitchFamily="49" charset="0"/>
+                <a:cs typeface="Courier New" panose="02070309020205020404" pitchFamily="49" charset="0"/>
+              </a:rPr>
+              <a:t>    </a:t>
+            </a:r>
+            <a:r>
+              <a:rPr lang="en-IL" dirty="0">
+                <a:solidFill>
+                  <a:srgbClr val="0070C0"/>
+                </a:solidFill>
+                <a:latin typeface="Courier New" panose="02070309020205020404" pitchFamily="49" charset="0"/>
+                <a:cs typeface="Courier New" panose="02070309020205020404" pitchFamily="49" charset="0"/>
+              </a:rPr>
+              <a:t>public</a:t>
+            </a:r>
+            <a:r>
+              <a:rPr lang="en-IL" dirty="0">
+                <a:latin typeface="Courier New" panose="02070309020205020404" pitchFamily="49" charset="0"/>
+                <a:cs typeface="Courier New" panose="02070309020205020404" pitchFamily="49" charset="0"/>
+              </a:rPr>
+              <a:t> Computer() {</a:t>
+            </a:r>
+          </a:p>
+          <a:p>
+            <a:r>
+              <a:rPr lang="en-IL" dirty="0">
+                <a:latin typeface="Courier New" panose="02070309020205020404" pitchFamily="49" charset="0"/>
+                <a:cs typeface="Courier New" panose="02070309020205020404" pitchFamily="49" charset="0"/>
+              </a:rPr>
+              <a:t>		processor = </a:t>
+            </a:r>
+            <a:r>
+              <a:rPr lang="en-IL" dirty="0">
+                <a:solidFill>
+                  <a:srgbClr val="0070C0"/>
+                </a:solidFill>
+                <a:latin typeface="Courier New" panose="02070309020205020404" pitchFamily="49" charset="0"/>
+                <a:cs typeface="Courier New" panose="02070309020205020404" pitchFamily="49" charset="0"/>
+              </a:rPr>
+              <a:t>new</a:t>
+            </a:r>
+            <a:r>
+              <a:rPr lang="en-IL" dirty="0">
+                <a:latin typeface="Courier New" panose="02070309020205020404" pitchFamily="49" charset="0"/>
+                <a:cs typeface="Courier New" panose="02070309020205020404" pitchFamily="49" charset="0"/>
+              </a:rPr>
+              <a:t> Processor(</a:t>
+            </a:r>
+            <a:r>
+              <a:rPr lang="en-US" dirty="0">
+                <a:latin typeface="Courier New" panose="02070309020205020404" pitchFamily="49" charset="0"/>
+                <a:cs typeface="Courier New" panose="02070309020205020404" pitchFamily="49" charset="0"/>
+              </a:rPr>
+              <a:t>paramCpu1, paramCpu2</a:t>
+            </a:r>
+            <a:r>
+              <a:rPr lang="en-IL" dirty="0">
+                <a:latin typeface="Courier New" panose="02070309020205020404" pitchFamily="49" charset="0"/>
+                <a:cs typeface="Courier New" panose="02070309020205020404" pitchFamily="49" charset="0"/>
+              </a:rPr>
+              <a:t>);</a:t>
+            </a:r>
+          </a:p>
+          <a:p>
+            <a:r>
+              <a:rPr lang="en-IL" dirty="0">
+                <a:latin typeface="Courier New" panose="02070309020205020404" pitchFamily="49" charset="0"/>
+                <a:cs typeface="Courier New" panose="02070309020205020404" pitchFamily="49" charset="0"/>
+              </a:rPr>
+              <a:t> 	   randomAccessMemory = </a:t>
+            </a:r>
+            <a:r>
+              <a:rPr lang="en-IL" dirty="0">
+                <a:solidFill>
+                  <a:srgbClr val="0070C0"/>
+                </a:solidFill>
+                <a:latin typeface="Courier New" panose="02070309020205020404" pitchFamily="49" charset="0"/>
+                <a:cs typeface="Courier New" panose="02070309020205020404" pitchFamily="49" charset="0"/>
+              </a:rPr>
+              <a:t>new</a:t>
+            </a:r>
+            <a:r>
+              <a:rPr lang="en-IL" dirty="0">
+                <a:latin typeface="Courier New" panose="02070309020205020404" pitchFamily="49" charset="0"/>
+                <a:cs typeface="Courier New" panose="02070309020205020404" pitchFamily="49" charset="0"/>
+              </a:rPr>
+              <a:t> RandomAccessMemory(paramRam1, paramRam2, paramRam3);</a:t>
+            </a:r>
+          </a:p>
+          <a:p>
+            <a:r>
+              <a:rPr lang="en-IL" dirty="0">
+                <a:latin typeface="Courier New" panose="02070309020205020404" pitchFamily="49" charset="0"/>
+                <a:cs typeface="Courier New" panose="02070309020205020404" pitchFamily="49" charset="0"/>
+              </a:rPr>
+              <a:t> 	   graphicsCard = </a:t>
+            </a:r>
+            <a:r>
+              <a:rPr lang="en-IL" dirty="0">
+                <a:solidFill>
+                  <a:srgbClr val="0070C0"/>
+                </a:solidFill>
+                <a:latin typeface="Courier New" panose="02070309020205020404" pitchFamily="49" charset="0"/>
+                <a:cs typeface="Courier New" panose="02070309020205020404" pitchFamily="49" charset="0"/>
+              </a:rPr>
+              <a:t>new</a:t>
+            </a:r>
+            <a:r>
+              <a:rPr lang="en-IL" dirty="0">
+                <a:latin typeface="Courier New" panose="02070309020205020404" pitchFamily="49" charset="0"/>
+                <a:cs typeface="Courier New" panose="02070309020205020404" pitchFamily="49" charset="0"/>
+              </a:rPr>
+              <a:t> GraphicsCard(paramGDI1, paramGDI2); </a:t>
+            </a:r>
+          </a:p>
+          <a:p>
+            <a:r>
+              <a:rPr lang="en-IL" dirty="0">
+                <a:latin typeface="Courier New" panose="02070309020205020404" pitchFamily="49" charset="0"/>
+                <a:cs typeface="Courier New" panose="02070309020205020404" pitchFamily="49" charset="0"/>
+              </a:rPr>
+              <a:t>      coolers = </a:t>
+            </a:r>
+            <a:r>
+              <a:rPr lang="en-IL" dirty="0">
+                <a:solidFill>
+                  <a:srgbClr val="0070C0"/>
+                </a:solidFill>
+                <a:latin typeface="Courier New" panose="02070309020205020404" pitchFamily="49" charset="0"/>
+                <a:cs typeface="Courier New" panose="02070309020205020404" pitchFamily="49" charset="0"/>
+              </a:rPr>
+              <a:t>new</a:t>
+            </a:r>
+            <a:r>
+              <a:rPr lang="en-IL" dirty="0">
+                <a:latin typeface="Courier New" panose="02070309020205020404" pitchFamily="49" charset="0"/>
+                <a:cs typeface="Courier New" panose="02070309020205020404" pitchFamily="49" charset="0"/>
+              </a:rPr>
+              <a:t> Coolers(paramCool1);</a:t>
+            </a:r>
+          </a:p>
+          <a:p>
+            <a:r>
+              <a:rPr lang="en-IL" dirty="0">
+                <a:latin typeface="Courier New" panose="02070309020205020404" pitchFamily="49" charset="0"/>
+                <a:cs typeface="Courier New" panose="02070309020205020404" pitchFamily="49" charset="0"/>
+              </a:rPr>
+              <a:t>    }</a:t>
+            </a:r>
+          </a:p>
+          <a:p>
+            <a:r>
+              <a:rPr lang="en-IL" dirty="0">
+                <a:latin typeface="Courier New" panose="02070309020205020404" pitchFamily="49" charset="0"/>
+                <a:cs typeface="Courier New" panose="02070309020205020404" pitchFamily="49" charset="0"/>
+              </a:rPr>
+              <a:t>}</a:t>
+            </a:r>
+          </a:p>
+        </p:txBody>
+      </p:sp>
+    </p:spTree>
+    <p:extLst>
+      <p:ext uri="{BB962C8B-B14F-4D97-AF65-F5344CB8AC3E}">
+        <p14:creationId xmlns:p14="http://schemas.microsoft.com/office/powerpoint/2010/main" val="2255410467"/>
+      </p:ext>
+    </p:extLst>
+  </p:cSld>
+  <p:clrMapOvr>
+    <a:masterClrMapping/>
+  </p:clrMapOvr>
+</p:sld>
+</file>
+
+<file path=ppt/slides/slide12.xml><?xml version="1.0" encoding="utf-8"?>
 <p:sld xmlns:a="http://schemas.openxmlformats.org/drawingml/2006/main" xmlns:r="http://schemas.openxmlformats.org/officeDocument/2006/relationships" xmlns:p="http://schemas.openxmlformats.org/presentationml/2006/main">
   <p:cSld>
     <p:spTree>
@@ -7757,448 +9151,7 @@
 </p:sld>
 </file>
 
-<file path=ppt/slides/slide11.xml><?xml version="1.0" encoding="utf-8"?>
-<p:sld xmlns:a="http://schemas.openxmlformats.org/drawingml/2006/main" xmlns:r="http://schemas.openxmlformats.org/officeDocument/2006/relationships" xmlns:p="http://schemas.openxmlformats.org/presentationml/2006/main">
-  <p:cSld>
-    <p:spTree>
-      <p:nvGrpSpPr>
-        <p:cNvPr id="1" name=""/>
-        <p:cNvGrpSpPr/>
-        <p:nvPr/>
-      </p:nvGrpSpPr>
-      <p:grpSpPr>
-        <a:xfrm>
-          <a:off x="0" y="0"/>
-          <a:ext cx="0" cy="0"/>
-          <a:chOff x="0" y="0"/>
-          <a:chExt cx="0" cy="0"/>
-        </a:xfrm>
-      </p:grpSpPr>
-      <p:sp>
-        <p:nvSpPr>
-          <p:cNvPr id="2" name="Title 1">
-            <a:extLst>
-              <a:ext uri="{FF2B5EF4-FFF2-40B4-BE49-F238E27FC236}">
-                <a16:creationId xmlns:a16="http://schemas.microsoft.com/office/drawing/2014/main" id="{6B34D289-DA31-0ECF-5DD0-93B1C3AE01CF}"/>
-              </a:ext>
-            </a:extLst>
-          </p:cNvPr>
-          <p:cNvSpPr>
-            <a:spLocks noGrp="1"/>
-          </p:cNvSpPr>
-          <p:nvPr>
-            <p:ph type="title"/>
-          </p:nvPr>
-        </p:nvSpPr>
-        <p:spPr/>
-        <p:txBody>
-          <a:bodyPr/>
-          <a:lstStyle/>
-          <a:p>
-            <a:r>
-              <a:rPr lang="en-US" dirty="0"/>
-              <a:t>The </a:t>
-            </a:r>
-            <a:r>
-              <a:rPr lang="en-IL" dirty="0"/>
-              <a:t>Inversion of Control (IoC)</a:t>
-            </a:r>
-            <a:r>
-              <a:rPr lang="en-US" dirty="0"/>
-              <a:t> principle inverts the control</a:t>
-            </a:r>
-            <a:endParaRPr lang="en-IL" dirty="0"/>
-          </a:p>
-        </p:txBody>
-      </p:sp>
-      <p:sp>
-        <p:nvSpPr>
-          <p:cNvPr id="3" name="Content Placeholder 2">
-            <a:extLst>
-              <a:ext uri="{FF2B5EF4-FFF2-40B4-BE49-F238E27FC236}">
-                <a16:creationId xmlns:a16="http://schemas.microsoft.com/office/drawing/2014/main" id="{89730CA2-7299-E997-F8B1-379ED23DF5FD}"/>
-              </a:ext>
-            </a:extLst>
-          </p:cNvPr>
-          <p:cNvSpPr>
-            <a:spLocks noGrp="1"/>
-          </p:cNvSpPr>
-          <p:nvPr>
-            <p:ph idx="1"/>
-          </p:nvPr>
-        </p:nvSpPr>
-        <p:spPr/>
-        <p:txBody>
-          <a:bodyPr>
-            <a:normAutofit/>
-          </a:bodyPr>
-          <a:lstStyle/>
-          <a:p>
-            <a:pPr>
-              <a:lnSpc>
-                <a:spcPct val="110000"/>
-              </a:lnSpc>
-            </a:pPr>
-            <a:r>
-              <a:rPr lang="en-US" sz="2000" dirty="0">
-                <a:solidFill>
-                  <a:srgbClr val="000000"/>
-                </a:solidFill>
-              </a:rPr>
-              <a:t>Here it means to delegate the control to another class. In other words, invert the dependency creation control from the high-level class (</a:t>
-            </a:r>
-            <a:r>
-              <a:rPr lang="en-US" sz="2000" dirty="0">
-                <a:solidFill>
-                  <a:srgbClr val="0000FF"/>
-                </a:solidFill>
-              </a:rPr>
-              <a:t>Computer</a:t>
-            </a:r>
-            <a:r>
-              <a:rPr lang="en-US" sz="2000" dirty="0">
-                <a:solidFill>
-                  <a:srgbClr val="000000"/>
-                </a:solidFill>
-              </a:rPr>
-              <a:t>) to another class or framework.</a:t>
-            </a:r>
-          </a:p>
-          <a:p>
-            <a:pPr>
-              <a:lnSpc>
-                <a:spcPct val="110000"/>
-              </a:lnSpc>
-            </a:pPr>
-            <a:r>
-              <a:rPr lang="en-US" sz="2000" dirty="0">
-                <a:solidFill>
-                  <a:srgbClr val="000000"/>
-                </a:solidFill>
-              </a:rPr>
-              <a:t>Note: IoC is a principle, not a pattern. It just gives high-level design guidelines but does not give implementation details. The following pattern (but not limited) implements the IoC principle: </a:t>
-            </a:r>
-          </a:p>
-          <a:p>
-            <a:pPr lvl="1"/>
-            <a:r>
-              <a:rPr lang="en-US" sz="1800" dirty="0">
-                <a:solidFill>
-                  <a:srgbClr val="000000"/>
-                </a:solidFill>
-              </a:rPr>
-              <a:t>Factory </a:t>
-            </a:r>
-          </a:p>
-          <a:p>
-            <a:pPr lvl="1"/>
-            <a:r>
-              <a:rPr lang="en-US" sz="1800" dirty="0">
-                <a:solidFill>
-                  <a:srgbClr val="000000"/>
-                </a:solidFill>
-              </a:rPr>
-              <a:t>Strategy</a:t>
-            </a:r>
-          </a:p>
-          <a:p>
-            <a:pPr lvl="1"/>
-            <a:r>
-              <a:rPr lang="en-US" sz="1800" dirty="0">
-                <a:solidFill>
-                  <a:srgbClr val="000000"/>
-                </a:solidFill>
-              </a:rPr>
-              <a:t>Dependency Injection</a:t>
-            </a:r>
-          </a:p>
-          <a:p>
-            <a:pPr lvl="1"/>
-            <a:r>
-              <a:rPr lang="en-US" sz="1800" dirty="0">
-                <a:solidFill>
-                  <a:srgbClr val="000000"/>
-                </a:solidFill>
-              </a:rPr>
-              <a:t>Etc.</a:t>
-            </a:r>
-            <a:endParaRPr lang="en-IL" sz="1800" dirty="0">
-              <a:solidFill>
-                <a:srgbClr val="000000"/>
-              </a:solidFill>
-            </a:endParaRPr>
-          </a:p>
-        </p:txBody>
-      </p:sp>
-    </p:spTree>
-    <p:extLst>
-      <p:ext uri="{BB962C8B-B14F-4D97-AF65-F5344CB8AC3E}">
-        <p14:creationId xmlns:p14="http://schemas.microsoft.com/office/powerpoint/2010/main" val="3013324532"/>
-      </p:ext>
-    </p:extLst>
-  </p:cSld>
-  <p:clrMapOvr>
-    <a:masterClrMapping/>
-  </p:clrMapOvr>
-  <p:timing>
-    <p:tnLst>
-      <p:par>
-        <p:cTn id="1" dur="indefinite" restart="never" nodeType="tmRoot">
-          <p:childTnLst>
-            <p:seq concurrent="1" nextAc="seek">
-              <p:cTn id="2" dur="indefinite" nodeType="mainSeq">
-                <p:childTnLst>
-                  <p:par>
-                    <p:cTn id="3" fill="hold">
-                      <p:stCondLst>
-                        <p:cond delay="indefinite"/>
-                      </p:stCondLst>
-                      <p:childTnLst>
-                        <p:par>
-                          <p:cTn id="4" fill="hold">
-                            <p:stCondLst>
-                              <p:cond delay="0"/>
-                            </p:stCondLst>
-                            <p:childTnLst>
-                              <p:par>
-                                <p:cTn id="5" presetID="1" presetClass="entr" presetSubtype="0" fill="hold" grpId="0" nodeType="clickEffect">
-                                  <p:stCondLst>
-                                    <p:cond delay="0"/>
-                                  </p:stCondLst>
-                                  <p:childTnLst>
-                                    <p:set>
-                                      <p:cBhvr>
-                                        <p:cTn id="6" dur="1" fill="hold">
-                                          <p:stCondLst>
-                                            <p:cond delay="0"/>
-                                          </p:stCondLst>
-                                        </p:cTn>
-                                        <p:tgtEl>
-                                          <p:spTgt spid="3">
-                                            <p:txEl>
-                                              <p:pRg st="0" end="0"/>
-                                            </p:txEl>
-                                          </p:spTgt>
-                                        </p:tgtEl>
-                                        <p:attrNameLst>
-                                          <p:attrName>style.visibility</p:attrName>
-                                        </p:attrNameLst>
-                                      </p:cBhvr>
-                                      <p:to>
-                                        <p:strVal val="visible"/>
-                                      </p:to>
-                                    </p:set>
-                                  </p:childTnLst>
-                                </p:cTn>
-                              </p:par>
-                            </p:childTnLst>
-                          </p:cTn>
-                        </p:par>
-                      </p:childTnLst>
-                    </p:cTn>
-                  </p:par>
-                  <p:par>
-                    <p:cTn id="7" fill="hold">
-                      <p:stCondLst>
-                        <p:cond delay="indefinite"/>
-                      </p:stCondLst>
-                      <p:childTnLst>
-                        <p:par>
-                          <p:cTn id="8" fill="hold">
-                            <p:stCondLst>
-                              <p:cond delay="0"/>
-                            </p:stCondLst>
-                            <p:childTnLst>
-                              <p:par>
-                                <p:cTn id="9" presetID="1" presetClass="entr" presetSubtype="0" fill="hold" grpId="0" nodeType="clickEffect">
-                                  <p:stCondLst>
-                                    <p:cond delay="0"/>
-                                  </p:stCondLst>
-                                  <p:childTnLst>
-                                    <p:set>
-                                      <p:cBhvr>
-                                        <p:cTn id="10" dur="1" fill="hold">
-                                          <p:stCondLst>
-                                            <p:cond delay="0"/>
-                                          </p:stCondLst>
-                                        </p:cTn>
-                                        <p:tgtEl>
-                                          <p:spTgt spid="3">
-                                            <p:txEl>
-                                              <p:pRg st="1" end="1"/>
-                                            </p:txEl>
-                                          </p:spTgt>
-                                        </p:tgtEl>
-                                        <p:attrNameLst>
-                                          <p:attrName>style.visibility</p:attrName>
-                                        </p:attrNameLst>
-                                      </p:cBhvr>
-                                      <p:to>
-                                        <p:strVal val="visible"/>
-                                      </p:to>
-                                    </p:set>
-                                  </p:childTnLst>
-                                </p:cTn>
-                              </p:par>
-                              <p:par>
-                                <p:cTn id="11" presetID="1" presetClass="entr" presetSubtype="0" fill="hold" grpId="0" nodeType="withEffect">
-                                  <p:stCondLst>
-                                    <p:cond delay="0"/>
-                                  </p:stCondLst>
-                                  <p:childTnLst>
-                                    <p:set>
-                                      <p:cBhvr>
-                                        <p:cTn id="12" dur="1" fill="hold">
-                                          <p:stCondLst>
-                                            <p:cond delay="0"/>
-                                          </p:stCondLst>
-                                        </p:cTn>
-                                        <p:tgtEl>
-                                          <p:spTgt spid="3">
-                                            <p:txEl>
-                                              <p:pRg st="2" end="2"/>
-                                            </p:txEl>
-                                          </p:spTgt>
-                                        </p:tgtEl>
-                                        <p:attrNameLst>
-                                          <p:attrName>style.visibility</p:attrName>
-                                        </p:attrNameLst>
-                                      </p:cBhvr>
-                                      <p:to>
-                                        <p:strVal val="visible"/>
-                                      </p:to>
-                                    </p:set>
-                                  </p:childTnLst>
-                                </p:cTn>
-                              </p:par>
-                              <p:par>
-                                <p:cTn id="13" presetID="1" presetClass="entr" presetSubtype="0" fill="hold" grpId="0" nodeType="withEffect">
-                                  <p:stCondLst>
-                                    <p:cond delay="0"/>
-                                  </p:stCondLst>
-                                  <p:childTnLst>
-                                    <p:set>
-                                      <p:cBhvr>
-                                        <p:cTn id="14" dur="1" fill="hold">
-                                          <p:stCondLst>
-                                            <p:cond delay="0"/>
-                                          </p:stCondLst>
-                                        </p:cTn>
-                                        <p:tgtEl>
-                                          <p:spTgt spid="3">
-                                            <p:txEl>
-                                              <p:pRg st="3" end="3"/>
-                                            </p:txEl>
-                                          </p:spTgt>
-                                        </p:tgtEl>
-                                        <p:attrNameLst>
-                                          <p:attrName>style.visibility</p:attrName>
-                                        </p:attrNameLst>
-                                      </p:cBhvr>
-                                      <p:to>
-                                        <p:strVal val="visible"/>
-                                      </p:to>
-                                    </p:set>
-                                  </p:childTnLst>
-                                </p:cTn>
-                              </p:par>
-                              <p:par>
-                                <p:cTn id="15" presetID="1" presetClass="entr" presetSubtype="0" fill="hold" grpId="0" nodeType="withEffect">
-                                  <p:stCondLst>
-                                    <p:cond delay="0"/>
-                                  </p:stCondLst>
-                                  <p:childTnLst>
-                                    <p:set>
-                                      <p:cBhvr>
-                                        <p:cTn id="16" dur="1" fill="hold">
-                                          <p:stCondLst>
-                                            <p:cond delay="0"/>
-                                          </p:stCondLst>
-                                        </p:cTn>
-                                        <p:tgtEl>
-                                          <p:spTgt spid="3">
-                                            <p:txEl>
-                                              <p:pRg st="4" end="4"/>
-                                            </p:txEl>
-                                          </p:spTgt>
-                                        </p:tgtEl>
-                                        <p:attrNameLst>
-                                          <p:attrName>style.visibility</p:attrName>
-                                        </p:attrNameLst>
-                                      </p:cBhvr>
-                                      <p:to>
-                                        <p:strVal val="visible"/>
-                                      </p:to>
-                                    </p:set>
-                                  </p:childTnLst>
-                                </p:cTn>
-                              </p:par>
-                              <p:par>
-                                <p:cTn id="17" presetID="1" presetClass="entr" presetSubtype="0" fill="hold" grpId="0" nodeType="withEffect">
-                                  <p:stCondLst>
-                                    <p:cond delay="0"/>
-                                  </p:stCondLst>
-                                  <p:childTnLst>
-                                    <p:set>
-                                      <p:cBhvr>
-                                        <p:cTn id="18" dur="1" fill="hold">
-                                          <p:stCondLst>
-                                            <p:cond delay="0"/>
-                                          </p:stCondLst>
-                                        </p:cTn>
-                                        <p:tgtEl>
-                                          <p:spTgt spid="3">
-                                            <p:txEl>
-                                              <p:pRg st="5" end="5"/>
-                                            </p:txEl>
-                                          </p:spTgt>
-                                        </p:tgtEl>
-                                        <p:attrNameLst>
-                                          <p:attrName>style.visibility</p:attrName>
-                                        </p:attrNameLst>
-                                      </p:cBhvr>
-                                      <p:to>
-                                        <p:strVal val="visible"/>
-                                      </p:to>
-                                    </p:set>
-                                  </p:childTnLst>
-                                </p:cTn>
-                              </p:par>
-                            </p:childTnLst>
-                          </p:cTn>
-                        </p:par>
-                      </p:childTnLst>
-                    </p:cTn>
-                  </p:par>
-                </p:childTnLst>
-              </p:cTn>
-              <p:prevCondLst>
-                <p:cond evt="onPrev" delay="0">
-                  <p:tgtEl>
-                    <p:sldTgt/>
-                  </p:tgtEl>
-                </p:cond>
-              </p:prevCondLst>
-              <p:nextCondLst>
-                <p:cond evt="onNext" delay="0">
-                  <p:tgtEl>
-                    <p:sldTgt/>
-                  </p:tgtEl>
-                </p:cond>
-              </p:nextCondLst>
-            </p:seq>
-          </p:childTnLst>
-        </p:cTn>
-      </p:par>
-    </p:tnLst>
-    <p:bldLst>
-      <p:bldP spid="3" grpId="0" build="p"/>
-    </p:bldLst>
-  </p:timing>
-</p:sld>
-</file>
-
-<file path=ppt/slides/slide12.xml><?xml version="1.0" encoding="utf-8"?>
+<file path=ppt/slides/slide13.xml><?xml version="1.0" encoding="utf-8"?>
 <p:sld xmlns:a="http://schemas.openxmlformats.org/drawingml/2006/main" xmlns:r="http://schemas.openxmlformats.org/officeDocument/2006/relationships" xmlns:p="http://schemas.openxmlformats.org/presentationml/2006/main">
   <p:cSld>
     <p:spTree>
@@ -8238,7 +9191,7 @@
           <a:p>
             <a:r>
               <a:rPr lang="en-IL" dirty="0"/>
-              <a:t>Lets use the </a:t>
+              <a:t>IoC with the </a:t>
             </a:r>
             <a:r>
               <a:rPr lang="en-IL" i="1" dirty="0"/>
@@ -8904,11 +9857,11 @@
           <a:lstStyle/>
           <a:p>
             <a:r>
-              <a:rPr lang="en-IL" dirty="0"/>
+              <a:rPr lang="en-IL" sz="2000" dirty="0"/>
               <a:t>Now </a:t>
             </a:r>
             <a:r>
-              <a:rPr lang="en-IL" dirty="0">
+              <a:rPr lang="en-IL" sz="2000" dirty="0">
                 <a:solidFill>
                   <a:srgbClr val="0000FF"/>
                 </a:solidFill>
@@ -8916,11 +9869,11 @@
               <a:t>Computer</a:t>
             </a:r>
             <a:r>
-              <a:rPr lang="en-IL" dirty="0"/>
+              <a:rPr lang="en-IL" sz="2000" dirty="0"/>
               <a:t> uses the </a:t>
             </a:r>
             <a:r>
-              <a:rPr lang="en-IL" dirty="0">
+              <a:rPr lang="en-IL" sz="2000" dirty="0">
                 <a:solidFill>
                   <a:srgbClr val="0000FF"/>
                 </a:solidFill>
@@ -8928,25 +9881,25 @@
               <a:t>GraphicCardFactory</a:t>
             </a:r>
             <a:r>
-              <a:rPr lang="en-IL" dirty="0"/>
+              <a:rPr lang="en-IL" sz="2000" dirty="0"/>
               <a:t> to get an object of graphicCard. </a:t>
             </a:r>
             <a:r>
-              <a:rPr lang="en-US" dirty="0"/>
+              <a:rPr lang="en-US" sz="2000" dirty="0"/>
               <a:t>Thus,</a:t>
             </a:r>
             <a:r>
-              <a:rPr lang="en-IL" dirty="0"/>
+              <a:rPr lang="en-IL" sz="2000" dirty="0"/>
               <a:t> we have inverted the the control of creating an object of a dependent class to the Factory.</a:t>
             </a:r>
           </a:p>
           <a:p>
             <a:r>
-              <a:rPr lang="en-IL" dirty="0"/>
+              <a:rPr lang="en-IL" sz="2000" dirty="0"/>
               <a:t>But – now the </a:t>
             </a:r>
             <a:r>
-              <a:rPr lang="en-IL" dirty="0">
+              <a:rPr lang="en-IL" sz="2000" dirty="0">
                 <a:solidFill>
                   <a:srgbClr val="0000FF"/>
                 </a:solidFill>
@@ -8954,11 +9907,11 @@
               <a:t>Computer</a:t>
             </a:r>
             <a:r>
-              <a:rPr lang="en-IL" dirty="0"/>
+              <a:rPr lang="en-IL" sz="2000" dirty="0"/>
               <a:t> class uses the concrete </a:t>
             </a:r>
             <a:r>
-              <a:rPr lang="en-IL" dirty="0">
+              <a:rPr lang="en-IL" sz="2000" dirty="0">
                 <a:solidFill>
                   <a:srgbClr val="0000FF"/>
                 </a:solidFill>
@@ -8966,24 +9919,9 @@
               <a:t>GraphicCardFactory</a:t>
             </a:r>
             <a:r>
-              <a:rPr lang="en-IL" dirty="0"/>
+              <a:rPr lang="en-IL" sz="2000" dirty="0"/>
               <a:t> class. So – we have not achieved fully loosely coupled classes.</a:t>
             </a:r>
-          </a:p>
-          <a:p>
-            <a:r>
-              <a:rPr lang="en-US" dirty="0"/>
-              <a:t> This is where the </a:t>
-            </a:r>
-            <a:r>
-              <a:rPr lang="en-US" i="1" dirty="0"/>
-              <a:t>Dependency Injection</a:t>
-            </a:r>
-            <a:r>
-              <a:rPr lang="en-US" dirty="0"/>
-              <a:t> pattern helps us. </a:t>
-            </a:r>
-            <a:endParaRPr lang="en-IL" dirty="0"/>
           </a:p>
         </p:txBody>
       </p:sp>
@@ -9000,7 +9938,7 @@
 </p:sld>
 </file>
 
-<file path=ppt/slides/slide13.xml><?xml version="1.0" encoding="utf-8"?>
+<file path=ppt/slides/slide14.xml><?xml version="1.0" encoding="utf-8"?>
 <p:sld xmlns:a="http://schemas.openxmlformats.org/drawingml/2006/main" xmlns:r="http://schemas.openxmlformats.org/officeDocument/2006/relationships" xmlns:p="http://schemas.openxmlformats.org/presentationml/2006/main">
   <p:cSld>
     <p:spTree>
@@ -9040,7 +9978,7 @@
           <a:p>
             <a:r>
               <a:rPr lang="en-IL" dirty="0"/>
-              <a:t>Dependency Injection explained</a:t>
+              <a:t>Dependency Injection</a:t>
             </a:r>
           </a:p>
         </p:txBody>
@@ -9105,7 +10043,7 @@
 </p:sld>
 </file>
 
-<file path=ppt/slides/slide14.xml><?xml version="1.0" encoding="utf-8"?>
+<file path=ppt/slides/slide15.xml><?xml version="1.0" encoding="utf-8"?>
 <p:sld xmlns:a="http://schemas.openxmlformats.org/drawingml/2006/main" xmlns:r="http://schemas.openxmlformats.org/officeDocument/2006/relationships" xmlns:p="http://schemas.openxmlformats.org/presentationml/2006/main">
   <p:cSld>
     <p:spTree>
@@ -11229,7 +12167,7 @@
 </p:sld>
 </file>
 
-<file path=ppt/slides/slide15.xml><?xml version="1.0" encoding="utf-8"?>
+<file path=ppt/slides/slide16.xml><?xml version="1.0" encoding="utf-8"?>
 <p:sld xmlns:a="http://schemas.openxmlformats.org/drawingml/2006/main" xmlns:r="http://schemas.openxmlformats.org/officeDocument/2006/relationships" xmlns:p="http://schemas.openxmlformats.org/presentationml/2006/main">
   <p:cSld>
     <p:spTree>
@@ -11977,7 +12915,7 @@
 </p:sld>
 </file>
 
-<file path=ppt/slides/slide16.xml><?xml version="1.0" encoding="utf-8"?>
+<file path=ppt/slides/slide17.xml><?xml version="1.0" encoding="utf-8"?>
 <p:sld xmlns:a="http://schemas.openxmlformats.org/drawingml/2006/main" xmlns:r="http://schemas.openxmlformats.org/officeDocument/2006/relationships" xmlns:p="http://schemas.openxmlformats.org/presentationml/2006/main">
   <p:cSld>
     <p:spTree>
@@ -12063,7 +13001,7 @@
 </p:sld>
 </file>
 
-<file path=ppt/slides/slide17.xml><?xml version="1.0" encoding="utf-8"?>
+<file path=ppt/slides/slide18.xml><?xml version="1.0" encoding="utf-8"?>
 <p:sld xmlns:a="http://schemas.openxmlformats.org/drawingml/2006/main" xmlns:r="http://schemas.openxmlformats.org/officeDocument/2006/relationships" xmlns:p="http://schemas.openxmlformats.org/presentationml/2006/main">
   <p:cSld>
     <p:spTree>
@@ -12189,7 +13127,7 @@
 </p:sld>
 </file>
 
-<file path=ppt/slides/slide18.xml><?xml version="1.0" encoding="utf-8"?>
+<file path=ppt/slides/slide19.xml><?xml version="1.0" encoding="utf-8"?>
 <p:sld xmlns:a="http://schemas.openxmlformats.org/drawingml/2006/main" xmlns:r="http://schemas.openxmlformats.org/officeDocument/2006/relationships" xmlns:p="http://schemas.openxmlformats.org/presentationml/2006/main">
   <p:cSld>
     <p:spTree>
@@ -12375,234 +13313,6 @@
     <p:extLst>
       <p:ext uri="{BB962C8B-B14F-4D97-AF65-F5344CB8AC3E}">
         <p14:creationId xmlns:p14="http://schemas.microsoft.com/office/powerpoint/2010/main" val="262599962"/>
-      </p:ext>
-    </p:extLst>
-  </p:cSld>
-  <p:clrMapOvr>
-    <a:masterClrMapping/>
-  </p:clrMapOvr>
-</p:sld>
-</file>
-
-<file path=ppt/slides/slide19.xml><?xml version="1.0" encoding="utf-8"?>
-<p:sld xmlns:a="http://schemas.openxmlformats.org/drawingml/2006/main" xmlns:r="http://schemas.openxmlformats.org/officeDocument/2006/relationships" xmlns:p="http://schemas.openxmlformats.org/presentationml/2006/main">
-  <p:cSld>
-    <p:spTree>
-      <p:nvGrpSpPr>
-        <p:cNvPr id="1" name=""/>
-        <p:cNvGrpSpPr/>
-        <p:nvPr/>
-      </p:nvGrpSpPr>
-      <p:grpSpPr>
-        <a:xfrm>
-          <a:off x="0" y="0"/>
-          <a:ext cx="0" cy="0"/>
-          <a:chOff x="0" y="0"/>
-          <a:chExt cx="0" cy="0"/>
-        </a:xfrm>
-      </p:grpSpPr>
-      <p:sp>
-        <p:nvSpPr>
-          <p:cNvPr id="2" name="Title 1">
-            <a:extLst>
-              <a:ext uri="{FF2B5EF4-FFF2-40B4-BE49-F238E27FC236}">
-                <a16:creationId xmlns:a16="http://schemas.microsoft.com/office/drawing/2014/main" id="{9AE9B7B7-AD23-D749-3959-E8067101BFFC}"/>
-              </a:ext>
-            </a:extLst>
-          </p:cNvPr>
-          <p:cNvSpPr>
-            <a:spLocks noGrp="1"/>
-          </p:cNvSpPr>
-          <p:nvPr>
-            <p:ph type="title"/>
-          </p:nvPr>
-        </p:nvSpPr>
-        <p:spPr/>
-        <p:txBody>
-          <a:bodyPr/>
-          <a:lstStyle/>
-          <a:p>
-            <a:r>
-              <a:rPr lang="en-IL" dirty="0"/>
-              <a:t>Spring Terminology</a:t>
-            </a:r>
-          </a:p>
-        </p:txBody>
-      </p:sp>
-      <p:sp>
-        <p:nvSpPr>
-          <p:cNvPr id="3" name="Content Placeholder 2">
-            <a:extLst>
-              <a:ext uri="{FF2B5EF4-FFF2-40B4-BE49-F238E27FC236}">
-                <a16:creationId xmlns:a16="http://schemas.microsoft.com/office/drawing/2014/main" id="{5EDEE350-0650-028B-F217-4B4CA84A684C}"/>
-              </a:ext>
-            </a:extLst>
-          </p:cNvPr>
-          <p:cNvSpPr>
-            <a:spLocks noGrp="1"/>
-          </p:cNvSpPr>
-          <p:nvPr>
-            <p:ph idx="1"/>
-          </p:nvPr>
-        </p:nvSpPr>
-        <p:spPr/>
-        <p:txBody>
-          <a:bodyPr>
-            <a:normAutofit/>
-          </a:bodyPr>
-          <a:lstStyle/>
-          <a:p>
-            <a:r>
-              <a:rPr lang="en-US" sz="2800" dirty="0">
-                <a:solidFill>
-                  <a:srgbClr val="0000FF"/>
-                </a:solidFill>
-              </a:rPr>
-              <a:t>Bean</a:t>
-            </a:r>
-            <a:r>
-              <a:rPr lang="en-US" sz="2800" dirty="0"/>
-              <a:t> – the managed object (instance) by </a:t>
-            </a:r>
-            <a:r>
-              <a:rPr lang="en-US" sz="2800" dirty="0">
-                <a:solidFill>
-                  <a:schemeClr val="accent1"/>
-                </a:solidFill>
-              </a:rPr>
-              <a:t>Spring</a:t>
-            </a:r>
-            <a:r>
-              <a:rPr lang="en-US" sz="2800" dirty="0"/>
-              <a:t>. </a:t>
-            </a:r>
-          </a:p>
-          <a:p>
-            <a:pPr marL="457200" indent="-457200">
-              <a:buFont typeface="Arial" panose="020B0604020202020204" pitchFamily="34" charset="0"/>
-              <a:buChar char="•"/>
-            </a:pPr>
-            <a:r>
-              <a:rPr lang="en-US" sz="2400" dirty="0">
-                <a:solidFill>
-                  <a:schemeClr val="accent1"/>
-                </a:solidFill>
-              </a:rPr>
-              <a:t>Spring</a:t>
-            </a:r>
-            <a:r>
-              <a:rPr lang="en-US" sz="2400" dirty="0"/>
-              <a:t> manages bean creation\destruction</a:t>
-            </a:r>
-          </a:p>
-          <a:p>
-            <a:pPr marL="457200" indent="-457200">
-              <a:buFont typeface="Arial" panose="020B0604020202020204" pitchFamily="34" charset="0"/>
-              <a:buChar char="•"/>
-            </a:pPr>
-            <a:r>
-              <a:rPr lang="en-US" sz="2400" dirty="0">
-                <a:solidFill>
-                  <a:schemeClr val="accent1"/>
-                </a:solidFill>
-              </a:rPr>
-              <a:t>Spring</a:t>
-            </a:r>
-            <a:r>
-              <a:rPr lang="en-US" sz="2400" dirty="0"/>
-              <a:t> manages bean dependencies (by injection)</a:t>
-            </a:r>
-          </a:p>
-          <a:p>
-            <a:pPr marL="457200" indent="-457200">
-              <a:buFont typeface="Arial" panose="020B0604020202020204" pitchFamily="34" charset="0"/>
-              <a:buChar char="•"/>
-            </a:pPr>
-            <a:r>
-              <a:rPr lang="en-US" sz="2400" dirty="0">
-                <a:solidFill>
-                  <a:schemeClr val="accent1"/>
-                </a:solidFill>
-              </a:rPr>
-              <a:t>Spring</a:t>
-            </a:r>
-            <a:r>
-              <a:rPr lang="en-US" sz="2400" dirty="0"/>
-              <a:t> manages bean scope (singleton or prototype)</a:t>
-            </a:r>
-            <a:endParaRPr lang="en-US" sz="2800" dirty="0"/>
-          </a:p>
-          <a:p>
-            <a:pPr>
-              <a:spcBef>
-                <a:spcPts val="2200"/>
-              </a:spcBef>
-            </a:pPr>
-            <a:r>
-              <a:rPr lang="en-US" sz="2800" dirty="0">
-                <a:solidFill>
-                  <a:srgbClr val="0000FF"/>
-                </a:solidFill>
-              </a:rPr>
-              <a:t>Container</a:t>
-            </a:r>
-            <a:r>
-              <a:rPr lang="en-US" sz="2800" dirty="0"/>
-              <a:t> – </a:t>
-            </a:r>
-            <a:r>
-              <a:rPr lang="en-US" sz="2800" b="0" i="0" u="none" strike="noStrike" dirty="0">
-                <a:solidFill>
-                  <a:srgbClr val="273239"/>
-                </a:solidFill>
-                <a:effectLst/>
-              </a:rPr>
-              <a:t>is the core of </a:t>
-            </a:r>
-            <a:r>
-              <a:rPr lang="en-US" sz="2800" dirty="0">
-                <a:solidFill>
-                  <a:schemeClr val="accent1"/>
-                </a:solidFill>
-              </a:rPr>
-              <a:t>Spring</a:t>
-            </a:r>
-            <a:r>
-              <a:rPr lang="en-US" sz="2800" b="0" i="0" u="none" strike="noStrike" dirty="0">
-                <a:solidFill>
-                  <a:srgbClr val="273239"/>
-                </a:solidFill>
-                <a:effectLst/>
-              </a:rPr>
-              <a:t>. It creates the objects (</a:t>
-            </a:r>
-            <a:r>
-              <a:rPr lang="en-US" sz="2800" dirty="0">
-                <a:solidFill>
-                  <a:srgbClr val="0000FF"/>
-                </a:solidFill>
-              </a:rPr>
-              <a:t>Beans</a:t>
-            </a:r>
-            <a:r>
-              <a:rPr lang="en-US" sz="2800" b="0" i="0" u="none" strike="noStrike" dirty="0">
-                <a:solidFill>
-                  <a:srgbClr val="273239"/>
-                </a:solidFill>
-                <a:effectLst/>
-              </a:rPr>
-              <a:t>), configures and assembles their dependencies, manages their entire life cycle. </a:t>
-            </a:r>
-          </a:p>
-          <a:p>
-            <a:endParaRPr lang="en-IL" dirty="0"/>
-          </a:p>
-        </p:txBody>
-      </p:sp>
-    </p:spTree>
-    <p:extLst>
-      <p:ext uri="{BB962C8B-B14F-4D97-AF65-F5344CB8AC3E}">
-        <p14:creationId xmlns:p14="http://schemas.microsoft.com/office/powerpoint/2010/main" val="701570498"/>
       </p:ext>
     </p:extLst>
   </p:cSld>
@@ -12782,6 +13492,234 @@
           <p:cNvPr id="2" name="Title 1">
             <a:extLst>
               <a:ext uri="{FF2B5EF4-FFF2-40B4-BE49-F238E27FC236}">
+                <a16:creationId xmlns:a16="http://schemas.microsoft.com/office/drawing/2014/main" id="{9AE9B7B7-AD23-D749-3959-E8067101BFFC}"/>
+              </a:ext>
+            </a:extLst>
+          </p:cNvPr>
+          <p:cNvSpPr>
+            <a:spLocks noGrp="1"/>
+          </p:cNvSpPr>
+          <p:nvPr>
+            <p:ph type="title"/>
+          </p:nvPr>
+        </p:nvSpPr>
+        <p:spPr/>
+        <p:txBody>
+          <a:bodyPr/>
+          <a:lstStyle/>
+          <a:p>
+            <a:r>
+              <a:rPr lang="en-IL" dirty="0"/>
+              <a:t>Spring Terminology</a:t>
+            </a:r>
+          </a:p>
+        </p:txBody>
+      </p:sp>
+      <p:sp>
+        <p:nvSpPr>
+          <p:cNvPr id="3" name="Content Placeholder 2">
+            <a:extLst>
+              <a:ext uri="{FF2B5EF4-FFF2-40B4-BE49-F238E27FC236}">
+                <a16:creationId xmlns:a16="http://schemas.microsoft.com/office/drawing/2014/main" id="{5EDEE350-0650-028B-F217-4B4CA84A684C}"/>
+              </a:ext>
+            </a:extLst>
+          </p:cNvPr>
+          <p:cNvSpPr>
+            <a:spLocks noGrp="1"/>
+          </p:cNvSpPr>
+          <p:nvPr>
+            <p:ph idx="1"/>
+          </p:nvPr>
+        </p:nvSpPr>
+        <p:spPr/>
+        <p:txBody>
+          <a:bodyPr>
+            <a:normAutofit/>
+          </a:bodyPr>
+          <a:lstStyle/>
+          <a:p>
+            <a:r>
+              <a:rPr lang="en-US" sz="2800" dirty="0">
+                <a:solidFill>
+                  <a:srgbClr val="0000FF"/>
+                </a:solidFill>
+              </a:rPr>
+              <a:t>Bean</a:t>
+            </a:r>
+            <a:r>
+              <a:rPr lang="en-US" sz="2800" dirty="0"/>
+              <a:t> – the managed object (instance) by </a:t>
+            </a:r>
+            <a:r>
+              <a:rPr lang="en-US" sz="2800" dirty="0">
+                <a:solidFill>
+                  <a:schemeClr val="accent1"/>
+                </a:solidFill>
+              </a:rPr>
+              <a:t>Spring</a:t>
+            </a:r>
+            <a:r>
+              <a:rPr lang="en-US" sz="2800" dirty="0"/>
+              <a:t>. </a:t>
+            </a:r>
+          </a:p>
+          <a:p>
+            <a:pPr marL="457200" indent="-457200">
+              <a:buFont typeface="Arial" panose="020B0604020202020204" pitchFamily="34" charset="0"/>
+              <a:buChar char="•"/>
+            </a:pPr>
+            <a:r>
+              <a:rPr lang="en-US" sz="2400" dirty="0">
+                <a:solidFill>
+                  <a:schemeClr val="accent1"/>
+                </a:solidFill>
+              </a:rPr>
+              <a:t>Spring</a:t>
+            </a:r>
+            <a:r>
+              <a:rPr lang="en-US" sz="2400" dirty="0"/>
+              <a:t> manages bean creation\destruction</a:t>
+            </a:r>
+          </a:p>
+          <a:p>
+            <a:pPr marL="457200" indent="-457200">
+              <a:buFont typeface="Arial" panose="020B0604020202020204" pitchFamily="34" charset="0"/>
+              <a:buChar char="•"/>
+            </a:pPr>
+            <a:r>
+              <a:rPr lang="en-US" sz="2400" dirty="0">
+                <a:solidFill>
+                  <a:schemeClr val="accent1"/>
+                </a:solidFill>
+              </a:rPr>
+              <a:t>Spring</a:t>
+            </a:r>
+            <a:r>
+              <a:rPr lang="en-US" sz="2400" dirty="0"/>
+              <a:t> manages bean dependencies (by injection)</a:t>
+            </a:r>
+          </a:p>
+          <a:p>
+            <a:pPr marL="457200" indent="-457200">
+              <a:buFont typeface="Arial" panose="020B0604020202020204" pitchFamily="34" charset="0"/>
+              <a:buChar char="•"/>
+            </a:pPr>
+            <a:r>
+              <a:rPr lang="en-US" sz="2400" dirty="0">
+                <a:solidFill>
+                  <a:schemeClr val="accent1"/>
+                </a:solidFill>
+              </a:rPr>
+              <a:t>Spring</a:t>
+            </a:r>
+            <a:r>
+              <a:rPr lang="en-US" sz="2400" dirty="0"/>
+              <a:t> manages bean scope (singleton or prototype)</a:t>
+            </a:r>
+            <a:endParaRPr lang="en-US" sz="2800" dirty="0"/>
+          </a:p>
+          <a:p>
+            <a:pPr>
+              <a:spcBef>
+                <a:spcPts val="2200"/>
+              </a:spcBef>
+            </a:pPr>
+            <a:r>
+              <a:rPr lang="en-US" sz="2800" dirty="0">
+                <a:solidFill>
+                  <a:srgbClr val="0000FF"/>
+                </a:solidFill>
+              </a:rPr>
+              <a:t>Container</a:t>
+            </a:r>
+            <a:r>
+              <a:rPr lang="en-US" sz="2800" dirty="0"/>
+              <a:t> – </a:t>
+            </a:r>
+            <a:r>
+              <a:rPr lang="en-US" sz="2800" b="0" i="0" u="none" strike="noStrike" dirty="0">
+                <a:solidFill>
+                  <a:srgbClr val="273239"/>
+                </a:solidFill>
+                <a:effectLst/>
+              </a:rPr>
+              <a:t>is the core of </a:t>
+            </a:r>
+            <a:r>
+              <a:rPr lang="en-US" sz="2800" dirty="0">
+                <a:solidFill>
+                  <a:schemeClr val="accent1"/>
+                </a:solidFill>
+              </a:rPr>
+              <a:t>Spring</a:t>
+            </a:r>
+            <a:r>
+              <a:rPr lang="en-US" sz="2800" b="0" i="0" u="none" strike="noStrike" dirty="0">
+                <a:solidFill>
+                  <a:srgbClr val="273239"/>
+                </a:solidFill>
+                <a:effectLst/>
+              </a:rPr>
+              <a:t>. It creates the objects (</a:t>
+            </a:r>
+            <a:r>
+              <a:rPr lang="en-US" sz="2800" dirty="0">
+                <a:solidFill>
+                  <a:srgbClr val="0000FF"/>
+                </a:solidFill>
+              </a:rPr>
+              <a:t>Beans</a:t>
+            </a:r>
+            <a:r>
+              <a:rPr lang="en-US" sz="2800" b="0" i="0" u="none" strike="noStrike" dirty="0">
+                <a:solidFill>
+                  <a:srgbClr val="273239"/>
+                </a:solidFill>
+                <a:effectLst/>
+              </a:rPr>
+              <a:t>), configures and assembles their dependencies, manages their entire life cycle. </a:t>
+            </a:r>
+          </a:p>
+          <a:p>
+            <a:endParaRPr lang="en-IL" dirty="0"/>
+          </a:p>
+        </p:txBody>
+      </p:sp>
+    </p:spTree>
+    <p:extLst>
+      <p:ext uri="{BB962C8B-B14F-4D97-AF65-F5344CB8AC3E}">
+        <p14:creationId xmlns:p14="http://schemas.microsoft.com/office/powerpoint/2010/main" val="701570498"/>
+      </p:ext>
+    </p:extLst>
+  </p:cSld>
+  <p:clrMapOvr>
+    <a:masterClrMapping/>
+  </p:clrMapOvr>
+</p:sld>
+</file>
+
+<file path=ppt/slides/slide21.xml><?xml version="1.0" encoding="utf-8"?>
+<p:sld xmlns:a="http://schemas.openxmlformats.org/drawingml/2006/main" xmlns:r="http://schemas.openxmlformats.org/officeDocument/2006/relationships" xmlns:p="http://schemas.openxmlformats.org/presentationml/2006/main">
+  <p:cSld>
+    <p:spTree>
+      <p:nvGrpSpPr>
+        <p:cNvPr id="1" name=""/>
+        <p:cNvGrpSpPr/>
+        <p:nvPr/>
+      </p:nvGrpSpPr>
+      <p:grpSpPr>
+        <a:xfrm>
+          <a:off x="0" y="0"/>
+          <a:ext cx="0" cy="0"/>
+          <a:chOff x="0" y="0"/>
+          <a:chExt cx="0" cy="0"/>
+        </a:xfrm>
+      </p:grpSpPr>
+      <p:sp>
+        <p:nvSpPr>
+          <p:cNvPr id="2" name="Title 1">
+            <a:extLst>
+              <a:ext uri="{FF2B5EF4-FFF2-40B4-BE49-F238E27FC236}">
                 <a16:creationId xmlns:a16="http://schemas.microsoft.com/office/drawing/2014/main" id="{B90D6251-E851-C9AD-D484-0630D0F18CDD}"/>
               </a:ext>
             </a:extLst>
@@ -13208,7 +14146,7 @@
 </p:sld>
 </file>
 
-<file path=ppt/slides/slide21.xml><?xml version="1.0" encoding="utf-8"?>
+<file path=ppt/slides/slide22.xml><?xml version="1.0" encoding="utf-8"?>
 <p:sld xmlns:a="http://schemas.openxmlformats.org/drawingml/2006/main" xmlns:r="http://schemas.openxmlformats.org/officeDocument/2006/relationships" xmlns:p="http://schemas.openxmlformats.org/presentationml/2006/main">
   <p:cSld>
     <p:spTree>
@@ -15175,7 +16113,7 @@
 </p:sld>
 </file>
 
-<file path=ppt/slides/slide22.xml><?xml version="1.0" encoding="utf-8"?>
+<file path=ppt/slides/slide23.xml><?xml version="1.0" encoding="utf-8"?>
 <p:sld xmlns:a="http://schemas.openxmlformats.org/drawingml/2006/main" xmlns:r="http://schemas.openxmlformats.org/officeDocument/2006/relationships" xmlns:p="http://schemas.openxmlformats.org/presentationml/2006/main">
   <p:cSld>
     <p:spTree>
@@ -15331,7 +16269,7 @@
 </p:sld>
 </file>
 
-<file path=ppt/slides/slide23.xml><?xml version="1.0" encoding="utf-8"?>
+<file path=ppt/slides/slide24.xml><?xml version="1.0" encoding="utf-8"?>
 <p:sld xmlns:a="http://schemas.openxmlformats.org/drawingml/2006/main" xmlns:r="http://schemas.openxmlformats.org/officeDocument/2006/relationships" xmlns:p="http://schemas.openxmlformats.org/presentationml/2006/main">
   <p:cSld>
     <p:spTree>
@@ -16144,7 +17082,7 @@
 </p:sld>
 </file>
 
-<file path=ppt/slides/slide24.xml><?xml version="1.0" encoding="utf-8"?>
+<file path=ppt/slides/slide25.xml><?xml version="1.0" encoding="utf-8"?>
 <p:sld xmlns:a="http://schemas.openxmlformats.org/drawingml/2006/main" xmlns:r="http://schemas.openxmlformats.org/officeDocument/2006/relationships" xmlns:p="http://schemas.openxmlformats.org/presentationml/2006/main">
   <p:cSld>
     <p:spTree>
@@ -16812,7 +17750,7 @@
 </p:sld>
 </file>
 
-<file path=ppt/slides/slide25.xml><?xml version="1.0" encoding="utf-8"?>
+<file path=ppt/slides/slide26.xml><?xml version="1.0" encoding="utf-8"?>
 <p:sld xmlns:a="http://schemas.openxmlformats.org/drawingml/2006/main" xmlns:r="http://schemas.openxmlformats.org/officeDocument/2006/relationships" xmlns:p="http://schemas.openxmlformats.org/presentationml/2006/main">
   <p:cSld>
     <p:spTree>
@@ -17085,7 +18023,7 @@
 </p:sld>
 </file>
 
-<file path=ppt/slides/slide26.xml><?xml version="1.0" encoding="utf-8"?>
+<file path=ppt/slides/slide27.xml><?xml version="1.0" encoding="utf-8"?>
 <p:sld xmlns:a="http://schemas.openxmlformats.org/drawingml/2006/main" xmlns:r="http://schemas.openxmlformats.org/officeDocument/2006/relationships" xmlns:p="http://schemas.openxmlformats.org/presentationml/2006/main">
   <p:cSld>
     <p:spTree>
@@ -17185,7 +18123,7 @@
 </p:sld>
 </file>
 
-<file path=ppt/slides/slide27.xml><?xml version="1.0" encoding="utf-8"?>
+<file path=ppt/slides/slide28.xml><?xml version="1.0" encoding="utf-8"?>
 <p:sld xmlns:a="http://schemas.openxmlformats.org/drawingml/2006/main" xmlns:r="http://schemas.openxmlformats.org/officeDocument/2006/relationships" xmlns:p="http://schemas.openxmlformats.org/presentationml/2006/main">
   <p:cSld>
     <p:spTree>
@@ -17858,7 +18796,7 @@
 </p:sld>
 </file>
 
-<file path=ppt/slides/slide28.xml><?xml version="1.0" encoding="utf-8"?>
+<file path=ppt/slides/slide29.xml><?xml version="1.0" encoding="utf-8"?>
 <p:sld xmlns:a="http://schemas.openxmlformats.org/drawingml/2006/main" xmlns:r="http://schemas.openxmlformats.org/officeDocument/2006/relationships" xmlns:p="http://schemas.openxmlformats.org/presentationml/2006/main">
   <p:cSld>
     <p:spTree>
@@ -18523,7 +19461,184 @@
 </p:sld>
 </file>
 
-<file path=ppt/slides/slide29.xml><?xml version="1.0" encoding="utf-8"?>
+<file path=ppt/slides/slide3.xml><?xml version="1.0" encoding="utf-8"?>
+<p:sld xmlns:a="http://schemas.openxmlformats.org/drawingml/2006/main" xmlns:r="http://schemas.openxmlformats.org/officeDocument/2006/relationships" xmlns:p="http://schemas.openxmlformats.org/presentationml/2006/main">
+  <p:cSld>
+    <p:spTree>
+      <p:nvGrpSpPr>
+        <p:cNvPr id="1" name=""/>
+        <p:cNvGrpSpPr/>
+        <p:nvPr/>
+      </p:nvGrpSpPr>
+      <p:grpSpPr>
+        <a:xfrm>
+          <a:off x="0" y="0"/>
+          <a:ext cx="0" cy="0"/>
+          <a:chOff x="0" y="0"/>
+          <a:chExt cx="0" cy="0"/>
+        </a:xfrm>
+      </p:grpSpPr>
+      <p:sp>
+        <p:nvSpPr>
+          <p:cNvPr id="2" name="Title 1">
+            <a:extLst>
+              <a:ext uri="{FF2B5EF4-FFF2-40B4-BE49-F238E27FC236}">
+                <a16:creationId xmlns:a16="http://schemas.microsoft.com/office/drawing/2014/main" id="{A006A6CC-471B-E467-E433-0F7F437BD70A}"/>
+              </a:ext>
+            </a:extLst>
+          </p:cNvPr>
+          <p:cNvSpPr>
+            <a:spLocks noGrp="1"/>
+          </p:cNvSpPr>
+          <p:nvPr>
+            <p:ph type="title"/>
+          </p:nvPr>
+        </p:nvSpPr>
+        <p:spPr/>
+        <p:txBody>
+          <a:bodyPr/>
+          <a:lstStyle/>
+          <a:p>
+            <a:pPr algn="l" defTabSz="457200" rtl="0" eaLnBrk="1" latinLnBrk="0" hangingPunct="1">
+              <a:spcBef>
+                <a:spcPct val="0"/>
+              </a:spcBef>
+              <a:buNone/>
+            </a:pPr>
+            <a:r>
+              <a:rPr lang="en-IL" dirty="0"/>
+              <a:t>Who am I?</a:t>
+            </a:r>
+          </a:p>
+        </p:txBody>
+      </p:sp>
+      <p:sp>
+        <p:nvSpPr>
+          <p:cNvPr id="3" name="Content Placeholder 2">
+            <a:extLst>
+              <a:ext uri="{FF2B5EF4-FFF2-40B4-BE49-F238E27FC236}">
+                <a16:creationId xmlns:a16="http://schemas.microsoft.com/office/drawing/2014/main" id="{726EA61D-CDD8-9D30-FAF7-1AAB8A15C5EB}"/>
+              </a:ext>
+            </a:extLst>
+          </p:cNvPr>
+          <p:cNvSpPr>
+            <a:spLocks noGrp="1"/>
+          </p:cNvSpPr>
+          <p:nvPr>
+            <p:ph idx="1"/>
+          </p:nvPr>
+        </p:nvSpPr>
+        <p:spPr>
+          <a:xfrm>
+            <a:off x="677334" y="2160589"/>
+            <a:ext cx="7318802" cy="3880773"/>
+          </a:xfrm>
+          <a:blipFill>
+            <a:blip r:embed="rId2"/>
+            <a:tile tx="0" ty="0" sx="100000" sy="100000" flip="none" algn="tl"/>
+          </a:blipFill>
+        </p:spPr>
+        <p:txBody>
+          <a:bodyPr>
+            <a:normAutofit/>
+          </a:bodyPr>
+          <a:lstStyle/>
+          <a:p>
+            <a:r>
+              <a:rPr lang="en-IL" sz="2400" dirty="0"/>
+              <a:t>Name: Yulia Bensman</a:t>
+            </a:r>
+          </a:p>
+          <a:p>
+            <a:r>
+              <a:rPr lang="en-IL" sz="2400" dirty="0"/>
+              <a:t>13 years in AT&amp;T</a:t>
+            </a:r>
+          </a:p>
+          <a:p>
+            <a:r>
+              <a:rPr lang="en-US" sz="2400" dirty="0"/>
+              <a:t>Mother tongue: C++</a:t>
+            </a:r>
+            <a:endParaRPr lang="en-IL" sz="2400" dirty="0"/>
+          </a:p>
+          <a:p>
+            <a:r>
+              <a:rPr lang="en-IL" sz="2400" dirty="0"/>
+              <a:t>Experience in Java and Spring – since 2018 </a:t>
+            </a:r>
+          </a:p>
+          <a:p>
+            <a:r>
+              <a:rPr lang="en-IL" sz="2400" dirty="0"/>
+              <a:t>Currently: scrum master at Self-Service Productplace (SSP) at .NET department</a:t>
+            </a:r>
+          </a:p>
+          <a:p>
+            <a:r>
+              <a:rPr lang="en-IL" sz="2400" dirty="0"/>
+              <a:t>Hobbies: </a:t>
+            </a:r>
+            <a:r>
+              <a:rPr lang="en-US" sz="2400" dirty="0"/>
+              <a:t>Historical </a:t>
+            </a:r>
+            <a:r>
+              <a:rPr lang="en-IL" sz="2400" dirty="0"/>
+              <a:t>Books </a:t>
+            </a:r>
+          </a:p>
+        </p:txBody>
+      </p:sp>
+      <p:pic>
+        <p:nvPicPr>
+          <p:cNvPr id="5" name="Picture 4">
+            <a:extLst>
+              <a:ext uri="{FF2B5EF4-FFF2-40B4-BE49-F238E27FC236}">
+                <a16:creationId xmlns:a16="http://schemas.microsoft.com/office/drawing/2014/main" id="{C45732BC-62C5-0B32-2D1A-25A0E585A82E}"/>
+              </a:ext>
+            </a:extLst>
+          </p:cNvPr>
+          <p:cNvPicPr>
+            <a:picLocks noChangeAspect="1"/>
+          </p:cNvPicPr>
+          <p:nvPr/>
+        </p:nvPicPr>
+        <p:blipFill>
+          <a:blip r:embed="rId3"/>
+          <a:stretch>
+            <a:fillRect/>
+          </a:stretch>
+        </p:blipFill>
+        <p:spPr>
+          <a:xfrm rot="5400000">
+            <a:off x="7182913" y="2658698"/>
+            <a:ext cx="4182177" cy="1979066"/>
+          </a:xfrm>
+          <a:prstGeom prst="rect">
+            <a:avLst/>
+          </a:prstGeom>
+          <a:ln>
+            <a:solidFill>
+              <a:schemeClr val="accent1"/>
+            </a:solidFill>
+          </a:ln>
+        </p:spPr>
+      </p:pic>
+    </p:spTree>
+    <p:extLst>
+      <p:ext uri="{BB962C8B-B14F-4D97-AF65-F5344CB8AC3E}">
+        <p14:creationId xmlns:p14="http://schemas.microsoft.com/office/powerpoint/2010/main" val="1742278384"/>
+      </p:ext>
+    </p:extLst>
+  </p:cSld>
+  <p:clrMapOvr>
+    <a:masterClrMapping/>
+  </p:clrMapOvr>
+</p:sld>
+</file>
+
+<file path=ppt/slides/slide30.xml><?xml version="1.0" encoding="utf-8"?>
 <p:sld xmlns:a="http://schemas.openxmlformats.org/drawingml/2006/main" xmlns:r="http://schemas.openxmlformats.org/officeDocument/2006/relationships" xmlns:p="http://schemas.openxmlformats.org/presentationml/2006/main">
   <p:cSld>
     <p:spTree>
@@ -19262,184 +20377,7 @@
 </p:sld>
 </file>
 
-<file path=ppt/slides/slide3.xml><?xml version="1.0" encoding="utf-8"?>
-<p:sld xmlns:a="http://schemas.openxmlformats.org/drawingml/2006/main" xmlns:r="http://schemas.openxmlformats.org/officeDocument/2006/relationships" xmlns:p="http://schemas.openxmlformats.org/presentationml/2006/main">
-  <p:cSld>
-    <p:spTree>
-      <p:nvGrpSpPr>
-        <p:cNvPr id="1" name=""/>
-        <p:cNvGrpSpPr/>
-        <p:nvPr/>
-      </p:nvGrpSpPr>
-      <p:grpSpPr>
-        <a:xfrm>
-          <a:off x="0" y="0"/>
-          <a:ext cx="0" cy="0"/>
-          <a:chOff x="0" y="0"/>
-          <a:chExt cx="0" cy="0"/>
-        </a:xfrm>
-      </p:grpSpPr>
-      <p:sp>
-        <p:nvSpPr>
-          <p:cNvPr id="2" name="Title 1">
-            <a:extLst>
-              <a:ext uri="{FF2B5EF4-FFF2-40B4-BE49-F238E27FC236}">
-                <a16:creationId xmlns:a16="http://schemas.microsoft.com/office/drawing/2014/main" id="{A006A6CC-471B-E467-E433-0F7F437BD70A}"/>
-              </a:ext>
-            </a:extLst>
-          </p:cNvPr>
-          <p:cNvSpPr>
-            <a:spLocks noGrp="1"/>
-          </p:cNvSpPr>
-          <p:nvPr>
-            <p:ph type="title"/>
-          </p:nvPr>
-        </p:nvSpPr>
-        <p:spPr/>
-        <p:txBody>
-          <a:bodyPr/>
-          <a:lstStyle/>
-          <a:p>
-            <a:pPr algn="l" defTabSz="457200" rtl="0" eaLnBrk="1" latinLnBrk="0" hangingPunct="1">
-              <a:spcBef>
-                <a:spcPct val="0"/>
-              </a:spcBef>
-              <a:buNone/>
-            </a:pPr>
-            <a:r>
-              <a:rPr lang="en-IL" dirty="0"/>
-              <a:t>Who am I?</a:t>
-            </a:r>
-          </a:p>
-        </p:txBody>
-      </p:sp>
-      <p:sp>
-        <p:nvSpPr>
-          <p:cNvPr id="3" name="Content Placeholder 2">
-            <a:extLst>
-              <a:ext uri="{FF2B5EF4-FFF2-40B4-BE49-F238E27FC236}">
-                <a16:creationId xmlns:a16="http://schemas.microsoft.com/office/drawing/2014/main" id="{726EA61D-CDD8-9D30-FAF7-1AAB8A15C5EB}"/>
-              </a:ext>
-            </a:extLst>
-          </p:cNvPr>
-          <p:cNvSpPr>
-            <a:spLocks noGrp="1"/>
-          </p:cNvSpPr>
-          <p:nvPr>
-            <p:ph idx="1"/>
-          </p:nvPr>
-        </p:nvSpPr>
-        <p:spPr>
-          <a:xfrm>
-            <a:off x="677334" y="2160589"/>
-            <a:ext cx="7318802" cy="3880773"/>
-          </a:xfrm>
-          <a:blipFill>
-            <a:blip r:embed="rId2"/>
-            <a:tile tx="0" ty="0" sx="100000" sy="100000" flip="none" algn="tl"/>
-          </a:blipFill>
-        </p:spPr>
-        <p:txBody>
-          <a:bodyPr>
-            <a:normAutofit/>
-          </a:bodyPr>
-          <a:lstStyle/>
-          <a:p>
-            <a:r>
-              <a:rPr lang="en-IL" sz="2400" dirty="0"/>
-              <a:t>Name: Yulia Bensman</a:t>
-            </a:r>
-          </a:p>
-          <a:p>
-            <a:r>
-              <a:rPr lang="en-IL" sz="2400" dirty="0"/>
-              <a:t>13 years in AT&amp;T</a:t>
-            </a:r>
-          </a:p>
-          <a:p>
-            <a:r>
-              <a:rPr lang="en-US" sz="2400" dirty="0"/>
-              <a:t>Mother tongue: C++</a:t>
-            </a:r>
-            <a:endParaRPr lang="en-IL" sz="2400" dirty="0"/>
-          </a:p>
-          <a:p>
-            <a:r>
-              <a:rPr lang="en-IL" sz="2400" dirty="0"/>
-              <a:t>Experience in Java and Spring – since 2018 </a:t>
-            </a:r>
-          </a:p>
-          <a:p>
-            <a:r>
-              <a:rPr lang="en-IL" sz="2400" dirty="0"/>
-              <a:t>Currently: scrum master at Self-Service Productplace (SSP) at .NET department</a:t>
-            </a:r>
-          </a:p>
-          <a:p>
-            <a:r>
-              <a:rPr lang="en-IL" sz="2400" dirty="0"/>
-              <a:t>Hobbies: </a:t>
-            </a:r>
-            <a:r>
-              <a:rPr lang="en-US" sz="2400" dirty="0"/>
-              <a:t>Historical </a:t>
-            </a:r>
-            <a:r>
-              <a:rPr lang="en-IL" sz="2400" dirty="0"/>
-              <a:t>Books </a:t>
-            </a:r>
-          </a:p>
-        </p:txBody>
-      </p:sp>
-      <p:pic>
-        <p:nvPicPr>
-          <p:cNvPr id="5" name="Picture 4">
-            <a:extLst>
-              <a:ext uri="{FF2B5EF4-FFF2-40B4-BE49-F238E27FC236}">
-                <a16:creationId xmlns:a16="http://schemas.microsoft.com/office/drawing/2014/main" id="{C45732BC-62C5-0B32-2D1A-25A0E585A82E}"/>
-              </a:ext>
-            </a:extLst>
-          </p:cNvPr>
-          <p:cNvPicPr>
-            <a:picLocks noChangeAspect="1"/>
-          </p:cNvPicPr>
-          <p:nvPr/>
-        </p:nvPicPr>
-        <p:blipFill>
-          <a:blip r:embed="rId3"/>
-          <a:stretch>
-            <a:fillRect/>
-          </a:stretch>
-        </p:blipFill>
-        <p:spPr>
-          <a:xfrm rot="5400000">
-            <a:off x="7182913" y="2658698"/>
-            <a:ext cx="4182177" cy="1979066"/>
-          </a:xfrm>
-          <a:prstGeom prst="rect">
-            <a:avLst/>
-          </a:prstGeom>
-          <a:ln>
-            <a:solidFill>
-              <a:schemeClr val="accent1"/>
-            </a:solidFill>
-          </a:ln>
-        </p:spPr>
-      </p:pic>
-    </p:spTree>
-    <p:extLst>
-      <p:ext uri="{BB962C8B-B14F-4D97-AF65-F5344CB8AC3E}">
-        <p14:creationId xmlns:p14="http://schemas.microsoft.com/office/powerpoint/2010/main" val="1742278384"/>
-      </p:ext>
-    </p:extLst>
-  </p:cSld>
-  <p:clrMapOvr>
-    <a:masterClrMapping/>
-  </p:clrMapOvr>
-</p:sld>
-</file>
-
-<file path=ppt/slides/slide30.xml><?xml version="1.0" encoding="utf-8"?>
+<file path=ppt/slides/slide31.xml><?xml version="1.0" encoding="utf-8"?>
 <p:sld xmlns:a="http://schemas.openxmlformats.org/drawingml/2006/main" xmlns:r="http://schemas.openxmlformats.org/officeDocument/2006/relationships" xmlns:p="http://schemas.openxmlformats.org/presentationml/2006/main">
   <p:cSld>
     <p:spTree>
@@ -20026,7 +20964,7 @@
 </p:sld>
 </file>
 
-<file path=ppt/slides/slide31.xml><?xml version="1.0" encoding="utf-8"?>
+<file path=ppt/slides/slide32.xml><?xml version="1.0" encoding="utf-8"?>
 <p:sld xmlns:a="http://schemas.openxmlformats.org/drawingml/2006/main" xmlns:r="http://schemas.openxmlformats.org/officeDocument/2006/relationships" xmlns:p="http://schemas.openxmlformats.org/presentationml/2006/main">
   <p:cSld>
     <p:spTree>
@@ -20583,7 +21521,7 @@
 </p:sld>
 </file>
 
-<file path=ppt/slides/slide32.xml><?xml version="1.0" encoding="utf-8"?>
+<file path=ppt/slides/slide33.xml><?xml version="1.0" encoding="utf-8"?>
 <p:sld xmlns:a="http://schemas.openxmlformats.org/drawingml/2006/main" xmlns:r="http://schemas.openxmlformats.org/officeDocument/2006/relationships" xmlns:p="http://schemas.openxmlformats.org/presentationml/2006/main">
   <p:cSld>
     <p:spTree>
@@ -20779,7 +21717,7 @@
 </p:sld>
 </file>
 
-<file path=ppt/slides/slide33.xml><?xml version="1.0" encoding="utf-8"?>
+<file path=ppt/slides/slide34.xml><?xml version="1.0" encoding="utf-8"?>
 <p:sld xmlns:a="http://schemas.openxmlformats.org/drawingml/2006/main" xmlns:r="http://schemas.openxmlformats.org/officeDocument/2006/relationships" xmlns:p="http://schemas.openxmlformats.org/presentationml/2006/main">
   <p:cSld>
     <p:spTree>
@@ -21976,7 +22914,7 @@
 </p:sld>
 </file>
 
-<file path=ppt/slides/slide34.xml><?xml version="1.0" encoding="utf-8"?>
+<file path=ppt/slides/slide35.xml><?xml version="1.0" encoding="utf-8"?>
 <p:sld xmlns:a="http://schemas.openxmlformats.org/drawingml/2006/main" xmlns:r="http://schemas.openxmlformats.org/officeDocument/2006/relationships" xmlns:p="http://schemas.openxmlformats.org/presentationml/2006/main">
   <p:cSld>
     <p:spTree>
@@ -23161,7 +24099,7 @@
 </p:sld>
 </file>
 
-<file path=ppt/slides/slide35.xml><?xml version="1.0" encoding="utf-8"?>
+<file path=ppt/slides/slide36.xml><?xml version="1.0" encoding="utf-8"?>
 <p:sld xmlns:a="http://schemas.openxmlformats.org/drawingml/2006/main" xmlns:r="http://schemas.openxmlformats.org/officeDocument/2006/relationships" xmlns:p="http://schemas.openxmlformats.org/presentationml/2006/main">
   <p:cSld>
     <p:spTree>
@@ -24357,7 +25295,7 @@
 </p:sld>
 </file>
 
-<file path=ppt/slides/slide36.xml><?xml version="1.0" encoding="utf-8"?>
+<file path=ppt/slides/slide37.xml><?xml version="1.0" encoding="utf-8"?>
 <p:sld xmlns:a="http://schemas.openxmlformats.org/drawingml/2006/main" xmlns:r="http://schemas.openxmlformats.org/officeDocument/2006/relationships" xmlns:p="http://schemas.openxmlformats.org/presentationml/2006/main">
   <p:cSld>
     <p:spTree>
@@ -24424,7 +25362,7 @@
 </p:sld>
 </file>
 
-<file path=ppt/slides/slide37.xml><?xml version="1.0" encoding="utf-8"?>
+<file path=ppt/slides/slide38.xml><?xml version="1.0" encoding="utf-8"?>
 <p:sld xmlns:a="http://schemas.openxmlformats.org/drawingml/2006/main" xmlns:r="http://schemas.openxmlformats.org/officeDocument/2006/relationships" xmlns:p="http://schemas.openxmlformats.org/presentationml/2006/main">
   <p:cSld>
     <p:spTree>
@@ -24510,7 +25448,7 @@
 </p:sld>
 </file>
 
-<file path=ppt/slides/slide38.xml><?xml version="1.0" encoding="utf-8"?>
+<file path=ppt/slides/slide39.xml><?xml version="1.0" encoding="utf-8"?>
 <p:sld xmlns:a="http://schemas.openxmlformats.org/drawingml/2006/main" xmlns:r="http://schemas.openxmlformats.org/officeDocument/2006/relationships" xmlns:p="http://schemas.openxmlformats.org/presentationml/2006/main">
   <p:cSld>
     <p:spTree>
@@ -24620,248 +25558,6 @@
   <p:clrMapOvr>
     <a:masterClrMapping/>
   </p:clrMapOvr>
-</p:sld>
-</file>
-
-<file path=ppt/slides/slide39.xml><?xml version="1.0" encoding="utf-8"?>
-<p:sld xmlns:a="http://schemas.openxmlformats.org/drawingml/2006/main" xmlns:r="http://schemas.openxmlformats.org/officeDocument/2006/relationships" xmlns:p="http://schemas.openxmlformats.org/presentationml/2006/main">
-  <p:cSld>
-    <p:spTree>
-      <p:nvGrpSpPr>
-        <p:cNvPr id="1" name=""/>
-        <p:cNvGrpSpPr/>
-        <p:nvPr/>
-      </p:nvGrpSpPr>
-      <p:grpSpPr>
-        <a:xfrm>
-          <a:off x="0" y="0"/>
-          <a:ext cx="0" cy="0"/>
-          <a:chOff x="0" y="0"/>
-          <a:chExt cx="0" cy="0"/>
-        </a:xfrm>
-      </p:grpSpPr>
-      <p:sp>
-        <p:nvSpPr>
-          <p:cNvPr id="2" name="Title 1">
-            <a:extLst>
-              <a:ext uri="{FF2B5EF4-FFF2-40B4-BE49-F238E27FC236}">
-                <a16:creationId xmlns:a16="http://schemas.microsoft.com/office/drawing/2014/main" id="{8BEC5D86-27D5-ED1C-12E7-730389A6F2F8}"/>
-              </a:ext>
-            </a:extLst>
-          </p:cNvPr>
-          <p:cNvSpPr>
-            <a:spLocks noGrp="1"/>
-          </p:cNvSpPr>
-          <p:nvPr>
-            <p:ph type="title"/>
-          </p:nvPr>
-        </p:nvSpPr>
-        <p:spPr/>
-        <p:txBody>
-          <a:bodyPr/>
-          <a:lstStyle/>
-          <a:p>
-            <a:r>
-              <a:rPr lang="en-US" dirty="0"/>
-              <a:t>How would I like to improve my application?</a:t>
-            </a:r>
-            <a:endParaRPr lang="en-IL" dirty="0"/>
-          </a:p>
-        </p:txBody>
-      </p:sp>
-      <p:sp>
-        <p:nvSpPr>
-          <p:cNvPr id="3" name="Content Placeholder 2">
-            <a:extLst>
-              <a:ext uri="{FF2B5EF4-FFF2-40B4-BE49-F238E27FC236}">
-                <a16:creationId xmlns:a16="http://schemas.microsoft.com/office/drawing/2014/main" id="{A40742AE-7726-8C8A-387B-C2A7992D254C}"/>
-              </a:ext>
-            </a:extLst>
-          </p:cNvPr>
-          <p:cNvSpPr>
-            <a:spLocks noGrp="1"/>
-          </p:cNvSpPr>
-          <p:nvPr>
-            <p:ph idx="1"/>
-          </p:nvPr>
-        </p:nvSpPr>
-        <p:spPr/>
-        <p:txBody>
-          <a:bodyPr/>
-          <a:lstStyle/>
-          <a:p>
-            <a:r>
-              <a:rPr lang="en-IL" sz="2400" dirty="0"/>
-              <a:t>I would like Spring </a:t>
-            </a:r>
-            <a:r>
-              <a:rPr lang="en-US" sz="2400" dirty="0"/>
-              <a:t>to automatically scan and register in the application context all my beans, like configurations, controllers, services, and other components I define.</a:t>
-            </a:r>
-          </a:p>
-          <a:p>
-            <a:endParaRPr lang="en-US" sz="2400" dirty="0"/>
-          </a:p>
-          <a:p>
-            <a:r>
-              <a:rPr lang="en-US" sz="2400" dirty="0"/>
-              <a:t>I would like Spring to automatically create and register beans also from the jars that are added to my application. For example, if PostgreSQL is in the application </a:t>
-            </a:r>
-            <a:r>
-              <a:rPr lang="en-US" sz="2400" dirty="0" err="1"/>
-              <a:t>classpath</a:t>
-            </a:r>
-            <a:r>
-              <a:rPr lang="en-US" sz="2400" dirty="0"/>
-              <a:t>, I would like Spring to auto-configure an in-memory database (unless I defined it otherwise). </a:t>
-            </a:r>
-          </a:p>
-          <a:p>
-            <a:endParaRPr lang="en-US" dirty="0"/>
-          </a:p>
-        </p:txBody>
-      </p:sp>
-    </p:spTree>
-    <p:extLst>
-      <p:ext uri="{BB962C8B-B14F-4D97-AF65-F5344CB8AC3E}">
-        <p14:creationId xmlns:p14="http://schemas.microsoft.com/office/powerpoint/2010/main" val="2089263936"/>
-      </p:ext>
-    </p:extLst>
-  </p:cSld>
-  <p:clrMapOvr>
-    <a:masterClrMapping/>
-  </p:clrMapOvr>
-  <p:timing>
-    <p:tnLst>
-      <p:par>
-        <p:cTn id="1" dur="indefinite" restart="never" nodeType="tmRoot">
-          <p:childTnLst>
-            <p:seq concurrent="1" nextAc="seek">
-              <p:cTn id="2" dur="indefinite" nodeType="mainSeq">
-                <p:childTnLst>
-                  <p:par>
-                    <p:cTn id="3" fill="hold">
-                      <p:stCondLst>
-                        <p:cond delay="indefinite"/>
-                      </p:stCondLst>
-                      <p:childTnLst>
-                        <p:par>
-                          <p:cTn id="4" fill="hold">
-                            <p:stCondLst>
-                              <p:cond delay="0"/>
-                            </p:stCondLst>
-                            <p:childTnLst>
-                              <p:par>
-                                <p:cTn id="5" presetID="1" presetClass="entr" presetSubtype="0" fill="hold" grpId="0" nodeType="clickEffect">
-                                  <p:stCondLst>
-                                    <p:cond delay="0"/>
-                                  </p:stCondLst>
-                                  <p:childTnLst>
-                                    <p:set>
-                                      <p:cBhvr>
-                                        <p:cTn id="6" dur="1" fill="hold">
-                                          <p:stCondLst>
-                                            <p:cond delay="0"/>
-                                          </p:stCondLst>
-                                        </p:cTn>
-                                        <p:tgtEl>
-                                          <p:spTgt spid="3">
-                                            <p:txEl>
-                                              <p:pRg st="0" end="0"/>
-                                            </p:txEl>
-                                          </p:spTgt>
-                                        </p:tgtEl>
-                                        <p:attrNameLst>
-                                          <p:attrName>style.visibility</p:attrName>
-                                        </p:attrNameLst>
-                                      </p:cBhvr>
-                                      <p:to>
-                                        <p:strVal val="visible"/>
-                                      </p:to>
-                                    </p:set>
-                                  </p:childTnLst>
-                                </p:cTn>
-                              </p:par>
-                            </p:childTnLst>
-                          </p:cTn>
-                        </p:par>
-                      </p:childTnLst>
-                    </p:cTn>
-                  </p:par>
-                  <p:par>
-                    <p:cTn id="7" fill="hold">
-                      <p:stCondLst>
-                        <p:cond delay="indefinite"/>
-                      </p:stCondLst>
-                      <p:childTnLst>
-                        <p:par>
-                          <p:cTn id="8" fill="hold">
-                            <p:stCondLst>
-                              <p:cond delay="0"/>
-                            </p:stCondLst>
-                            <p:childTnLst>
-                              <p:par>
-                                <p:cTn id="9" presetID="1" presetClass="entr" presetSubtype="0" fill="hold" grpId="0" nodeType="clickEffect">
-                                  <p:stCondLst>
-                                    <p:cond delay="0"/>
-                                  </p:stCondLst>
-                                  <p:childTnLst>
-                                    <p:set>
-                                      <p:cBhvr>
-                                        <p:cTn id="10" dur="1" fill="hold">
-                                          <p:stCondLst>
-                                            <p:cond delay="0"/>
-                                          </p:stCondLst>
-                                        </p:cTn>
-                                        <p:tgtEl>
-                                          <p:spTgt spid="3">
-                                            <p:txEl>
-                                              <p:pRg st="2" end="2"/>
-                                            </p:txEl>
-                                          </p:spTgt>
-                                        </p:tgtEl>
-                                        <p:attrNameLst>
-                                          <p:attrName>style.visibility</p:attrName>
-                                        </p:attrNameLst>
-                                      </p:cBhvr>
-                                      <p:to>
-                                        <p:strVal val="visible"/>
-                                      </p:to>
-                                    </p:set>
-                                  </p:childTnLst>
-                                </p:cTn>
-                              </p:par>
-                            </p:childTnLst>
-                          </p:cTn>
-                        </p:par>
-                      </p:childTnLst>
-                    </p:cTn>
-                  </p:par>
-                </p:childTnLst>
-              </p:cTn>
-              <p:prevCondLst>
-                <p:cond evt="onPrev" delay="0">
-                  <p:tgtEl>
-                    <p:sldTgt/>
-                  </p:tgtEl>
-                </p:cond>
-              </p:prevCondLst>
-              <p:nextCondLst>
-                <p:cond evt="onNext" delay="0">
-                  <p:tgtEl>
-                    <p:sldTgt/>
-                  </p:tgtEl>
-                </p:cond>
-              </p:nextCondLst>
-            </p:seq>
-          </p:childTnLst>
-        </p:cTn>
-      </p:par>
-    </p:tnLst>
-    <p:bldLst>
-      <p:bldP spid="3" grpId="0" build="p"/>
-    </p:bldLst>
-  </p:timing>
 </p:sld>
 </file>
 
@@ -25497,6 +26193,248 @@
           <a:p>
             <a:r>
               <a:rPr lang="en-US" dirty="0"/>
+              <a:t>How would I like to improve my application?</a:t>
+            </a:r>
+            <a:endParaRPr lang="en-IL" dirty="0"/>
+          </a:p>
+        </p:txBody>
+      </p:sp>
+      <p:sp>
+        <p:nvSpPr>
+          <p:cNvPr id="3" name="Content Placeholder 2">
+            <a:extLst>
+              <a:ext uri="{FF2B5EF4-FFF2-40B4-BE49-F238E27FC236}">
+                <a16:creationId xmlns:a16="http://schemas.microsoft.com/office/drawing/2014/main" id="{A40742AE-7726-8C8A-387B-C2A7992D254C}"/>
+              </a:ext>
+            </a:extLst>
+          </p:cNvPr>
+          <p:cNvSpPr>
+            <a:spLocks noGrp="1"/>
+          </p:cNvSpPr>
+          <p:nvPr>
+            <p:ph idx="1"/>
+          </p:nvPr>
+        </p:nvSpPr>
+        <p:spPr/>
+        <p:txBody>
+          <a:bodyPr/>
+          <a:lstStyle/>
+          <a:p>
+            <a:r>
+              <a:rPr lang="en-IL" sz="2400" dirty="0"/>
+              <a:t>I would like Spring </a:t>
+            </a:r>
+            <a:r>
+              <a:rPr lang="en-US" sz="2400" dirty="0"/>
+              <a:t>to automatically scan and register in the application context all my beans, like configurations, controllers, services, and other components I define.</a:t>
+            </a:r>
+          </a:p>
+          <a:p>
+            <a:endParaRPr lang="en-US" sz="2400" dirty="0"/>
+          </a:p>
+          <a:p>
+            <a:r>
+              <a:rPr lang="en-US" sz="2400" dirty="0"/>
+              <a:t>I would like Spring to automatically create and register beans also from the jars that are added to my application. For example, if PostgreSQL is in the application </a:t>
+            </a:r>
+            <a:r>
+              <a:rPr lang="en-US" sz="2400" dirty="0" err="1"/>
+              <a:t>classpath</a:t>
+            </a:r>
+            <a:r>
+              <a:rPr lang="en-US" sz="2400" dirty="0"/>
+              <a:t>, I would like Spring to auto-configure an in-memory database (unless I defined it otherwise). </a:t>
+            </a:r>
+          </a:p>
+          <a:p>
+            <a:endParaRPr lang="en-US" dirty="0"/>
+          </a:p>
+        </p:txBody>
+      </p:sp>
+    </p:spTree>
+    <p:extLst>
+      <p:ext uri="{BB962C8B-B14F-4D97-AF65-F5344CB8AC3E}">
+        <p14:creationId xmlns:p14="http://schemas.microsoft.com/office/powerpoint/2010/main" val="2089263936"/>
+      </p:ext>
+    </p:extLst>
+  </p:cSld>
+  <p:clrMapOvr>
+    <a:masterClrMapping/>
+  </p:clrMapOvr>
+  <p:timing>
+    <p:tnLst>
+      <p:par>
+        <p:cTn id="1" dur="indefinite" restart="never" nodeType="tmRoot">
+          <p:childTnLst>
+            <p:seq concurrent="1" nextAc="seek">
+              <p:cTn id="2" dur="indefinite" nodeType="mainSeq">
+                <p:childTnLst>
+                  <p:par>
+                    <p:cTn id="3" fill="hold">
+                      <p:stCondLst>
+                        <p:cond delay="indefinite"/>
+                      </p:stCondLst>
+                      <p:childTnLst>
+                        <p:par>
+                          <p:cTn id="4" fill="hold">
+                            <p:stCondLst>
+                              <p:cond delay="0"/>
+                            </p:stCondLst>
+                            <p:childTnLst>
+                              <p:par>
+                                <p:cTn id="5" presetID="1" presetClass="entr" presetSubtype="0" fill="hold" grpId="0" nodeType="clickEffect">
+                                  <p:stCondLst>
+                                    <p:cond delay="0"/>
+                                  </p:stCondLst>
+                                  <p:childTnLst>
+                                    <p:set>
+                                      <p:cBhvr>
+                                        <p:cTn id="6" dur="1" fill="hold">
+                                          <p:stCondLst>
+                                            <p:cond delay="0"/>
+                                          </p:stCondLst>
+                                        </p:cTn>
+                                        <p:tgtEl>
+                                          <p:spTgt spid="3">
+                                            <p:txEl>
+                                              <p:pRg st="0" end="0"/>
+                                            </p:txEl>
+                                          </p:spTgt>
+                                        </p:tgtEl>
+                                        <p:attrNameLst>
+                                          <p:attrName>style.visibility</p:attrName>
+                                        </p:attrNameLst>
+                                      </p:cBhvr>
+                                      <p:to>
+                                        <p:strVal val="visible"/>
+                                      </p:to>
+                                    </p:set>
+                                  </p:childTnLst>
+                                </p:cTn>
+                              </p:par>
+                            </p:childTnLst>
+                          </p:cTn>
+                        </p:par>
+                      </p:childTnLst>
+                    </p:cTn>
+                  </p:par>
+                  <p:par>
+                    <p:cTn id="7" fill="hold">
+                      <p:stCondLst>
+                        <p:cond delay="indefinite"/>
+                      </p:stCondLst>
+                      <p:childTnLst>
+                        <p:par>
+                          <p:cTn id="8" fill="hold">
+                            <p:stCondLst>
+                              <p:cond delay="0"/>
+                            </p:stCondLst>
+                            <p:childTnLst>
+                              <p:par>
+                                <p:cTn id="9" presetID="1" presetClass="entr" presetSubtype="0" fill="hold" grpId="0" nodeType="clickEffect">
+                                  <p:stCondLst>
+                                    <p:cond delay="0"/>
+                                  </p:stCondLst>
+                                  <p:childTnLst>
+                                    <p:set>
+                                      <p:cBhvr>
+                                        <p:cTn id="10" dur="1" fill="hold">
+                                          <p:stCondLst>
+                                            <p:cond delay="0"/>
+                                          </p:stCondLst>
+                                        </p:cTn>
+                                        <p:tgtEl>
+                                          <p:spTgt spid="3">
+                                            <p:txEl>
+                                              <p:pRg st="2" end="2"/>
+                                            </p:txEl>
+                                          </p:spTgt>
+                                        </p:tgtEl>
+                                        <p:attrNameLst>
+                                          <p:attrName>style.visibility</p:attrName>
+                                        </p:attrNameLst>
+                                      </p:cBhvr>
+                                      <p:to>
+                                        <p:strVal val="visible"/>
+                                      </p:to>
+                                    </p:set>
+                                  </p:childTnLst>
+                                </p:cTn>
+                              </p:par>
+                            </p:childTnLst>
+                          </p:cTn>
+                        </p:par>
+                      </p:childTnLst>
+                    </p:cTn>
+                  </p:par>
+                </p:childTnLst>
+              </p:cTn>
+              <p:prevCondLst>
+                <p:cond evt="onPrev" delay="0">
+                  <p:tgtEl>
+                    <p:sldTgt/>
+                  </p:tgtEl>
+                </p:cond>
+              </p:prevCondLst>
+              <p:nextCondLst>
+                <p:cond evt="onNext" delay="0">
+                  <p:tgtEl>
+                    <p:sldTgt/>
+                  </p:tgtEl>
+                </p:cond>
+              </p:nextCondLst>
+            </p:seq>
+          </p:childTnLst>
+        </p:cTn>
+      </p:par>
+    </p:tnLst>
+    <p:bldLst>
+      <p:bldP spid="3" grpId="0" build="p"/>
+    </p:bldLst>
+  </p:timing>
+</p:sld>
+</file>
+
+<file path=ppt/slides/slide41.xml><?xml version="1.0" encoding="utf-8"?>
+<p:sld xmlns:a="http://schemas.openxmlformats.org/drawingml/2006/main" xmlns:r="http://schemas.openxmlformats.org/officeDocument/2006/relationships" xmlns:p="http://schemas.openxmlformats.org/presentationml/2006/main">
+  <p:cSld>
+    <p:spTree>
+      <p:nvGrpSpPr>
+        <p:cNvPr id="1" name=""/>
+        <p:cNvGrpSpPr/>
+        <p:nvPr/>
+      </p:nvGrpSpPr>
+      <p:grpSpPr>
+        <a:xfrm>
+          <a:off x="0" y="0"/>
+          <a:ext cx="0" cy="0"/>
+          <a:chOff x="0" y="0"/>
+          <a:chExt cx="0" cy="0"/>
+        </a:xfrm>
+      </p:grpSpPr>
+      <p:sp>
+        <p:nvSpPr>
+          <p:cNvPr id="2" name="Title 1">
+            <a:extLst>
+              <a:ext uri="{FF2B5EF4-FFF2-40B4-BE49-F238E27FC236}">
+                <a16:creationId xmlns:a16="http://schemas.microsoft.com/office/drawing/2014/main" id="{8BEC5D86-27D5-ED1C-12E7-730389A6F2F8}"/>
+              </a:ext>
+            </a:extLst>
+          </p:cNvPr>
+          <p:cNvSpPr>
+            <a:spLocks noGrp="1"/>
+          </p:cNvSpPr>
+          <p:nvPr>
+            <p:ph type="title"/>
+          </p:nvPr>
+        </p:nvSpPr>
+        <p:spPr/>
+        <p:txBody>
+          <a:bodyPr/>
+          <a:lstStyle/>
+          <a:p>
+            <a:r>
+              <a:rPr lang="en-US" dirty="0"/>
               <a:t>Spring Boot is the solution </a:t>
             </a:r>
             <a:r>
@@ -25945,7 +26883,7 @@
 </p:sld>
 </file>
 
-<file path=ppt/slides/slide41.xml><?xml version="1.0" encoding="utf-8"?>
+<file path=ppt/slides/slide42.xml><?xml version="1.0" encoding="utf-8"?>
 <p:sld xmlns:a="http://schemas.openxmlformats.org/drawingml/2006/main" xmlns:r="http://schemas.openxmlformats.org/officeDocument/2006/relationships" xmlns:p="http://schemas.openxmlformats.org/presentationml/2006/main">
   <p:cSld>
     <p:spTree>
@@ -26012,7 +26950,7 @@
 </p:sld>
 </file>
 
-<file path=ppt/slides/slide42.xml><?xml version="1.0" encoding="utf-8"?>
+<file path=ppt/slides/slide43.xml><?xml version="1.0" encoding="utf-8"?>
 <p:sld xmlns:a="http://schemas.openxmlformats.org/drawingml/2006/main" xmlns:r="http://schemas.openxmlformats.org/officeDocument/2006/relationships" xmlns:p="http://schemas.openxmlformats.org/presentationml/2006/main">
   <p:cSld>
     <p:spTree>
@@ -26102,7 +27040,7 @@
             </a:r>
             <a:r>
               <a:rPr lang="en-US" sz="1600" u="sng" dirty="0">
-                <a:hlinkClick r:id="rId2"/>
+                <a:hlinkClick r:id="rId3"/>
               </a:rPr>
               <a:t>https://spring.io/projects</a:t>
             </a:r>
@@ -26652,7 +27590,7 @@
 </p:sld>
 </file>
 
-<file path=ppt/slides/slide43.xml><?xml version="1.0" encoding="utf-8"?>
+<file path=ppt/slides/slide44.xml><?xml version="1.0" encoding="utf-8"?>
 <p:sld xmlns:a="http://schemas.openxmlformats.org/drawingml/2006/main" xmlns:r="http://schemas.openxmlformats.org/officeDocument/2006/relationships" xmlns:p="http://schemas.openxmlformats.org/presentationml/2006/main">
   <p:cSld>
     <p:spTree>
@@ -27305,7 +28243,7 @@
 </p:sld>
 </file>
 
-<file path=ppt/slides/slide44.xml><?xml version="1.0" encoding="utf-8"?>
+<file path=ppt/slides/slide45.xml><?xml version="1.0" encoding="utf-8"?>
 <p:sld xmlns:a="http://schemas.openxmlformats.org/drawingml/2006/main" xmlns:r="http://schemas.openxmlformats.org/officeDocument/2006/relationships" xmlns:p="http://schemas.openxmlformats.org/presentationml/2006/main">
   <p:cSld>
     <p:spTree>
@@ -27444,7 +28382,7 @@
 </p:sld>
 </file>
 
-<file path=ppt/slides/slide45.xml><?xml version="1.0" encoding="utf-8"?>
+<file path=ppt/slides/slide46.xml><?xml version="1.0" encoding="utf-8"?>
 <p:sld xmlns:a="http://schemas.openxmlformats.org/drawingml/2006/main" xmlns:r="http://schemas.openxmlformats.org/officeDocument/2006/relationships" xmlns:p="http://schemas.openxmlformats.org/presentationml/2006/main">
   <p:cSld>
     <p:spTree>
@@ -27854,7 +28792,7 @@
 </p:sld>
 </file>
 
-<file path=ppt/slides/slide46.xml><?xml version="1.0" encoding="utf-8"?>
+<file path=ppt/slides/slide47.xml><?xml version="1.0" encoding="utf-8"?>
 <p:sld xmlns:a="http://schemas.openxmlformats.org/drawingml/2006/main" xmlns:r="http://schemas.openxmlformats.org/officeDocument/2006/relationships" xmlns:p="http://schemas.openxmlformats.org/presentationml/2006/main">
   <p:cSld>
     <p:spTree>
@@ -28063,7 +29001,7 @@
 </p:sld>
 </file>
 
-<file path=ppt/slides/slide47.xml><?xml version="1.0" encoding="utf-8"?>
+<file path=ppt/slides/slide48.xml><?xml version="1.0" encoding="utf-8"?>
 <p:sld xmlns:a="http://schemas.openxmlformats.org/drawingml/2006/main" xmlns:r="http://schemas.openxmlformats.org/officeDocument/2006/relationships" xmlns:p="http://schemas.openxmlformats.org/presentationml/2006/main">
   <p:cSld>
     <p:spTree>
@@ -28270,7 +29208,7 @@
 </p:sld>
 </file>
 
-<file path=ppt/slides/slide48.xml><?xml version="1.0" encoding="utf-8"?>
+<file path=ppt/slides/slide49.xml><?xml version="1.0" encoding="utf-8"?>
 <p:sld xmlns:a="http://schemas.openxmlformats.org/drawingml/2006/main" xmlns:r="http://schemas.openxmlformats.org/officeDocument/2006/relationships" xmlns:p="http://schemas.openxmlformats.org/presentationml/2006/main">
   <p:cSld>
     <p:spTree>
@@ -28718,110 +29656,6 @@
     <p:extLst>
       <p:ext uri="{BB962C8B-B14F-4D97-AF65-F5344CB8AC3E}">
         <p14:creationId xmlns:p14="http://schemas.microsoft.com/office/powerpoint/2010/main" val="1471651598"/>
-      </p:ext>
-    </p:extLst>
-  </p:cSld>
-  <p:clrMapOvr>
-    <a:masterClrMapping/>
-  </p:clrMapOvr>
-</p:sld>
-</file>
-
-<file path=ppt/slides/slide49.xml><?xml version="1.0" encoding="utf-8"?>
-<p:sld xmlns:a="http://schemas.openxmlformats.org/drawingml/2006/main" xmlns:r="http://schemas.openxmlformats.org/officeDocument/2006/relationships" xmlns:p="http://schemas.openxmlformats.org/presentationml/2006/main">
-  <p:cSld>
-    <p:spTree>
-      <p:nvGrpSpPr>
-        <p:cNvPr id="1" name=""/>
-        <p:cNvGrpSpPr/>
-        <p:nvPr/>
-      </p:nvGrpSpPr>
-      <p:grpSpPr>
-        <a:xfrm>
-          <a:off x="0" y="0"/>
-          <a:ext cx="0" cy="0"/>
-          <a:chOff x="0" y="0"/>
-          <a:chExt cx="0" cy="0"/>
-        </a:xfrm>
-      </p:grpSpPr>
-      <p:sp>
-        <p:nvSpPr>
-          <p:cNvPr id="2" name="Title 1">
-            <a:extLst>
-              <a:ext uri="{FF2B5EF4-FFF2-40B4-BE49-F238E27FC236}">
-                <a16:creationId xmlns:a16="http://schemas.microsoft.com/office/drawing/2014/main" id="{FBD421C7-2214-5BC4-5AAC-1663EB1E03D9}"/>
-              </a:ext>
-            </a:extLst>
-          </p:cNvPr>
-          <p:cNvSpPr>
-            <a:spLocks noGrp="1"/>
-          </p:cNvSpPr>
-          <p:nvPr>
-            <p:ph type="title"/>
-          </p:nvPr>
-        </p:nvSpPr>
-        <p:spPr>
-          <a:xfrm>
-            <a:off x="985969" y="4553712"/>
-            <a:ext cx="8288032" cy="1096316"/>
-          </a:xfrm>
-        </p:spPr>
-        <p:txBody>
-          <a:bodyPr vert="horz" lIns="91440" tIns="45720" rIns="91440" bIns="45720" rtlCol="0" anchor="b">
-            <a:normAutofit/>
-          </a:bodyPr>
-          <a:lstStyle/>
-          <a:p>
-            <a:pPr algn="ctr"/>
-            <a:r>
-              <a:rPr lang="en-US" sz="4800" kern="1200">
-                <a:solidFill>
-                  <a:schemeClr val="accent1"/>
-                </a:solidFill>
-                <a:latin typeface="+mj-lt"/>
-                <a:ea typeface="+mj-ea"/>
-                <a:cs typeface="+mj-cs"/>
-              </a:rPr>
-              <a:t>Spring vs. Spring Boot</a:t>
-            </a:r>
-          </a:p>
-        </p:txBody>
-      </p:sp>
-      <p:pic>
-        <p:nvPicPr>
-          <p:cNvPr id="4" name="תמונה 1">
-            <a:extLst>
-              <a:ext uri="{FF2B5EF4-FFF2-40B4-BE49-F238E27FC236}">
-                <a16:creationId xmlns:a16="http://schemas.microsoft.com/office/drawing/2014/main" id="{433C5033-0EEF-4C26-BB9A-23370729A450}"/>
-              </a:ext>
-            </a:extLst>
-          </p:cNvPr>
-          <p:cNvPicPr>
-            <a:picLocks noGrp="1" noChangeAspect="1"/>
-          </p:cNvPicPr>
-          <p:nvPr>
-            <p:ph idx="1"/>
-          </p:nvPr>
-        </p:nvPicPr>
-        <p:blipFill rotWithShape="1">
-          <a:blip r:embed="rId2"/>
-          <a:srcRect t="5405" b="3049"/>
-          <a:stretch/>
-        </p:blipFill>
-        <p:spPr>
-          <a:xfrm>
-            <a:off x="2965333" y="934222"/>
-            <a:ext cx="4329302" cy="3299450"/>
-          </a:xfrm>
-          <a:prstGeom prst="rect">
-            <a:avLst/>
-          </a:prstGeom>
-        </p:spPr>
-      </p:pic>
-    </p:spTree>
-    <p:extLst>
-      <p:ext uri="{BB962C8B-B14F-4D97-AF65-F5344CB8AC3E}">
-        <p14:creationId xmlns:p14="http://schemas.microsoft.com/office/powerpoint/2010/main" val="206420367"/>
       </p:ext>
     </p:extLst>
   </p:cSld>
@@ -31042,6 +31876,110 @@
           <p:cNvPr id="2" name="Title 1">
             <a:extLst>
               <a:ext uri="{FF2B5EF4-FFF2-40B4-BE49-F238E27FC236}">
+                <a16:creationId xmlns:a16="http://schemas.microsoft.com/office/drawing/2014/main" id="{FBD421C7-2214-5BC4-5AAC-1663EB1E03D9}"/>
+              </a:ext>
+            </a:extLst>
+          </p:cNvPr>
+          <p:cNvSpPr>
+            <a:spLocks noGrp="1"/>
+          </p:cNvSpPr>
+          <p:nvPr>
+            <p:ph type="title"/>
+          </p:nvPr>
+        </p:nvSpPr>
+        <p:spPr>
+          <a:xfrm>
+            <a:off x="985969" y="4553712"/>
+            <a:ext cx="8288032" cy="1096316"/>
+          </a:xfrm>
+        </p:spPr>
+        <p:txBody>
+          <a:bodyPr vert="horz" lIns="91440" tIns="45720" rIns="91440" bIns="45720" rtlCol="0" anchor="b">
+            <a:normAutofit/>
+          </a:bodyPr>
+          <a:lstStyle/>
+          <a:p>
+            <a:pPr algn="ctr"/>
+            <a:r>
+              <a:rPr lang="en-US" sz="4800" kern="1200">
+                <a:solidFill>
+                  <a:schemeClr val="accent1"/>
+                </a:solidFill>
+                <a:latin typeface="+mj-lt"/>
+                <a:ea typeface="+mj-ea"/>
+                <a:cs typeface="+mj-cs"/>
+              </a:rPr>
+              <a:t>Spring vs. Spring Boot</a:t>
+            </a:r>
+          </a:p>
+        </p:txBody>
+      </p:sp>
+      <p:pic>
+        <p:nvPicPr>
+          <p:cNvPr id="4" name="תמונה 1">
+            <a:extLst>
+              <a:ext uri="{FF2B5EF4-FFF2-40B4-BE49-F238E27FC236}">
+                <a16:creationId xmlns:a16="http://schemas.microsoft.com/office/drawing/2014/main" id="{433C5033-0EEF-4C26-BB9A-23370729A450}"/>
+              </a:ext>
+            </a:extLst>
+          </p:cNvPr>
+          <p:cNvPicPr>
+            <a:picLocks noGrp="1" noChangeAspect="1"/>
+          </p:cNvPicPr>
+          <p:nvPr>
+            <p:ph idx="1"/>
+          </p:nvPr>
+        </p:nvPicPr>
+        <p:blipFill rotWithShape="1">
+          <a:blip r:embed="rId2"/>
+          <a:srcRect t="5405" b="3049"/>
+          <a:stretch/>
+        </p:blipFill>
+        <p:spPr>
+          <a:xfrm>
+            <a:off x="2965333" y="934222"/>
+            <a:ext cx="4329302" cy="3299450"/>
+          </a:xfrm>
+          <a:prstGeom prst="rect">
+            <a:avLst/>
+          </a:prstGeom>
+        </p:spPr>
+      </p:pic>
+    </p:spTree>
+    <p:extLst>
+      <p:ext uri="{BB962C8B-B14F-4D97-AF65-F5344CB8AC3E}">
+        <p14:creationId xmlns:p14="http://schemas.microsoft.com/office/powerpoint/2010/main" val="206420367"/>
+      </p:ext>
+    </p:extLst>
+  </p:cSld>
+  <p:clrMapOvr>
+    <a:masterClrMapping/>
+  </p:clrMapOvr>
+</p:sld>
+</file>
+
+<file path=ppt/slides/slide51.xml><?xml version="1.0" encoding="utf-8"?>
+<p:sld xmlns:a="http://schemas.openxmlformats.org/drawingml/2006/main" xmlns:r="http://schemas.openxmlformats.org/officeDocument/2006/relationships" xmlns:p="http://schemas.openxmlformats.org/presentationml/2006/main">
+  <p:cSld>
+    <p:spTree>
+      <p:nvGrpSpPr>
+        <p:cNvPr id="1" name=""/>
+        <p:cNvGrpSpPr/>
+        <p:nvPr/>
+      </p:nvGrpSpPr>
+      <p:grpSpPr>
+        <a:xfrm>
+          <a:off x="0" y="0"/>
+          <a:ext cx="0" cy="0"/>
+          <a:chOff x="0" y="0"/>
+          <a:chExt cx="0" cy="0"/>
+        </a:xfrm>
+      </p:grpSpPr>
+      <p:sp>
+        <p:nvSpPr>
+          <p:cNvPr id="2" name="Title 1">
+            <a:extLst>
+              <a:ext uri="{FF2B5EF4-FFF2-40B4-BE49-F238E27FC236}">
                 <a16:creationId xmlns:a16="http://schemas.microsoft.com/office/drawing/2014/main" id="{44E99929-2DBB-25E4-DFDF-4F1FD83C8F94}"/>
               </a:ext>
             </a:extLst>
@@ -31254,6 +32192,18 @@
             <a:r>
               <a:rPr lang="en-US" sz="2000" dirty="0"/>
               <a:t>in October 2004. </a:t>
+            </a:r>
+            <a:r>
+              <a:rPr lang="en-US" sz="2000" dirty="0">
+                <a:solidFill>
+                  <a:srgbClr val="92D050"/>
+                </a:solidFill>
+              </a:rPr>
+              <a:t>Spring Boot </a:t>
+            </a:r>
+            <a:r>
+              <a:rPr lang="en-US" sz="2000" dirty="0"/>
+              <a:t>1.0 was released in April 2014.</a:t>
             </a:r>
           </a:p>
           <a:p>
@@ -31749,7 +32699,7 @@
           <p:cNvPr id="2" name="Title 1">
             <a:extLst>
               <a:ext uri="{FF2B5EF4-FFF2-40B4-BE49-F238E27FC236}">
-                <a16:creationId xmlns:a16="http://schemas.microsoft.com/office/drawing/2014/main" id="{2BF6A4EE-84EC-E485-E512-78ACFCD20BA6}"/>
+                <a16:creationId xmlns:a16="http://schemas.microsoft.com/office/drawing/2014/main" id="{3D818256-1F68-1CA5-64C3-132D1FE721A4}"/>
               </a:ext>
             </a:extLst>
           </p:cNvPr>
@@ -31760,12 +32710,7 @@
             <p:ph type="title"/>
           </p:nvPr>
         </p:nvSpPr>
-        <p:spPr>
-          <a:xfrm>
-            <a:off x="677334" y="609600"/>
-            <a:ext cx="8596668" cy="878732"/>
-          </a:xfrm>
-        </p:spPr>
+        <p:spPr/>
         <p:txBody>
           <a:bodyPr/>
           <a:lstStyle/>
@@ -31782,7 +32727,7 @@
           <p:cNvPr id="3" name="Content Placeholder 2">
             <a:extLst>
               <a:ext uri="{FF2B5EF4-FFF2-40B4-BE49-F238E27FC236}">
-                <a16:creationId xmlns:a16="http://schemas.microsoft.com/office/drawing/2014/main" id="{FB9748CB-6AC2-97D5-F19E-457296339411}"/>
+                <a16:creationId xmlns:a16="http://schemas.microsoft.com/office/drawing/2014/main" id="{99E34243-09E5-8F02-1D25-313D3FFD8913}"/>
               </a:ext>
             </a:extLst>
           </p:cNvPr>
@@ -31793,12 +32738,7 @@
             <p:ph idx="1"/>
           </p:nvPr>
         </p:nvSpPr>
-        <p:spPr>
-          <a:xfrm>
-            <a:off x="677334" y="1614791"/>
-            <a:ext cx="8596668" cy="4426571"/>
-          </a:xfrm>
-        </p:spPr>
+        <p:spPr/>
         <p:txBody>
           <a:bodyPr>
             <a:normAutofit lnSpcReduction="10000"/>
@@ -31806,81 +32746,315 @@
           <a:lstStyle/>
           <a:p>
             <a:r>
-              <a:rPr lang="en-US" sz="2800" dirty="0">
-                <a:solidFill>
-                  <a:schemeClr val="accent1"/>
-                </a:solidFill>
-              </a:rPr>
-              <a:t>IoC</a:t>
-            </a:r>
-            <a:r>
-              <a:rPr lang="en-US" sz="2800" dirty="0">
-                <a:solidFill>
-                  <a:srgbClr val="000000"/>
-                </a:solidFill>
-              </a:rPr>
-              <a:t> is a design principle which recommends to invert different kinds of controls in object-oriented design to achieve loose coupling. </a:t>
-            </a:r>
-          </a:p>
-          <a:p>
-            <a:r>
-              <a:rPr lang="en-US" sz="2800" dirty="0">
-                <a:solidFill>
-                  <a:srgbClr val="000000"/>
-                </a:solidFill>
-              </a:rPr>
-              <a:t>Here, controls refer to any additional responsibilities a class has, other than its main responsibility. </a:t>
-            </a:r>
-          </a:p>
-          <a:p>
-            <a:r>
-              <a:rPr lang="en-US" sz="2800" dirty="0">
-                <a:solidFill>
-                  <a:srgbClr val="000000"/>
-                </a:solidFill>
-              </a:rPr>
-              <a:t>This include control over the flow of an application, and control over the flow of an object creation or dependent object creation and binding.</a:t>
-            </a:r>
-          </a:p>
-          <a:p>
-            <a:endParaRPr lang="en-US" sz="2400" dirty="0">
-              <a:solidFill>
-                <a:srgbClr val="000000"/>
-              </a:solidFill>
-            </a:endParaRPr>
-          </a:p>
-          <a:p>
-            <a:endParaRPr lang="en-US" sz="2400" b="0" i="0" u="none" strike="noStrike" dirty="0">
-              <a:solidFill>
-                <a:srgbClr val="000000"/>
-              </a:solidFill>
-              <a:effectLst/>
-              <a:latin typeface="Raleway" pitchFamily="2" charset="77"/>
-            </a:endParaRPr>
-          </a:p>
-          <a:p>
-            <a:endParaRPr lang="en-US" dirty="0">
-              <a:solidFill>
-                <a:srgbClr val="000000"/>
-              </a:solidFill>
-              <a:latin typeface="Raleway" panose="020F0502020204030204" pitchFamily="34" charset="0"/>
-            </a:endParaRPr>
-          </a:p>
-          <a:p>
-            <a:endParaRPr lang="en-IL" dirty="0"/>
+              <a:rPr lang="en-US" sz="2400" dirty="0"/>
+              <a:t>Inversion of Control is a principle which transfers the control of objects or portions of a program to a container or framework. </a:t>
+            </a:r>
+          </a:p>
+          <a:p>
+            <a:pPr lvl="1"/>
+            <a:r>
+              <a:rPr lang="en-US" sz="2000" dirty="0"/>
+              <a:t>In traditional (procedural) programming, our custom code makes calls to a library,</a:t>
+            </a:r>
+          </a:p>
+          <a:p>
+            <a:pPr lvl="1"/>
+            <a:r>
+              <a:rPr lang="en-US" sz="2000" dirty="0"/>
+              <a:t>In IoC, a framework can take control of the flow of a program and calls to our custom code. </a:t>
+            </a:r>
+          </a:p>
+          <a:p>
+            <a:r>
+              <a:rPr lang="en-US" sz="2400" dirty="0"/>
+              <a:t>IoC inverts the different kinds of control:</a:t>
+            </a:r>
+          </a:p>
+          <a:p>
+            <a:pPr lvl="1"/>
+            <a:r>
+              <a:rPr lang="en-US" sz="2000" dirty="0"/>
+              <a:t>Control Over the Flow of a Program</a:t>
+            </a:r>
+          </a:p>
+          <a:p>
+            <a:pPr lvl="1"/>
+            <a:r>
+              <a:rPr lang="en-US" sz="2000" dirty="0"/>
+              <a:t>Control Over the Dependent Object Creation</a:t>
+            </a:r>
+          </a:p>
+          <a:p>
+            <a:pPr lvl="1"/>
+            <a:endParaRPr lang="en-US" dirty="0"/>
+          </a:p>
+          <a:p>
+            <a:endParaRPr lang="en-US" dirty="0"/>
           </a:p>
         </p:txBody>
       </p:sp>
     </p:spTree>
     <p:extLst>
       <p:ext uri="{BB962C8B-B14F-4D97-AF65-F5344CB8AC3E}">
-        <p14:creationId xmlns:p14="http://schemas.microsoft.com/office/powerpoint/2010/main" val="819969161"/>
+        <p14:creationId xmlns:p14="http://schemas.microsoft.com/office/powerpoint/2010/main" val="732303042"/>
       </p:ext>
     </p:extLst>
   </p:cSld>
   <p:clrMapOvr>
     <a:masterClrMapping/>
   </p:clrMapOvr>
+  <p:timing>
+    <p:tnLst>
+      <p:par>
+        <p:cTn id="1" dur="indefinite" restart="never" nodeType="tmRoot">
+          <p:childTnLst>
+            <p:seq concurrent="1" nextAc="seek">
+              <p:cTn id="2" dur="indefinite" nodeType="mainSeq">
+                <p:childTnLst>
+                  <p:par>
+                    <p:cTn id="3" fill="hold">
+                      <p:stCondLst>
+                        <p:cond delay="indefinite"/>
+                      </p:stCondLst>
+                      <p:childTnLst>
+                        <p:par>
+                          <p:cTn id="4" fill="hold">
+                            <p:stCondLst>
+                              <p:cond delay="0"/>
+                            </p:stCondLst>
+                            <p:childTnLst>
+                              <p:par>
+                                <p:cTn id="5" presetID="1" presetClass="entr" presetSubtype="0" fill="hold" nodeType="clickEffect">
+                                  <p:stCondLst>
+                                    <p:cond delay="0"/>
+                                  </p:stCondLst>
+                                  <p:childTnLst>
+                                    <p:set>
+                                      <p:cBhvr>
+                                        <p:cTn id="6" dur="1" fill="hold">
+                                          <p:stCondLst>
+                                            <p:cond delay="0"/>
+                                          </p:stCondLst>
+                                        </p:cTn>
+                                        <p:tgtEl>
+                                          <p:spTgt spid="3">
+                                            <p:txEl>
+                                              <p:pRg st="0" end="0"/>
+                                            </p:txEl>
+                                          </p:spTgt>
+                                        </p:tgtEl>
+                                        <p:attrNameLst>
+                                          <p:attrName>style.visibility</p:attrName>
+                                        </p:attrNameLst>
+                                      </p:cBhvr>
+                                      <p:to>
+                                        <p:strVal val="visible"/>
+                                      </p:to>
+                                    </p:set>
+                                  </p:childTnLst>
+                                </p:cTn>
+                              </p:par>
+                              <p:par>
+                                <p:cTn id="7" presetID="1" presetClass="entr" presetSubtype="0" fill="hold" nodeType="withEffect">
+                                  <p:stCondLst>
+                                    <p:cond delay="0"/>
+                                  </p:stCondLst>
+                                  <p:childTnLst>
+                                    <p:set>
+                                      <p:cBhvr>
+                                        <p:cTn id="8" dur="1" fill="hold">
+                                          <p:stCondLst>
+                                            <p:cond delay="0"/>
+                                          </p:stCondLst>
+                                        </p:cTn>
+                                        <p:tgtEl>
+                                          <p:spTgt spid="3">
+                                            <p:txEl>
+                                              <p:pRg st="1" end="1"/>
+                                            </p:txEl>
+                                          </p:spTgt>
+                                        </p:tgtEl>
+                                        <p:attrNameLst>
+                                          <p:attrName>style.visibility</p:attrName>
+                                        </p:attrNameLst>
+                                      </p:cBhvr>
+                                      <p:to>
+                                        <p:strVal val="visible"/>
+                                      </p:to>
+                                    </p:set>
+                                  </p:childTnLst>
+                                </p:cTn>
+                              </p:par>
+                              <p:par>
+                                <p:cTn id="9" presetID="1" presetClass="entr" presetSubtype="0" fill="hold" nodeType="withEffect">
+                                  <p:stCondLst>
+                                    <p:cond delay="0"/>
+                                  </p:stCondLst>
+                                  <p:childTnLst>
+                                    <p:set>
+                                      <p:cBhvr>
+                                        <p:cTn id="10" dur="1" fill="hold">
+                                          <p:stCondLst>
+                                            <p:cond delay="0"/>
+                                          </p:stCondLst>
+                                        </p:cTn>
+                                        <p:tgtEl>
+                                          <p:spTgt spid="3">
+                                            <p:txEl>
+                                              <p:pRg st="2" end="2"/>
+                                            </p:txEl>
+                                          </p:spTgt>
+                                        </p:tgtEl>
+                                        <p:attrNameLst>
+                                          <p:attrName>style.visibility</p:attrName>
+                                        </p:attrNameLst>
+                                      </p:cBhvr>
+                                      <p:to>
+                                        <p:strVal val="visible"/>
+                                      </p:to>
+                                    </p:set>
+                                  </p:childTnLst>
+                                </p:cTn>
+                              </p:par>
+                            </p:childTnLst>
+                          </p:cTn>
+                        </p:par>
+                      </p:childTnLst>
+                    </p:cTn>
+                  </p:par>
+                  <p:par>
+                    <p:cTn id="11" fill="hold">
+                      <p:stCondLst>
+                        <p:cond delay="indefinite"/>
+                      </p:stCondLst>
+                      <p:childTnLst>
+                        <p:par>
+                          <p:cTn id="12" fill="hold">
+                            <p:stCondLst>
+                              <p:cond delay="0"/>
+                            </p:stCondLst>
+                            <p:childTnLst>
+                              <p:par>
+                                <p:cTn id="13" presetID="1" presetClass="entr" presetSubtype="0" fill="hold" nodeType="clickEffect">
+                                  <p:stCondLst>
+                                    <p:cond delay="0"/>
+                                  </p:stCondLst>
+                                  <p:childTnLst>
+                                    <p:set>
+                                      <p:cBhvr>
+                                        <p:cTn id="14" dur="1" fill="hold">
+                                          <p:stCondLst>
+                                            <p:cond delay="0"/>
+                                          </p:stCondLst>
+                                        </p:cTn>
+                                        <p:tgtEl>
+                                          <p:spTgt spid="3">
+                                            <p:txEl>
+                                              <p:pRg st="3" end="3"/>
+                                            </p:txEl>
+                                          </p:spTgt>
+                                        </p:tgtEl>
+                                        <p:attrNameLst>
+                                          <p:attrName>style.visibility</p:attrName>
+                                        </p:attrNameLst>
+                                      </p:cBhvr>
+                                      <p:to>
+                                        <p:strVal val="visible"/>
+                                      </p:to>
+                                    </p:set>
+                                  </p:childTnLst>
+                                </p:cTn>
+                              </p:par>
+                              <p:par>
+                                <p:cTn id="15" presetID="1" presetClass="entr" presetSubtype="0" fill="hold" nodeType="withEffect">
+                                  <p:stCondLst>
+                                    <p:cond delay="0"/>
+                                  </p:stCondLst>
+                                  <p:childTnLst>
+                                    <p:set>
+                                      <p:cBhvr>
+                                        <p:cTn id="16" dur="1" fill="hold">
+                                          <p:stCondLst>
+                                            <p:cond delay="0"/>
+                                          </p:stCondLst>
+                                        </p:cTn>
+                                        <p:tgtEl>
+                                          <p:spTgt spid="3">
+                                            <p:txEl>
+                                              <p:pRg st="4" end="4"/>
+                                            </p:txEl>
+                                          </p:spTgt>
+                                        </p:tgtEl>
+                                        <p:attrNameLst>
+                                          <p:attrName>style.visibility</p:attrName>
+                                        </p:attrNameLst>
+                                      </p:cBhvr>
+                                      <p:to>
+                                        <p:strVal val="visible"/>
+                                      </p:to>
+                                    </p:set>
+                                  </p:childTnLst>
+                                </p:cTn>
+                              </p:par>
+                              <p:par>
+                                <p:cTn id="17" presetID="1" presetClass="entr" presetSubtype="0" fill="hold" nodeType="withEffect">
+                                  <p:stCondLst>
+                                    <p:cond delay="0"/>
+                                  </p:stCondLst>
+                                  <p:childTnLst>
+                                    <p:set>
+                                      <p:cBhvr>
+                                        <p:cTn id="18" dur="1" fill="hold">
+                                          <p:stCondLst>
+                                            <p:cond delay="0"/>
+                                          </p:stCondLst>
+                                        </p:cTn>
+                                        <p:tgtEl>
+                                          <p:spTgt spid="3">
+                                            <p:txEl>
+                                              <p:pRg st="5" end="5"/>
+                                            </p:txEl>
+                                          </p:spTgt>
+                                        </p:tgtEl>
+                                        <p:attrNameLst>
+                                          <p:attrName>style.visibility</p:attrName>
+                                        </p:attrNameLst>
+                                      </p:cBhvr>
+                                      <p:to>
+                                        <p:strVal val="visible"/>
+                                      </p:to>
+                                    </p:set>
+                                  </p:childTnLst>
+                                </p:cTn>
+                              </p:par>
+                            </p:childTnLst>
+                          </p:cTn>
+                        </p:par>
+                      </p:childTnLst>
+                    </p:cTn>
+                  </p:par>
+                </p:childTnLst>
+              </p:cTn>
+              <p:prevCondLst>
+                <p:cond evt="onPrev" delay="0">
+                  <p:tgtEl>
+                    <p:sldTgt/>
+                  </p:tgtEl>
+                </p:cond>
+              </p:prevCondLst>
+              <p:nextCondLst>
+                <p:cond evt="onNext" delay="0">
+                  <p:tgtEl>
+                    <p:sldTgt/>
+                  </p:tgtEl>
+                </p:cond>
+              </p:nextCondLst>
+            </p:seq>
+          </p:childTnLst>
+        </p:cTn>
+      </p:par>
+    </p:tnLst>
+  </p:timing>
 </p:sld>
 </file>
 
@@ -31906,7 +33080,7 @@
           <p:cNvPr id="2" name="Title 1">
             <a:extLst>
               <a:ext uri="{FF2B5EF4-FFF2-40B4-BE49-F238E27FC236}">
-                <a16:creationId xmlns:a16="http://schemas.microsoft.com/office/drawing/2014/main" id="{33613CEB-B33C-5604-02BC-3036BDA84F19}"/>
+                <a16:creationId xmlns:a16="http://schemas.microsoft.com/office/drawing/2014/main" id="{6B34D289-DA31-0ECF-5DD0-93B1C3AE01CF}"/>
               </a:ext>
             </a:extLst>
           </p:cNvPr>
@@ -31917,22 +33091,24 @@
             <p:ph type="title"/>
           </p:nvPr>
         </p:nvSpPr>
-        <p:spPr>
-          <a:xfrm>
-            <a:off x="677334" y="609600"/>
-            <a:ext cx="8596668" cy="682487"/>
-          </a:xfrm>
-        </p:spPr>
+        <p:spPr/>
         <p:txBody>
-          <a:bodyPr>
-            <a:normAutofit fontScale="90000"/>
-          </a:bodyPr>
+          <a:bodyPr/>
           <a:lstStyle/>
           <a:p>
             <a:r>
+              <a:rPr lang="en-US" dirty="0"/>
+              <a:t>The </a:t>
+            </a:r>
+            <a:r>
               <a:rPr lang="en-IL" dirty="0"/>
-              <a:t>Lets create a class using traditional OOP programming approach</a:t>
-            </a:r>
+              <a:t>Inversion of Control (IoC)</a:t>
+            </a:r>
+            <a:r>
+              <a:rPr lang="en-US" dirty="0"/>
+              <a:t> - patterns</a:t>
+            </a:r>
+            <a:endParaRPr lang="en-IL" dirty="0"/>
           </a:p>
         </p:txBody>
       </p:sp>
@@ -31941,7 +33117,7 @@
           <p:cNvPr id="3" name="Content Placeholder 2">
             <a:extLst>
               <a:ext uri="{FF2B5EF4-FFF2-40B4-BE49-F238E27FC236}">
-                <a16:creationId xmlns:a16="http://schemas.microsoft.com/office/drawing/2014/main" id="{03CDAC2F-998A-9E7F-DD71-83F787124D43}"/>
+                <a16:creationId xmlns:a16="http://schemas.microsoft.com/office/drawing/2014/main" id="{89730CA2-7299-E997-F8B1-379ED23DF5FD}"/>
               </a:ext>
             </a:extLst>
           </p:cNvPr>
@@ -31949,758 +33125,97 @@
             <a:spLocks noGrp="1"/>
           </p:cNvSpPr>
           <p:nvPr>
-            <p:ph sz="half" idx="1"/>
+            <p:ph idx="1"/>
           </p:nvPr>
         </p:nvSpPr>
         <p:spPr>
           <a:xfrm>
-            <a:off x="677332" y="1756371"/>
-            <a:ext cx="8506423" cy="778107"/>
+            <a:off x="677334" y="1631373"/>
+            <a:ext cx="8596668" cy="4409989"/>
           </a:xfrm>
         </p:spPr>
         <p:txBody>
           <a:bodyPr>
-            <a:normAutofit/>
+            <a:noAutofit/>
           </a:bodyPr>
           <a:lstStyle/>
           <a:p>
             <a:pPr marL="0" indent="0">
+              <a:lnSpc>
+                <a:spcPct val="110000"/>
+              </a:lnSpc>
               <a:buNone/>
             </a:pPr>
             <a:r>
-              <a:rPr lang="en-US" dirty="0"/>
-              <a:t>In traditional OOP programming, upon creation of the object (e.g., Computer), it will also create (</a:t>
-            </a:r>
-            <a:r>
-              <a:rPr lang="en-US" i="1" dirty="0"/>
-              <a:t>new</a:t>
-            </a:r>
-            <a:r>
-              <a:rPr lang="en-US" dirty="0"/>
-              <a:t>) its dependent classes (e.g., Processor, RAM instances):</a:t>
-            </a:r>
-            <a:endParaRPr lang="en-IL" dirty="0"/>
-          </a:p>
-          <a:p>
-            <a:pPr marL="0" indent="0">
-              <a:buNone/>
-            </a:pPr>
-            <a:endParaRPr lang="en-US" dirty="0"/>
-          </a:p>
-          <a:p>
-            <a:endParaRPr lang="en-IL" dirty="0"/>
-          </a:p>
-        </p:txBody>
-      </p:sp>
-      <p:sp>
-        <p:nvSpPr>
-          <p:cNvPr id="7" name="Content Placeholder 2">
-            <a:extLst>
-              <a:ext uri="{FF2B5EF4-FFF2-40B4-BE49-F238E27FC236}">
-                <a16:creationId xmlns:a16="http://schemas.microsoft.com/office/drawing/2014/main" id="{510CD3CA-7661-11B9-AF07-F39AF318C632}"/>
-              </a:ext>
-            </a:extLst>
-          </p:cNvPr>
-          <p:cNvSpPr txBox="1">
-            <a:spLocks/>
-          </p:cNvSpPr>
-          <p:nvPr/>
-        </p:nvSpPr>
-        <p:spPr>
-          <a:xfrm>
-            <a:off x="677333" y="2821899"/>
-            <a:ext cx="4184035" cy="974035"/>
-          </a:xfrm>
-          <a:prstGeom prst="rect">
-            <a:avLst/>
-          </a:prstGeom>
-        </p:spPr>
-        <p:txBody>
-          <a:bodyPr vert="horz" lIns="91440" tIns="45720" rIns="91440" bIns="45720" rtlCol="0">
-            <a:normAutofit/>
-          </a:bodyPr>
-          <a:lstStyle>
-            <a:lvl1pPr marL="342900" indent="-342900" algn="l" defTabSz="457200" rtl="0" eaLnBrk="1" latinLnBrk="0" hangingPunct="1">
-              <a:spcBef>
-                <a:spcPts val="1000"/>
-              </a:spcBef>
-              <a:spcAft>
-                <a:spcPts val="0"/>
-              </a:spcAft>
-              <a:buClr>
-                <a:schemeClr val="accent1"/>
-              </a:buClr>
-              <a:buSzPct val="80000"/>
-              <a:buFont typeface="Wingdings 3" charset="2"/>
-              <a:buChar char=""/>
-              <a:defRPr sz="1800" kern="1200">
-                <a:solidFill>
-                  <a:schemeClr val="tx1">
-                    <a:lumMod val="75000"/>
-                    <a:lumOff val="25000"/>
-                  </a:schemeClr>
-                </a:solidFill>
-                <a:latin typeface="+mn-lt"/>
-                <a:ea typeface="+mn-ea"/>
-                <a:cs typeface="+mn-cs"/>
-              </a:defRPr>
-            </a:lvl1pPr>
-            <a:lvl2pPr marL="742950" indent="-285750" algn="l" defTabSz="457200" rtl="0" eaLnBrk="1" latinLnBrk="0" hangingPunct="1">
-              <a:spcBef>
-                <a:spcPts val="1000"/>
-              </a:spcBef>
-              <a:spcAft>
-                <a:spcPts val="0"/>
-              </a:spcAft>
-              <a:buClr>
-                <a:schemeClr val="accent1"/>
-              </a:buClr>
-              <a:buSzPct val="80000"/>
-              <a:buFont typeface="Wingdings 3" charset="2"/>
-              <a:buChar char=""/>
-              <a:defRPr sz="1600" kern="1200">
-                <a:solidFill>
-                  <a:schemeClr val="tx1">
-                    <a:lumMod val="75000"/>
-                    <a:lumOff val="25000"/>
-                  </a:schemeClr>
-                </a:solidFill>
-                <a:latin typeface="+mn-lt"/>
-                <a:ea typeface="+mn-ea"/>
-                <a:cs typeface="+mn-cs"/>
-              </a:defRPr>
-            </a:lvl2pPr>
-            <a:lvl3pPr marL="1143000" indent="-228600" algn="l" defTabSz="457200" rtl="0" eaLnBrk="1" latinLnBrk="0" hangingPunct="1">
-              <a:spcBef>
-                <a:spcPts val="1000"/>
-              </a:spcBef>
-              <a:spcAft>
-                <a:spcPts val="0"/>
-              </a:spcAft>
-              <a:buClr>
-                <a:schemeClr val="accent1"/>
-              </a:buClr>
-              <a:buSzPct val="80000"/>
-              <a:buFont typeface="Wingdings 3" charset="2"/>
-              <a:buChar char=""/>
-              <a:defRPr sz="1400" kern="1200">
-                <a:solidFill>
-                  <a:schemeClr val="tx1">
-                    <a:lumMod val="75000"/>
-                    <a:lumOff val="25000"/>
-                  </a:schemeClr>
-                </a:solidFill>
-                <a:latin typeface="+mn-lt"/>
-                <a:ea typeface="+mn-ea"/>
-                <a:cs typeface="+mn-cs"/>
-              </a:defRPr>
-            </a:lvl3pPr>
-            <a:lvl4pPr marL="1600200" indent="-228600" algn="l" defTabSz="457200" rtl="0" eaLnBrk="1" latinLnBrk="0" hangingPunct="1">
-              <a:spcBef>
-                <a:spcPts val="1000"/>
-              </a:spcBef>
-              <a:spcAft>
-                <a:spcPts val="0"/>
-              </a:spcAft>
-              <a:buClr>
-                <a:schemeClr val="accent1"/>
-              </a:buClr>
-              <a:buSzPct val="80000"/>
-              <a:buFont typeface="Wingdings 3" charset="2"/>
-              <a:buChar char=""/>
-              <a:defRPr sz="1200" kern="1200">
-                <a:solidFill>
-                  <a:schemeClr val="tx1">
-                    <a:lumMod val="75000"/>
-                    <a:lumOff val="25000"/>
-                  </a:schemeClr>
-                </a:solidFill>
-                <a:latin typeface="+mn-lt"/>
-                <a:ea typeface="+mn-ea"/>
-                <a:cs typeface="+mn-cs"/>
-              </a:defRPr>
-            </a:lvl4pPr>
-            <a:lvl5pPr marL="2057400" indent="-228600" algn="l" defTabSz="457200" rtl="0" eaLnBrk="1" latinLnBrk="0" hangingPunct="1">
-              <a:spcBef>
-                <a:spcPts val="1000"/>
-              </a:spcBef>
-              <a:spcAft>
-                <a:spcPts val="0"/>
-              </a:spcAft>
-              <a:buClr>
-                <a:schemeClr val="accent1"/>
-              </a:buClr>
-              <a:buSzPct val="80000"/>
-              <a:buFont typeface="Wingdings 3" charset="2"/>
-              <a:buChar char=""/>
-              <a:defRPr sz="1200" kern="1200">
-                <a:solidFill>
-                  <a:schemeClr val="tx1">
-                    <a:lumMod val="75000"/>
-                    <a:lumOff val="25000"/>
-                  </a:schemeClr>
-                </a:solidFill>
-                <a:latin typeface="+mn-lt"/>
-                <a:ea typeface="+mn-ea"/>
-                <a:cs typeface="+mn-cs"/>
-              </a:defRPr>
-            </a:lvl5pPr>
-            <a:lvl6pPr marL="2514600" indent="-228600" algn="l" defTabSz="457200" rtl="0" eaLnBrk="1" latinLnBrk="0" hangingPunct="1">
-              <a:spcBef>
-                <a:spcPts val="1000"/>
-              </a:spcBef>
-              <a:spcAft>
-                <a:spcPts val="0"/>
-              </a:spcAft>
-              <a:buClr>
-                <a:schemeClr val="accent1"/>
-              </a:buClr>
-              <a:buSzPct val="80000"/>
-              <a:buFont typeface="Wingdings 3" charset="2"/>
-              <a:buChar char=""/>
-              <a:defRPr sz="1200" kern="1200">
-                <a:solidFill>
-                  <a:schemeClr val="tx1">
-                    <a:lumMod val="75000"/>
-                    <a:lumOff val="25000"/>
-                  </a:schemeClr>
-                </a:solidFill>
-                <a:latin typeface="+mn-lt"/>
-                <a:ea typeface="+mn-ea"/>
-                <a:cs typeface="+mn-cs"/>
-              </a:defRPr>
-            </a:lvl6pPr>
-            <a:lvl7pPr marL="2971800" indent="-228600" algn="l" defTabSz="457200" rtl="0" eaLnBrk="1" latinLnBrk="0" hangingPunct="1">
-              <a:spcBef>
-                <a:spcPts val="1000"/>
-              </a:spcBef>
-              <a:spcAft>
-                <a:spcPts val="0"/>
-              </a:spcAft>
-              <a:buClr>
-                <a:schemeClr val="accent1"/>
-              </a:buClr>
-              <a:buSzPct val="80000"/>
-              <a:buFont typeface="Wingdings 3" charset="2"/>
-              <a:buChar char=""/>
-              <a:defRPr sz="1200" kern="1200">
-                <a:solidFill>
-                  <a:schemeClr val="tx1">
-                    <a:lumMod val="75000"/>
-                    <a:lumOff val="25000"/>
-                  </a:schemeClr>
-                </a:solidFill>
-                <a:latin typeface="+mn-lt"/>
-                <a:ea typeface="+mn-ea"/>
-                <a:cs typeface="+mn-cs"/>
-              </a:defRPr>
-            </a:lvl7pPr>
-            <a:lvl8pPr marL="3429000" indent="-228600" algn="l" defTabSz="457200" rtl="0" eaLnBrk="1" latinLnBrk="0" hangingPunct="1">
-              <a:spcBef>
-                <a:spcPts val="1000"/>
-              </a:spcBef>
-              <a:spcAft>
-                <a:spcPts val="0"/>
-              </a:spcAft>
-              <a:buClr>
-                <a:schemeClr val="accent1"/>
-              </a:buClr>
-              <a:buSzPct val="80000"/>
-              <a:buFont typeface="Wingdings 3" charset="2"/>
-              <a:buChar char=""/>
-              <a:defRPr sz="1200" kern="1200">
-                <a:solidFill>
-                  <a:schemeClr val="tx1">
-                    <a:lumMod val="75000"/>
-                    <a:lumOff val="25000"/>
-                  </a:schemeClr>
-                </a:solidFill>
-                <a:latin typeface="+mn-lt"/>
-                <a:ea typeface="+mn-ea"/>
-                <a:cs typeface="+mn-cs"/>
-              </a:defRPr>
-            </a:lvl8pPr>
-            <a:lvl9pPr marL="3886200" indent="-228600" algn="l" defTabSz="457200" rtl="0" eaLnBrk="1" latinLnBrk="0" hangingPunct="1">
-              <a:spcBef>
-                <a:spcPts val="1000"/>
-              </a:spcBef>
-              <a:spcAft>
-                <a:spcPts val="0"/>
-              </a:spcAft>
-              <a:buClr>
-                <a:schemeClr val="accent1"/>
-              </a:buClr>
-              <a:buSzPct val="80000"/>
-              <a:buFont typeface="Wingdings 3" charset="2"/>
-              <a:buChar char=""/>
-              <a:defRPr sz="1200" kern="1200">
-                <a:solidFill>
-                  <a:schemeClr val="tx1">
-                    <a:lumMod val="75000"/>
-                    <a:lumOff val="25000"/>
-                  </a:schemeClr>
-                </a:solidFill>
-                <a:latin typeface="+mn-lt"/>
-                <a:ea typeface="+mn-ea"/>
-                <a:cs typeface="+mn-cs"/>
-              </a:defRPr>
-            </a:lvl9pPr>
-          </a:lstStyle>
-          <a:p>
-            <a:endParaRPr lang="en-IL" dirty="0"/>
-          </a:p>
-        </p:txBody>
-      </p:sp>
-      <p:sp>
-        <p:nvSpPr>
-          <p:cNvPr id="9" name="TextBox 8">
-            <a:extLst>
-              <a:ext uri="{FF2B5EF4-FFF2-40B4-BE49-F238E27FC236}">
-                <a16:creationId xmlns:a16="http://schemas.microsoft.com/office/drawing/2014/main" id="{033FB78D-07B7-A7FD-D857-1CF10A05237F}"/>
-              </a:ext>
-            </a:extLst>
-          </p:cNvPr>
-          <p:cNvSpPr txBox="1"/>
-          <p:nvPr/>
-        </p:nvSpPr>
-        <p:spPr>
-          <a:xfrm>
-            <a:off x="677332" y="2671025"/>
-            <a:ext cx="8596668" cy="3970318"/>
-          </a:xfrm>
-          <a:prstGeom prst="rect">
-            <a:avLst/>
-          </a:prstGeom>
-          <a:solidFill>
-            <a:schemeClr val="tx2">
-              <a:lumMod val="20000"/>
-              <a:lumOff val="80000"/>
-            </a:schemeClr>
-          </a:solidFill>
-          <a:ln w="12700">
-            <a:solidFill>
-              <a:schemeClr val="accent1"/>
-            </a:solidFill>
-          </a:ln>
-        </p:spPr>
-        <p:txBody>
-          <a:bodyPr wrap="square">
-            <a:spAutoFit/>
-          </a:bodyPr>
-          <a:lstStyle/>
-          <a:p>
-            <a:r>
-              <a:rPr lang="en-IL" dirty="0">
-                <a:solidFill>
-                  <a:srgbClr val="0070C0"/>
-                </a:solidFill>
-                <a:latin typeface="Courier New" panose="02070309020205020404" pitchFamily="49" charset="0"/>
-                <a:cs typeface="Courier New" panose="02070309020205020404" pitchFamily="49" charset="0"/>
-              </a:rPr>
-              <a:t>public</a:t>
-            </a:r>
-            <a:r>
-              <a:rPr lang="en-IL" dirty="0">
-                <a:latin typeface="Courier New" panose="02070309020205020404" pitchFamily="49" charset="0"/>
-                <a:cs typeface="Courier New" panose="02070309020205020404" pitchFamily="49" charset="0"/>
-              </a:rPr>
-              <a:t> </a:t>
-            </a:r>
-            <a:r>
-              <a:rPr lang="en-IL" dirty="0">
-                <a:solidFill>
-                  <a:srgbClr val="0070C0"/>
-                </a:solidFill>
-                <a:latin typeface="Courier New" panose="02070309020205020404" pitchFamily="49" charset="0"/>
-                <a:cs typeface="Courier New" panose="02070309020205020404" pitchFamily="49" charset="0"/>
-              </a:rPr>
-              <a:t>class</a:t>
-            </a:r>
-            <a:r>
-              <a:rPr lang="en-IL" dirty="0">
-                <a:latin typeface="Courier New" panose="02070309020205020404" pitchFamily="49" charset="0"/>
-                <a:cs typeface="Courier New" panose="02070309020205020404" pitchFamily="49" charset="0"/>
-              </a:rPr>
-              <a:t> Computer {</a:t>
-            </a:r>
-          </a:p>
-          <a:p>
-            <a:r>
-              <a:rPr lang="en-IL" dirty="0">
-                <a:latin typeface="Courier New" panose="02070309020205020404" pitchFamily="49" charset="0"/>
-                <a:cs typeface="Courier New" panose="02070309020205020404" pitchFamily="49" charset="0"/>
-              </a:rPr>
-              <a:t>    </a:t>
-            </a:r>
-            <a:r>
-              <a:rPr lang="en-IL" dirty="0">
-                <a:solidFill>
-                  <a:srgbClr val="0070C0"/>
-                </a:solidFill>
-                <a:latin typeface="Courier New" panose="02070309020205020404" pitchFamily="49" charset="0"/>
-                <a:cs typeface="Courier New" panose="02070309020205020404" pitchFamily="49" charset="0"/>
-              </a:rPr>
-              <a:t>private</a:t>
-            </a:r>
-            <a:r>
-              <a:rPr lang="en-IL" dirty="0">
-                <a:latin typeface="Courier New" panose="02070309020205020404" pitchFamily="49" charset="0"/>
-                <a:cs typeface="Courier New" panose="02070309020205020404" pitchFamily="49" charset="0"/>
-              </a:rPr>
-              <a:t> </a:t>
-            </a:r>
-            <a:r>
-              <a:rPr lang="en-IL" dirty="0">
-                <a:solidFill>
-                  <a:srgbClr val="0070C0"/>
-                </a:solidFill>
-                <a:latin typeface="Courier New" panose="02070309020205020404" pitchFamily="49" charset="0"/>
-                <a:cs typeface="Courier New" panose="02070309020205020404" pitchFamily="49" charset="0"/>
-              </a:rPr>
-              <a:t>final</a:t>
-            </a:r>
-            <a:r>
-              <a:rPr lang="en-IL" dirty="0">
-                <a:latin typeface="Courier New" panose="02070309020205020404" pitchFamily="49" charset="0"/>
-                <a:cs typeface="Courier New" panose="02070309020205020404" pitchFamily="49" charset="0"/>
-              </a:rPr>
-              <a:t> </a:t>
-            </a:r>
-            <a:r>
-              <a:rPr lang="en-US" dirty="0">
-                <a:latin typeface="Courier New" panose="02070309020205020404" pitchFamily="49" charset="0"/>
-                <a:cs typeface="Courier New" panose="02070309020205020404" pitchFamily="49" charset="0"/>
-              </a:rPr>
-              <a:t>Processor</a:t>
-            </a:r>
-            <a:r>
-              <a:rPr lang="en-IL" dirty="0">
-                <a:latin typeface="Courier New" panose="02070309020205020404" pitchFamily="49" charset="0"/>
-                <a:cs typeface="Courier New" panose="02070309020205020404" pitchFamily="49" charset="0"/>
-              </a:rPr>
-              <a:t> </a:t>
-            </a:r>
-            <a:r>
-              <a:rPr lang="en-US" dirty="0">
-                <a:latin typeface="Courier New" panose="02070309020205020404" pitchFamily="49" charset="0"/>
-                <a:cs typeface="Courier New" panose="02070309020205020404" pitchFamily="49" charset="0"/>
-              </a:rPr>
-              <a:t>processor</a:t>
-            </a:r>
-            <a:r>
-              <a:rPr lang="en-IL" dirty="0">
-                <a:latin typeface="Courier New" panose="02070309020205020404" pitchFamily="49" charset="0"/>
-                <a:cs typeface="Courier New" panose="02070309020205020404" pitchFamily="49" charset="0"/>
-              </a:rPr>
-              <a:t>;</a:t>
-            </a:r>
-          </a:p>
-          <a:p>
-            <a:r>
-              <a:rPr lang="en-IL" dirty="0">
-                <a:latin typeface="Courier New" panose="02070309020205020404" pitchFamily="49" charset="0"/>
-                <a:cs typeface="Courier New" panose="02070309020205020404" pitchFamily="49" charset="0"/>
-              </a:rPr>
-              <a:t>    </a:t>
-            </a:r>
-            <a:r>
-              <a:rPr lang="en-IL" dirty="0">
-                <a:solidFill>
-                  <a:srgbClr val="0070C0"/>
-                </a:solidFill>
-                <a:latin typeface="Courier New" panose="02070309020205020404" pitchFamily="49" charset="0"/>
-                <a:cs typeface="Courier New" panose="02070309020205020404" pitchFamily="49" charset="0"/>
-              </a:rPr>
-              <a:t>private</a:t>
-            </a:r>
-            <a:r>
-              <a:rPr lang="en-IL" dirty="0">
-                <a:latin typeface="Courier New" panose="02070309020205020404" pitchFamily="49" charset="0"/>
-                <a:cs typeface="Courier New" panose="02070309020205020404" pitchFamily="49" charset="0"/>
-              </a:rPr>
-              <a:t> </a:t>
-            </a:r>
-            <a:r>
-              <a:rPr lang="en-IL" dirty="0">
-                <a:solidFill>
-                  <a:srgbClr val="0070C0"/>
-                </a:solidFill>
-                <a:latin typeface="Courier New" panose="02070309020205020404" pitchFamily="49" charset="0"/>
-                <a:cs typeface="Courier New" panose="02070309020205020404" pitchFamily="49" charset="0"/>
-              </a:rPr>
-              <a:t>final </a:t>
-            </a:r>
-            <a:r>
-              <a:rPr lang="en-IL" dirty="0">
-                <a:latin typeface="Courier New" panose="02070309020205020404" pitchFamily="49" charset="0"/>
-                <a:cs typeface="Courier New" panose="02070309020205020404" pitchFamily="49" charset="0"/>
-              </a:rPr>
-              <a:t>RandomAccessMemory randomAccessMemory;</a:t>
-            </a:r>
-          </a:p>
-          <a:p>
-            <a:r>
-              <a:rPr lang="en-IL" dirty="0">
-                <a:latin typeface="Courier New" panose="02070309020205020404" pitchFamily="49" charset="0"/>
-                <a:cs typeface="Courier New" panose="02070309020205020404" pitchFamily="49" charset="0"/>
-              </a:rPr>
-              <a:t>    </a:t>
-            </a:r>
-            <a:r>
-              <a:rPr lang="en-IL" dirty="0">
-                <a:solidFill>
-                  <a:srgbClr val="0070C0"/>
-                </a:solidFill>
-                <a:latin typeface="Courier New" panose="02070309020205020404" pitchFamily="49" charset="0"/>
-                <a:cs typeface="Courier New" panose="02070309020205020404" pitchFamily="49" charset="0"/>
-              </a:rPr>
-              <a:t>private</a:t>
-            </a:r>
-            <a:r>
-              <a:rPr lang="en-IL" dirty="0">
-                <a:latin typeface="Courier New" panose="02070309020205020404" pitchFamily="49" charset="0"/>
-                <a:cs typeface="Courier New" panose="02070309020205020404" pitchFamily="49" charset="0"/>
-              </a:rPr>
-              <a:t> </a:t>
-            </a:r>
-            <a:r>
-              <a:rPr lang="en-IL" dirty="0">
-                <a:solidFill>
-                  <a:srgbClr val="0070C0"/>
-                </a:solidFill>
-                <a:latin typeface="Courier New" panose="02070309020205020404" pitchFamily="49" charset="0"/>
-                <a:cs typeface="Courier New" panose="02070309020205020404" pitchFamily="49" charset="0"/>
-              </a:rPr>
-              <a:t>final </a:t>
-            </a:r>
-            <a:r>
-              <a:rPr lang="en-IL" dirty="0">
-                <a:latin typeface="Courier New" panose="02070309020205020404" pitchFamily="49" charset="0"/>
-                <a:cs typeface="Courier New" panose="02070309020205020404" pitchFamily="49" charset="0"/>
-              </a:rPr>
-              <a:t>GraphicsCard graphicsCard;</a:t>
-            </a:r>
-          </a:p>
-          <a:p>
-            <a:r>
-              <a:rPr lang="en-IL" dirty="0">
-                <a:latin typeface="Courier New" panose="02070309020205020404" pitchFamily="49" charset="0"/>
-                <a:cs typeface="Courier New" panose="02070309020205020404" pitchFamily="49" charset="0"/>
-              </a:rPr>
-              <a:t>    </a:t>
-            </a:r>
-            <a:r>
-              <a:rPr lang="en-IL" dirty="0">
-                <a:solidFill>
-                  <a:srgbClr val="0070C0"/>
-                </a:solidFill>
-                <a:latin typeface="Courier New" panose="02070309020205020404" pitchFamily="49" charset="0"/>
-                <a:cs typeface="Courier New" panose="02070309020205020404" pitchFamily="49" charset="0"/>
-              </a:rPr>
-              <a:t>private</a:t>
-            </a:r>
-            <a:r>
-              <a:rPr lang="en-IL" dirty="0">
-                <a:latin typeface="Courier New" panose="02070309020205020404" pitchFamily="49" charset="0"/>
-                <a:cs typeface="Courier New" panose="02070309020205020404" pitchFamily="49" charset="0"/>
-              </a:rPr>
-              <a:t> </a:t>
-            </a:r>
-            <a:r>
-              <a:rPr lang="en-IL" dirty="0">
-                <a:solidFill>
-                  <a:srgbClr val="0070C0"/>
-                </a:solidFill>
-                <a:latin typeface="Courier New" panose="02070309020205020404" pitchFamily="49" charset="0"/>
-                <a:cs typeface="Courier New" panose="02070309020205020404" pitchFamily="49" charset="0"/>
-              </a:rPr>
-              <a:t>final </a:t>
-            </a:r>
-            <a:r>
-              <a:rPr lang="en-IL" dirty="0">
-                <a:latin typeface="Courier New" panose="02070309020205020404" pitchFamily="49" charset="0"/>
-                <a:cs typeface="Courier New" panose="02070309020205020404" pitchFamily="49" charset="0"/>
-              </a:rPr>
-              <a:t>Coolers coolers;</a:t>
-            </a:r>
-          </a:p>
-          <a:p>
-            <a:r>
-              <a:rPr lang="en-IL" dirty="0">
-                <a:latin typeface="Courier New" panose="02070309020205020404" pitchFamily="49" charset="0"/>
-                <a:cs typeface="Courier New" panose="02070309020205020404" pitchFamily="49" charset="0"/>
-              </a:rPr>
-              <a:t> </a:t>
-            </a:r>
-          </a:p>
-          <a:p>
-            <a:r>
-              <a:rPr lang="en-IL" dirty="0">
-                <a:latin typeface="Courier New" panose="02070309020205020404" pitchFamily="49" charset="0"/>
-                <a:cs typeface="Courier New" panose="02070309020205020404" pitchFamily="49" charset="0"/>
-              </a:rPr>
-              <a:t>    </a:t>
-            </a:r>
-            <a:r>
-              <a:rPr lang="en-IL" dirty="0">
-                <a:solidFill>
-                  <a:srgbClr val="0070C0"/>
-                </a:solidFill>
-                <a:latin typeface="Courier New" panose="02070309020205020404" pitchFamily="49" charset="0"/>
-                <a:cs typeface="Courier New" panose="02070309020205020404" pitchFamily="49" charset="0"/>
-              </a:rPr>
-              <a:t>public</a:t>
-            </a:r>
-            <a:r>
-              <a:rPr lang="en-IL" dirty="0">
-                <a:latin typeface="Courier New" panose="02070309020205020404" pitchFamily="49" charset="0"/>
-                <a:cs typeface="Courier New" panose="02070309020205020404" pitchFamily="49" charset="0"/>
-              </a:rPr>
-              <a:t> Computer() {</a:t>
-            </a:r>
-          </a:p>
-          <a:p>
-            <a:r>
-              <a:rPr lang="en-IL" dirty="0">
-                <a:latin typeface="Courier New" panose="02070309020205020404" pitchFamily="49" charset="0"/>
-                <a:cs typeface="Courier New" panose="02070309020205020404" pitchFamily="49" charset="0"/>
-              </a:rPr>
-              <a:t>		processor = </a:t>
-            </a:r>
-            <a:r>
-              <a:rPr lang="en-IL" dirty="0">
-                <a:solidFill>
-                  <a:srgbClr val="0070C0"/>
-                </a:solidFill>
-                <a:latin typeface="Courier New" panose="02070309020205020404" pitchFamily="49" charset="0"/>
-                <a:cs typeface="Courier New" panose="02070309020205020404" pitchFamily="49" charset="0"/>
-              </a:rPr>
-              <a:t>new</a:t>
-            </a:r>
-            <a:r>
-              <a:rPr lang="en-IL" dirty="0">
-                <a:latin typeface="Courier New" panose="02070309020205020404" pitchFamily="49" charset="0"/>
-                <a:cs typeface="Courier New" panose="02070309020205020404" pitchFamily="49" charset="0"/>
-              </a:rPr>
-              <a:t> Processor(</a:t>
-            </a:r>
-            <a:r>
-              <a:rPr lang="en-US" dirty="0">
-                <a:latin typeface="Courier New" panose="02070309020205020404" pitchFamily="49" charset="0"/>
-                <a:cs typeface="Courier New" panose="02070309020205020404" pitchFamily="49" charset="0"/>
-              </a:rPr>
-              <a:t>paramCpu1, paramCpu2</a:t>
-            </a:r>
-            <a:r>
-              <a:rPr lang="en-IL" dirty="0">
-                <a:latin typeface="Courier New" panose="02070309020205020404" pitchFamily="49" charset="0"/>
-                <a:cs typeface="Courier New" panose="02070309020205020404" pitchFamily="49" charset="0"/>
-              </a:rPr>
-              <a:t>);</a:t>
-            </a:r>
-          </a:p>
-          <a:p>
-            <a:r>
-              <a:rPr lang="en-IL" dirty="0">
-                <a:latin typeface="Courier New" panose="02070309020205020404" pitchFamily="49" charset="0"/>
-                <a:cs typeface="Courier New" panose="02070309020205020404" pitchFamily="49" charset="0"/>
-              </a:rPr>
-              <a:t> 	   randomAccessMemory = </a:t>
-            </a:r>
-            <a:r>
-              <a:rPr lang="en-IL" dirty="0">
-                <a:solidFill>
-                  <a:srgbClr val="0070C0"/>
-                </a:solidFill>
-                <a:latin typeface="Courier New" panose="02070309020205020404" pitchFamily="49" charset="0"/>
-                <a:cs typeface="Courier New" panose="02070309020205020404" pitchFamily="49" charset="0"/>
-              </a:rPr>
-              <a:t>new</a:t>
-            </a:r>
-            <a:r>
-              <a:rPr lang="en-IL" dirty="0">
-                <a:latin typeface="Courier New" panose="02070309020205020404" pitchFamily="49" charset="0"/>
-                <a:cs typeface="Courier New" panose="02070309020205020404" pitchFamily="49" charset="0"/>
-              </a:rPr>
-              <a:t> RandomAccessMemory(paramRam1, paramRam2, paramRam3);</a:t>
-            </a:r>
-          </a:p>
-          <a:p>
-            <a:r>
-              <a:rPr lang="en-IL" dirty="0">
-                <a:latin typeface="Courier New" panose="02070309020205020404" pitchFamily="49" charset="0"/>
-                <a:cs typeface="Courier New" panose="02070309020205020404" pitchFamily="49" charset="0"/>
-              </a:rPr>
-              <a:t> 	   graphicsCard = </a:t>
-            </a:r>
-            <a:r>
-              <a:rPr lang="en-IL" dirty="0">
-                <a:solidFill>
-                  <a:srgbClr val="0070C0"/>
-                </a:solidFill>
-                <a:latin typeface="Courier New" panose="02070309020205020404" pitchFamily="49" charset="0"/>
-                <a:cs typeface="Courier New" panose="02070309020205020404" pitchFamily="49" charset="0"/>
-              </a:rPr>
-              <a:t>new</a:t>
-            </a:r>
-            <a:r>
-              <a:rPr lang="en-IL" dirty="0">
-                <a:latin typeface="Courier New" panose="02070309020205020404" pitchFamily="49" charset="0"/>
-                <a:cs typeface="Courier New" panose="02070309020205020404" pitchFamily="49" charset="0"/>
-              </a:rPr>
-              <a:t> GraphicsCard(paramGDI1, paramGDI2); </a:t>
-            </a:r>
-          </a:p>
-          <a:p>
-            <a:r>
-              <a:rPr lang="en-IL" dirty="0">
-                <a:latin typeface="Courier New" panose="02070309020205020404" pitchFamily="49" charset="0"/>
-                <a:cs typeface="Courier New" panose="02070309020205020404" pitchFamily="49" charset="0"/>
-              </a:rPr>
-              <a:t>      coolers = </a:t>
-            </a:r>
-            <a:r>
-              <a:rPr lang="en-IL" dirty="0">
-                <a:solidFill>
-                  <a:srgbClr val="0070C0"/>
-                </a:solidFill>
-                <a:latin typeface="Courier New" panose="02070309020205020404" pitchFamily="49" charset="0"/>
-                <a:cs typeface="Courier New" panose="02070309020205020404" pitchFamily="49" charset="0"/>
-              </a:rPr>
-              <a:t>new</a:t>
-            </a:r>
-            <a:r>
-              <a:rPr lang="en-IL" dirty="0">
-                <a:latin typeface="Courier New" panose="02070309020205020404" pitchFamily="49" charset="0"/>
-                <a:cs typeface="Courier New" panose="02070309020205020404" pitchFamily="49" charset="0"/>
-              </a:rPr>
-              <a:t> Coolers(paramCool1);</a:t>
-            </a:r>
-          </a:p>
-          <a:p>
-            <a:r>
-              <a:rPr lang="en-IL" dirty="0">
-                <a:latin typeface="Courier New" panose="02070309020205020404" pitchFamily="49" charset="0"/>
-                <a:cs typeface="Courier New" panose="02070309020205020404" pitchFamily="49" charset="0"/>
-              </a:rPr>
-              <a:t>    }</a:t>
-            </a:r>
-          </a:p>
-          <a:p>
-            <a:r>
-              <a:rPr lang="en-IL" dirty="0">
-                <a:latin typeface="Courier New" panose="02070309020205020404" pitchFamily="49" charset="0"/>
-                <a:cs typeface="Courier New" panose="02070309020205020404" pitchFamily="49" charset="0"/>
-              </a:rPr>
-              <a:t>}</a:t>
-            </a:r>
+              <a:rPr lang="en-US" sz="2400" dirty="0">
+                <a:solidFill>
+                  <a:srgbClr val="000000"/>
+                </a:solidFill>
+              </a:rPr>
+              <a:t>Note: IoC is a principle, not a pattern. It just gives high-level design guidelines but does not give implementation details. The following patterns (but not limited) implements the IoC principle: </a:t>
+            </a:r>
+          </a:p>
+          <a:p>
+            <a:r>
+              <a:rPr lang="en-US" sz="2200" dirty="0">
+                <a:solidFill>
+                  <a:srgbClr val="000000"/>
+                </a:solidFill>
+              </a:rPr>
+              <a:t>Callbacks</a:t>
+            </a:r>
+          </a:p>
+          <a:p>
+            <a:r>
+              <a:rPr lang="en-US" sz="2200" dirty="0">
+                <a:solidFill>
+                  <a:srgbClr val="000000"/>
+                </a:solidFill>
+              </a:rPr>
+              <a:t>Event loops</a:t>
+            </a:r>
+          </a:p>
+          <a:p>
+            <a:r>
+              <a:rPr lang="en-US" sz="2200" dirty="0">
+                <a:solidFill>
+                  <a:srgbClr val="000000"/>
+                </a:solidFill>
+              </a:rPr>
+              <a:t>Factory pattern</a:t>
+            </a:r>
+          </a:p>
+          <a:p>
+            <a:r>
+              <a:rPr lang="en-US" sz="2200" dirty="0">
+                <a:solidFill>
+                  <a:srgbClr val="000000"/>
+                </a:solidFill>
+              </a:rPr>
+              <a:t>Dependency Injection</a:t>
+            </a:r>
+          </a:p>
+          <a:p>
+            <a:r>
+              <a:rPr lang="en-US" sz="2200" dirty="0">
+                <a:solidFill>
+                  <a:srgbClr val="000000"/>
+                </a:solidFill>
+              </a:rPr>
+              <a:t>Etc.</a:t>
+            </a:r>
+            <a:endParaRPr lang="en-IL" sz="2200" dirty="0">
+              <a:solidFill>
+                <a:srgbClr val="000000"/>
+              </a:solidFill>
+            </a:endParaRPr>
           </a:p>
         </p:txBody>
       </p:sp>
     </p:spTree>
     <p:extLst>
       <p:ext uri="{BB962C8B-B14F-4D97-AF65-F5344CB8AC3E}">
-        <p14:creationId xmlns:p14="http://schemas.microsoft.com/office/powerpoint/2010/main" val="2255410467"/>
+        <p14:creationId xmlns:p14="http://schemas.microsoft.com/office/powerpoint/2010/main" val="3013324532"/>
       </p:ext>
     </p:extLst>
   </p:cSld>
